--- a/GT_course/Object Tracking and Pedestrian Detection/CS6476-PS5+Template.pptx
+++ b/GT_course/Object Tracking and Pedestrian Detection/CS6476-PS5+Template.pptx
@@ -1,51 +1,51 @@
 
 <file path=ppt/presentation.xml><?xml version="1.0" encoding="utf-8"?>
-<p:presentation xmlns:a="http://schemas.openxmlformats.org/drawingml/2006/main" xmlns:r="http://schemas.openxmlformats.org/officeDocument/2006/relationships" xmlns:mc="http://schemas.openxmlformats.org/markup-compatibility/2006" xmlns:mv="urn:schemas-microsoft-com:mac:vml" xmlns:p="http://schemas.openxmlformats.org/presentationml/2006/main" xmlns:c="http://schemas.openxmlformats.org/drawingml/2006/chart" xmlns:dgm="http://schemas.openxmlformats.org/drawingml/2006/diagram" xmlns:o="urn:schemas-microsoft-com:office:office" xmlns:v="urn:schemas-microsoft-com:vml" xmlns:pvml="urn:schemas-microsoft-com:office:powerpoint" xmlns:com="http://schemas.openxmlformats.org/drawingml/2006/compatibility" xmlns:p14="http://schemas.microsoft.com/office/powerpoint/2010/main" xmlns:p15="http://schemas.microsoft.com/office/powerpoint/2012/main" autoCompressPictures="0" strictFirstAndLastChars="0" saveSubsetFonts="1">
+<p:presentation xmlns:a="http://schemas.openxmlformats.org/drawingml/2006/main" xmlns:r="http://schemas.openxmlformats.org/officeDocument/2006/relationships" xmlns:p="http://schemas.openxmlformats.org/presentationml/2006/main" strictFirstAndLastChars="0" saveSubsetFonts="1" autoCompressPictures="0">
   <p:sldMasterIdLst>
-    <p:sldMasterId id="2147483654" r:id="rId3"/>
+    <p:sldMasterId id="2147483654" r:id="rId1"/>
   </p:sldMasterIdLst>
   <p:notesMasterIdLst>
-    <p:notesMasterId r:id="rId4"/>
+    <p:notesMasterId r:id="rId35"/>
   </p:notesMasterIdLst>
   <p:sldIdLst>
-    <p:sldId id="256" r:id="rId5"/>
-    <p:sldId id="257" r:id="rId6"/>
-    <p:sldId id="258" r:id="rId7"/>
-    <p:sldId id="259" r:id="rId8"/>
-    <p:sldId id="260" r:id="rId9"/>
-    <p:sldId id="261" r:id="rId10"/>
-    <p:sldId id="262" r:id="rId11"/>
-    <p:sldId id="263" r:id="rId12"/>
-    <p:sldId id="264" r:id="rId13"/>
-    <p:sldId id="265" r:id="rId14"/>
-    <p:sldId id="266" r:id="rId15"/>
-    <p:sldId id="267" r:id="rId16"/>
-    <p:sldId id="268" r:id="rId17"/>
-    <p:sldId id="269" r:id="rId18"/>
-    <p:sldId id="270" r:id="rId19"/>
-    <p:sldId id="271" r:id="rId20"/>
-    <p:sldId id="272" r:id="rId21"/>
-    <p:sldId id="273" r:id="rId22"/>
-    <p:sldId id="274" r:id="rId23"/>
-    <p:sldId id="275" r:id="rId24"/>
-    <p:sldId id="276" r:id="rId25"/>
-    <p:sldId id="277" r:id="rId26"/>
-    <p:sldId id="278" r:id="rId27"/>
-    <p:sldId id="279" r:id="rId28"/>
-    <p:sldId id="280" r:id="rId29"/>
-    <p:sldId id="281" r:id="rId30"/>
-    <p:sldId id="282" r:id="rId31"/>
-    <p:sldId id="283" r:id="rId32"/>
-    <p:sldId id="284" r:id="rId33"/>
-    <p:sldId id="285" r:id="rId34"/>
-    <p:sldId id="286" r:id="rId35"/>
-    <p:sldId id="287" r:id="rId36"/>
-    <p:sldId id="288" r:id="rId37"/>
+    <p:sldId id="256" r:id="rId2"/>
+    <p:sldId id="257" r:id="rId3"/>
+    <p:sldId id="258" r:id="rId4"/>
+    <p:sldId id="259" r:id="rId5"/>
+    <p:sldId id="260" r:id="rId6"/>
+    <p:sldId id="261" r:id="rId7"/>
+    <p:sldId id="262" r:id="rId8"/>
+    <p:sldId id="263" r:id="rId9"/>
+    <p:sldId id="264" r:id="rId10"/>
+    <p:sldId id="265" r:id="rId11"/>
+    <p:sldId id="266" r:id="rId12"/>
+    <p:sldId id="267" r:id="rId13"/>
+    <p:sldId id="268" r:id="rId14"/>
+    <p:sldId id="269" r:id="rId15"/>
+    <p:sldId id="270" r:id="rId16"/>
+    <p:sldId id="271" r:id="rId17"/>
+    <p:sldId id="272" r:id="rId18"/>
+    <p:sldId id="273" r:id="rId19"/>
+    <p:sldId id="274" r:id="rId20"/>
+    <p:sldId id="275" r:id="rId21"/>
+    <p:sldId id="276" r:id="rId22"/>
+    <p:sldId id="277" r:id="rId23"/>
+    <p:sldId id="278" r:id="rId24"/>
+    <p:sldId id="279" r:id="rId25"/>
+    <p:sldId id="280" r:id="rId26"/>
+    <p:sldId id="281" r:id="rId27"/>
+    <p:sldId id="282" r:id="rId28"/>
+    <p:sldId id="283" r:id="rId29"/>
+    <p:sldId id="284" r:id="rId30"/>
+    <p:sldId id="285" r:id="rId31"/>
+    <p:sldId id="286" r:id="rId32"/>
+    <p:sldId id="287" r:id="rId33"/>
+    <p:sldId id="288" r:id="rId34"/>
   </p:sldIdLst>
-  <p:sldSz cy="5143500" cx="9144000"/>
+  <p:sldSz cx="9144000" cy="5143500" type="screen16x9"/>
   <p:notesSz cx="6858000" cy="9144000"/>
   <p:defaultTextStyle>
-    <a:defPPr lvl="0" marR="0" rtl="0" algn="l">
+    <a:defPPr marR="0" lvl="0" algn="l" rtl="0">
       <a:lnSpc>
         <a:spcPct val="100000"/>
       </a:lnSpc>
@@ -56,7 +56,7 @@
         <a:spcPts val="0"/>
       </a:spcAft>
     </a:defPPr>
-    <a:lvl1pPr lvl="0" marR="0" rtl="0" algn="l">
+    <a:lvl1pPr marR="0" lvl="0" algn="l" rtl="0">
       <a:lnSpc>
         <a:spcPct val="100000"/>
       </a:lnSpc>
@@ -70,7 +70,7 @@
         <a:srgbClr val="000000"/>
       </a:buClr>
       <a:buFont typeface="Arial"/>
-      <a:defRPr b="0" i="0" sz="1400" u="none" cap="none" strike="noStrike">
+      <a:defRPr sz="1400" b="0" i="0" u="none" strike="noStrike" cap="none">
         <a:solidFill>
           <a:srgbClr val="000000"/>
         </a:solidFill>
@@ -80,7 +80,7 @@
         <a:sym typeface="Arial"/>
       </a:defRPr>
     </a:lvl1pPr>
-    <a:lvl2pPr lvl="1" marR="0" rtl="0" algn="l">
+    <a:lvl2pPr marR="0" lvl="1" algn="l" rtl="0">
       <a:lnSpc>
         <a:spcPct val="100000"/>
       </a:lnSpc>
@@ -94,7 +94,7 @@
         <a:srgbClr val="000000"/>
       </a:buClr>
       <a:buFont typeface="Arial"/>
-      <a:defRPr b="0" i="0" sz="1400" u="none" cap="none" strike="noStrike">
+      <a:defRPr sz="1400" b="0" i="0" u="none" strike="noStrike" cap="none">
         <a:solidFill>
           <a:srgbClr val="000000"/>
         </a:solidFill>
@@ -104,7 +104,7 @@
         <a:sym typeface="Arial"/>
       </a:defRPr>
     </a:lvl2pPr>
-    <a:lvl3pPr lvl="2" marR="0" rtl="0" algn="l">
+    <a:lvl3pPr marR="0" lvl="2" algn="l" rtl="0">
       <a:lnSpc>
         <a:spcPct val="100000"/>
       </a:lnSpc>
@@ -118,7 +118,7 @@
         <a:srgbClr val="000000"/>
       </a:buClr>
       <a:buFont typeface="Arial"/>
-      <a:defRPr b="0" i="0" sz="1400" u="none" cap="none" strike="noStrike">
+      <a:defRPr sz="1400" b="0" i="0" u="none" strike="noStrike" cap="none">
         <a:solidFill>
           <a:srgbClr val="000000"/>
         </a:solidFill>
@@ -128,7 +128,7 @@
         <a:sym typeface="Arial"/>
       </a:defRPr>
     </a:lvl3pPr>
-    <a:lvl4pPr lvl="3" marR="0" rtl="0" algn="l">
+    <a:lvl4pPr marR="0" lvl="3" algn="l" rtl="0">
       <a:lnSpc>
         <a:spcPct val="100000"/>
       </a:lnSpc>
@@ -142,7 +142,7 @@
         <a:srgbClr val="000000"/>
       </a:buClr>
       <a:buFont typeface="Arial"/>
-      <a:defRPr b="0" i="0" sz="1400" u="none" cap="none" strike="noStrike">
+      <a:defRPr sz="1400" b="0" i="0" u="none" strike="noStrike" cap="none">
         <a:solidFill>
           <a:srgbClr val="000000"/>
         </a:solidFill>
@@ -152,7 +152,7 @@
         <a:sym typeface="Arial"/>
       </a:defRPr>
     </a:lvl4pPr>
-    <a:lvl5pPr lvl="4" marR="0" rtl="0" algn="l">
+    <a:lvl5pPr marR="0" lvl="4" algn="l" rtl="0">
       <a:lnSpc>
         <a:spcPct val="100000"/>
       </a:lnSpc>
@@ -166,7 +166,7 @@
         <a:srgbClr val="000000"/>
       </a:buClr>
       <a:buFont typeface="Arial"/>
-      <a:defRPr b="0" i="0" sz="1400" u="none" cap="none" strike="noStrike">
+      <a:defRPr sz="1400" b="0" i="0" u="none" strike="noStrike" cap="none">
         <a:solidFill>
           <a:srgbClr val="000000"/>
         </a:solidFill>
@@ -176,7 +176,7 @@
         <a:sym typeface="Arial"/>
       </a:defRPr>
     </a:lvl5pPr>
-    <a:lvl6pPr lvl="5" marR="0" rtl="0" algn="l">
+    <a:lvl6pPr marR="0" lvl="5" algn="l" rtl="0">
       <a:lnSpc>
         <a:spcPct val="100000"/>
       </a:lnSpc>
@@ -190,7 +190,7 @@
         <a:srgbClr val="000000"/>
       </a:buClr>
       <a:buFont typeface="Arial"/>
-      <a:defRPr b="0" i="0" sz="1400" u="none" cap="none" strike="noStrike">
+      <a:defRPr sz="1400" b="0" i="0" u="none" strike="noStrike" cap="none">
         <a:solidFill>
           <a:srgbClr val="000000"/>
         </a:solidFill>
@@ -200,7 +200,7 @@
         <a:sym typeface="Arial"/>
       </a:defRPr>
     </a:lvl6pPr>
-    <a:lvl7pPr lvl="6" marR="0" rtl="0" algn="l">
+    <a:lvl7pPr marR="0" lvl="6" algn="l" rtl="0">
       <a:lnSpc>
         <a:spcPct val="100000"/>
       </a:lnSpc>
@@ -214,7 +214,7 @@
         <a:srgbClr val="000000"/>
       </a:buClr>
       <a:buFont typeface="Arial"/>
-      <a:defRPr b="0" i="0" sz="1400" u="none" cap="none" strike="noStrike">
+      <a:defRPr sz="1400" b="0" i="0" u="none" strike="noStrike" cap="none">
         <a:solidFill>
           <a:srgbClr val="000000"/>
         </a:solidFill>
@@ -224,7 +224,7 @@
         <a:sym typeface="Arial"/>
       </a:defRPr>
     </a:lvl7pPr>
-    <a:lvl8pPr lvl="7" marR="0" rtl="0" algn="l">
+    <a:lvl8pPr marR="0" lvl="7" algn="l" rtl="0">
       <a:lnSpc>
         <a:spcPct val="100000"/>
       </a:lnSpc>
@@ -238,7 +238,7 @@
         <a:srgbClr val="000000"/>
       </a:buClr>
       <a:buFont typeface="Arial"/>
-      <a:defRPr b="0" i="0" sz="1400" u="none" cap="none" strike="noStrike">
+      <a:defRPr sz="1400" b="0" i="0" u="none" strike="noStrike" cap="none">
         <a:solidFill>
           <a:srgbClr val="000000"/>
         </a:solidFill>
@@ -248,7 +248,7 @@
         <a:sym typeface="Arial"/>
       </a:defRPr>
     </a:lvl8pPr>
-    <a:lvl9pPr lvl="8" marR="0" rtl="0" algn="l">
+    <a:lvl9pPr marR="0" lvl="8" algn="l" rtl="0">
       <a:lnSpc>
         <a:spcPct val="100000"/>
       </a:lnSpc>
@@ -262,7 +262,7 @@
         <a:srgbClr val="000000"/>
       </a:buClr>
       <a:buFont typeface="Arial"/>
-      <a:defRPr b="0" i="0" sz="1400" u="none" cap="none" strike="noStrike">
+      <a:defRPr sz="1400" b="0" i="0" u="none" strike="noStrike" cap="none">
         <a:solidFill>
           <a:srgbClr val="000000"/>
         </a:solidFill>
@@ -277,11 +277,16 @@
 </file>
 
 <file path=ppt/notesMasters/notesMaster1.xml><?xml version="1.0" encoding="utf-8"?>
-<p:notesMaster xmlns:a="http://schemas.openxmlformats.org/drawingml/2006/main" xmlns:r="http://schemas.openxmlformats.org/officeDocument/2006/relationships" xmlns:mc="http://schemas.openxmlformats.org/markup-compatibility/2006" xmlns:mv="urn:schemas-microsoft-com:mac:vml" xmlns:p="http://schemas.openxmlformats.org/presentationml/2006/main" xmlns:c="http://schemas.openxmlformats.org/drawingml/2006/chart" xmlns:dgm="http://schemas.openxmlformats.org/drawingml/2006/diagram" xmlns:o="urn:schemas-microsoft-com:office:office" xmlns:v="urn:schemas-microsoft-com:vml" xmlns:pvml="urn:schemas-microsoft-com:office:powerpoint" xmlns:com="http://schemas.openxmlformats.org/drawingml/2006/compatibility" xmlns:p14="http://schemas.microsoft.com/office/powerpoint/2010/main" xmlns:p15="http://schemas.microsoft.com/office/powerpoint/2012/main">
+<p:notesMaster xmlns:a="http://schemas.openxmlformats.org/drawingml/2006/main" xmlns:r="http://schemas.openxmlformats.org/officeDocument/2006/relationships" xmlns:p="http://schemas.openxmlformats.org/presentationml/2006/main">
   <p:cSld>
+    <p:bg>
+      <p:bgRef idx="1001">
+        <a:schemeClr val="bg1"/>
+      </p:bgRef>
+    </p:bg>
     <p:spTree>
       <p:nvGrpSpPr>
-        <p:cNvPr id="2" name="Shape 2"/>
+        <p:cNvPr id="1" name="Shape 2"/>
         <p:cNvGrpSpPr/>
         <p:nvPr/>
       </p:nvGrpSpPr>
@@ -296,9 +301,11 @@
       <p:sp>
         <p:nvSpPr>
           <p:cNvPr id="3" name="Google Shape;3;n"/>
-          <p:cNvSpPr/>
+          <p:cNvSpPr>
+            <a:spLocks noGrp="1" noRot="1" noChangeAspect="1"/>
+          </p:cNvSpPr>
           <p:nvPr>
-            <p:ph idx="2" type="sldImg"/>
+            <p:ph type="sldImg" idx="2"/>
           </p:nvPr>
         </p:nvSpPr>
         <p:spPr>
@@ -307,9 +314,13 @@
             <a:ext cx="6096300" cy="3429000"/>
           </a:xfrm>
           <a:custGeom>
-            <a:rect b="b" l="l" r="r" t="t"/>
+            <a:avLst/>
+            <a:gdLst/>
+            <a:ahLst/>
+            <a:cxnLst/>
+            <a:rect l="l" t="t" r="r" b="b"/>
             <a:pathLst>
-              <a:path extrusionOk="0" h="120000" w="120000">
+              <a:path w="120000" h="120000" extrusionOk="0">
                 <a:moveTo>
                   <a:pt x="0" y="0"/>
                 </a:moveTo>
@@ -327,23 +338,25 @@
             </a:pathLst>
           </a:custGeom>
           <a:noFill/>
-          <a:ln cap="flat" cmpd="sng" w="9525">
+          <a:ln w="9525" cap="flat" cmpd="sng">
             <a:solidFill>
               <a:srgbClr val="000000"/>
             </a:solidFill>
             <a:prstDash val="solid"/>
             <a:round/>
-            <a:headEnd len="sm" w="sm" type="none"/>
-            <a:tailEnd len="sm" w="sm" type="none"/>
+            <a:headEnd type="none" w="sm" len="sm"/>
+            <a:tailEnd type="none" w="sm" len="sm"/>
           </a:ln>
         </p:spPr>
       </p:sp>
       <p:sp>
         <p:nvSpPr>
           <p:cNvPr id="4" name="Google Shape;4;n"/>
-          <p:cNvSpPr txBox="1"/>
+          <p:cNvSpPr txBox="1">
+            <a:spLocks noGrp="1"/>
+          </p:cNvSpPr>
           <p:nvPr>
-            <p:ph idx="1" type="body"/>
+            <p:ph type="body" idx="1"/>
           </p:nvPr>
         </p:nvSpPr>
         <p:spPr>
@@ -360,9 +373,9 @@
           </a:ln>
         </p:spPr>
         <p:txBody>
-          <a:bodyPr anchorCtr="0" anchor="t" bIns="91425" lIns="91425" spcFirstLastPara="1" rIns="91425" wrap="square" tIns="91425"/>
+          <a:bodyPr spcFirstLastPara="1" wrap="square" lIns="91425" tIns="91425" rIns="91425" bIns="91425" anchor="t" anchorCtr="0"/>
           <a:lstStyle>
-            <a:lvl1pPr indent="-317500" lvl="0" marL="457200">
+            <a:lvl1pPr marL="457200" lvl="0" indent="-317500">
               <a:spcBef>
                 <a:spcPts val="0"/>
               </a:spcBef>
@@ -373,7 +386,7 @@
               <a:buChar char="●"/>
               <a:defRPr sz="1100"/>
             </a:lvl1pPr>
-            <a:lvl2pPr indent="-317500" lvl="1" marL="914400">
+            <a:lvl2pPr marL="914400" lvl="1" indent="-317500">
               <a:spcBef>
                 <a:spcPts val="0"/>
               </a:spcBef>
@@ -384,7 +397,7 @@
               <a:buChar char="○"/>
               <a:defRPr sz="1100"/>
             </a:lvl2pPr>
-            <a:lvl3pPr indent="-317500" lvl="2" marL="1371600">
+            <a:lvl3pPr marL="1371600" lvl="2" indent="-317500">
               <a:spcBef>
                 <a:spcPts val="0"/>
               </a:spcBef>
@@ -395,7 +408,7 @@
               <a:buChar char="■"/>
               <a:defRPr sz="1100"/>
             </a:lvl3pPr>
-            <a:lvl4pPr indent="-317500" lvl="3" marL="1828800">
+            <a:lvl4pPr marL="1828800" lvl="3" indent="-317500">
               <a:spcBef>
                 <a:spcPts val="0"/>
               </a:spcBef>
@@ -406,7 +419,7 @@
               <a:buChar char="●"/>
               <a:defRPr sz="1100"/>
             </a:lvl4pPr>
-            <a:lvl5pPr indent="-317500" lvl="4" marL="2286000">
+            <a:lvl5pPr marL="2286000" lvl="4" indent="-317500">
               <a:spcBef>
                 <a:spcPts val="0"/>
               </a:spcBef>
@@ -417,7 +430,7 @@
               <a:buChar char="○"/>
               <a:defRPr sz="1100"/>
             </a:lvl5pPr>
-            <a:lvl6pPr indent="-317500" lvl="5" marL="2743200">
+            <a:lvl6pPr marL="2743200" lvl="5" indent="-317500">
               <a:spcBef>
                 <a:spcPts val="0"/>
               </a:spcBef>
@@ -428,7 +441,7 @@
               <a:buChar char="■"/>
               <a:defRPr sz="1100"/>
             </a:lvl6pPr>
-            <a:lvl7pPr indent="-317500" lvl="6" marL="3200400">
+            <a:lvl7pPr marL="3200400" lvl="6" indent="-317500">
               <a:spcBef>
                 <a:spcPts val="0"/>
               </a:spcBef>
@@ -439,7 +452,7 @@
               <a:buChar char="●"/>
               <a:defRPr sz="1100"/>
             </a:lvl7pPr>
-            <a:lvl8pPr indent="-317500" lvl="7" marL="3657600">
+            <a:lvl8pPr marL="3657600" lvl="7" indent="-317500">
               <a:spcBef>
                 <a:spcPts val="0"/>
               </a:spcBef>
@@ -450,7 +463,7 @@
               <a:buChar char="○"/>
               <a:defRPr sz="1100"/>
             </a:lvl8pPr>
-            <a:lvl9pPr indent="-317500" lvl="8" marL="4114800">
+            <a:lvl9pPr marL="4114800" lvl="8" indent="-317500">
               <a:spcBef>
                 <a:spcPts val="0"/>
               </a:spcBef>
@@ -462,14 +475,16 @@
               <a:defRPr sz="1100"/>
             </a:lvl9pPr>
           </a:lstStyle>
-          <a:p/>
+          <a:p>
+            <a:endParaRPr/>
+          </a:p>
         </p:txBody>
       </p:sp>
     </p:spTree>
   </p:cSld>
-  <p:clrMap accent1="accent1" accent2="accent2" accent3="accent3" accent4="accent4" accent5="accent5" accent6="accent6" bg1="lt1" bg2="dk2" tx1="dk1" tx2="lt2" folHlink="folHlink" hlink="hlink"/>
+  <p:clrMap bg1="lt1" tx1="dk1" bg2="dk2" tx2="lt2" accent1="accent1" accent2="accent2" accent3="accent3" accent4="accent4" accent5="accent5" accent6="accent6" hlink="hlink" folHlink="folHlink"/>
   <p:notesStyle>
-    <a:defPPr lvl="0" marR="0" rtl="0" algn="l">
+    <a:defPPr marR="0" lvl="0" algn="l" rtl="0">
       <a:lnSpc>
         <a:spcPct val="100000"/>
       </a:lnSpc>
@@ -480,7 +495,7 @@
         <a:spcPts val="0"/>
       </a:spcAft>
     </a:defPPr>
-    <a:lvl1pPr lvl="0" marR="0" rtl="0" algn="l">
+    <a:lvl1pPr marR="0" lvl="0" algn="l" rtl="0">
       <a:lnSpc>
         <a:spcPct val="100000"/>
       </a:lnSpc>
@@ -494,7 +509,7 @@
         <a:srgbClr val="000000"/>
       </a:buClr>
       <a:buFont typeface="Arial"/>
-      <a:defRPr b="0" i="0" sz="1400" u="none" cap="none" strike="noStrike">
+      <a:defRPr sz="1400" b="0" i="0" u="none" strike="noStrike" cap="none">
         <a:solidFill>
           <a:srgbClr val="000000"/>
         </a:solidFill>
@@ -504,7 +519,7 @@
         <a:sym typeface="Arial"/>
       </a:defRPr>
     </a:lvl1pPr>
-    <a:lvl2pPr lvl="1" marR="0" rtl="0" algn="l">
+    <a:lvl2pPr marR="0" lvl="1" algn="l" rtl="0">
       <a:lnSpc>
         <a:spcPct val="100000"/>
       </a:lnSpc>
@@ -518,7 +533,7 @@
         <a:srgbClr val="000000"/>
       </a:buClr>
       <a:buFont typeface="Arial"/>
-      <a:defRPr b="0" i="0" sz="1400" u="none" cap="none" strike="noStrike">
+      <a:defRPr sz="1400" b="0" i="0" u="none" strike="noStrike" cap="none">
         <a:solidFill>
           <a:srgbClr val="000000"/>
         </a:solidFill>
@@ -528,7 +543,7 @@
         <a:sym typeface="Arial"/>
       </a:defRPr>
     </a:lvl2pPr>
-    <a:lvl3pPr lvl="2" marR="0" rtl="0" algn="l">
+    <a:lvl3pPr marR="0" lvl="2" algn="l" rtl="0">
       <a:lnSpc>
         <a:spcPct val="100000"/>
       </a:lnSpc>
@@ -542,7 +557,7 @@
         <a:srgbClr val="000000"/>
       </a:buClr>
       <a:buFont typeface="Arial"/>
-      <a:defRPr b="0" i="0" sz="1400" u="none" cap="none" strike="noStrike">
+      <a:defRPr sz="1400" b="0" i="0" u="none" strike="noStrike" cap="none">
         <a:solidFill>
           <a:srgbClr val="000000"/>
         </a:solidFill>
@@ -552,7 +567,7 @@
         <a:sym typeface="Arial"/>
       </a:defRPr>
     </a:lvl3pPr>
-    <a:lvl4pPr lvl="3" marR="0" rtl="0" algn="l">
+    <a:lvl4pPr marR="0" lvl="3" algn="l" rtl="0">
       <a:lnSpc>
         <a:spcPct val="100000"/>
       </a:lnSpc>
@@ -566,7 +581,7 @@
         <a:srgbClr val="000000"/>
       </a:buClr>
       <a:buFont typeface="Arial"/>
-      <a:defRPr b="0" i="0" sz="1400" u="none" cap="none" strike="noStrike">
+      <a:defRPr sz="1400" b="0" i="0" u="none" strike="noStrike" cap="none">
         <a:solidFill>
           <a:srgbClr val="000000"/>
         </a:solidFill>
@@ -576,7 +591,7 @@
         <a:sym typeface="Arial"/>
       </a:defRPr>
     </a:lvl4pPr>
-    <a:lvl5pPr lvl="4" marR="0" rtl="0" algn="l">
+    <a:lvl5pPr marR="0" lvl="4" algn="l" rtl="0">
       <a:lnSpc>
         <a:spcPct val="100000"/>
       </a:lnSpc>
@@ -590,7 +605,7 @@
         <a:srgbClr val="000000"/>
       </a:buClr>
       <a:buFont typeface="Arial"/>
-      <a:defRPr b="0" i="0" sz="1400" u="none" cap="none" strike="noStrike">
+      <a:defRPr sz="1400" b="0" i="0" u="none" strike="noStrike" cap="none">
         <a:solidFill>
           <a:srgbClr val="000000"/>
         </a:solidFill>
@@ -600,7 +615,7 @@
         <a:sym typeface="Arial"/>
       </a:defRPr>
     </a:lvl5pPr>
-    <a:lvl6pPr lvl="5" marR="0" rtl="0" algn="l">
+    <a:lvl6pPr marR="0" lvl="5" algn="l" rtl="0">
       <a:lnSpc>
         <a:spcPct val="100000"/>
       </a:lnSpc>
@@ -614,7 +629,7 @@
         <a:srgbClr val="000000"/>
       </a:buClr>
       <a:buFont typeface="Arial"/>
-      <a:defRPr b="0" i="0" sz="1400" u="none" cap="none" strike="noStrike">
+      <a:defRPr sz="1400" b="0" i="0" u="none" strike="noStrike" cap="none">
         <a:solidFill>
           <a:srgbClr val="000000"/>
         </a:solidFill>
@@ -624,7 +639,7 @@
         <a:sym typeface="Arial"/>
       </a:defRPr>
     </a:lvl6pPr>
-    <a:lvl7pPr lvl="6" marR="0" rtl="0" algn="l">
+    <a:lvl7pPr marR="0" lvl="6" algn="l" rtl="0">
       <a:lnSpc>
         <a:spcPct val="100000"/>
       </a:lnSpc>
@@ -638,7 +653,7 @@
         <a:srgbClr val="000000"/>
       </a:buClr>
       <a:buFont typeface="Arial"/>
-      <a:defRPr b="0" i="0" sz="1400" u="none" cap="none" strike="noStrike">
+      <a:defRPr sz="1400" b="0" i="0" u="none" strike="noStrike" cap="none">
         <a:solidFill>
           <a:srgbClr val="000000"/>
         </a:solidFill>
@@ -648,7 +663,7 @@
         <a:sym typeface="Arial"/>
       </a:defRPr>
     </a:lvl7pPr>
-    <a:lvl8pPr lvl="7" marR="0" rtl="0" algn="l">
+    <a:lvl8pPr marR="0" lvl="7" algn="l" rtl="0">
       <a:lnSpc>
         <a:spcPct val="100000"/>
       </a:lnSpc>
@@ -662,7 +677,7 @@
         <a:srgbClr val="000000"/>
       </a:buClr>
       <a:buFont typeface="Arial"/>
-      <a:defRPr b="0" i="0" sz="1400" u="none" cap="none" strike="noStrike">
+      <a:defRPr sz="1400" b="0" i="0" u="none" strike="noStrike" cap="none">
         <a:solidFill>
           <a:srgbClr val="000000"/>
         </a:solidFill>
@@ -672,7 +687,7 @@
         <a:sym typeface="Arial"/>
       </a:defRPr>
     </a:lvl8pPr>
-    <a:lvl9pPr lvl="8" marR="0" rtl="0" algn="l">
+    <a:lvl9pPr marR="0" lvl="8" algn="l" rtl="0">
       <a:lnSpc>
         <a:spcPct val="100000"/>
       </a:lnSpc>
@@ -686,7 +701,7 @@
         <a:srgbClr val="000000"/>
       </a:buClr>
       <a:buFont typeface="Arial"/>
-      <a:defRPr b="0" i="0" sz="1400" u="none" cap="none" strike="noStrike">
+      <a:defRPr sz="1400" b="0" i="0" u="none" strike="noStrike" cap="none">
         <a:solidFill>
           <a:srgbClr val="000000"/>
         </a:solidFill>
@@ -701,11 +716,11 @@
 </file>
 
 <file path=ppt/notesSlides/notesSlide1.xml><?xml version="1.0" encoding="utf-8"?>
-<p:notes xmlns:a="http://schemas.openxmlformats.org/drawingml/2006/main" xmlns:r="http://schemas.openxmlformats.org/officeDocument/2006/relationships" xmlns:mc="http://schemas.openxmlformats.org/markup-compatibility/2006" xmlns:mv="urn:schemas-microsoft-com:mac:vml" xmlns:p="http://schemas.openxmlformats.org/presentationml/2006/main" xmlns:c="http://schemas.openxmlformats.org/drawingml/2006/chart" xmlns:dgm="http://schemas.openxmlformats.org/drawingml/2006/diagram" xmlns:o="urn:schemas-microsoft-com:office:office" xmlns:v="urn:schemas-microsoft-com:vml" xmlns:pvml="urn:schemas-microsoft-com:office:powerpoint" xmlns:com="http://schemas.openxmlformats.org/drawingml/2006/compatibility" xmlns:p14="http://schemas.microsoft.com/office/powerpoint/2010/main" xmlns:p15="http://schemas.microsoft.com/office/powerpoint/2012/main" showMasterPhAnim="0" showMasterSp="0">
+<p:notes xmlns:a="http://schemas.openxmlformats.org/drawingml/2006/main" xmlns:r="http://schemas.openxmlformats.org/officeDocument/2006/relationships" xmlns:p="http://schemas.openxmlformats.org/presentationml/2006/main" showMasterSp="0" showMasterPhAnim="0">
   <p:cSld>
     <p:spTree>
       <p:nvGrpSpPr>
-        <p:cNvPr id="30" name="Shape 30"/>
+        <p:cNvPr id="1" name="Shape 30"/>
         <p:cNvGrpSpPr/>
         <p:nvPr/>
       </p:nvGrpSpPr>
@@ -720,20 +735,26 @@
       <p:sp>
         <p:nvSpPr>
           <p:cNvPr id="31" name="Google Shape;31;p:notes"/>
-          <p:cNvSpPr/>
+          <p:cNvSpPr>
+            <a:spLocks noGrp="1" noRot="1" noChangeAspect="1"/>
+          </p:cNvSpPr>
           <p:nvPr>
-            <p:ph idx="2" type="sldImg"/>
+            <p:ph type="sldImg" idx="2"/>
           </p:nvPr>
         </p:nvSpPr>
         <p:spPr>
           <a:xfrm>
-            <a:off x="381188" y="685800"/>
-            <a:ext cx="6096300" cy="3429000"/>
+            <a:off x="381000" y="685800"/>
+            <a:ext cx="6096000" cy="3429000"/>
           </a:xfrm>
           <a:custGeom>
-            <a:rect b="b" l="l" r="r" t="t"/>
+            <a:avLst/>
+            <a:gdLst/>
+            <a:ahLst/>
+            <a:cxnLst/>
+            <a:rect l="l" t="t" r="r" b="b"/>
             <a:pathLst>
-              <a:path extrusionOk="0" h="120000" w="120000">
+              <a:path w="120000" h="120000" extrusionOk="0">
                 <a:moveTo>
                   <a:pt x="0" y="0"/>
                 </a:moveTo>
@@ -755,9 +776,11 @@
       <p:sp>
         <p:nvSpPr>
           <p:cNvPr id="32" name="Google Shape;32;p:notes"/>
-          <p:cNvSpPr txBox="1"/>
+          <p:cNvSpPr txBox="1">
+            <a:spLocks noGrp="1"/>
+          </p:cNvSpPr>
           <p:nvPr>
-            <p:ph idx="1" type="body"/>
+            <p:ph type="body" idx="1"/>
           </p:nvPr>
         </p:nvSpPr>
         <p:spPr>
@@ -770,12 +793,12 @@
           </a:prstGeom>
         </p:spPr>
         <p:txBody>
-          <a:bodyPr anchorCtr="0" anchor="t" bIns="91425" lIns="91425" spcFirstLastPara="1" rIns="91425" wrap="square" tIns="91425">
+          <a:bodyPr spcFirstLastPara="1" wrap="square" lIns="91425" tIns="91425" rIns="91425" bIns="91425" anchor="t" anchorCtr="0">
             <a:noAutofit/>
           </a:bodyPr>
           <a:lstStyle/>
           <a:p>
-            <a:pPr indent="0" lvl="0" marL="0" rtl="0" algn="l">
+            <a:pPr marL="0" lvl="0" indent="0" algn="l" rtl="0">
               <a:spcBef>
                 <a:spcPts val="0"/>
               </a:spcBef>
@@ -784,9 +807,6 @@
               </a:spcAft>
               <a:buNone/>
             </a:pPr>
-            <a:r>
-              <a:t/>
-            </a:r>
             <a:endParaRPr/>
           </a:p>
         </p:txBody>
@@ -800,11 +820,11 @@
 </file>
 
 <file path=ppt/notesSlides/notesSlide10.xml><?xml version="1.0" encoding="utf-8"?>
-<p:notes xmlns:a="http://schemas.openxmlformats.org/drawingml/2006/main" xmlns:r="http://schemas.openxmlformats.org/officeDocument/2006/relationships" xmlns:mc="http://schemas.openxmlformats.org/markup-compatibility/2006" xmlns:mv="urn:schemas-microsoft-com:mac:vml" xmlns:p="http://schemas.openxmlformats.org/presentationml/2006/main" xmlns:c="http://schemas.openxmlformats.org/drawingml/2006/chart" xmlns:dgm="http://schemas.openxmlformats.org/drawingml/2006/diagram" xmlns:o="urn:schemas-microsoft-com:office:office" xmlns:v="urn:schemas-microsoft-com:vml" xmlns:pvml="urn:schemas-microsoft-com:office:powerpoint" xmlns:com="http://schemas.openxmlformats.org/drawingml/2006/compatibility" xmlns:p14="http://schemas.microsoft.com/office/powerpoint/2010/main" xmlns:p15="http://schemas.microsoft.com/office/powerpoint/2012/main" showMasterPhAnim="0" showMasterSp="0">
+<p:notes xmlns:a="http://schemas.openxmlformats.org/drawingml/2006/main" xmlns:r="http://schemas.openxmlformats.org/officeDocument/2006/relationships" xmlns:p="http://schemas.openxmlformats.org/presentationml/2006/main" showMasterSp="0" showMasterPhAnim="0">
   <p:cSld>
     <p:spTree>
       <p:nvGrpSpPr>
-        <p:cNvPr id="101" name="Shape 101"/>
+        <p:cNvPr id="1" name="Shape 101"/>
         <p:cNvGrpSpPr/>
         <p:nvPr/>
       </p:nvGrpSpPr>
@@ -819,9 +839,11 @@
       <p:sp>
         <p:nvSpPr>
           <p:cNvPr id="102" name="Google Shape;102;g2803cce7fd_0_50:notes"/>
-          <p:cNvSpPr/>
+          <p:cNvSpPr>
+            <a:spLocks noGrp="1" noRot="1" noChangeAspect="1"/>
+          </p:cNvSpPr>
           <p:nvPr>
-            <p:ph idx="2" type="sldImg"/>
+            <p:ph type="sldImg" idx="2"/>
           </p:nvPr>
         </p:nvSpPr>
         <p:spPr>
@@ -830,9 +852,13 @@
             <a:ext cx="6096300" cy="3429000"/>
           </a:xfrm>
           <a:custGeom>
-            <a:rect b="b" l="l" r="r" t="t"/>
+            <a:avLst/>
+            <a:gdLst/>
+            <a:ahLst/>
+            <a:cxnLst/>
+            <a:rect l="l" t="t" r="r" b="b"/>
             <a:pathLst>
-              <a:path extrusionOk="0" h="120000" w="120000">
+              <a:path w="120000" h="120000" extrusionOk="0">
                 <a:moveTo>
                   <a:pt x="0" y="0"/>
                 </a:moveTo>
@@ -854,9 +880,11 @@
       <p:sp>
         <p:nvSpPr>
           <p:cNvPr id="103" name="Google Shape;103;g2803cce7fd_0_50:notes"/>
-          <p:cNvSpPr txBox="1"/>
+          <p:cNvSpPr txBox="1">
+            <a:spLocks noGrp="1"/>
+          </p:cNvSpPr>
           <p:nvPr>
-            <p:ph idx="1" type="body"/>
+            <p:ph type="body" idx="1"/>
           </p:nvPr>
         </p:nvSpPr>
         <p:spPr>
@@ -869,12 +897,12 @@
           </a:prstGeom>
         </p:spPr>
         <p:txBody>
-          <a:bodyPr anchorCtr="0" anchor="t" bIns="91425" lIns="91425" spcFirstLastPara="1" rIns="91425" wrap="square" tIns="91425">
+          <a:bodyPr spcFirstLastPara="1" wrap="square" lIns="91425" tIns="91425" rIns="91425" bIns="91425" anchor="t" anchorCtr="0">
             <a:noAutofit/>
           </a:bodyPr>
           <a:lstStyle/>
           <a:p>
-            <a:pPr indent="0" lvl="0" marL="0" rtl="0" algn="l">
+            <a:pPr marL="0" lvl="0" indent="0" algn="l" rtl="0">
               <a:spcBef>
                 <a:spcPts val="0"/>
               </a:spcBef>
@@ -883,9 +911,6 @@
               </a:spcAft>
               <a:buNone/>
             </a:pPr>
-            <a:r>
-              <a:t/>
-            </a:r>
             <a:endParaRPr/>
           </a:p>
         </p:txBody>
@@ -899,11 +924,11 @@
 </file>
 
 <file path=ppt/notesSlides/notesSlide11.xml><?xml version="1.0" encoding="utf-8"?>
-<p:notes xmlns:a="http://schemas.openxmlformats.org/drawingml/2006/main" xmlns:r="http://schemas.openxmlformats.org/officeDocument/2006/relationships" xmlns:mc="http://schemas.openxmlformats.org/markup-compatibility/2006" xmlns:mv="urn:schemas-microsoft-com:mac:vml" xmlns:p="http://schemas.openxmlformats.org/presentationml/2006/main" xmlns:c="http://schemas.openxmlformats.org/drawingml/2006/chart" xmlns:dgm="http://schemas.openxmlformats.org/drawingml/2006/diagram" xmlns:o="urn:schemas-microsoft-com:office:office" xmlns:v="urn:schemas-microsoft-com:vml" xmlns:pvml="urn:schemas-microsoft-com:office:powerpoint" xmlns:com="http://schemas.openxmlformats.org/drawingml/2006/compatibility" xmlns:p14="http://schemas.microsoft.com/office/powerpoint/2010/main" xmlns:p15="http://schemas.microsoft.com/office/powerpoint/2012/main" showMasterPhAnim="0" showMasterSp="0">
+<p:notes xmlns:a="http://schemas.openxmlformats.org/drawingml/2006/main" xmlns:r="http://schemas.openxmlformats.org/officeDocument/2006/relationships" xmlns:p="http://schemas.openxmlformats.org/presentationml/2006/main" showMasterSp="0" showMasterPhAnim="0">
   <p:cSld>
     <p:spTree>
       <p:nvGrpSpPr>
-        <p:cNvPr id="109" name="Shape 109"/>
+        <p:cNvPr id="1" name="Shape 109"/>
         <p:cNvGrpSpPr/>
         <p:nvPr/>
       </p:nvGrpSpPr>
@@ -918,9 +943,11 @@
       <p:sp>
         <p:nvSpPr>
           <p:cNvPr id="110" name="Google Shape;110;g2803cce7fd_0_57:notes"/>
-          <p:cNvSpPr/>
+          <p:cNvSpPr>
+            <a:spLocks noGrp="1" noRot="1" noChangeAspect="1"/>
+          </p:cNvSpPr>
           <p:nvPr>
-            <p:ph idx="2" type="sldImg"/>
+            <p:ph type="sldImg" idx="2"/>
           </p:nvPr>
         </p:nvSpPr>
         <p:spPr>
@@ -929,9 +956,13 @@
             <a:ext cx="6096300" cy="3429000"/>
           </a:xfrm>
           <a:custGeom>
-            <a:rect b="b" l="l" r="r" t="t"/>
+            <a:avLst/>
+            <a:gdLst/>
+            <a:ahLst/>
+            <a:cxnLst/>
+            <a:rect l="l" t="t" r="r" b="b"/>
             <a:pathLst>
-              <a:path extrusionOk="0" h="120000" w="120000">
+              <a:path w="120000" h="120000" extrusionOk="0">
                 <a:moveTo>
                   <a:pt x="0" y="0"/>
                 </a:moveTo>
@@ -953,9 +984,11 @@
       <p:sp>
         <p:nvSpPr>
           <p:cNvPr id="111" name="Google Shape;111;g2803cce7fd_0_57:notes"/>
-          <p:cNvSpPr txBox="1"/>
+          <p:cNvSpPr txBox="1">
+            <a:spLocks noGrp="1"/>
+          </p:cNvSpPr>
           <p:nvPr>
-            <p:ph idx="1" type="body"/>
+            <p:ph type="body" idx="1"/>
           </p:nvPr>
         </p:nvSpPr>
         <p:spPr>
@@ -968,12 +1001,12 @@
           </a:prstGeom>
         </p:spPr>
         <p:txBody>
-          <a:bodyPr anchorCtr="0" anchor="t" bIns="91425" lIns="91425" spcFirstLastPara="1" rIns="91425" wrap="square" tIns="91425">
+          <a:bodyPr spcFirstLastPara="1" wrap="square" lIns="91425" tIns="91425" rIns="91425" bIns="91425" anchor="t" anchorCtr="0">
             <a:noAutofit/>
           </a:bodyPr>
           <a:lstStyle/>
           <a:p>
-            <a:pPr indent="0" lvl="0" marL="0" rtl="0" algn="l">
+            <a:pPr marL="0" lvl="0" indent="0" algn="l" rtl="0">
               <a:spcBef>
                 <a:spcPts val="0"/>
               </a:spcBef>
@@ -982,9 +1015,6 @@
               </a:spcAft>
               <a:buNone/>
             </a:pPr>
-            <a:r>
-              <a:t/>
-            </a:r>
             <a:endParaRPr/>
           </a:p>
         </p:txBody>
@@ -998,11 +1028,11 @@
 </file>
 
 <file path=ppt/notesSlides/notesSlide12.xml><?xml version="1.0" encoding="utf-8"?>
-<p:notes xmlns:a="http://schemas.openxmlformats.org/drawingml/2006/main" xmlns:r="http://schemas.openxmlformats.org/officeDocument/2006/relationships" xmlns:mc="http://schemas.openxmlformats.org/markup-compatibility/2006" xmlns:mv="urn:schemas-microsoft-com:mac:vml" xmlns:p="http://schemas.openxmlformats.org/presentationml/2006/main" xmlns:c="http://schemas.openxmlformats.org/drawingml/2006/chart" xmlns:dgm="http://schemas.openxmlformats.org/drawingml/2006/diagram" xmlns:o="urn:schemas-microsoft-com:office:office" xmlns:v="urn:schemas-microsoft-com:vml" xmlns:pvml="urn:schemas-microsoft-com:office:powerpoint" xmlns:com="http://schemas.openxmlformats.org/drawingml/2006/compatibility" xmlns:p14="http://schemas.microsoft.com/office/powerpoint/2010/main" xmlns:p15="http://schemas.microsoft.com/office/powerpoint/2012/main" showMasterPhAnim="0" showMasterSp="0">
+<p:notes xmlns:a="http://schemas.openxmlformats.org/drawingml/2006/main" xmlns:r="http://schemas.openxmlformats.org/officeDocument/2006/relationships" xmlns:p="http://schemas.openxmlformats.org/presentationml/2006/main" showMasterSp="0" showMasterPhAnim="0">
   <p:cSld>
     <p:spTree>
       <p:nvGrpSpPr>
-        <p:cNvPr id="117" name="Shape 117"/>
+        <p:cNvPr id="1" name="Shape 117"/>
         <p:cNvGrpSpPr/>
         <p:nvPr/>
       </p:nvGrpSpPr>
@@ -1017,9 +1047,11 @@
       <p:sp>
         <p:nvSpPr>
           <p:cNvPr id="118" name="Google Shape;118;g2803cce7fd_0_64:notes"/>
-          <p:cNvSpPr/>
+          <p:cNvSpPr>
+            <a:spLocks noGrp="1" noRot="1" noChangeAspect="1"/>
+          </p:cNvSpPr>
           <p:nvPr>
-            <p:ph idx="2" type="sldImg"/>
+            <p:ph type="sldImg" idx="2"/>
           </p:nvPr>
         </p:nvSpPr>
         <p:spPr>
@@ -1028,9 +1060,13 @@
             <a:ext cx="6096300" cy="3429000"/>
           </a:xfrm>
           <a:custGeom>
-            <a:rect b="b" l="l" r="r" t="t"/>
+            <a:avLst/>
+            <a:gdLst/>
+            <a:ahLst/>
+            <a:cxnLst/>
+            <a:rect l="l" t="t" r="r" b="b"/>
             <a:pathLst>
-              <a:path extrusionOk="0" h="120000" w="120000">
+              <a:path w="120000" h="120000" extrusionOk="0">
                 <a:moveTo>
                   <a:pt x="0" y="0"/>
                 </a:moveTo>
@@ -1052,9 +1088,11 @@
       <p:sp>
         <p:nvSpPr>
           <p:cNvPr id="119" name="Google Shape;119;g2803cce7fd_0_64:notes"/>
-          <p:cNvSpPr txBox="1"/>
+          <p:cNvSpPr txBox="1">
+            <a:spLocks noGrp="1"/>
+          </p:cNvSpPr>
           <p:nvPr>
-            <p:ph idx="1" type="body"/>
+            <p:ph type="body" idx="1"/>
           </p:nvPr>
         </p:nvSpPr>
         <p:spPr>
@@ -1067,12 +1105,12 @@
           </a:prstGeom>
         </p:spPr>
         <p:txBody>
-          <a:bodyPr anchorCtr="0" anchor="t" bIns="91425" lIns="91425" spcFirstLastPara="1" rIns="91425" wrap="square" tIns="91425">
+          <a:bodyPr spcFirstLastPara="1" wrap="square" lIns="91425" tIns="91425" rIns="91425" bIns="91425" anchor="t" anchorCtr="0">
             <a:noAutofit/>
           </a:bodyPr>
           <a:lstStyle/>
           <a:p>
-            <a:pPr indent="0" lvl="0" marL="0" rtl="0" algn="l">
+            <a:pPr marL="0" lvl="0" indent="0" algn="l" rtl="0">
               <a:spcBef>
                 <a:spcPts val="0"/>
               </a:spcBef>
@@ -1081,9 +1119,6 @@
               </a:spcAft>
               <a:buNone/>
             </a:pPr>
-            <a:r>
-              <a:t/>
-            </a:r>
             <a:endParaRPr/>
           </a:p>
         </p:txBody>
@@ -1097,11 +1132,11 @@
 </file>
 
 <file path=ppt/notesSlides/notesSlide13.xml><?xml version="1.0" encoding="utf-8"?>
-<p:notes xmlns:a="http://schemas.openxmlformats.org/drawingml/2006/main" xmlns:r="http://schemas.openxmlformats.org/officeDocument/2006/relationships" xmlns:mc="http://schemas.openxmlformats.org/markup-compatibility/2006" xmlns:mv="urn:schemas-microsoft-com:mac:vml" xmlns:p="http://schemas.openxmlformats.org/presentationml/2006/main" xmlns:c="http://schemas.openxmlformats.org/drawingml/2006/chart" xmlns:dgm="http://schemas.openxmlformats.org/drawingml/2006/diagram" xmlns:o="urn:schemas-microsoft-com:office:office" xmlns:v="urn:schemas-microsoft-com:vml" xmlns:pvml="urn:schemas-microsoft-com:office:powerpoint" xmlns:com="http://schemas.openxmlformats.org/drawingml/2006/compatibility" xmlns:p14="http://schemas.microsoft.com/office/powerpoint/2010/main" xmlns:p15="http://schemas.microsoft.com/office/powerpoint/2012/main" showMasterPhAnim="0" showMasterSp="0">
+<p:notes xmlns:a="http://schemas.openxmlformats.org/drawingml/2006/main" xmlns:r="http://schemas.openxmlformats.org/officeDocument/2006/relationships" xmlns:p="http://schemas.openxmlformats.org/presentationml/2006/main" showMasterSp="0" showMasterPhAnim="0">
   <p:cSld>
     <p:spTree>
       <p:nvGrpSpPr>
-        <p:cNvPr id="125" name="Shape 125"/>
+        <p:cNvPr id="1" name="Shape 125"/>
         <p:cNvGrpSpPr/>
         <p:nvPr/>
       </p:nvGrpSpPr>
@@ -1116,9 +1151,11 @@
       <p:sp>
         <p:nvSpPr>
           <p:cNvPr id="126" name="Google Shape;126;g2803cce7fd_0_71:notes"/>
-          <p:cNvSpPr/>
+          <p:cNvSpPr>
+            <a:spLocks noGrp="1" noRot="1" noChangeAspect="1"/>
+          </p:cNvSpPr>
           <p:nvPr>
-            <p:ph idx="2" type="sldImg"/>
+            <p:ph type="sldImg" idx="2"/>
           </p:nvPr>
         </p:nvSpPr>
         <p:spPr>
@@ -1127,9 +1164,13 @@
             <a:ext cx="6096300" cy="3429000"/>
           </a:xfrm>
           <a:custGeom>
-            <a:rect b="b" l="l" r="r" t="t"/>
+            <a:avLst/>
+            <a:gdLst/>
+            <a:ahLst/>
+            <a:cxnLst/>
+            <a:rect l="l" t="t" r="r" b="b"/>
             <a:pathLst>
-              <a:path extrusionOk="0" h="120000" w="120000">
+              <a:path w="120000" h="120000" extrusionOk="0">
                 <a:moveTo>
                   <a:pt x="0" y="0"/>
                 </a:moveTo>
@@ -1151,9 +1192,11 @@
       <p:sp>
         <p:nvSpPr>
           <p:cNvPr id="127" name="Google Shape;127;g2803cce7fd_0_71:notes"/>
-          <p:cNvSpPr txBox="1"/>
+          <p:cNvSpPr txBox="1">
+            <a:spLocks noGrp="1"/>
+          </p:cNvSpPr>
           <p:nvPr>
-            <p:ph idx="1" type="body"/>
+            <p:ph type="body" idx="1"/>
           </p:nvPr>
         </p:nvSpPr>
         <p:spPr>
@@ -1166,12 +1209,12 @@
           </a:prstGeom>
         </p:spPr>
         <p:txBody>
-          <a:bodyPr anchorCtr="0" anchor="t" bIns="91425" lIns="91425" spcFirstLastPara="1" rIns="91425" wrap="square" tIns="91425">
+          <a:bodyPr spcFirstLastPara="1" wrap="square" lIns="91425" tIns="91425" rIns="91425" bIns="91425" anchor="t" anchorCtr="0">
             <a:noAutofit/>
           </a:bodyPr>
           <a:lstStyle/>
           <a:p>
-            <a:pPr indent="0" lvl="0" marL="0" rtl="0" algn="l">
+            <a:pPr marL="0" lvl="0" indent="0" algn="l" rtl="0">
               <a:spcBef>
                 <a:spcPts val="0"/>
               </a:spcBef>
@@ -1180,9 +1223,6 @@
               </a:spcAft>
               <a:buNone/>
             </a:pPr>
-            <a:r>
-              <a:t/>
-            </a:r>
             <a:endParaRPr/>
           </a:p>
         </p:txBody>
@@ -1196,11 +1236,11 @@
 </file>
 
 <file path=ppt/notesSlides/notesSlide14.xml><?xml version="1.0" encoding="utf-8"?>
-<p:notes xmlns:a="http://schemas.openxmlformats.org/drawingml/2006/main" xmlns:r="http://schemas.openxmlformats.org/officeDocument/2006/relationships" xmlns:mc="http://schemas.openxmlformats.org/markup-compatibility/2006" xmlns:mv="urn:schemas-microsoft-com:mac:vml" xmlns:p="http://schemas.openxmlformats.org/presentationml/2006/main" xmlns:c="http://schemas.openxmlformats.org/drawingml/2006/chart" xmlns:dgm="http://schemas.openxmlformats.org/drawingml/2006/diagram" xmlns:o="urn:schemas-microsoft-com:office:office" xmlns:v="urn:schemas-microsoft-com:vml" xmlns:pvml="urn:schemas-microsoft-com:office:powerpoint" xmlns:com="http://schemas.openxmlformats.org/drawingml/2006/compatibility" xmlns:p14="http://schemas.microsoft.com/office/powerpoint/2010/main" xmlns:p15="http://schemas.microsoft.com/office/powerpoint/2012/main" showMasterPhAnim="0" showMasterSp="0">
+<p:notes xmlns:a="http://schemas.openxmlformats.org/drawingml/2006/main" xmlns:r="http://schemas.openxmlformats.org/officeDocument/2006/relationships" xmlns:p="http://schemas.openxmlformats.org/presentationml/2006/main" showMasterSp="0" showMasterPhAnim="0">
   <p:cSld>
     <p:spTree>
       <p:nvGrpSpPr>
-        <p:cNvPr id="133" name="Shape 133"/>
+        <p:cNvPr id="1" name="Shape 133"/>
         <p:cNvGrpSpPr/>
         <p:nvPr/>
       </p:nvGrpSpPr>
@@ -1215,9 +1255,11 @@
       <p:sp>
         <p:nvSpPr>
           <p:cNvPr id="134" name="Google Shape;134;g2803cce7fd_0_78:notes"/>
-          <p:cNvSpPr/>
+          <p:cNvSpPr>
+            <a:spLocks noGrp="1" noRot="1" noChangeAspect="1"/>
+          </p:cNvSpPr>
           <p:nvPr>
-            <p:ph idx="2" type="sldImg"/>
+            <p:ph type="sldImg" idx="2"/>
           </p:nvPr>
         </p:nvSpPr>
         <p:spPr>
@@ -1226,9 +1268,13 @@
             <a:ext cx="6096300" cy="3429000"/>
           </a:xfrm>
           <a:custGeom>
-            <a:rect b="b" l="l" r="r" t="t"/>
+            <a:avLst/>
+            <a:gdLst/>
+            <a:ahLst/>
+            <a:cxnLst/>
+            <a:rect l="l" t="t" r="r" b="b"/>
             <a:pathLst>
-              <a:path extrusionOk="0" h="120000" w="120000">
+              <a:path w="120000" h="120000" extrusionOk="0">
                 <a:moveTo>
                   <a:pt x="0" y="0"/>
                 </a:moveTo>
@@ -1250,9 +1296,11 @@
       <p:sp>
         <p:nvSpPr>
           <p:cNvPr id="135" name="Google Shape;135;g2803cce7fd_0_78:notes"/>
-          <p:cNvSpPr txBox="1"/>
+          <p:cNvSpPr txBox="1">
+            <a:spLocks noGrp="1"/>
+          </p:cNvSpPr>
           <p:nvPr>
-            <p:ph idx="1" type="body"/>
+            <p:ph type="body" idx="1"/>
           </p:nvPr>
         </p:nvSpPr>
         <p:spPr>
@@ -1265,12 +1313,12 @@
           </a:prstGeom>
         </p:spPr>
         <p:txBody>
-          <a:bodyPr anchorCtr="0" anchor="t" bIns="91425" lIns="91425" spcFirstLastPara="1" rIns="91425" wrap="square" tIns="91425">
+          <a:bodyPr spcFirstLastPara="1" wrap="square" lIns="91425" tIns="91425" rIns="91425" bIns="91425" anchor="t" anchorCtr="0">
             <a:noAutofit/>
           </a:bodyPr>
           <a:lstStyle/>
           <a:p>
-            <a:pPr indent="0" lvl="0" marL="0" rtl="0" algn="l">
+            <a:pPr marL="0" lvl="0" indent="0" algn="l" rtl="0">
               <a:spcBef>
                 <a:spcPts val="0"/>
               </a:spcBef>
@@ -1279,9 +1327,6 @@
               </a:spcAft>
               <a:buNone/>
             </a:pPr>
-            <a:r>
-              <a:t/>
-            </a:r>
             <a:endParaRPr/>
           </a:p>
         </p:txBody>
@@ -1295,11 +1340,11 @@
 </file>
 
 <file path=ppt/notesSlides/notesSlide15.xml><?xml version="1.0" encoding="utf-8"?>
-<p:notes xmlns:a="http://schemas.openxmlformats.org/drawingml/2006/main" xmlns:r="http://schemas.openxmlformats.org/officeDocument/2006/relationships" xmlns:mc="http://schemas.openxmlformats.org/markup-compatibility/2006" xmlns:mv="urn:schemas-microsoft-com:mac:vml" xmlns:p="http://schemas.openxmlformats.org/presentationml/2006/main" xmlns:c="http://schemas.openxmlformats.org/drawingml/2006/chart" xmlns:dgm="http://schemas.openxmlformats.org/drawingml/2006/diagram" xmlns:o="urn:schemas-microsoft-com:office:office" xmlns:v="urn:schemas-microsoft-com:vml" xmlns:pvml="urn:schemas-microsoft-com:office:powerpoint" xmlns:com="http://schemas.openxmlformats.org/drawingml/2006/compatibility" xmlns:p14="http://schemas.microsoft.com/office/powerpoint/2010/main" xmlns:p15="http://schemas.microsoft.com/office/powerpoint/2012/main" showMasterPhAnim="0" showMasterSp="0">
+<p:notes xmlns:a="http://schemas.openxmlformats.org/drawingml/2006/main" xmlns:r="http://schemas.openxmlformats.org/officeDocument/2006/relationships" xmlns:p="http://schemas.openxmlformats.org/presentationml/2006/main" showMasterSp="0" showMasterPhAnim="0">
   <p:cSld>
     <p:spTree>
       <p:nvGrpSpPr>
-        <p:cNvPr id="141" name="Shape 141"/>
+        <p:cNvPr id="1" name="Shape 141"/>
         <p:cNvGrpSpPr/>
         <p:nvPr/>
       </p:nvGrpSpPr>
@@ -1314,9 +1359,11 @@
       <p:sp>
         <p:nvSpPr>
           <p:cNvPr id="142" name="Google Shape;142;g2803cce7fd_0_85:notes"/>
-          <p:cNvSpPr/>
+          <p:cNvSpPr>
+            <a:spLocks noGrp="1" noRot="1" noChangeAspect="1"/>
+          </p:cNvSpPr>
           <p:nvPr>
-            <p:ph idx="2" type="sldImg"/>
+            <p:ph type="sldImg" idx="2"/>
           </p:nvPr>
         </p:nvSpPr>
         <p:spPr>
@@ -1325,9 +1372,13 @@
             <a:ext cx="6096300" cy="3429000"/>
           </a:xfrm>
           <a:custGeom>
-            <a:rect b="b" l="l" r="r" t="t"/>
+            <a:avLst/>
+            <a:gdLst/>
+            <a:ahLst/>
+            <a:cxnLst/>
+            <a:rect l="l" t="t" r="r" b="b"/>
             <a:pathLst>
-              <a:path extrusionOk="0" h="120000" w="120000">
+              <a:path w="120000" h="120000" extrusionOk="0">
                 <a:moveTo>
                   <a:pt x="0" y="0"/>
                 </a:moveTo>
@@ -1349,9 +1400,11 @@
       <p:sp>
         <p:nvSpPr>
           <p:cNvPr id="143" name="Google Shape;143;g2803cce7fd_0_85:notes"/>
-          <p:cNvSpPr txBox="1"/>
+          <p:cNvSpPr txBox="1">
+            <a:spLocks noGrp="1"/>
+          </p:cNvSpPr>
           <p:nvPr>
-            <p:ph idx="1" type="body"/>
+            <p:ph type="body" idx="1"/>
           </p:nvPr>
         </p:nvSpPr>
         <p:spPr>
@@ -1364,12 +1417,12 @@
           </a:prstGeom>
         </p:spPr>
         <p:txBody>
-          <a:bodyPr anchorCtr="0" anchor="t" bIns="91425" lIns="91425" spcFirstLastPara="1" rIns="91425" wrap="square" tIns="91425">
+          <a:bodyPr spcFirstLastPara="1" wrap="square" lIns="91425" tIns="91425" rIns="91425" bIns="91425" anchor="t" anchorCtr="0">
             <a:noAutofit/>
           </a:bodyPr>
           <a:lstStyle/>
           <a:p>
-            <a:pPr indent="0" lvl="0" marL="0" rtl="0" algn="l">
+            <a:pPr marL="0" lvl="0" indent="0" algn="l" rtl="0">
               <a:spcBef>
                 <a:spcPts val="0"/>
               </a:spcBef>
@@ -1378,9 +1431,6 @@
               </a:spcAft>
               <a:buNone/>
             </a:pPr>
-            <a:r>
-              <a:t/>
-            </a:r>
             <a:endParaRPr/>
           </a:p>
         </p:txBody>
@@ -1394,11 +1444,11 @@
 </file>
 
 <file path=ppt/notesSlides/notesSlide16.xml><?xml version="1.0" encoding="utf-8"?>
-<p:notes xmlns:a="http://schemas.openxmlformats.org/drawingml/2006/main" xmlns:r="http://schemas.openxmlformats.org/officeDocument/2006/relationships" xmlns:mc="http://schemas.openxmlformats.org/markup-compatibility/2006" xmlns:mv="urn:schemas-microsoft-com:mac:vml" xmlns:p="http://schemas.openxmlformats.org/presentationml/2006/main" xmlns:c="http://schemas.openxmlformats.org/drawingml/2006/chart" xmlns:dgm="http://schemas.openxmlformats.org/drawingml/2006/diagram" xmlns:o="urn:schemas-microsoft-com:office:office" xmlns:v="urn:schemas-microsoft-com:vml" xmlns:pvml="urn:schemas-microsoft-com:office:powerpoint" xmlns:com="http://schemas.openxmlformats.org/drawingml/2006/compatibility" xmlns:p14="http://schemas.microsoft.com/office/powerpoint/2010/main" xmlns:p15="http://schemas.microsoft.com/office/powerpoint/2012/main" showMasterPhAnim="0" showMasterSp="0">
+<p:notes xmlns:a="http://schemas.openxmlformats.org/drawingml/2006/main" xmlns:r="http://schemas.openxmlformats.org/officeDocument/2006/relationships" xmlns:p="http://schemas.openxmlformats.org/presentationml/2006/main" showMasterSp="0" showMasterPhAnim="0">
   <p:cSld>
     <p:spTree>
       <p:nvGrpSpPr>
-        <p:cNvPr id="149" name="Shape 149"/>
+        <p:cNvPr id="1" name="Shape 149"/>
         <p:cNvGrpSpPr/>
         <p:nvPr/>
       </p:nvGrpSpPr>
@@ -1413,9 +1463,11 @@
       <p:sp>
         <p:nvSpPr>
           <p:cNvPr id="150" name="Google Shape;150;g2803cce7fd_0_92:notes"/>
-          <p:cNvSpPr/>
+          <p:cNvSpPr>
+            <a:spLocks noGrp="1" noRot="1" noChangeAspect="1"/>
+          </p:cNvSpPr>
           <p:nvPr>
-            <p:ph idx="2" type="sldImg"/>
+            <p:ph type="sldImg" idx="2"/>
           </p:nvPr>
         </p:nvSpPr>
         <p:spPr>
@@ -1424,9 +1476,13 @@
             <a:ext cx="6096300" cy="3429000"/>
           </a:xfrm>
           <a:custGeom>
-            <a:rect b="b" l="l" r="r" t="t"/>
+            <a:avLst/>
+            <a:gdLst/>
+            <a:ahLst/>
+            <a:cxnLst/>
+            <a:rect l="l" t="t" r="r" b="b"/>
             <a:pathLst>
-              <a:path extrusionOk="0" h="120000" w="120000">
+              <a:path w="120000" h="120000" extrusionOk="0">
                 <a:moveTo>
                   <a:pt x="0" y="0"/>
                 </a:moveTo>
@@ -1448,9 +1504,11 @@
       <p:sp>
         <p:nvSpPr>
           <p:cNvPr id="151" name="Google Shape;151;g2803cce7fd_0_92:notes"/>
-          <p:cNvSpPr txBox="1"/>
+          <p:cNvSpPr txBox="1">
+            <a:spLocks noGrp="1"/>
+          </p:cNvSpPr>
           <p:nvPr>
-            <p:ph idx="1" type="body"/>
+            <p:ph type="body" idx="1"/>
           </p:nvPr>
         </p:nvSpPr>
         <p:spPr>
@@ -1463,12 +1521,12 @@
           </a:prstGeom>
         </p:spPr>
         <p:txBody>
-          <a:bodyPr anchorCtr="0" anchor="t" bIns="91425" lIns="91425" spcFirstLastPara="1" rIns="91425" wrap="square" tIns="91425">
+          <a:bodyPr spcFirstLastPara="1" wrap="square" lIns="91425" tIns="91425" rIns="91425" bIns="91425" anchor="t" anchorCtr="0">
             <a:noAutofit/>
           </a:bodyPr>
           <a:lstStyle/>
           <a:p>
-            <a:pPr indent="0" lvl="0" marL="0" rtl="0" algn="l">
+            <a:pPr marL="0" lvl="0" indent="0" algn="l" rtl="0">
               <a:spcBef>
                 <a:spcPts val="0"/>
               </a:spcBef>
@@ -1477,9 +1535,6 @@
               </a:spcAft>
               <a:buNone/>
             </a:pPr>
-            <a:r>
-              <a:t/>
-            </a:r>
             <a:endParaRPr/>
           </a:p>
         </p:txBody>
@@ -1493,11 +1548,11 @@
 </file>
 
 <file path=ppt/notesSlides/notesSlide17.xml><?xml version="1.0" encoding="utf-8"?>
-<p:notes xmlns:a="http://schemas.openxmlformats.org/drawingml/2006/main" xmlns:r="http://schemas.openxmlformats.org/officeDocument/2006/relationships" xmlns:mc="http://schemas.openxmlformats.org/markup-compatibility/2006" xmlns:mv="urn:schemas-microsoft-com:mac:vml" xmlns:p="http://schemas.openxmlformats.org/presentationml/2006/main" xmlns:c="http://schemas.openxmlformats.org/drawingml/2006/chart" xmlns:dgm="http://schemas.openxmlformats.org/drawingml/2006/diagram" xmlns:o="urn:schemas-microsoft-com:office:office" xmlns:v="urn:schemas-microsoft-com:vml" xmlns:pvml="urn:schemas-microsoft-com:office:powerpoint" xmlns:com="http://schemas.openxmlformats.org/drawingml/2006/compatibility" xmlns:p14="http://schemas.microsoft.com/office/powerpoint/2010/main" xmlns:p15="http://schemas.microsoft.com/office/powerpoint/2012/main" showMasterPhAnim="0" showMasterSp="0">
+<p:notes xmlns:a="http://schemas.openxmlformats.org/drawingml/2006/main" xmlns:r="http://schemas.openxmlformats.org/officeDocument/2006/relationships" xmlns:p="http://schemas.openxmlformats.org/presentationml/2006/main" showMasterSp="0" showMasterPhAnim="0">
   <p:cSld>
     <p:spTree>
       <p:nvGrpSpPr>
-        <p:cNvPr id="157" name="Shape 157"/>
+        <p:cNvPr id="1" name="Shape 157"/>
         <p:cNvGrpSpPr/>
         <p:nvPr/>
       </p:nvGrpSpPr>
@@ -1512,9 +1567,11 @@
       <p:sp>
         <p:nvSpPr>
           <p:cNvPr id="158" name="Google Shape;158;g2803cce7fd_0_99:notes"/>
-          <p:cNvSpPr/>
+          <p:cNvSpPr>
+            <a:spLocks noGrp="1" noRot="1" noChangeAspect="1"/>
+          </p:cNvSpPr>
           <p:nvPr>
-            <p:ph idx="2" type="sldImg"/>
+            <p:ph type="sldImg" idx="2"/>
           </p:nvPr>
         </p:nvSpPr>
         <p:spPr>
@@ -1523,9 +1580,13 @@
             <a:ext cx="6096300" cy="3429000"/>
           </a:xfrm>
           <a:custGeom>
-            <a:rect b="b" l="l" r="r" t="t"/>
+            <a:avLst/>
+            <a:gdLst/>
+            <a:ahLst/>
+            <a:cxnLst/>
+            <a:rect l="l" t="t" r="r" b="b"/>
             <a:pathLst>
-              <a:path extrusionOk="0" h="120000" w="120000">
+              <a:path w="120000" h="120000" extrusionOk="0">
                 <a:moveTo>
                   <a:pt x="0" y="0"/>
                 </a:moveTo>
@@ -1547,9 +1608,11 @@
       <p:sp>
         <p:nvSpPr>
           <p:cNvPr id="159" name="Google Shape;159;g2803cce7fd_0_99:notes"/>
-          <p:cNvSpPr txBox="1"/>
+          <p:cNvSpPr txBox="1">
+            <a:spLocks noGrp="1"/>
+          </p:cNvSpPr>
           <p:nvPr>
-            <p:ph idx="1" type="body"/>
+            <p:ph type="body" idx="1"/>
           </p:nvPr>
         </p:nvSpPr>
         <p:spPr>
@@ -1562,12 +1625,12 @@
           </a:prstGeom>
         </p:spPr>
         <p:txBody>
-          <a:bodyPr anchorCtr="0" anchor="t" bIns="91425" lIns="91425" spcFirstLastPara="1" rIns="91425" wrap="square" tIns="91425">
+          <a:bodyPr spcFirstLastPara="1" wrap="square" lIns="91425" tIns="91425" rIns="91425" bIns="91425" anchor="t" anchorCtr="0">
             <a:noAutofit/>
           </a:bodyPr>
           <a:lstStyle/>
           <a:p>
-            <a:pPr indent="0" lvl="0" marL="0" rtl="0" algn="l">
+            <a:pPr marL="0" lvl="0" indent="0" algn="l" rtl="0">
               <a:spcBef>
                 <a:spcPts val="0"/>
               </a:spcBef>
@@ -1576,9 +1639,6 @@
               </a:spcAft>
               <a:buNone/>
             </a:pPr>
-            <a:r>
-              <a:t/>
-            </a:r>
             <a:endParaRPr/>
           </a:p>
         </p:txBody>
@@ -1592,11 +1652,11 @@
 </file>
 
 <file path=ppt/notesSlides/notesSlide18.xml><?xml version="1.0" encoding="utf-8"?>
-<p:notes xmlns:a="http://schemas.openxmlformats.org/drawingml/2006/main" xmlns:r="http://schemas.openxmlformats.org/officeDocument/2006/relationships" xmlns:mc="http://schemas.openxmlformats.org/markup-compatibility/2006" xmlns:mv="urn:schemas-microsoft-com:mac:vml" xmlns:p="http://schemas.openxmlformats.org/presentationml/2006/main" xmlns:c="http://schemas.openxmlformats.org/drawingml/2006/chart" xmlns:dgm="http://schemas.openxmlformats.org/drawingml/2006/diagram" xmlns:o="urn:schemas-microsoft-com:office:office" xmlns:v="urn:schemas-microsoft-com:vml" xmlns:pvml="urn:schemas-microsoft-com:office:powerpoint" xmlns:com="http://schemas.openxmlformats.org/drawingml/2006/compatibility" xmlns:p14="http://schemas.microsoft.com/office/powerpoint/2010/main" xmlns:p15="http://schemas.microsoft.com/office/powerpoint/2012/main" showMasterPhAnim="0" showMasterSp="0">
+<p:notes xmlns:a="http://schemas.openxmlformats.org/drawingml/2006/main" xmlns:r="http://schemas.openxmlformats.org/officeDocument/2006/relationships" xmlns:p="http://schemas.openxmlformats.org/presentationml/2006/main" showMasterSp="0" showMasterPhAnim="0">
   <p:cSld>
     <p:spTree>
       <p:nvGrpSpPr>
-        <p:cNvPr id="165" name="Shape 165"/>
+        <p:cNvPr id="1" name="Shape 165"/>
         <p:cNvGrpSpPr/>
         <p:nvPr/>
       </p:nvGrpSpPr>
@@ -1611,9 +1671,11 @@
       <p:sp>
         <p:nvSpPr>
           <p:cNvPr id="166" name="Google Shape;166;g2803cce7fd_0_113:notes"/>
-          <p:cNvSpPr/>
+          <p:cNvSpPr>
+            <a:spLocks noGrp="1" noRot="1" noChangeAspect="1"/>
+          </p:cNvSpPr>
           <p:nvPr>
-            <p:ph idx="2" type="sldImg"/>
+            <p:ph type="sldImg" idx="2"/>
           </p:nvPr>
         </p:nvSpPr>
         <p:spPr>
@@ -1622,9 +1684,13 @@
             <a:ext cx="6096300" cy="3429000"/>
           </a:xfrm>
           <a:custGeom>
-            <a:rect b="b" l="l" r="r" t="t"/>
+            <a:avLst/>
+            <a:gdLst/>
+            <a:ahLst/>
+            <a:cxnLst/>
+            <a:rect l="l" t="t" r="r" b="b"/>
             <a:pathLst>
-              <a:path extrusionOk="0" h="120000" w="120000">
+              <a:path w="120000" h="120000" extrusionOk="0">
                 <a:moveTo>
                   <a:pt x="0" y="0"/>
                 </a:moveTo>
@@ -1646,9 +1712,11 @@
       <p:sp>
         <p:nvSpPr>
           <p:cNvPr id="167" name="Google Shape;167;g2803cce7fd_0_113:notes"/>
-          <p:cNvSpPr txBox="1"/>
+          <p:cNvSpPr txBox="1">
+            <a:spLocks noGrp="1"/>
+          </p:cNvSpPr>
           <p:nvPr>
-            <p:ph idx="1" type="body"/>
+            <p:ph type="body" idx="1"/>
           </p:nvPr>
         </p:nvSpPr>
         <p:spPr>
@@ -1661,12 +1729,12 @@
           </a:prstGeom>
         </p:spPr>
         <p:txBody>
-          <a:bodyPr anchorCtr="0" anchor="t" bIns="91425" lIns="91425" spcFirstLastPara="1" rIns="91425" wrap="square" tIns="91425">
+          <a:bodyPr spcFirstLastPara="1" wrap="square" lIns="91425" tIns="91425" rIns="91425" bIns="91425" anchor="t" anchorCtr="0">
             <a:noAutofit/>
           </a:bodyPr>
           <a:lstStyle/>
           <a:p>
-            <a:pPr indent="0" lvl="0" marL="0" rtl="0" algn="l">
+            <a:pPr marL="0" lvl="0" indent="0" algn="l" rtl="0">
               <a:spcBef>
                 <a:spcPts val="0"/>
               </a:spcBef>
@@ -1675,9 +1743,6 @@
               </a:spcAft>
               <a:buNone/>
             </a:pPr>
-            <a:r>
-              <a:t/>
-            </a:r>
             <a:endParaRPr/>
           </a:p>
         </p:txBody>
@@ -1691,11 +1756,11 @@
 </file>
 
 <file path=ppt/notesSlides/notesSlide19.xml><?xml version="1.0" encoding="utf-8"?>
-<p:notes xmlns:a="http://schemas.openxmlformats.org/drawingml/2006/main" xmlns:r="http://schemas.openxmlformats.org/officeDocument/2006/relationships" xmlns:mc="http://schemas.openxmlformats.org/markup-compatibility/2006" xmlns:mv="urn:schemas-microsoft-com:mac:vml" xmlns:p="http://schemas.openxmlformats.org/presentationml/2006/main" xmlns:c="http://schemas.openxmlformats.org/drawingml/2006/chart" xmlns:dgm="http://schemas.openxmlformats.org/drawingml/2006/diagram" xmlns:o="urn:schemas-microsoft-com:office:office" xmlns:v="urn:schemas-microsoft-com:vml" xmlns:pvml="urn:schemas-microsoft-com:office:powerpoint" xmlns:com="http://schemas.openxmlformats.org/drawingml/2006/compatibility" xmlns:p14="http://schemas.microsoft.com/office/powerpoint/2010/main" xmlns:p15="http://schemas.microsoft.com/office/powerpoint/2012/main" showMasterPhAnim="0" showMasterSp="0">
+<p:notes xmlns:a="http://schemas.openxmlformats.org/drawingml/2006/main" xmlns:r="http://schemas.openxmlformats.org/officeDocument/2006/relationships" xmlns:p="http://schemas.openxmlformats.org/presentationml/2006/main" showMasterSp="0" showMasterPhAnim="0">
   <p:cSld>
     <p:spTree>
       <p:nvGrpSpPr>
-        <p:cNvPr id="173" name="Shape 173"/>
+        <p:cNvPr id="1" name="Shape 173"/>
         <p:cNvGrpSpPr/>
         <p:nvPr/>
       </p:nvGrpSpPr>
@@ -1710,9 +1775,11 @@
       <p:sp>
         <p:nvSpPr>
           <p:cNvPr id="174" name="Google Shape;174;g2803cce7fd_0_120:notes"/>
-          <p:cNvSpPr/>
+          <p:cNvSpPr>
+            <a:spLocks noGrp="1" noRot="1" noChangeAspect="1"/>
+          </p:cNvSpPr>
           <p:nvPr>
-            <p:ph idx="2" type="sldImg"/>
+            <p:ph type="sldImg" idx="2"/>
           </p:nvPr>
         </p:nvSpPr>
         <p:spPr>
@@ -1721,9 +1788,13 @@
             <a:ext cx="6096300" cy="3429000"/>
           </a:xfrm>
           <a:custGeom>
-            <a:rect b="b" l="l" r="r" t="t"/>
+            <a:avLst/>
+            <a:gdLst/>
+            <a:ahLst/>
+            <a:cxnLst/>
+            <a:rect l="l" t="t" r="r" b="b"/>
             <a:pathLst>
-              <a:path extrusionOk="0" h="120000" w="120000">
+              <a:path w="120000" h="120000" extrusionOk="0">
                 <a:moveTo>
                   <a:pt x="0" y="0"/>
                 </a:moveTo>
@@ -1745,9 +1816,11 @@
       <p:sp>
         <p:nvSpPr>
           <p:cNvPr id="175" name="Google Shape;175;g2803cce7fd_0_120:notes"/>
-          <p:cNvSpPr txBox="1"/>
+          <p:cNvSpPr txBox="1">
+            <a:spLocks noGrp="1"/>
+          </p:cNvSpPr>
           <p:nvPr>
-            <p:ph idx="1" type="body"/>
+            <p:ph type="body" idx="1"/>
           </p:nvPr>
         </p:nvSpPr>
         <p:spPr>
@@ -1760,12 +1833,12 @@
           </a:prstGeom>
         </p:spPr>
         <p:txBody>
-          <a:bodyPr anchorCtr="0" anchor="t" bIns="91425" lIns="91425" spcFirstLastPara="1" rIns="91425" wrap="square" tIns="91425">
+          <a:bodyPr spcFirstLastPara="1" wrap="square" lIns="91425" tIns="91425" rIns="91425" bIns="91425" anchor="t" anchorCtr="0">
             <a:noAutofit/>
           </a:bodyPr>
           <a:lstStyle/>
           <a:p>
-            <a:pPr indent="0" lvl="0" marL="0" rtl="0" algn="l">
+            <a:pPr marL="0" lvl="0" indent="0" algn="l" rtl="0">
               <a:spcBef>
                 <a:spcPts val="0"/>
               </a:spcBef>
@@ -1774,9 +1847,6 @@
               </a:spcAft>
               <a:buNone/>
             </a:pPr>
-            <a:r>
-              <a:t/>
-            </a:r>
             <a:endParaRPr/>
           </a:p>
         </p:txBody>
@@ -1790,11 +1860,11 @@
 </file>
 
 <file path=ppt/notesSlides/notesSlide2.xml><?xml version="1.0" encoding="utf-8"?>
-<p:notes xmlns:a="http://schemas.openxmlformats.org/drawingml/2006/main" xmlns:r="http://schemas.openxmlformats.org/officeDocument/2006/relationships" xmlns:mc="http://schemas.openxmlformats.org/markup-compatibility/2006" xmlns:mv="urn:schemas-microsoft-com:mac:vml" xmlns:p="http://schemas.openxmlformats.org/presentationml/2006/main" xmlns:c="http://schemas.openxmlformats.org/drawingml/2006/chart" xmlns:dgm="http://schemas.openxmlformats.org/drawingml/2006/diagram" xmlns:o="urn:schemas-microsoft-com:office:office" xmlns:v="urn:schemas-microsoft-com:vml" xmlns:pvml="urn:schemas-microsoft-com:office:powerpoint" xmlns:com="http://schemas.openxmlformats.org/drawingml/2006/compatibility" xmlns:p14="http://schemas.microsoft.com/office/powerpoint/2010/main" xmlns:p15="http://schemas.microsoft.com/office/powerpoint/2012/main" showMasterPhAnim="0" showMasterSp="0">
+<p:notes xmlns:a="http://schemas.openxmlformats.org/drawingml/2006/main" xmlns:r="http://schemas.openxmlformats.org/officeDocument/2006/relationships" xmlns:p="http://schemas.openxmlformats.org/presentationml/2006/main" showMasterSp="0" showMasterPhAnim="0">
   <p:cSld>
     <p:spTree>
       <p:nvGrpSpPr>
-        <p:cNvPr id="37" name="Shape 37"/>
+        <p:cNvPr id="1" name="Shape 37"/>
         <p:cNvGrpSpPr/>
         <p:nvPr/>
       </p:nvGrpSpPr>
@@ -1809,9 +1879,11 @@
       <p:sp>
         <p:nvSpPr>
           <p:cNvPr id="38" name="Google Shape;38;g8e0c7f722_00:notes"/>
-          <p:cNvSpPr/>
+          <p:cNvSpPr>
+            <a:spLocks noGrp="1" noRot="1" noChangeAspect="1"/>
+          </p:cNvSpPr>
           <p:nvPr>
-            <p:ph idx="2" type="sldImg"/>
+            <p:ph type="sldImg" idx="2"/>
           </p:nvPr>
         </p:nvSpPr>
         <p:spPr>
@@ -1820,9 +1892,13 @@
             <a:ext cx="6096300" cy="3429000"/>
           </a:xfrm>
           <a:custGeom>
-            <a:rect b="b" l="l" r="r" t="t"/>
+            <a:avLst/>
+            <a:gdLst/>
+            <a:ahLst/>
+            <a:cxnLst/>
+            <a:rect l="l" t="t" r="r" b="b"/>
             <a:pathLst>
-              <a:path extrusionOk="0" h="120000" w="120000">
+              <a:path w="120000" h="120000" extrusionOk="0">
                 <a:moveTo>
                   <a:pt x="0" y="0"/>
                 </a:moveTo>
@@ -1844,9 +1920,11 @@
       <p:sp>
         <p:nvSpPr>
           <p:cNvPr id="39" name="Google Shape;39;g8e0c7f722_00:notes"/>
-          <p:cNvSpPr txBox="1"/>
+          <p:cNvSpPr txBox="1">
+            <a:spLocks noGrp="1"/>
+          </p:cNvSpPr>
           <p:nvPr>
-            <p:ph idx="1" type="body"/>
+            <p:ph type="body" idx="1"/>
           </p:nvPr>
         </p:nvSpPr>
         <p:spPr>
@@ -1859,12 +1937,12 @@
           </a:prstGeom>
         </p:spPr>
         <p:txBody>
-          <a:bodyPr anchorCtr="0" anchor="t" bIns="91425" lIns="91425" spcFirstLastPara="1" rIns="91425" wrap="square" tIns="91425">
+          <a:bodyPr spcFirstLastPara="1" wrap="square" lIns="91425" tIns="91425" rIns="91425" bIns="91425" anchor="t" anchorCtr="0">
             <a:noAutofit/>
           </a:bodyPr>
           <a:lstStyle/>
           <a:p>
-            <a:pPr indent="0" lvl="0" marL="0" rtl="0" algn="l">
+            <a:pPr marL="0" lvl="0" indent="0" algn="l" rtl="0">
               <a:spcBef>
                 <a:spcPts val="0"/>
               </a:spcBef>
@@ -1873,9 +1951,6 @@
               </a:spcAft>
               <a:buNone/>
             </a:pPr>
-            <a:r>
-              <a:t/>
-            </a:r>
             <a:endParaRPr/>
           </a:p>
         </p:txBody>
@@ -1889,11 +1964,11 @@
 </file>
 
 <file path=ppt/notesSlides/notesSlide20.xml><?xml version="1.0" encoding="utf-8"?>
-<p:notes xmlns:a="http://schemas.openxmlformats.org/drawingml/2006/main" xmlns:r="http://schemas.openxmlformats.org/officeDocument/2006/relationships" xmlns:mc="http://schemas.openxmlformats.org/markup-compatibility/2006" xmlns:mv="urn:schemas-microsoft-com:mac:vml" xmlns:p="http://schemas.openxmlformats.org/presentationml/2006/main" xmlns:c="http://schemas.openxmlformats.org/drawingml/2006/chart" xmlns:dgm="http://schemas.openxmlformats.org/drawingml/2006/diagram" xmlns:o="urn:schemas-microsoft-com:office:office" xmlns:v="urn:schemas-microsoft-com:vml" xmlns:pvml="urn:schemas-microsoft-com:office:powerpoint" xmlns:com="http://schemas.openxmlformats.org/drawingml/2006/compatibility" xmlns:p14="http://schemas.microsoft.com/office/powerpoint/2010/main" xmlns:p15="http://schemas.microsoft.com/office/powerpoint/2012/main" showMasterPhAnim="0" showMasterSp="0">
+<p:notes xmlns:a="http://schemas.openxmlformats.org/drawingml/2006/main" xmlns:r="http://schemas.openxmlformats.org/officeDocument/2006/relationships" xmlns:p="http://schemas.openxmlformats.org/presentationml/2006/main" showMasterSp="0" showMasterPhAnim="0">
   <p:cSld>
     <p:spTree>
       <p:nvGrpSpPr>
-        <p:cNvPr id="181" name="Shape 181"/>
+        <p:cNvPr id="1" name="Shape 181"/>
         <p:cNvGrpSpPr/>
         <p:nvPr/>
       </p:nvGrpSpPr>
@@ -1908,9 +1983,11 @@
       <p:sp>
         <p:nvSpPr>
           <p:cNvPr id="182" name="Google Shape;182;g2803cce7fd_0_127:notes"/>
-          <p:cNvSpPr/>
+          <p:cNvSpPr>
+            <a:spLocks noGrp="1" noRot="1" noChangeAspect="1"/>
+          </p:cNvSpPr>
           <p:nvPr>
-            <p:ph idx="2" type="sldImg"/>
+            <p:ph type="sldImg" idx="2"/>
           </p:nvPr>
         </p:nvSpPr>
         <p:spPr>
@@ -1919,9 +1996,13 @@
             <a:ext cx="6096300" cy="3429000"/>
           </a:xfrm>
           <a:custGeom>
-            <a:rect b="b" l="l" r="r" t="t"/>
+            <a:avLst/>
+            <a:gdLst/>
+            <a:ahLst/>
+            <a:cxnLst/>
+            <a:rect l="l" t="t" r="r" b="b"/>
             <a:pathLst>
-              <a:path extrusionOk="0" h="120000" w="120000">
+              <a:path w="120000" h="120000" extrusionOk="0">
                 <a:moveTo>
                   <a:pt x="0" y="0"/>
                 </a:moveTo>
@@ -1943,9 +2024,11 @@
       <p:sp>
         <p:nvSpPr>
           <p:cNvPr id="183" name="Google Shape;183;g2803cce7fd_0_127:notes"/>
-          <p:cNvSpPr txBox="1"/>
+          <p:cNvSpPr txBox="1">
+            <a:spLocks noGrp="1"/>
+          </p:cNvSpPr>
           <p:nvPr>
-            <p:ph idx="1" type="body"/>
+            <p:ph type="body" idx="1"/>
           </p:nvPr>
         </p:nvSpPr>
         <p:spPr>
@@ -1958,12 +2041,12 @@
           </a:prstGeom>
         </p:spPr>
         <p:txBody>
-          <a:bodyPr anchorCtr="0" anchor="t" bIns="91425" lIns="91425" spcFirstLastPara="1" rIns="91425" wrap="square" tIns="91425">
+          <a:bodyPr spcFirstLastPara="1" wrap="square" lIns="91425" tIns="91425" rIns="91425" bIns="91425" anchor="t" anchorCtr="0">
             <a:noAutofit/>
           </a:bodyPr>
           <a:lstStyle/>
           <a:p>
-            <a:pPr indent="0" lvl="0" marL="0" rtl="0" algn="l">
+            <a:pPr marL="0" lvl="0" indent="0" algn="l" rtl="0">
               <a:spcBef>
                 <a:spcPts val="0"/>
               </a:spcBef>
@@ -1972,9 +2055,6 @@
               </a:spcAft>
               <a:buNone/>
             </a:pPr>
-            <a:r>
-              <a:t/>
-            </a:r>
             <a:endParaRPr/>
           </a:p>
         </p:txBody>
@@ -1988,11 +2068,11 @@
 </file>
 
 <file path=ppt/notesSlides/notesSlide21.xml><?xml version="1.0" encoding="utf-8"?>
-<p:notes xmlns:a="http://schemas.openxmlformats.org/drawingml/2006/main" xmlns:r="http://schemas.openxmlformats.org/officeDocument/2006/relationships" xmlns:mc="http://schemas.openxmlformats.org/markup-compatibility/2006" xmlns:mv="urn:schemas-microsoft-com:mac:vml" xmlns:p="http://schemas.openxmlformats.org/presentationml/2006/main" xmlns:c="http://schemas.openxmlformats.org/drawingml/2006/chart" xmlns:dgm="http://schemas.openxmlformats.org/drawingml/2006/diagram" xmlns:o="urn:schemas-microsoft-com:office:office" xmlns:v="urn:schemas-microsoft-com:vml" xmlns:pvml="urn:schemas-microsoft-com:office:powerpoint" xmlns:com="http://schemas.openxmlformats.org/drawingml/2006/compatibility" xmlns:p14="http://schemas.microsoft.com/office/powerpoint/2010/main" xmlns:p15="http://schemas.microsoft.com/office/powerpoint/2012/main" showMasterPhAnim="0" showMasterSp="0">
+<p:notes xmlns:a="http://schemas.openxmlformats.org/drawingml/2006/main" xmlns:r="http://schemas.openxmlformats.org/officeDocument/2006/relationships" xmlns:p="http://schemas.openxmlformats.org/presentationml/2006/main" showMasterSp="0" showMasterPhAnim="0">
   <p:cSld>
     <p:spTree>
       <p:nvGrpSpPr>
-        <p:cNvPr id="189" name="Shape 189"/>
+        <p:cNvPr id="1" name="Shape 189"/>
         <p:cNvGrpSpPr/>
         <p:nvPr/>
       </p:nvGrpSpPr>
@@ -2007,9 +2087,11 @@
       <p:sp>
         <p:nvSpPr>
           <p:cNvPr id="190" name="Google Shape;190;g2803cce7fd_0_134:notes"/>
-          <p:cNvSpPr/>
+          <p:cNvSpPr>
+            <a:spLocks noGrp="1" noRot="1" noChangeAspect="1"/>
+          </p:cNvSpPr>
           <p:nvPr>
-            <p:ph idx="2" type="sldImg"/>
+            <p:ph type="sldImg" idx="2"/>
           </p:nvPr>
         </p:nvSpPr>
         <p:spPr>
@@ -2018,9 +2100,13 @@
             <a:ext cx="6096300" cy="3429000"/>
           </a:xfrm>
           <a:custGeom>
-            <a:rect b="b" l="l" r="r" t="t"/>
+            <a:avLst/>
+            <a:gdLst/>
+            <a:ahLst/>
+            <a:cxnLst/>
+            <a:rect l="l" t="t" r="r" b="b"/>
             <a:pathLst>
-              <a:path extrusionOk="0" h="120000" w="120000">
+              <a:path w="120000" h="120000" extrusionOk="0">
                 <a:moveTo>
                   <a:pt x="0" y="0"/>
                 </a:moveTo>
@@ -2042,9 +2128,11 @@
       <p:sp>
         <p:nvSpPr>
           <p:cNvPr id="191" name="Google Shape;191;g2803cce7fd_0_134:notes"/>
-          <p:cNvSpPr txBox="1"/>
+          <p:cNvSpPr txBox="1">
+            <a:spLocks noGrp="1"/>
+          </p:cNvSpPr>
           <p:nvPr>
-            <p:ph idx="1" type="body"/>
+            <p:ph type="body" idx="1"/>
           </p:nvPr>
         </p:nvSpPr>
         <p:spPr>
@@ -2057,12 +2145,12 @@
           </a:prstGeom>
         </p:spPr>
         <p:txBody>
-          <a:bodyPr anchorCtr="0" anchor="t" bIns="91425" lIns="91425" spcFirstLastPara="1" rIns="91425" wrap="square" tIns="91425">
+          <a:bodyPr spcFirstLastPara="1" wrap="square" lIns="91425" tIns="91425" rIns="91425" bIns="91425" anchor="t" anchorCtr="0">
             <a:noAutofit/>
           </a:bodyPr>
           <a:lstStyle/>
           <a:p>
-            <a:pPr indent="0" lvl="0" marL="0" rtl="0" algn="l">
+            <a:pPr marL="0" lvl="0" indent="0" algn="l" rtl="0">
               <a:spcBef>
                 <a:spcPts val="0"/>
               </a:spcBef>
@@ -2071,9 +2159,6 @@
               </a:spcAft>
               <a:buNone/>
             </a:pPr>
-            <a:r>
-              <a:t/>
-            </a:r>
             <a:endParaRPr/>
           </a:p>
         </p:txBody>
@@ -2087,11 +2172,11 @@
 </file>
 
 <file path=ppt/notesSlides/notesSlide22.xml><?xml version="1.0" encoding="utf-8"?>
-<p:notes xmlns:a="http://schemas.openxmlformats.org/drawingml/2006/main" xmlns:r="http://schemas.openxmlformats.org/officeDocument/2006/relationships" xmlns:mc="http://schemas.openxmlformats.org/markup-compatibility/2006" xmlns:mv="urn:schemas-microsoft-com:mac:vml" xmlns:p="http://schemas.openxmlformats.org/presentationml/2006/main" xmlns:c="http://schemas.openxmlformats.org/drawingml/2006/chart" xmlns:dgm="http://schemas.openxmlformats.org/drawingml/2006/diagram" xmlns:o="urn:schemas-microsoft-com:office:office" xmlns:v="urn:schemas-microsoft-com:vml" xmlns:pvml="urn:schemas-microsoft-com:office:powerpoint" xmlns:com="http://schemas.openxmlformats.org/drawingml/2006/compatibility" xmlns:p14="http://schemas.microsoft.com/office/powerpoint/2010/main" xmlns:p15="http://schemas.microsoft.com/office/powerpoint/2012/main" showMasterPhAnim="0" showMasterSp="0">
+<p:notes xmlns:a="http://schemas.openxmlformats.org/drawingml/2006/main" xmlns:r="http://schemas.openxmlformats.org/officeDocument/2006/relationships" xmlns:p="http://schemas.openxmlformats.org/presentationml/2006/main" showMasterSp="0" showMasterPhAnim="0">
   <p:cSld>
     <p:spTree>
       <p:nvGrpSpPr>
-        <p:cNvPr id="197" name="Shape 197"/>
+        <p:cNvPr id="1" name="Shape 197"/>
         <p:cNvGrpSpPr/>
         <p:nvPr/>
       </p:nvGrpSpPr>
@@ -2106,9 +2191,11 @@
       <p:sp>
         <p:nvSpPr>
           <p:cNvPr id="198" name="Google Shape;198;g2803cce7fd_0_141:notes"/>
-          <p:cNvSpPr/>
+          <p:cNvSpPr>
+            <a:spLocks noGrp="1" noRot="1" noChangeAspect="1"/>
+          </p:cNvSpPr>
           <p:nvPr>
-            <p:ph idx="2" type="sldImg"/>
+            <p:ph type="sldImg" idx="2"/>
           </p:nvPr>
         </p:nvSpPr>
         <p:spPr>
@@ -2117,9 +2204,13 @@
             <a:ext cx="6096300" cy="3429000"/>
           </a:xfrm>
           <a:custGeom>
-            <a:rect b="b" l="l" r="r" t="t"/>
+            <a:avLst/>
+            <a:gdLst/>
+            <a:ahLst/>
+            <a:cxnLst/>
+            <a:rect l="l" t="t" r="r" b="b"/>
             <a:pathLst>
-              <a:path extrusionOk="0" h="120000" w="120000">
+              <a:path w="120000" h="120000" extrusionOk="0">
                 <a:moveTo>
                   <a:pt x="0" y="0"/>
                 </a:moveTo>
@@ -2141,9 +2232,11 @@
       <p:sp>
         <p:nvSpPr>
           <p:cNvPr id="199" name="Google Shape;199;g2803cce7fd_0_141:notes"/>
-          <p:cNvSpPr txBox="1"/>
+          <p:cNvSpPr txBox="1">
+            <a:spLocks noGrp="1"/>
+          </p:cNvSpPr>
           <p:nvPr>
-            <p:ph idx="1" type="body"/>
+            <p:ph type="body" idx="1"/>
           </p:nvPr>
         </p:nvSpPr>
         <p:spPr>
@@ -2156,12 +2249,12 @@
           </a:prstGeom>
         </p:spPr>
         <p:txBody>
-          <a:bodyPr anchorCtr="0" anchor="t" bIns="91425" lIns="91425" spcFirstLastPara="1" rIns="91425" wrap="square" tIns="91425">
+          <a:bodyPr spcFirstLastPara="1" wrap="square" lIns="91425" tIns="91425" rIns="91425" bIns="91425" anchor="t" anchorCtr="0">
             <a:noAutofit/>
           </a:bodyPr>
           <a:lstStyle/>
           <a:p>
-            <a:pPr indent="0" lvl="0" marL="0" rtl="0" algn="l">
+            <a:pPr marL="0" lvl="0" indent="0" algn="l" rtl="0">
               <a:spcBef>
                 <a:spcPts val="0"/>
               </a:spcBef>
@@ -2170,9 +2263,6 @@
               </a:spcAft>
               <a:buNone/>
             </a:pPr>
-            <a:r>
-              <a:t/>
-            </a:r>
             <a:endParaRPr/>
           </a:p>
         </p:txBody>
@@ -2186,11 +2276,11 @@
 </file>
 
 <file path=ppt/notesSlides/notesSlide23.xml><?xml version="1.0" encoding="utf-8"?>
-<p:notes xmlns:a="http://schemas.openxmlformats.org/drawingml/2006/main" xmlns:r="http://schemas.openxmlformats.org/officeDocument/2006/relationships" xmlns:mc="http://schemas.openxmlformats.org/markup-compatibility/2006" xmlns:mv="urn:schemas-microsoft-com:mac:vml" xmlns:p="http://schemas.openxmlformats.org/presentationml/2006/main" xmlns:c="http://schemas.openxmlformats.org/drawingml/2006/chart" xmlns:dgm="http://schemas.openxmlformats.org/drawingml/2006/diagram" xmlns:o="urn:schemas-microsoft-com:office:office" xmlns:v="urn:schemas-microsoft-com:vml" xmlns:pvml="urn:schemas-microsoft-com:office:powerpoint" xmlns:com="http://schemas.openxmlformats.org/drawingml/2006/compatibility" xmlns:p14="http://schemas.microsoft.com/office/powerpoint/2010/main" xmlns:p15="http://schemas.microsoft.com/office/powerpoint/2012/main" showMasterPhAnim="0" showMasterSp="0">
+<p:notes xmlns:a="http://schemas.openxmlformats.org/drawingml/2006/main" xmlns:r="http://schemas.openxmlformats.org/officeDocument/2006/relationships" xmlns:p="http://schemas.openxmlformats.org/presentationml/2006/main" showMasterSp="0" showMasterPhAnim="0">
   <p:cSld>
     <p:spTree>
       <p:nvGrpSpPr>
-        <p:cNvPr id="205" name="Shape 205"/>
+        <p:cNvPr id="1" name="Shape 205"/>
         <p:cNvGrpSpPr/>
         <p:nvPr/>
       </p:nvGrpSpPr>
@@ -2205,9 +2295,11 @@
       <p:sp>
         <p:nvSpPr>
           <p:cNvPr id="206" name="Google Shape;206;g2803cce7fd_0_148:notes"/>
-          <p:cNvSpPr/>
+          <p:cNvSpPr>
+            <a:spLocks noGrp="1" noRot="1" noChangeAspect="1"/>
+          </p:cNvSpPr>
           <p:nvPr>
-            <p:ph idx="2" type="sldImg"/>
+            <p:ph type="sldImg" idx="2"/>
           </p:nvPr>
         </p:nvSpPr>
         <p:spPr>
@@ -2216,9 +2308,13 @@
             <a:ext cx="6096300" cy="3429000"/>
           </a:xfrm>
           <a:custGeom>
-            <a:rect b="b" l="l" r="r" t="t"/>
+            <a:avLst/>
+            <a:gdLst/>
+            <a:ahLst/>
+            <a:cxnLst/>
+            <a:rect l="l" t="t" r="r" b="b"/>
             <a:pathLst>
-              <a:path extrusionOk="0" h="120000" w="120000">
+              <a:path w="120000" h="120000" extrusionOk="0">
                 <a:moveTo>
                   <a:pt x="0" y="0"/>
                 </a:moveTo>
@@ -2240,9 +2336,11 @@
       <p:sp>
         <p:nvSpPr>
           <p:cNvPr id="207" name="Google Shape;207;g2803cce7fd_0_148:notes"/>
-          <p:cNvSpPr txBox="1"/>
+          <p:cNvSpPr txBox="1">
+            <a:spLocks noGrp="1"/>
+          </p:cNvSpPr>
           <p:nvPr>
-            <p:ph idx="1" type="body"/>
+            <p:ph type="body" idx="1"/>
           </p:nvPr>
         </p:nvSpPr>
         <p:spPr>
@@ -2255,12 +2353,12 @@
           </a:prstGeom>
         </p:spPr>
         <p:txBody>
-          <a:bodyPr anchorCtr="0" anchor="t" bIns="91425" lIns="91425" spcFirstLastPara="1" rIns="91425" wrap="square" tIns="91425">
+          <a:bodyPr spcFirstLastPara="1" wrap="square" lIns="91425" tIns="91425" rIns="91425" bIns="91425" anchor="t" anchorCtr="0">
             <a:noAutofit/>
           </a:bodyPr>
           <a:lstStyle/>
           <a:p>
-            <a:pPr indent="0" lvl="0" marL="0" rtl="0" algn="l">
+            <a:pPr marL="0" lvl="0" indent="0" algn="l" rtl="0">
               <a:spcBef>
                 <a:spcPts val="0"/>
               </a:spcBef>
@@ -2269,9 +2367,6 @@
               </a:spcAft>
               <a:buNone/>
             </a:pPr>
-            <a:r>
-              <a:t/>
-            </a:r>
             <a:endParaRPr/>
           </a:p>
         </p:txBody>
@@ -2285,11 +2380,11 @@
 </file>
 
 <file path=ppt/notesSlides/notesSlide24.xml><?xml version="1.0" encoding="utf-8"?>
-<p:notes xmlns:a="http://schemas.openxmlformats.org/drawingml/2006/main" xmlns:r="http://schemas.openxmlformats.org/officeDocument/2006/relationships" xmlns:mc="http://schemas.openxmlformats.org/markup-compatibility/2006" xmlns:mv="urn:schemas-microsoft-com:mac:vml" xmlns:p="http://schemas.openxmlformats.org/presentationml/2006/main" xmlns:c="http://schemas.openxmlformats.org/drawingml/2006/chart" xmlns:dgm="http://schemas.openxmlformats.org/drawingml/2006/diagram" xmlns:o="urn:schemas-microsoft-com:office:office" xmlns:v="urn:schemas-microsoft-com:vml" xmlns:pvml="urn:schemas-microsoft-com:office:powerpoint" xmlns:com="http://schemas.openxmlformats.org/drawingml/2006/compatibility" xmlns:p14="http://schemas.microsoft.com/office/powerpoint/2010/main" xmlns:p15="http://schemas.microsoft.com/office/powerpoint/2012/main" showMasterPhAnim="0" showMasterSp="0">
+<p:notes xmlns:a="http://schemas.openxmlformats.org/drawingml/2006/main" xmlns:r="http://schemas.openxmlformats.org/officeDocument/2006/relationships" xmlns:p="http://schemas.openxmlformats.org/presentationml/2006/main" showMasterSp="0" showMasterPhAnim="0">
   <p:cSld>
     <p:spTree>
       <p:nvGrpSpPr>
-        <p:cNvPr id="213" name="Shape 213"/>
+        <p:cNvPr id="1" name="Shape 213"/>
         <p:cNvGrpSpPr/>
         <p:nvPr/>
       </p:nvGrpSpPr>
@@ -2304,9 +2399,11 @@
       <p:sp>
         <p:nvSpPr>
           <p:cNvPr id="214" name="Google Shape;214;g2803cce7fd_0_155:notes"/>
-          <p:cNvSpPr/>
+          <p:cNvSpPr>
+            <a:spLocks noGrp="1" noRot="1" noChangeAspect="1"/>
+          </p:cNvSpPr>
           <p:nvPr>
-            <p:ph idx="2" type="sldImg"/>
+            <p:ph type="sldImg" idx="2"/>
           </p:nvPr>
         </p:nvSpPr>
         <p:spPr>
@@ -2315,9 +2412,13 @@
             <a:ext cx="6096300" cy="3429000"/>
           </a:xfrm>
           <a:custGeom>
-            <a:rect b="b" l="l" r="r" t="t"/>
+            <a:avLst/>
+            <a:gdLst/>
+            <a:ahLst/>
+            <a:cxnLst/>
+            <a:rect l="l" t="t" r="r" b="b"/>
             <a:pathLst>
-              <a:path extrusionOk="0" h="120000" w="120000">
+              <a:path w="120000" h="120000" extrusionOk="0">
                 <a:moveTo>
                   <a:pt x="0" y="0"/>
                 </a:moveTo>
@@ -2339,9 +2440,11 @@
       <p:sp>
         <p:nvSpPr>
           <p:cNvPr id="215" name="Google Shape;215;g2803cce7fd_0_155:notes"/>
-          <p:cNvSpPr txBox="1"/>
+          <p:cNvSpPr txBox="1">
+            <a:spLocks noGrp="1"/>
+          </p:cNvSpPr>
           <p:nvPr>
-            <p:ph idx="1" type="body"/>
+            <p:ph type="body" idx="1"/>
           </p:nvPr>
         </p:nvSpPr>
         <p:spPr>
@@ -2354,12 +2457,12 @@
           </a:prstGeom>
         </p:spPr>
         <p:txBody>
-          <a:bodyPr anchorCtr="0" anchor="t" bIns="91425" lIns="91425" spcFirstLastPara="1" rIns="91425" wrap="square" tIns="91425">
+          <a:bodyPr spcFirstLastPara="1" wrap="square" lIns="91425" tIns="91425" rIns="91425" bIns="91425" anchor="t" anchorCtr="0">
             <a:noAutofit/>
           </a:bodyPr>
           <a:lstStyle/>
           <a:p>
-            <a:pPr indent="0" lvl="0" marL="0" rtl="0" algn="l">
+            <a:pPr marL="0" lvl="0" indent="0" algn="l" rtl="0">
               <a:spcBef>
                 <a:spcPts val="0"/>
               </a:spcBef>
@@ -2368,9 +2471,6 @@
               </a:spcAft>
               <a:buNone/>
             </a:pPr>
-            <a:r>
-              <a:t/>
-            </a:r>
             <a:endParaRPr/>
           </a:p>
         </p:txBody>
@@ -2384,11 +2484,11 @@
 </file>
 
 <file path=ppt/notesSlides/notesSlide25.xml><?xml version="1.0" encoding="utf-8"?>
-<p:notes xmlns:a="http://schemas.openxmlformats.org/drawingml/2006/main" xmlns:r="http://schemas.openxmlformats.org/officeDocument/2006/relationships" xmlns:mc="http://schemas.openxmlformats.org/markup-compatibility/2006" xmlns:mv="urn:schemas-microsoft-com:mac:vml" xmlns:p="http://schemas.openxmlformats.org/presentationml/2006/main" xmlns:c="http://schemas.openxmlformats.org/drawingml/2006/chart" xmlns:dgm="http://schemas.openxmlformats.org/drawingml/2006/diagram" xmlns:o="urn:schemas-microsoft-com:office:office" xmlns:v="urn:schemas-microsoft-com:vml" xmlns:pvml="urn:schemas-microsoft-com:office:powerpoint" xmlns:com="http://schemas.openxmlformats.org/drawingml/2006/compatibility" xmlns:p14="http://schemas.microsoft.com/office/powerpoint/2010/main" xmlns:p15="http://schemas.microsoft.com/office/powerpoint/2012/main" showMasterPhAnim="0" showMasterSp="0">
+<p:notes xmlns:a="http://schemas.openxmlformats.org/drawingml/2006/main" xmlns:r="http://schemas.openxmlformats.org/officeDocument/2006/relationships" xmlns:p="http://schemas.openxmlformats.org/presentationml/2006/main" showMasterSp="0" showMasterPhAnim="0">
   <p:cSld>
     <p:spTree>
       <p:nvGrpSpPr>
-        <p:cNvPr id="221" name="Shape 221"/>
+        <p:cNvPr id="1" name="Shape 221"/>
         <p:cNvGrpSpPr/>
         <p:nvPr/>
       </p:nvGrpSpPr>
@@ -2403,9 +2503,11 @@
       <p:sp>
         <p:nvSpPr>
           <p:cNvPr id="222" name="Google Shape;222;g2901d7fb1f_1_0:notes"/>
-          <p:cNvSpPr/>
+          <p:cNvSpPr>
+            <a:spLocks noGrp="1" noRot="1" noChangeAspect="1"/>
+          </p:cNvSpPr>
           <p:nvPr>
-            <p:ph idx="2" type="sldImg"/>
+            <p:ph type="sldImg" idx="2"/>
           </p:nvPr>
         </p:nvSpPr>
         <p:spPr>
@@ -2414,9 +2516,13 @@
             <a:ext cx="6096300" cy="3429000"/>
           </a:xfrm>
           <a:custGeom>
-            <a:rect b="b" l="l" r="r" t="t"/>
+            <a:avLst/>
+            <a:gdLst/>
+            <a:ahLst/>
+            <a:cxnLst/>
+            <a:rect l="l" t="t" r="r" b="b"/>
             <a:pathLst>
-              <a:path extrusionOk="0" h="120000" w="120000">
+              <a:path w="120000" h="120000" extrusionOk="0">
                 <a:moveTo>
                   <a:pt x="0" y="0"/>
                 </a:moveTo>
@@ -2438,9 +2544,11 @@
       <p:sp>
         <p:nvSpPr>
           <p:cNvPr id="223" name="Google Shape;223;g2901d7fb1f_1_0:notes"/>
-          <p:cNvSpPr txBox="1"/>
+          <p:cNvSpPr txBox="1">
+            <a:spLocks noGrp="1"/>
+          </p:cNvSpPr>
           <p:nvPr>
-            <p:ph idx="1" type="body"/>
+            <p:ph type="body" idx="1"/>
           </p:nvPr>
         </p:nvSpPr>
         <p:spPr>
@@ -2453,12 +2561,12 @@
           </a:prstGeom>
         </p:spPr>
         <p:txBody>
-          <a:bodyPr anchorCtr="0" anchor="t" bIns="91425" lIns="91425" spcFirstLastPara="1" rIns="91425" wrap="square" tIns="91425">
+          <a:bodyPr spcFirstLastPara="1" wrap="square" lIns="91425" tIns="91425" rIns="91425" bIns="91425" anchor="t" anchorCtr="0">
             <a:noAutofit/>
           </a:bodyPr>
           <a:lstStyle/>
           <a:p>
-            <a:pPr indent="0" lvl="0" marL="0" rtl="0" algn="l">
+            <a:pPr marL="0" lvl="0" indent="0" algn="l" rtl="0">
               <a:spcBef>
                 <a:spcPts val="0"/>
               </a:spcBef>
@@ -2467,9 +2575,6 @@
               </a:spcAft>
               <a:buNone/>
             </a:pPr>
-            <a:r>
-              <a:t/>
-            </a:r>
             <a:endParaRPr/>
           </a:p>
         </p:txBody>
@@ -2483,11 +2588,11 @@
 </file>
 
 <file path=ppt/notesSlides/notesSlide26.xml><?xml version="1.0" encoding="utf-8"?>
-<p:notes xmlns:a="http://schemas.openxmlformats.org/drawingml/2006/main" xmlns:r="http://schemas.openxmlformats.org/officeDocument/2006/relationships" xmlns:mc="http://schemas.openxmlformats.org/markup-compatibility/2006" xmlns:mv="urn:schemas-microsoft-com:mac:vml" xmlns:p="http://schemas.openxmlformats.org/presentationml/2006/main" xmlns:c="http://schemas.openxmlformats.org/drawingml/2006/chart" xmlns:dgm="http://schemas.openxmlformats.org/drawingml/2006/diagram" xmlns:o="urn:schemas-microsoft-com:office:office" xmlns:v="urn:schemas-microsoft-com:vml" xmlns:pvml="urn:schemas-microsoft-com:office:powerpoint" xmlns:com="http://schemas.openxmlformats.org/drawingml/2006/compatibility" xmlns:p14="http://schemas.microsoft.com/office/powerpoint/2010/main" xmlns:p15="http://schemas.microsoft.com/office/powerpoint/2012/main" showMasterPhAnim="0" showMasterSp="0">
+<p:notes xmlns:a="http://schemas.openxmlformats.org/drawingml/2006/main" xmlns:r="http://schemas.openxmlformats.org/officeDocument/2006/relationships" xmlns:p="http://schemas.openxmlformats.org/presentationml/2006/main" showMasterSp="0" showMasterPhAnim="0">
   <p:cSld>
     <p:spTree>
       <p:nvGrpSpPr>
-        <p:cNvPr id="228" name="Shape 228"/>
+        <p:cNvPr id="1" name="Shape 228"/>
         <p:cNvGrpSpPr/>
         <p:nvPr/>
       </p:nvGrpSpPr>
@@ -2502,9 +2607,11 @@
       <p:sp>
         <p:nvSpPr>
           <p:cNvPr id="229" name="Google Shape;229;g2803cce7fd_0_162:notes"/>
-          <p:cNvSpPr/>
+          <p:cNvSpPr>
+            <a:spLocks noGrp="1" noRot="1" noChangeAspect="1"/>
+          </p:cNvSpPr>
           <p:nvPr>
-            <p:ph idx="2" type="sldImg"/>
+            <p:ph type="sldImg" idx="2"/>
           </p:nvPr>
         </p:nvSpPr>
         <p:spPr>
@@ -2513,9 +2620,13 @@
             <a:ext cx="6096300" cy="3429000"/>
           </a:xfrm>
           <a:custGeom>
-            <a:rect b="b" l="l" r="r" t="t"/>
+            <a:avLst/>
+            <a:gdLst/>
+            <a:ahLst/>
+            <a:cxnLst/>
+            <a:rect l="l" t="t" r="r" b="b"/>
             <a:pathLst>
-              <a:path extrusionOk="0" h="120000" w="120000">
+              <a:path w="120000" h="120000" extrusionOk="0">
                 <a:moveTo>
                   <a:pt x="0" y="0"/>
                 </a:moveTo>
@@ -2537,9 +2648,11 @@
       <p:sp>
         <p:nvSpPr>
           <p:cNvPr id="230" name="Google Shape;230;g2803cce7fd_0_162:notes"/>
-          <p:cNvSpPr txBox="1"/>
+          <p:cNvSpPr txBox="1">
+            <a:spLocks noGrp="1"/>
+          </p:cNvSpPr>
           <p:nvPr>
-            <p:ph idx="1" type="body"/>
+            <p:ph type="body" idx="1"/>
           </p:nvPr>
         </p:nvSpPr>
         <p:spPr>
@@ -2552,12 +2665,12 @@
           </a:prstGeom>
         </p:spPr>
         <p:txBody>
-          <a:bodyPr anchorCtr="0" anchor="t" bIns="91425" lIns="91425" spcFirstLastPara="1" rIns="91425" wrap="square" tIns="91425">
+          <a:bodyPr spcFirstLastPara="1" wrap="square" lIns="91425" tIns="91425" rIns="91425" bIns="91425" anchor="t" anchorCtr="0">
             <a:noAutofit/>
           </a:bodyPr>
           <a:lstStyle/>
           <a:p>
-            <a:pPr indent="0" lvl="0" marL="0" rtl="0" algn="l">
+            <a:pPr marL="0" lvl="0" indent="0" algn="l" rtl="0">
               <a:spcBef>
                 <a:spcPts val="0"/>
               </a:spcBef>
@@ -2566,9 +2679,6 @@
               </a:spcAft>
               <a:buNone/>
             </a:pPr>
-            <a:r>
-              <a:t/>
-            </a:r>
             <a:endParaRPr/>
           </a:p>
         </p:txBody>
@@ -2582,11 +2692,11 @@
 </file>
 
 <file path=ppt/notesSlides/notesSlide27.xml><?xml version="1.0" encoding="utf-8"?>
-<p:notes xmlns:a="http://schemas.openxmlformats.org/drawingml/2006/main" xmlns:r="http://schemas.openxmlformats.org/officeDocument/2006/relationships" xmlns:mc="http://schemas.openxmlformats.org/markup-compatibility/2006" xmlns:mv="urn:schemas-microsoft-com:mac:vml" xmlns:p="http://schemas.openxmlformats.org/presentationml/2006/main" xmlns:c="http://schemas.openxmlformats.org/drawingml/2006/chart" xmlns:dgm="http://schemas.openxmlformats.org/drawingml/2006/diagram" xmlns:o="urn:schemas-microsoft-com:office:office" xmlns:v="urn:schemas-microsoft-com:vml" xmlns:pvml="urn:schemas-microsoft-com:office:powerpoint" xmlns:com="http://schemas.openxmlformats.org/drawingml/2006/compatibility" xmlns:p14="http://schemas.microsoft.com/office/powerpoint/2010/main" xmlns:p15="http://schemas.microsoft.com/office/powerpoint/2012/main" showMasterPhAnim="0" showMasterSp="0">
+<p:notes xmlns:a="http://schemas.openxmlformats.org/drawingml/2006/main" xmlns:r="http://schemas.openxmlformats.org/officeDocument/2006/relationships" xmlns:p="http://schemas.openxmlformats.org/presentationml/2006/main" showMasterSp="0" showMasterPhAnim="0">
   <p:cSld>
     <p:spTree>
       <p:nvGrpSpPr>
-        <p:cNvPr id="236" name="Shape 236"/>
+        <p:cNvPr id="1" name="Shape 236"/>
         <p:cNvGrpSpPr/>
         <p:nvPr/>
       </p:nvGrpSpPr>
@@ -2601,9 +2711,11 @@
       <p:sp>
         <p:nvSpPr>
           <p:cNvPr id="237" name="Google Shape;237;g2803cce7fd_0_169:notes"/>
-          <p:cNvSpPr/>
+          <p:cNvSpPr>
+            <a:spLocks noGrp="1" noRot="1" noChangeAspect="1"/>
+          </p:cNvSpPr>
           <p:nvPr>
-            <p:ph idx="2" type="sldImg"/>
+            <p:ph type="sldImg" idx="2"/>
           </p:nvPr>
         </p:nvSpPr>
         <p:spPr>
@@ -2612,9 +2724,13 @@
             <a:ext cx="6096300" cy="3429000"/>
           </a:xfrm>
           <a:custGeom>
-            <a:rect b="b" l="l" r="r" t="t"/>
+            <a:avLst/>
+            <a:gdLst/>
+            <a:ahLst/>
+            <a:cxnLst/>
+            <a:rect l="l" t="t" r="r" b="b"/>
             <a:pathLst>
-              <a:path extrusionOk="0" h="120000" w="120000">
+              <a:path w="120000" h="120000" extrusionOk="0">
                 <a:moveTo>
                   <a:pt x="0" y="0"/>
                 </a:moveTo>
@@ -2636,9 +2752,11 @@
       <p:sp>
         <p:nvSpPr>
           <p:cNvPr id="238" name="Google Shape;238;g2803cce7fd_0_169:notes"/>
-          <p:cNvSpPr txBox="1"/>
+          <p:cNvSpPr txBox="1">
+            <a:spLocks noGrp="1"/>
+          </p:cNvSpPr>
           <p:nvPr>
-            <p:ph idx="1" type="body"/>
+            <p:ph type="body" idx="1"/>
           </p:nvPr>
         </p:nvSpPr>
         <p:spPr>
@@ -2651,12 +2769,12 @@
           </a:prstGeom>
         </p:spPr>
         <p:txBody>
-          <a:bodyPr anchorCtr="0" anchor="t" bIns="91425" lIns="91425" spcFirstLastPara="1" rIns="91425" wrap="square" tIns="91425">
+          <a:bodyPr spcFirstLastPara="1" wrap="square" lIns="91425" tIns="91425" rIns="91425" bIns="91425" anchor="t" anchorCtr="0">
             <a:noAutofit/>
           </a:bodyPr>
           <a:lstStyle/>
           <a:p>
-            <a:pPr indent="0" lvl="0" marL="0" rtl="0" algn="l">
+            <a:pPr marL="0" lvl="0" indent="0" algn="l" rtl="0">
               <a:spcBef>
                 <a:spcPts val="0"/>
               </a:spcBef>
@@ -2665,9 +2783,6 @@
               </a:spcAft>
               <a:buNone/>
             </a:pPr>
-            <a:r>
-              <a:t/>
-            </a:r>
             <a:endParaRPr/>
           </a:p>
         </p:txBody>
@@ -2681,11 +2796,11 @@
 </file>
 
 <file path=ppt/notesSlides/notesSlide28.xml><?xml version="1.0" encoding="utf-8"?>
-<p:notes xmlns:a="http://schemas.openxmlformats.org/drawingml/2006/main" xmlns:r="http://schemas.openxmlformats.org/officeDocument/2006/relationships" xmlns:mc="http://schemas.openxmlformats.org/markup-compatibility/2006" xmlns:mv="urn:schemas-microsoft-com:mac:vml" xmlns:p="http://schemas.openxmlformats.org/presentationml/2006/main" xmlns:c="http://schemas.openxmlformats.org/drawingml/2006/chart" xmlns:dgm="http://schemas.openxmlformats.org/drawingml/2006/diagram" xmlns:o="urn:schemas-microsoft-com:office:office" xmlns:v="urn:schemas-microsoft-com:vml" xmlns:pvml="urn:schemas-microsoft-com:office:powerpoint" xmlns:com="http://schemas.openxmlformats.org/drawingml/2006/compatibility" xmlns:p14="http://schemas.microsoft.com/office/powerpoint/2010/main" xmlns:p15="http://schemas.microsoft.com/office/powerpoint/2012/main" showMasterPhAnim="0" showMasterSp="0">
+<p:notes xmlns:a="http://schemas.openxmlformats.org/drawingml/2006/main" xmlns:r="http://schemas.openxmlformats.org/officeDocument/2006/relationships" xmlns:p="http://schemas.openxmlformats.org/presentationml/2006/main" showMasterSp="0" showMasterPhAnim="0">
   <p:cSld>
     <p:spTree>
       <p:nvGrpSpPr>
-        <p:cNvPr id="244" name="Shape 244"/>
+        <p:cNvPr id="1" name="Shape 244"/>
         <p:cNvGrpSpPr/>
         <p:nvPr/>
       </p:nvGrpSpPr>
@@ -2700,9 +2815,11 @@
       <p:sp>
         <p:nvSpPr>
           <p:cNvPr id="245" name="Google Shape;245;g2803cce7fd_0_176:notes"/>
-          <p:cNvSpPr/>
+          <p:cNvSpPr>
+            <a:spLocks noGrp="1" noRot="1" noChangeAspect="1"/>
+          </p:cNvSpPr>
           <p:nvPr>
-            <p:ph idx="2" type="sldImg"/>
+            <p:ph type="sldImg" idx="2"/>
           </p:nvPr>
         </p:nvSpPr>
         <p:spPr>
@@ -2711,9 +2828,13 @@
             <a:ext cx="6096300" cy="3429000"/>
           </a:xfrm>
           <a:custGeom>
-            <a:rect b="b" l="l" r="r" t="t"/>
+            <a:avLst/>
+            <a:gdLst/>
+            <a:ahLst/>
+            <a:cxnLst/>
+            <a:rect l="l" t="t" r="r" b="b"/>
             <a:pathLst>
-              <a:path extrusionOk="0" h="120000" w="120000">
+              <a:path w="120000" h="120000" extrusionOk="0">
                 <a:moveTo>
                   <a:pt x="0" y="0"/>
                 </a:moveTo>
@@ -2735,9 +2856,11 @@
       <p:sp>
         <p:nvSpPr>
           <p:cNvPr id="246" name="Google Shape;246;g2803cce7fd_0_176:notes"/>
-          <p:cNvSpPr txBox="1"/>
+          <p:cNvSpPr txBox="1">
+            <a:spLocks noGrp="1"/>
+          </p:cNvSpPr>
           <p:nvPr>
-            <p:ph idx="1" type="body"/>
+            <p:ph type="body" idx="1"/>
           </p:nvPr>
         </p:nvSpPr>
         <p:spPr>
@@ -2750,12 +2873,12 @@
           </a:prstGeom>
         </p:spPr>
         <p:txBody>
-          <a:bodyPr anchorCtr="0" anchor="t" bIns="91425" lIns="91425" spcFirstLastPara="1" rIns="91425" wrap="square" tIns="91425">
+          <a:bodyPr spcFirstLastPara="1" wrap="square" lIns="91425" tIns="91425" rIns="91425" bIns="91425" anchor="t" anchorCtr="0">
             <a:noAutofit/>
           </a:bodyPr>
           <a:lstStyle/>
           <a:p>
-            <a:pPr indent="0" lvl="0" marL="0" rtl="0" algn="l">
+            <a:pPr marL="0" lvl="0" indent="0" algn="l" rtl="0">
               <a:spcBef>
                 <a:spcPts val="0"/>
               </a:spcBef>
@@ -2764,9 +2887,6 @@
               </a:spcAft>
               <a:buNone/>
             </a:pPr>
-            <a:r>
-              <a:t/>
-            </a:r>
             <a:endParaRPr/>
           </a:p>
         </p:txBody>
@@ -2780,11 +2900,11 @@
 </file>
 
 <file path=ppt/notesSlides/notesSlide29.xml><?xml version="1.0" encoding="utf-8"?>
-<p:notes xmlns:a="http://schemas.openxmlformats.org/drawingml/2006/main" xmlns:r="http://schemas.openxmlformats.org/officeDocument/2006/relationships" xmlns:mc="http://schemas.openxmlformats.org/markup-compatibility/2006" xmlns:mv="urn:schemas-microsoft-com:mac:vml" xmlns:p="http://schemas.openxmlformats.org/presentationml/2006/main" xmlns:c="http://schemas.openxmlformats.org/drawingml/2006/chart" xmlns:dgm="http://schemas.openxmlformats.org/drawingml/2006/diagram" xmlns:o="urn:schemas-microsoft-com:office:office" xmlns:v="urn:schemas-microsoft-com:vml" xmlns:pvml="urn:schemas-microsoft-com:office:powerpoint" xmlns:com="http://schemas.openxmlformats.org/drawingml/2006/compatibility" xmlns:p14="http://schemas.microsoft.com/office/powerpoint/2010/main" xmlns:p15="http://schemas.microsoft.com/office/powerpoint/2012/main" showMasterPhAnim="0" showMasterSp="0">
+<p:notes xmlns:a="http://schemas.openxmlformats.org/drawingml/2006/main" xmlns:r="http://schemas.openxmlformats.org/officeDocument/2006/relationships" xmlns:p="http://schemas.openxmlformats.org/presentationml/2006/main" showMasterSp="0" showMasterPhAnim="0">
   <p:cSld>
     <p:spTree>
       <p:nvGrpSpPr>
-        <p:cNvPr id="252" name="Shape 252"/>
+        <p:cNvPr id="1" name="Shape 252"/>
         <p:cNvGrpSpPr/>
         <p:nvPr/>
       </p:nvGrpSpPr>
@@ -2799,9 +2919,11 @@
       <p:sp>
         <p:nvSpPr>
           <p:cNvPr id="253" name="Google Shape;253;g18e207e67c_0_0:notes"/>
-          <p:cNvSpPr/>
+          <p:cNvSpPr>
+            <a:spLocks noGrp="1" noRot="1" noChangeAspect="1"/>
+          </p:cNvSpPr>
           <p:nvPr>
-            <p:ph idx="2" type="sldImg"/>
+            <p:ph type="sldImg" idx="2"/>
           </p:nvPr>
         </p:nvSpPr>
         <p:spPr>
@@ -2810,9 +2932,13 @@
             <a:ext cx="6096300" cy="3429000"/>
           </a:xfrm>
           <a:custGeom>
-            <a:rect b="b" l="l" r="r" t="t"/>
+            <a:avLst/>
+            <a:gdLst/>
+            <a:ahLst/>
+            <a:cxnLst/>
+            <a:rect l="l" t="t" r="r" b="b"/>
             <a:pathLst>
-              <a:path extrusionOk="0" h="120000" w="120000">
+              <a:path w="120000" h="120000" extrusionOk="0">
                 <a:moveTo>
                   <a:pt x="0" y="0"/>
                 </a:moveTo>
@@ -2834,9 +2960,11 @@
       <p:sp>
         <p:nvSpPr>
           <p:cNvPr id="254" name="Google Shape;254;g18e207e67c_0_0:notes"/>
-          <p:cNvSpPr txBox="1"/>
+          <p:cNvSpPr txBox="1">
+            <a:spLocks noGrp="1"/>
+          </p:cNvSpPr>
           <p:nvPr>
-            <p:ph idx="1" type="body"/>
+            <p:ph type="body" idx="1"/>
           </p:nvPr>
         </p:nvSpPr>
         <p:spPr>
@@ -2849,12 +2977,12 @@
           </a:prstGeom>
         </p:spPr>
         <p:txBody>
-          <a:bodyPr anchorCtr="0" anchor="t" bIns="91425" lIns="91425" spcFirstLastPara="1" rIns="91425" wrap="square" tIns="91425">
+          <a:bodyPr spcFirstLastPara="1" wrap="square" lIns="91425" tIns="91425" rIns="91425" bIns="91425" anchor="t" anchorCtr="0">
             <a:noAutofit/>
           </a:bodyPr>
           <a:lstStyle/>
           <a:p>
-            <a:pPr indent="0" lvl="0" marL="0" rtl="0" algn="l">
+            <a:pPr marL="0" lvl="0" indent="0" algn="l" rtl="0">
               <a:spcBef>
                 <a:spcPts val="0"/>
               </a:spcBef>
@@ -2863,9 +2991,6 @@
               </a:spcAft>
               <a:buNone/>
             </a:pPr>
-            <a:r>
-              <a:t/>
-            </a:r>
             <a:endParaRPr/>
           </a:p>
         </p:txBody>
@@ -2879,11 +3004,11 @@
 </file>
 
 <file path=ppt/notesSlides/notesSlide3.xml><?xml version="1.0" encoding="utf-8"?>
-<p:notes xmlns:a="http://schemas.openxmlformats.org/drawingml/2006/main" xmlns:r="http://schemas.openxmlformats.org/officeDocument/2006/relationships" xmlns:mc="http://schemas.openxmlformats.org/markup-compatibility/2006" xmlns:mv="urn:schemas-microsoft-com:mac:vml" xmlns:p="http://schemas.openxmlformats.org/presentationml/2006/main" xmlns:c="http://schemas.openxmlformats.org/drawingml/2006/chart" xmlns:dgm="http://schemas.openxmlformats.org/drawingml/2006/diagram" xmlns:o="urn:schemas-microsoft-com:office:office" xmlns:v="urn:schemas-microsoft-com:vml" xmlns:pvml="urn:schemas-microsoft-com:office:powerpoint" xmlns:com="http://schemas.openxmlformats.org/drawingml/2006/compatibility" xmlns:p14="http://schemas.microsoft.com/office/powerpoint/2010/main" xmlns:p15="http://schemas.microsoft.com/office/powerpoint/2012/main" showMasterPhAnim="0" showMasterSp="0">
+<p:notes xmlns:a="http://schemas.openxmlformats.org/drawingml/2006/main" xmlns:r="http://schemas.openxmlformats.org/officeDocument/2006/relationships" xmlns:p="http://schemas.openxmlformats.org/presentationml/2006/main" showMasterSp="0" showMasterPhAnim="0">
   <p:cSld>
     <p:spTree>
       <p:nvGrpSpPr>
-        <p:cNvPr id="45" name="Shape 45"/>
+        <p:cNvPr id="1" name="Shape 45"/>
         <p:cNvGrpSpPr/>
         <p:nvPr/>
       </p:nvGrpSpPr>
@@ -2898,9 +3023,11 @@
       <p:sp>
         <p:nvSpPr>
           <p:cNvPr id="46" name="Google Shape;46;g2803cce7fd_0_1:notes"/>
-          <p:cNvSpPr/>
+          <p:cNvSpPr>
+            <a:spLocks noGrp="1" noRot="1" noChangeAspect="1"/>
+          </p:cNvSpPr>
           <p:nvPr>
-            <p:ph idx="2" type="sldImg"/>
+            <p:ph type="sldImg" idx="2"/>
           </p:nvPr>
         </p:nvSpPr>
         <p:spPr>
@@ -2909,9 +3036,13 @@
             <a:ext cx="6096300" cy="3429000"/>
           </a:xfrm>
           <a:custGeom>
-            <a:rect b="b" l="l" r="r" t="t"/>
+            <a:avLst/>
+            <a:gdLst/>
+            <a:ahLst/>
+            <a:cxnLst/>
+            <a:rect l="l" t="t" r="r" b="b"/>
             <a:pathLst>
-              <a:path extrusionOk="0" h="120000" w="120000">
+              <a:path w="120000" h="120000" extrusionOk="0">
                 <a:moveTo>
                   <a:pt x="0" y="0"/>
                 </a:moveTo>
@@ -2933,9 +3064,11 @@
       <p:sp>
         <p:nvSpPr>
           <p:cNvPr id="47" name="Google Shape;47;g2803cce7fd_0_1:notes"/>
-          <p:cNvSpPr txBox="1"/>
+          <p:cNvSpPr txBox="1">
+            <a:spLocks noGrp="1"/>
+          </p:cNvSpPr>
           <p:nvPr>
-            <p:ph idx="1" type="body"/>
+            <p:ph type="body" idx="1"/>
           </p:nvPr>
         </p:nvSpPr>
         <p:spPr>
@@ -2948,12 +3081,12 @@
           </a:prstGeom>
         </p:spPr>
         <p:txBody>
-          <a:bodyPr anchorCtr="0" anchor="t" bIns="91425" lIns="91425" spcFirstLastPara="1" rIns="91425" wrap="square" tIns="91425">
+          <a:bodyPr spcFirstLastPara="1" wrap="square" lIns="91425" tIns="91425" rIns="91425" bIns="91425" anchor="t" anchorCtr="0">
             <a:noAutofit/>
           </a:bodyPr>
           <a:lstStyle/>
           <a:p>
-            <a:pPr indent="0" lvl="0" marL="0" rtl="0" algn="l">
+            <a:pPr marL="0" lvl="0" indent="0" algn="l" rtl="0">
               <a:spcBef>
                 <a:spcPts val="0"/>
               </a:spcBef>
@@ -2962,9 +3095,6 @@
               </a:spcAft>
               <a:buNone/>
             </a:pPr>
-            <a:r>
-              <a:t/>
-            </a:r>
             <a:endParaRPr/>
           </a:p>
         </p:txBody>
@@ -2978,11 +3108,11 @@
 </file>
 
 <file path=ppt/notesSlides/notesSlide30.xml><?xml version="1.0" encoding="utf-8"?>
-<p:notes xmlns:a="http://schemas.openxmlformats.org/drawingml/2006/main" xmlns:r="http://schemas.openxmlformats.org/officeDocument/2006/relationships" xmlns:mc="http://schemas.openxmlformats.org/markup-compatibility/2006" xmlns:mv="urn:schemas-microsoft-com:mac:vml" xmlns:p="http://schemas.openxmlformats.org/presentationml/2006/main" xmlns:c="http://schemas.openxmlformats.org/drawingml/2006/chart" xmlns:dgm="http://schemas.openxmlformats.org/drawingml/2006/diagram" xmlns:o="urn:schemas-microsoft-com:office:office" xmlns:v="urn:schemas-microsoft-com:vml" xmlns:pvml="urn:schemas-microsoft-com:office:powerpoint" xmlns:com="http://schemas.openxmlformats.org/drawingml/2006/compatibility" xmlns:p14="http://schemas.microsoft.com/office/powerpoint/2010/main" xmlns:p15="http://schemas.microsoft.com/office/powerpoint/2012/main" showMasterPhAnim="0" showMasterSp="0">
+<p:notes xmlns:a="http://schemas.openxmlformats.org/drawingml/2006/main" xmlns:r="http://schemas.openxmlformats.org/officeDocument/2006/relationships" xmlns:p="http://schemas.openxmlformats.org/presentationml/2006/main" showMasterSp="0" showMasterPhAnim="0">
   <p:cSld>
     <p:spTree>
       <p:nvGrpSpPr>
-        <p:cNvPr id="259" name="Shape 259"/>
+        <p:cNvPr id="1" name="Shape 259"/>
         <p:cNvGrpSpPr/>
         <p:nvPr/>
       </p:nvGrpSpPr>
@@ -2997,9 +3127,11 @@
       <p:sp>
         <p:nvSpPr>
           <p:cNvPr id="260" name="Google Shape;260;g2803cce7fd_0_183:notes"/>
-          <p:cNvSpPr/>
+          <p:cNvSpPr>
+            <a:spLocks noGrp="1" noRot="1" noChangeAspect="1"/>
+          </p:cNvSpPr>
           <p:nvPr>
-            <p:ph idx="2" type="sldImg"/>
+            <p:ph type="sldImg" idx="2"/>
           </p:nvPr>
         </p:nvSpPr>
         <p:spPr>
@@ -3008,9 +3140,13 @@
             <a:ext cx="6096300" cy="3429000"/>
           </a:xfrm>
           <a:custGeom>
-            <a:rect b="b" l="l" r="r" t="t"/>
+            <a:avLst/>
+            <a:gdLst/>
+            <a:ahLst/>
+            <a:cxnLst/>
+            <a:rect l="l" t="t" r="r" b="b"/>
             <a:pathLst>
-              <a:path extrusionOk="0" h="120000" w="120000">
+              <a:path w="120000" h="120000" extrusionOk="0">
                 <a:moveTo>
                   <a:pt x="0" y="0"/>
                 </a:moveTo>
@@ -3032,9 +3168,11 @@
       <p:sp>
         <p:nvSpPr>
           <p:cNvPr id="261" name="Google Shape;261;g2803cce7fd_0_183:notes"/>
-          <p:cNvSpPr txBox="1"/>
+          <p:cNvSpPr txBox="1">
+            <a:spLocks noGrp="1"/>
+          </p:cNvSpPr>
           <p:nvPr>
-            <p:ph idx="1" type="body"/>
+            <p:ph type="body" idx="1"/>
           </p:nvPr>
         </p:nvSpPr>
         <p:spPr>
@@ -3047,12 +3185,12 @@
           </a:prstGeom>
         </p:spPr>
         <p:txBody>
-          <a:bodyPr anchorCtr="0" anchor="t" bIns="91425" lIns="91425" spcFirstLastPara="1" rIns="91425" wrap="square" tIns="91425">
+          <a:bodyPr spcFirstLastPara="1" wrap="square" lIns="91425" tIns="91425" rIns="91425" bIns="91425" anchor="t" anchorCtr="0">
             <a:noAutofit/>
           </a:bodyPr>
           <a:lstStyle/>
           <a:p>
-            <a:pPr indent="0" lvl="0" marL="0" rtl="0" algn="l">
+            <a:pPr marL="0" lvl="0" indent="0" algn="l" rtl="0">
               <a:spcBef>
                 <a:spcPts val="0"/>
               </a:spcBef>
@@ -3061,9 +3199,6 @@
               </a:spcAft>
               <a:buNone/>
             </a:pPr>
-            <a:r>
-              <a:t/>
-            </a:r>
             <a:endParaRPr/>
           </a:p>
         </p:txBody>
@@ -3077,11 +3212,11 @@
 </file>
 
 <file path=ppt/notesSlides/notesSlide31.xml><?xml version="1.0" encoding="utf-8"?>
-<p:notes xmlns:a="http://schemas.openxmlformats.org/drawingml/2006/main" xmlns:r="http://schemas.openxmlformats.org/officeDocument/2006/relationships" xmlns:mc="http://schemas.openxmlformats.org/markup-compatibility/2006" xmlns:mv="urn:schemas-microsoft-com:mac:vml" xmlns:p="http://schemas.openxmlformats.org/presentationml/2006/main" xmlns:c="http://schemas.openxmlformats.org/drawingml/2006/chart" xmlns:dgm="http://schemas.openxmlformats.org/drawingml/2006/diagram" xmlns:o="urn:schemas-microsoft-com:office:office" xmlns:v="urn:schemas-microsoft-com:vml" xmlns:pvml="urn:schemas-microsoft-com:office:powerpoint" xmlns:com="http://schemas.openxmlformats.org/drawingml/2006/compatibility" xmlns:p14="http://schemas.microsoft.com/office/powerpoint/2010/main" xmlns:p15="http://schemas.microsoft.com/office/powerpoint/2012/main" showMasterPhAnim="0" showMasterSp="0">
+<p:notes xmlns:a="http://schemas.openxmlformats.org/drawingml/2006/main" xmlns:r="http://schemas.openxmlformats.org/officeDocument/2006/relationships" xmlns:p="http://schemas.openxmlformats.org/presentationml/2006/main" showMasterSp="0" showMasterPhAnim="0">
   <p:cSld>
     <p:spTree>
       <p:nvGrpSpPr>
-        <p:cNvPr id="267" name="Shape 267"/>
+        <p:cNvPr id="1" name="Shape 267"/>
         <p:cNvGrpSpPr/>
         <p:nvPr/>
       </p:nvGrpSpPr>
@@ -3096,9 +3231,11 @@
       <p:sp>
         <p:nvSpPr>
           <p:cNvPr id="268" name="Google Shape;268;g2803cce7fd_0_210:notes"/>
-          <p:cNvSpPr/>
+          <p:cNvSpPr>
+            <a:spLocks noGrp="1" noRot="1" noChangeAspect="1"/>
+          </p:cNvSpPr>
           <p:nvPr>
-            <p:ph idx="2" type="sldImg"/>
+            <p:ph type="sldImg" idx="2"/>
           </p:nvPr>
         </p:nvSpPr>
         <p:spPr>
@@ -3107,9 +3244,13 @@
             <a:ext cx="6096300" cy="3429000"/>
           </a:xfrm>
           <a:custGeom>
-            <a:rect b="b" l="l" r="r" t="t"/>
+            <a:avLst/>
+            <a:gdLst/>
+            <a:ahLst/>
+            <a:cxnLst/>
+            <a:rect l="l" t="t" r="r" b="b"/>
             <a:pathLst>
-              <a:path extrusionOk="0" h="120000" w="120000">
+              <a:path w="120000" h="120000" extrusionOk="0">
                 <a:moveTo>
                   <a:pt x="0" y="0"/>
                 </a:moveTo>
@@ -3131,9 +3272,11 @@
       <p:sp>
         <p:nvSpPr>
           <p:cNvPr id="269" name="Google Shape;269;g2803cce7fd_0_210:notes"/>
-          <p:cNvSpPr txBox="1"/>
+          <p:cNvSpPr txBox="1">
+            <a:spLocks noGrp="1"/>
+          </p:cNvSpPr>
           <p:nvPr>
-            <p:ph idx="1" type="body"/>
+            <p:ph type="body" idx="1"/>
           </p:nvPr>
         </p:nvSpPr>
         <p:spPr>
@@ -3146,12 +3289,12 @@
           </a:prstGeom>
         </p:spPr>
         <p:txBody>
-          <a:bodyPr anchorCtr="0" anchor="t" bIns="91425" lIns="91425" spcFirstLastPara="1" rIns="91425" wrap="square" tIns="91425">
+          <a:bodyPr spcFirstLastPara="1" wrap="square" lIns="91425" tIns="91425" rIns="91425" bIns="91425" anchor="t" anchorCtr="0">
             <a:noAutofit/>
           </a:bodyPr>
           <a:lstStyle/>
           <a:p>
-            <a:pPr indent="0" lvl="0" marL="0" rtl="0" algn="l">
+            <a:pPr marL="0" lvl="0" indent="0" algn="l" rtl="0">
               <a:spcBef>
                 <a:spcPts val="0"/>
               </a:spcBef>
@@ -3160,9 +3303,6 @@
               </a:spcAft>
               <a:buNone/>
             </a:pPr>
-            <a:r>
-              <a:t/>
-            </a:r>
             <a:endParaRPr/>
           </a:p>
         </p:txBody>
@@ -3176,11 +3316,11 @@
 </file>
 
 <file path=ppt/notesSlides/notesSlide32.xml><?xml version="1.0" encoding="utf-8"?>
-<p:notes xmlns:a="http://schemas.openxmlformats.org/drawingml/2006/main" xmlns:r="http://schemas.openxmlformats.org/officeDocument/2006/relationships" xmlns:mc="http://schemas.openxmlformats.org/markup-compatibility/2006" xmlns:mv="urn:schemas-microsoft-com:mac:vml" xmlns:p="http://schemas.openxmlformats.org/presentationml/2006/main" xmlns:c="http://schemas.openxmlformats.org/drawingml/2006/chart" xmlns:dgm="http://schemas.openxmlformats.org/drawingml/2006/diagram" xmlns:o="urn:schemas-microsoft-com:office:office" xmlns:v="urn:schemas-microsoft-com:vml" xmlns:pvml="urn:schemas-microsoft-com:office:powerpoint" xmlns:com="http://schemas.openxmlformats.org/drawingml/2006/compatibility" xmlns:p14="http://schemas.microsoft.com/office/powerpoint/2010/main" xmlns:p15="http://schemas.microsoft.com/office/powerpoint/2012/main" showMasterPhAnim="0" showMasterSp="0">
+<p:notes xmlns:a="http://schemas.openxmlformats.org/drawingml/2006/main" xmlns:r="http://schemas.openxmlformats.org/officeDocument/2006/relationships" xmlns:p="http://schemas.openxmlformats.org/presentationml/2006/main" showMasterSp="0" showMasterPhAnim="0">
   <p:cSld>
     <p:spTree>
       <p:nvGrpSpPr>
-        <p:cNvPr id="275" name="Shape 275"/>
+        <p:cNvPr id="1" name="Shape 275"/>
         <p:cNvGrpSpPr/>
         <p:nvPr/>
       </p:nvGrpSpPr>
@@ -3195,9 +3335,11 @@
       <p:sp>
         <p:nvSpPr>
           <p:cNvPr id="276" name="Google Shape;276;g2803cce7fd_0_217:notes"/>
-          <p:cNvSpPr/>
+          <p:cNvSpPr>
+            <a:spLocks noGrp="1" noRot="1" noChangeAspect="1"/>
+          </p:cNvSpPr>
           <p:nvPr>
-            <p:ph idx="2" type="sldImg"/>
+            <p:ph type="sldImg" idx="2"/>
           </p:nvPr>
         </p:nvSpPr>
         <p:spPr>
@@ -3206,9 +3348,13 @@
             <a:ext cx="6096300" cy="3429000"/>
           </a:xfrm>
           <a:custGeom>
-            <a:rect b="b" l="l" r="r" t="t"/>
+            <a:avLst/>
+            <a:gdLst/>
+            <a:ahLst/>
+            <a:cxnLst/>
+            <a:rect l="l" t="t" r="r" b="b"/>
             <a:pathLst>
-              <a:path extrusionOk="0" h="120000" w="120000">
+              <a:path w="120000" h="120000" extrusionOk="0">
                 <a:moveTo>
                   <a:pt x="0" y="0"/>
                 </a:moveTo>
@@ -3230,9 +3376,11 @@
       <p:sp>
         <p:nvSpPr>
           <p:cNvPr id="277" name="Google Shape;277;g2803cce7fd_0_217:notes"/>
-          <p:cNvSpPr txBox="1"/>
+          <p:cNvSpPr txBox="1">
+            <a:spLocks noGrp="1"/>
+          </p:cNvSpPr>
           <p:nvPr>
-            <p:ph idx="1" type="body"/>
+            <p:ph type="body" idx="1"/>
           </p:nvPr>
         </p:nvSpPr>
         <p:spPr>
@@ -3245,12 +3393,12 @@
           </a:prstGeom>
         </p:spPr>
         <p:txBody>
-          <a:bodyPr anchorCtr="0" anchor="t" bIns="91425" lIns="91425" spcFirstLastPara="1" rIns="91425" wrap="square" tIns="91425">
+          <a:bodyPr spcFirstLastPara="1" wrap="square" lIns="91425" tIns="91425" rIns="91425" bIns="91425" anchor="t" anchorCtr="0">
             <a:noAutofit/>
           </a:bodyPr>
           <a:lstStyle/>
           <a:p>
-            <a:pPr indent="0" lvl="0" marL="0" rtl="0" algn="l">
+            <a:pPr marL="0" lvl="0" indent="0" algn="l" rtl="0">
               <a:spcBef>
                 <a:spcPts val="0"/>
               </a:spcBef>
@@ -3259,9 +3407,6 @@
               </a:spcAft>
               <a:buNone/>
             </a:pPr>
-            <a:r>
-              <a:t/>
-            </a:r>
             <a:endParaRPr/>
           </a:p>
         </p:txBody>
@@ -3275,11 +3420,11 @@
 </file>
 
 <file path=ppt/notesSlides/notesSlide33.xml><?xml version="1.0" encoding="utf-8"?>
-<p:notes xmlns:a="http://schemas.openxmlformats.org/drawingml/2006/main" xmlns:r="http://schemas.openxmlformats.org/officeDocument/2006/relationships" xmlns:mc="http://schemas.openxmlformats.org/markup-compatibility/2006" xmlns:mv="urn:schemas-microsoft-com:mac:vml" xmlns:p="http://schemas.openxmlformats.org/presentationml/2006/main" xmlns:c="http://schemas.openxmlformats.org/drawingml/2006/chart" xmlns:dgm="http://schemas.openxmlformats.org/drawingml/2006/diagram" xmlns:o="urn:schemas-microsoft-com:office:office" xmlns:v="urn:schemas-microsoft-com:vml" xmlns:pvml="urn:schemas-microsoft-com:office:powerpoint" xmlns:com="http://schemas.openxmlformats.org/drawingml/2006/compatibility" xmlns:p14="http://schemas.microsoft.com/office/powerpoint/2010/main" xmlns:p15="http://schemas.microsoft.com/office/powerpoint/2012/main" showMasterPhAnim="0" showMasterSp="0">
+<p:notes xmlns:a="http://schemas.openxmlformats.org/drawingml/2006/main" xmlns:r="http://schemas.openxmlformats.org/officeDocument/2006/relationships" xmlns:p="http://schemas.openxmlformats.org/presentationml/2006/main" showMasterSp="0" showMasterPhAnim="0">
   <p:cSld>
     <p:spTree>
       <p:nvGrpSpPr>
-        <p:cNvPr id="283" name="Shape 283"/>
+        <p:cNvPr id="1" name="Shape 283"/>
         <p:cNvGrpSpPr/>
         <p:nvPr/>
       </p:nvGrpSpPr>
@@ -3294,9 +3439,11 @@
       <p:sp>
         <p:nvSpPr>
           <p:cNvPr id="284" name="Google Shape;284;g2803cce7fd_0_204:notes"/>
-          <p:cNvSpPr/>
+          <p:cNvSpPr>
+            <a:spLocks noGrp="1" noRot="1" noChangeAspect="1"/>
+          </p:cNvSpPr>
           <p:nvPr>
-            <p:ph idx="2" type="sldImg"/>
+            <p:ph type="sldImg" idx="2"/>
           </p:nvPr>
         </p:nvSpPr>
         <p:spPr>
@@ -3305,9 +3452,13 @@
             <a:ext cx="6096300" cy="3429000"/>
           </a:xfrm>
           <a:custGeom>
-            <a:rect b="b" l="l" r="r" t="t"/>
+            <a:avLst/>
+            <a:gdLst/>
+            <a:ahLst/>
+            <a:cxnLst/>
+            <a:rect l="l" t="t" r="r" b="b"/>
             <a:pathLst>
-              <a:path extrusionOk="0" h="120000" w="120000">
+              <a:path w="120000" h="120000" extrusionOk="0">
                 <a:moveTo>
                   <a:pt x="0" y="0"/>
                 </a:moveTo>
@@ -3329,9 +3480,11 @@
       <p:sp>
         <p:nvSpPr>
           <p:cNvPr id="285" name="Google Shape;285;g2803cce7fd_0_204:notes"/>
-          <p:cNvSpPr txBox="1"/>
+          <p:cNvSpPr txBox="1">
+            <a:spLocks noGrp="1"/>
+          </p:cNvSpPr>
           <p:nvPr>
-            <p:ph idx="1" type="body"/>
+            <p:ph type="body" idx="1"/>
           </p:nvPr>
         </p:nvSpPr>
         <p:spPr>
@@ -3344,12 +3497,12 @@
           </a:prstGeom>
         </p:spPr>
         <p:txBody>
-          <a:bodyPr anchorCtr="0" anchor="t" bIns="91425" lIns="91425" spcFirstLastPara="1" rIns="91425" wrap="square" tIns="91425">
+          <a:bodyPr spcFirstLastPara="1" wrap="square" lIns="91425" tIns="91425" rIns="91425" bIns="91425" anchor="t" anchorCtr="0">
             <a:noAutofit/>
           </a:bodyPr>
           <a:lstStyle/>
           <a:p>
-            <a:pPr indent="0" lvl="0" marL="0" rtl="0" algn="l">
+            <a:pPr marL="0" lvl="0" indent="0" algn="l" rtl="0">
               <a:spcBef>
                 <a:spcPts val="0"/>
               </a:spcBef>
@@ -3358,9 +3511,6 @@
               </a:spcAft>
               <a:buNone/>
             </a:pPr>
-            <a:r>
-              <a:t/>
-            </a:r>
             <a:endParaRPr/>
           </a:p>
         </p:txBody>
@@ -3374,11 +3524,11 @@
 </file>
 
 <file path=ppt/notesSlides/notesSlide4.xml><?xml version="1.0" encoding="utf-8"?>
-<p:notes xmlns:a="http://schemas.openxmlformats.org/drawingml/2006/main" xmlns:r="http://schemas.openxmlformats.org/officeDocument/2006/relationships" xmlns:mc="http://schemas.openxmlformats.org/markup-compatibility/2006" xmlns:mv="urn:schemas-microsoft-com:mac:vml" xmlns:p="http://schemas.openxmlformats.org/presentationml/2006/main" xmlns:c="http://schemas.openxmlformats.org/drawingml/2006/chart" xmlns:dgm="http://schemas.openxmlformats.org/drawingml/2006/diagram" xmlns:o="urn:schemas-microsoft-com:office:office" xmlns:v="urn:schemas-microsoft-com:vml" xmlns:pvml="urn:schemas-microsoft-com:office:powerpoint" xmlns:com="http://schemas.openxmlformats.org/drawingml/2006/compatibility" xmlns:p14="http://schemas.microsoft.com/office/powerpoint/2010/main" xmlns:p15="http://schemas.microsoft.com/office/powerpoint/2012/main" showMasterPhAnim="0" showMasterSp="0">
+<p:notes xmlns:a="http://schemas.openxmlformats.org/drawingml/2006/main" xmlns:r="http://schemas.openxmlformats.org/officeDocument/2006/relationships" xmlns:p="http://schemas.openxmlformats.org/presentationml/2006/main" showMasterSp="0" showMasterPhAnim="0">
   <p:cSld>
     <p:spTree>
       <p:nvGrpSpPr>
-        <p:cNvPr id="53" name="Shape 53"/>
+        <p:cNvPr id="1" name="Shape 53"/>
         <p:cNvGrpSpPr/>
         <p:nvPr/>
       </p:nvGrpSpPr>
@@ -3393,9 +3543,11 @@
       <p:sp>
         <p:nvSpPr>
           <p:cNvPr id="54" name="Google Shape;54;g2803cce7fd_0_8:notes"/>
-          <p:cNvSpPr/>
+          <p:cNvSpPr>
+            <a:spLocks noGrp="1" noRot="1" noChangeAspect="1"/>
+          </p:cNvSpPr>
           <p:nvPr>
-            <p:ph idx="2" type="sldImg"/>
+            <p:ph type="sldImg" idx="2"/>
           </p:nvPr>
         </p:nvSpPr>
         <p:spPr>
@@ -3404,9 +3556,13 @@
             <a:ext cx="6096300" cy="3429000"/>
           </a:xfrm>
           <a:custGeom>
-            <a:rect b="b" l="l" r="r" t="t"/>
+            <a:avLst/>
+            <a:gdLst/>
+            <a:ahLst/>
+            <a:cxnLst/>
+            <a:rect l="l" t="t" r="r" b="b"/>
             <a:pathLst>
-              <a:path extrusionOk="0" h="120000" w="120000">
+              <a:path w="120000" h="120000" extrusionOk="0">
                 <a:moveTo>
                   <a:pt x="0" y="0"/>
                 </a:moveTo>
@@ -3428,9 +3584,11 @@
       <p:sp>
         <p:nvSpPr>
           <p:cNvPr id="55" name="Google Shape;55;g2803cce7fd_0_8:notes"/>
-          <p:cNvSpPr txBox="1"/>
+          <p:cNvSpPr txBox="1">
+            <a:spLocks noGrp="1"/>
+          </p:cNvSpPr>
           <p:nvPr>
-            <p:ph idx="1" type="body"/>
+            <p:ph type="body" idx="1"/>
           </p:nvPr>
         </p:nvSpPr>
         <p:spPr>
@@ -3443,12 +3601,12 @@
           </a:prstGeom>
         </p:spPr>
         <p:txBody>
-          <a:bodyPr anchorCtr="0" anchor="t" bIns="91425" lIns="91425" spcFirstLastPara="1" rIns="91425" wrap="square" tIns="91425">
+          <a:bodyPr spcFirstLastPara="1" wrap="square" lIns="91425" tIns="91425" rIns="91425" bIns="91425" anchor="t" anchorCtr="0">
             <a:noAutofit/>
           </a:bodyPr>
           <a:lstStyle/>
           <a:p>
-            <a:pPr indent="0" lvl="0" marL="0" rtl="0" algn="l">
+            <a:pPr marL="0" lvl="0" indent="0" algn="l" rtl="0">
               <a:spcBef>
                 <a:spcPts val="0"/>
               </a:spcBef>
@@ -3457,9 +3615,6 @@
               </a:spcAft>
               <a:buNone/>
             </a:pPr>
-            <a:r>
-              <a:t/>
-            </a:r>
             <a:endParaRPr/>
           </a:p>
         </p:txBody>
@@ -3473,11 +3628,11 @@
 </file>
 
 <file path=ppt/notesSlides/notesSlide5.xml><?xml version="1.0" encoding="utf-8"?>
-<p:notes xmlns:a="http://schemas.openxmlformats.org/drawingml/2006/main" xmlns:r="http://schemas.openxmlformats.org/officeDocument/2006/relationships" xmlns:mc="http://schemas.openxmlformats.org/markup-compatibility/2006" xmlns:mv="urn:schemas-microsoft-com:mac:vml" xmlns:p="http://schemas.openxmlformats.org/presentationml/2006/main" xmlns:c="http://schemas.openxmlformats.org/drawingml/2006/chart" xmlns:dgm="http://schemas.openxmlformats.org/drawingml/2006/diagram" xmlns:o="urn:schemas-microsoft-com:office:office" xmlns:v="urn:schemas-microsoft-com:vml" xmlns:pvml="urn:schemas-microsoft-com:office:powerpoint" xmlns:com="http://schemas.openxmlformats.org/drawingml/2006/compatibility" xmlns:p14="http://schemas.microsoft.com/office/powerpoint/2010/main" xmlns:p15="http://schemas.microsoft.com/office/powerpoint/2012/main" showMasterPhAnim="0" showMasterSp="0">
+<p:notes xmlns:a="http://schemas.openxmlformats.org/drawingml/2006/main" xmlns:r="http://schemas.openxmlformats.org/officeDocument/2006/relationships" xmlns:p="http://schemas.openxmlformats.org/presentationml/2006/main" showMasterSp="0" showMasterPhAnim="0">
   <p:cSld>
     <p:spTree>
       <p:nvGrpSpPr>
-        <p:cNvPr id="61" name="Shape 61"/>
+        <p:cNvPr id="1" name="Shape 61"/>
         <p:cNvGrpSpPr/>
         <p:nvPr/>
       </p:nvGrpSpPr>
@@ -3492,9 +3647,11 @@
       <p:sp>
         <p:nvSpPr>
           <p:cNvPr id="62" name="Google Shape;62;g2803cce7fd_0_15:notes"/>
-          <p:cNvSpPr/>
+          <p:cNvSpPr>
+            <a:spLocks noGrp="1" noRot="1" noChangeAspect="1"/>
+          </p:cNvSpPr>
           <p:nvPr>
-            <p:ph idx="2" type="sldImg"/>
+            <p:ph type="sldImg" idx="2"/>
           </p:nvPr>
         </p:nvSpPr>
         <p:spPr>
@@ -3503,9 +3660,13 @@
             <a:ext cx="6096300" cy="3429000"/>
           </a:xfrm>
           <a:custGeom>
-            <a:rect b="b" l="l" r="r" t="t"/>
+            <a:avLst/>
+            <a:gdLst/>
+            <a:ahLst/>
+            <a:cxnLst/>
+            <a:rect l="l" t="t" r="r" b="b"/>
             <a:pathLst>
-              <a:path extrusionOk="0" h="120000" w="120000">
+              <a:path w="120000" h="120000" extrusionOk="0">
                 <a:moveTo>
                   <a:pt x="0" y="0"/>
                 </a:moveTo>
@@ -3527,9 +3688,11 @@
       <p:sp>
         <p:nvSpPr>
           <p:cNvPr id="63" name="Google Shape;63;g2803cce7fd_0_15:notes"/>
-          <p:cNvSpPr txBox="1"/>
+          <p:cNvSpPr txBox="1">
+            <a:spLocks noGrp="1"/>
+          </p:cNvSpPr>
           <p:nvPr>
-            <p:ph idx="1" type="body"/>
+            <p:ph type="body" idx="1"/>
           </p:nvPr>
         </p:nvSpPr>
         <p:spPr>
@@ -3542,12 +3705,12 @@
           </a:prstGeom>
         </p:spPr>
         <p:txBody>
-          <a:bodyPr anchorCtr="0" anchor="t" bIns="91425" lIns="91425" spcFirstLastPara="1" rIns="91425" wrap="square" tIns="91425">
+          <a:bodyPr spcFirstLastPara="1" wrap="square" lIns="91425" tIns="91425" rIns="91425" bIns="91425" anchor="t" anchorCtr="0">
             <a:noAutofit/>
           </a:bodyPr>
           <a:lstStyle/>
           <a:p>
-            <a:pPr indent="0" lvl="0" marL="0" rtl="0" algn="l">
+            <a:pPr marL="0" lvl="0" indent="0" algn="l" rtl="0">
               <a:spcBef>
                 <a:spcPts val="0"/>
               </a:spcBef>
@@ -3556,9 +3719,6 @@
               </a:spcAft>
               <a:buNone/>
             </a:pPr>
-            <a:r>
-              <a:t/>
-            </a:r>
             <a:endParaRPr/>
           </a:p>
         </p:txBody>
@@ -3572,11 +3732,11 @@
 </file>
 
 <file path=ppt/notesSlides/notesSlide6.xml><?xml version="1.0" encoding="utf-8"?>
-<p:notes xmlns:a="http://schemas.openxmlformats.org/drawingml/2006/main" xmlns:r="http://schemas.openxmlformats.org/officeDocument/2006/relationships" xmlns:mc="http://schemas.openxmlformats.org/markup-compatibility/2006" xmlns:mv="urn:schemas-microsoft-com:mac:vml" xmlns:p="http://schemas.openxmlformats.org/presentationml/2006/main" xmlns:c="http://schemas.openxmlformats.org/drawingml/2006/chart" xmlns:dgm="http://schemas.openxmlformats.org/drawingml/2006/diagram" xmlns:o="urn:schemas-microsoft-com:office:office" xmlns:v="urn:schemas-microsoft-com:vml" xmlns:pvml="urn:schemas-microsoft-com:office:powerpoint" xmlns:com="http://schemas.openxmlformats.org/drawingml/2006/compatibility" xmlns:p14="http://schemas.microsoft.com/office/powerpoint/2010/main" xmlns:p15="http://schemas.microsoft.com/office/powerpoint/2012/main" showMasterPhAnim="0" showMasterSp="0">
+<p:notes xmlns:a="http://schemas.openxmlformats.org/drawingml/2006/main" xmlns:r="http://schemas.openxmlformats.org/officeDocument/2006/relationships" xmlns:p="http://schemas.openxmlformats.org/presentationml/2006/main" showMasterSp="0" showMasterPhAnim="0">
   <p:cSld>
     <p:spTree>
       <p:nvGrpSpPr>
-        <p:cNvPr id="69" name="Shape 69"/>
+        <p:cNvPr id="1" name="Shape 69"/>
         <p:cNvGrpSpPr/>
         <p:nvPr/>
       </p:nvGrpSpPr>
@@ -3591,9 +3751,11 @@
       <p:sp>
         <p:nvSpPr>
           <p:cNvPr id="70" name="Google Shape;70;g2803cce7fd_0_22:notes"/>
-          <p:cNvSpPr/>
+          <p:cNvSpPr>
+            <a:spLocks noGrp="1" noRot="1" noChangeAspect="1"/>
+          </p:cNvSpPr>
           <p:nvPr>
-            <p:ph idx="2" type="sldImg"/>
+            <p:ph type="sldImg" idx="2"/>
           </p:nvPr>
         </p:nvSpPr>
         <p:spPr>
@@ -3602,9 +3764,13 @@
             <a:ext cx="6096300" cy="3429000"/>
           </a:xfrm>
           <a:custGeom>
-            <a:rect b="b" l="l" r="r" t="t"/>
+            <a:avLst/>
+            <a:gdLst/>
+            <a:ahLst/>
+            <a:cxnLst/>
+            <a:rect l="l" t="t" r="r" b="b"/>
             <a:pathLst>
-              <a:path extrusionOk="0" h="120000" w="120000">
+              <a:path w="120000" h="120000" extrusionOk="0">
                 <a:moveTo>
                   <a:pt x="0" y="0"/>
                 </a:moveTo>
@@ -3626,9 +3792,11 @@
       <p:sp>
         <p:nvSpPr>
           <p:cNvPr id="71" name="Google Shape;71;g2803cce7fd_0_22:notes"/>
-          <p:cNvSpPr txBox="1"/>
+          <p:cNvSpPr txBox="1">
+            <a:spLocks noGrp="1"/>
+          </p:cNvSpPr>
           <p:nvPr>
-            <p:ph idx="1" type="body"/>
+            <p:ph type="body" idx="1"/>
           </p:nvPr>
         </p:nvSpPr>
         <p:spPr>
@@ -3641,12 +3809,12 @@
           </a:prstGeom>
         </p:spPr>
         <p:txBody>
-          <a:bodyPr anchorCtr="0" anchor="t" bIns="91425" lIns="91425" spcFirstLastPara="1" rIns="91425" wrap="square" tIns="91425">
+          <a:bodyPr spcFirstLastPara="1" wrap="square" lIns="91425" tIns="91425" rIns="91425" bIns="91425" anchor="t" anchorCtr="0">
             <a:noAutofit/>
           </a:bodyPr>
           <a:lstStyle/>
           <a:p>
-            <a:pPr indent="0" lvl="0" marL="0" rtl="0" algn="l">
+            <a:pPr marL="0" lvl="0" indent="0" algn="l" rtl="0">
               <a:spcBef>
                 <a:spcPts val="0"/>
               </a:spcBef>
@@ -3655,9 +3823,6 @@
               </a:spcAft>
               <a:buNone/>
             </a:pPr>
-            <a:r>
-              <a:t/>
-            </a:r>
             <a:endParaRPr/>
           </a:p>
         </p:txBody>
@@ -3671,11 +3836,11 @@
 </file>
 
 <file path=ppt/notesSlides/notesSlide7.xml><?xml version="1.0" encoding="utf-8"?>
-<p:notes xmlns:a="http://schemas.openxmlformats.org/drawingml/2006/main" xmlns:r="http://schemas.openxmlformats.org/officeDocument/2006/relationships" xmlns:mc="http://schemas.openxmlformats.org/markup-compatibility/2006" xmlns:mv="urn:schemas-microsoft-com:mac:vml" xmlns:p="http://schemas.openxmlformats.org/presentationml/2006/main" xmlns:c="http://schemas.openxmlformats.org/drawingml/2006/chart" xmlns:dgm="http://schemas.openxmlformats.org/drawingml/2006/diagram" xmlns:o="urn:schemas-microsoft-com:office:office" xmlns:v="urn:schemas-microsoft-com:vml" xmlns:pvml="urn:schemas-microsoft-com:office:powerpoint" xmlns:com="http://schemas.openxmlformats.org/drawingml/2006/compatibility" xmlns:p14="http://schemas.microsoft.com/office/powerpoint/2010/main" xmlns:p15="http://schemas.microsoft.com/office/powerpoint/2012/main" showMasterPhAnim="0" showMasterSp="0">
+<p:notes xmlns:a="http://schemas.openxmlformats.org/drawingml/2006/main" xmlns:r="http://schemas.openxmlformats.org/officeDocument/2006/relationships" xmlns:p="http://schemas.openxmlformats.org/presentationml/2006/main" showMasterSp="0" showMasterPhAnim="0">
   <p:cSld>
     <p:spTree>
       <p:nvGrpSpPr>
-        <p:cNvPr id="77" name="Shape 77"/>
+        <p:cNvPr id="1" name="Shape 77"/>
         <p:cNvGrpSpPr/>
         <p:nvPr/>
       </p:nvGrpSpPr>
@@ -3690,9 +3855,11 @@
       <p:sp>
         <p:nvSpPr>
           <p:cNvPr id="78" name="Google Shape;78;g2803cce7fd_0_29:notes"/>
-          <p:cNvSpPr/>
+          <p:cNvSpPr>
+            <a:spLocks noGrp="1" noRot="1" noChangeAspect="1"/>
+          </p:cNvSpPr>
           <p:nvPr>
-            <p:ph idx="2" type="sldImg"/>
+            <p:ph type="sldImg" idx="2"/>
           </p:nvPr>
         </p:nvSpPr>
         <p:spPr>
@@ -3701,9 +3868,13 @@
             <a:ext cx="6096300" cy="3429000"/>
           </a:xfrm>
           <a:custGeom>
-            <a:rect b="b" l="l" r="r" t="t"/>
+            <a:avLst/>
+            <a:gdLst/>
+            <a:ahLst/>
+            <a:cxnLst/>
+            <a:rect l="l" t="t" r="r" b="b"/>
             <a:pathLst>
-              <a:path extrusionOk="0" h="120000" w="120000">
+              <a:path w="120000" h="120000" extrusionOk="0">
                 <a:moveTo>
                   <a:pt x="0" y="0"/>
                 </a:moveTo>
@@ -3725,9 +3896,11 @@
       <p:sp>
         <p:nvSpPr>
           <p:cNvPr id="79" name="Google Shape;79;g2803cce7fd_0_29:notes"/>
-          <p:cNvSpPr txBox="1"/>
+          <p:cNvSpPr txBox="1">
+            <a:spLocks noGrp="1"/>
+          </p:cNvSpPr>
           <p:nvPr>
-            <p:ph idx="1" type="body"/>
+            <p:ph type="body" idx="1"/>
           </p:nvPr>
         </p:nvSpPr>
         <p:spPr>
@@ -3740,12 +3913,12 @@
           </a:prstGeom>
         </p:spPr>
         <p:txBody>
-          <a:bodyPr anchorCtr="0" anchor="t" bIns="91425" lIns="91425" spcFirstLastPara="1" rIns="91425" wrap="square" tIns="91425">
+          <a:bodyPr spcFirstLastPara="1" wrap="square" lIns="91425" tIns="91425" rIns="91425" bIns="91425" anchor="t" anchorCtr="0">
             <a:noAutofit/>
           </a:bodyPr>
           <a:lstStyle/>
           <a:p>
-            <a:pPr indent="0" lvl="0" marL="0" rtl="0" algn="l">
+            <a:pPr marL="0" lvl="0" indent="0" algn="l" rtl="0">
               <a:spcBef>
                 <a:spcPts val="0"/>
               </a:spcBef>
@@ -3754,9 +3927,6 @@
               </a:spcAft>
               <a:buNone/>
             </a:pPr>
-            <a:r>
-              <a:t/>
-            </a:r>
             <a:endParaRPr/>
           </a:p>
         </p:txBody>
@@ -3770,11 +3940,11 @@
 </file>
 
 <file path=ppt/notesSlides/notesSlide8.xml><?xml version="1.0" encoding="utf-8"?>
-<p:notes xmlns:a="http://schemas.openxmlformats.org/drawingml/2006/main" xmlns:r="http://schemas.openxmlformats.org/officeDocument/2006/relationships" xmlns:mc="http://schemas.openxmlformats.org/markup-compatibility/2006" xmlns:mv="urn:schemas-microsoft-com:mac:vml" xmlns:p="http://schemas.openxmlformats.org/presentationml/2006/main" xmlns:c="http://schemas.openxmlformats.org/drawingml/2006/chart" xmlns:dgm="http://schemas.openxmlformats.org/drawingml/2006/diagram" xmlns:o="urn:schemas-microsoft-com:office:office" xmlns:v="urn:schemas-microsoft-com:vml" xmlns:pvml="urn:schemas-microsoft-com:office:powerpoint" xmlns:com="http://schemas.openxmlformats.org/drawingml/2006/compatibility" xmlns:p14="http://schemas.microsoft.com/office/powerpoint/2010/main" xmlns:p15="http://schemas.microsoft.com/office/powerpoint/2012/main" showMasterPhAnim="0" showMasterSp="0">
+<p:notes xmlns:a="http://schemas.openxmlformats.org/drawingml/2006/main" xmlns:r="http://schemas.openxmlformats.org/officeDocument/2006/relationships" xmlns:p="http://schemas.openxmlformats.org/presentationml/2006/main" showMasterSp="0" showMasterPhAnim="0">
   <p:cSld>
     <p:spTree>
       <p:nvGrpSpPr>
-        <p:cNvPr id="85" name="Shape 85"/>
+        <p:cNvPr id="1" name="Shape 85"/>
         <p:cNvGrpSpPr/>
         <p:nvPr/>
       </p:nvGrpSpPr>
@@ -3789,9 +3959,11 @@
       <p:sp>
         <p:nvSpPr>
           <p:cNvPr id="86" name="Google Shape;86;g2803cce7fd_0_36:notes"/>
-          <p:cNvSpPr/>
+          <p:cNvSpPr>
+            <a:spLocks noGrp="1" noRot="1" noChangeAspect="1"/>
+          </p:cNvSpPr>
           <p:nvPr>
-            <p:ph idx="2" type="sldImg"/>
+            <p:ph type="sldImg" idx="2"/>
           </p:nvPr>
         </p:nvSpPr>
         <p:spPr>
@@ -3800,9 +3972,13 @@
             <a:ext cx="6096300" cy="3429000"/>
           </a:xfrm>
           <a:custGeom>
-            <a:rect b="b" l="l" r="r" t="t"/>
+            <a:avLst/>
+            <a:gdLst/>
+            <a:ahLst/>
+            <a:cxnLst/>
+            <a:rect l="l" t="t" r="r" b="b"/>
             <a:pathLst>
-              <a:path extrusionOk="0" h="120000" w="120000">
+              <a:path w="120000" h="120000" extrusionOk="0">
                 <a:moveTo>
                   <a:pt x="0" y="0"/>
                 </a:moveTo>
@@ -3824,9 +4000,11 @@
       <p:sp>
         <p:nvSpPr>
           <p:cNvPr id="87" name="Google Shape;87;g2803cce7fd_0_36:notes"/>
-          <p:cNvSpPr txBox="1"/>
+          <p:cNvSpPr txBox="1">
+            <a:spLocks noGrp="1"/>
+          </p:cNvSpPr>
           <p:nvPr>
-            <p:ph idx="1" type="body"/>
+            <p:ph type="body" idx="1"/>
           </p:nvPr>
         </p:nvSpPr>
         <p:spPr>
@@ -3839,12 +4017,12 @@
           </a:prstGeom>
         </p:spPr>
         <p:txBody>
-          <a:bodyPr anchorCtr="0" anchor="t" bIns="91425" lIns="91425" spcFirstLastPara="1" rIns="91425" wrap="square" tIns="91425">
+          <a:bodyPr spcFirstLastPara="1" wrap="square" lIns="91425" tIns="91425" rIns="91425" bIns="91425" anchor="t" anchorCtr="0">
             <a:noAutofit/>
           </a:bodyPr>
           <a:lstStyle/>
           <a:p>
-            <a:pPr indent="0" lvl="0" marL="0" rtl="0" algn="l">
+            <a:pPr marL="0" lvl="0" indent="0" algn="l" rtl="0">
               <a:spcBef>
                 <a:spcPts val="0"/>
               </a:spcBef>
@@ -3853,9 +4031,6 @@
               </a:spcAft>
               <a:buNone/>
             </a:pPr>
-            <a:r>
-              <a:t/>
-            </a:r>
             <a:endParaRPr/>
           </a:p>
         </p:txBody>
@@ -3869,11 +4044,11 @@
 </file>
 
 <file path=ppt/notesSlides/notesSlide9.xml><?xml version="1.0" encoding="utf-8"?>
-<p:notes xmlns:a="http://schemas.openxmlformats.org/drawingml/2006/main" xmlns:r="http://schemas.openxmlformats.org/officeDocument/2006/relationships" xmlns:mc="http://schemas.openxmlformats.org/markup-compatibility/2006" xmlns:mv="urn:schemas-microsoft-com:mac:vml" xmlns:p="http://schemas.openxmlformats.org/presentationml/2006/main" xmlns:c="http://schemas.openxmlformats.org/drawingml/2006/chart" xmlns:dgm="http://schemas.openxmlformats.org/drawingml/2006/diagram" xmlns:o="urn:schemas-microsoft-com:office:office" xmlns:v="urn:schemas-microsoft-com:vml" xmlns:pvml="urn:schemas-microsoft-com:office:powerpoint" xmlns:com="http://schemas.openxmlformats.org/drawingml/2006/compatibility" xmlns:p14="http://schemas.microsoft.com/office/powerpoint/2010/main" xmlns:p15="http://schemas.microsoft.com/office/powerpoint/2012/main" showMasterPhAnim="0" showMasterSp="0">
+<p:notes xmlns:a="http://schemas.openxmlformats.org/drawingml/2006/main" xmlns:r="http://schemas.openxmlformats.org/officeDocument/2006/relationships" xmlns:p="http://schemas.openxmlformats.org/presentationml/2006/main" showMasterSp="0" showMasterPhAnim="0">
   <p:cSld>
     <p:spTree>
       <p:nvGrpSpPr>
-        <p:cNvPr id="93" name="Shape 93"/>
+        <p:cNvPr id="1" name="Shape 93"/>
         <p:cNvGrpSpPr/>
         <p:nvPr/>
       </p:nvGrpSpPr>
@@ -3888,9 +4063,11 @@
       <p:sp>
         <p:nvSpPr>
           <p:cNvPr id="94" name="Google Shape;94;g2803cce7fd_0_43:notes"/>
-          <p:cNvSpPr/>
+          <p:cNvSpPr>
+            <a:spLocks noGrp="1" noRot="1" noChangeAspect="1"/>
+          </p:cNvSpPr>
           <p:nvPr>
-            <p:ph idx="2" type="sldImg"/>
+            <p:ph type="sldImg" idx="2"/>
           </p:nvPr>
         </p:nvSpPr>
         <p:spPr>
@@ -3899,9 +4076,13 @@
             <a:ext cx="6096300" cy="3429000"/>
           </a:xfrm>
           <a:custGeom>
-            <a:rect b="b" l="l" r="r" t="t"/>
+            <a:avLst/>
+            <a:gdLst/>
+            <a:ahLst/>
+            <a:cxnLst/>
+            <a:rect l="l" t="t" r="r" b="b"/>
             <a:pathLst>
-              <a:path extrusionOk="0" h="120000" w="120000">
+              <a:path w="120000" h="120000" extrusionOk="0">
                 <a:moveTo>
                   <a:pt x="0" y="0"/>
                 </a:moveTo>
@@ -3923,9 +4104,11 @@
       <p:sp>
         <p:nvSpPr>
           <p:cNvPr id="95" name="Google Shape;95;g2803cce7fd_0_43:notes"/>
-          <p:cNvSpPr txBox="1"/>
+          <p:cNvSpPr txBox="1">
+            <a:spLocks noGrp="1"/>
+          </p:cNvSpPr>
           <p:nvPr>
-            <p:ph idx="1" type="body"/>
+            <p:ph type="body" idx="1"/>
           </p:nvPr>
         </p:nvSpPr>
         <p:spPr>
@@ -3938,12 +4121,12 @@
           </a:prstGeom>
         </p:spPr>
         <p:txBody>
-          <a:bodyPr anchorCtr="0" anchor="t" bIns="91425" lIns="91425" spcFirstLastPara="1" rIns="91425" wrap="square" tIns="91425">
+          <a:bodyPr spcFirstLastPara="1" wrap="square" lIns="91425" tIns="91425" rIns="91425" bIns="91425" anchor="t" anchorCtr="0">
             <a:noAutofit/>
           </a:bodyPr>
           <a:lstStyle/>
           <a:p>
-            <a:pPr indent="0" lvl="0" marL="0" rtl="0" algn="l">
+            <a:pPr marL="0" lvl="0" indent="0" algn="l" rtl="0">
               <a:spcBef>
                 <a:spcPts val="0"/>
               </a:spcBef>
@@ -3952,9 +4135,6 @@
               </a:spcAft>
               <a:buNone/>
             </a:pPr>
-            <a:r>
-              <a:t/>
-            </a:r>
             <a:endParaRPr/>
           </a:p>
         </p:txBody>
@@ -3968,11 +4148,11 @@
 </file>
 
 <file path=ppt/slideLayouts/slideLayout1.xml><?xml version="1.0" encoding="utf-8"?>
-<p:sldLayout xmlns:a="http://schemas.openxmlformats.org/drawingml/2006/main" xmlns:r="http://schemas.openxmlformats.org/officeDocument/2006/relationships" xmlns:mc="http://schemas.openxmlformats.org/markup-compatibility/2006" xmlns:mv="urn:schemas-microsoft-com:mac:vml" xmlns:p="http://schemas.openxmlformats.org/presentationml/2006/main" xmlns:c="http://schemas.openxmlformats.org/drawingml/2006/chart" xmlns:dgm="http://schemas.openxmlformats.org/drawingml/2006/diagram" xmlns:o="urn:schemas-microsoft-com:office:office" xmlns:v="urn:schemas-microsoft-com:vml" xmlns:pvml="urn:schemas-microsoft-com:office:powerpoint" xmlns:com="http://schemas.openxmlformats.org/drawingml/2006/compatibility" xmlns:p14="http://schemas.microsoft.com/office/powerpoint/2010/main" xmlns:p15="http://schemas.microsoft.com/office/powerpoint/2012/main" matchingName="Title slide" type="title">
+<p:sldLayout xmlns:a="http://schemas.openxmlformats.org/drawingml/2006/main" xmlns:r="http://schemas.openxmlformats.org/officeDocument/2006/relationships" xmlns:p="http://schemas.openxmlformats.org/presentationml/2006/main" matchingName="Title slide" type="title">
   <p:cSld name="TITLE">
     <p:spTree>
       <p:nvGrpSpPr>
-        <p:cNvPr id="9" name="Shape 9"/>
+        <p:cNvPr id="1" name="Shape 9"/>
         <p:cNvGrpSpPr/>
         <p:nvPr/>
       </p:nvGrpSpPr>
@@ -3987,9 +4167,11 @@
       <p:sp>
         <p:nvSpPr>
           <p:cNvPr id="10" name="Google Shape;10;p2"/>
-          <p:cNvSpPr txBox="1"/>
+          <p:cNvSpPr txBox="1">
+            <a:spLocks noGrp="1"/>
+          </p:cNvSpPr>
           <p:nvPr>
-            <p:ph idx="1" type="subTitle"/>
+            <p:ph type="subTitle" idx="1"/>
           </p:nvPr>
         </p:nvSpPr>
         <p:spPr>
@@ -4002,7 +4184,7 @@
           </a:prstGeom>
         </p:spPr>
         <p:txBody>
-          <a:bodyPr anchorCtr="0" anchor="t" bIns="91425" lIns="91425" spcFirstLastPara="1" rIns="91425" wrap="square" tIns="91425"/>
+          <a:bodyPr spcFirstLastPara="1" wrap="square" lIns="91425" tIns="91425" rIns="91425" bIns="91425" anchor="t" anchorCtr="0"/>
           <a:lstStyle>
             <a:lvl1pPr lvl="0" algn="ctr">
               <a:spcBef>
@@ -4167,13 +4349,17 @@
               </a:defRPr>
             </a:lvl9pPr>
           </a:lstStyle>
-          <a:p/>
+          <a:p>
+            <a:endParaRPr/>
+          </a:p>
         </p:txBody>
       </p:sp>
       <p:sp>
         <p:nvSpPr>
           <p:cNvPr id="11" name="Google Shape;11;p2"/>
-          <p:cNvSpPr txBox="1"/>
+          <p:cNvSpPr txBox="1">
+            <a:spLocks noGrp="1"/>
+          </p:cNvSpPr>
           <p:nvPr>
             <p:ph type="ctrTitle"/>
           </p:nvPr>
@@ -4188,7 +4374,7 @@
           </a:prstGeom>
         </p:spPr>
         <p:txBody>
-          <a:bodyPr anchorCtr="0" anchor="b" bIns="91425" lIns="91425" spcFirstLastPara="1" rIns="91425" wrap="square" tIns="91425"/>
+          <a:bodyPr spcFirstLastPara="1" wrap="square" lIns="91425" tIns="91425" rIns="91425" bIns="91425" anchor="b" anchorCtr="0"/>
           <a:lstStyle>
             <a:lvl1pPr lvl="0" algn="ctr">
               <a:spcBef>
@@ -4290,15 +4476,19 @@
               <a:defRPr sz="4800"/>
             </a:lvl9pPr>
           </a:lstStyle>
-          <a:p/>
+          <a:p>
+            <a:endParaRPr/>
+          </a:p>
         </p:txBody>
       </p:sp>
       <p:sp>
         <p:nvSpPr>
           <p:cNvPr id="12" name="Google Shape;12;p2"/>
-          <p:cNvSpPr txBox="1"/>
+          <p:cNvSpPr txBox="1">
+            <a:spLocks noGrp="1"/>
+          </p:cNvSpPr>
           <p:nvPr>
-            <p:ph idx="12" type="sldNum"/>
+            <p:ph type="sldNum" idx="12"/>
           </p:nvPr>
         </p:nvSpPr>
         <p:spPr>
@@ -4311,7 +4501,7 @@
           </a:prstGeom>
         </p:spPr>
         <p:txBody>
-          <a:bodyPr anchorCtr="0" anchor="ctr" bIns="91425" lIns="91425" spcFirstLastPara="1" rIns="91425" wrap="square" tIns="91425">
+          <a:bodyPr spcFirstLastPara="1" wrap="square" lIns="91425" tIns="91425" rIns="91425" bIns="91425" anchor="ctr" anchorCtr="0">
             <a:noAutofit/>
           </a:bodyPr>
           <a:lstStyle>
@@ -4353,7 +4543,7 @@
             </a:lvl9pPr>
           </a:lstStyle>
           <a:p>
-            <a:pPr indent="0" lvl="0" marL="0" rtl="0" algn="r">
+            <a:pPr marL="0" lvl="0" indent="0" algn="r" rtl="0">
               <a:spcBef>
                 <a:spcPts val="0"/>
               </a:spcBef>
@@ -4379,11 +4569,11 @@
 </file>
 
 <file path=ppt/slideLayouts/slideLayout2.xml><?xml version="1.0" encoding="utf-8"?>
-<p:sldLayout xmlns:a="http://schemas.openxmlformats.org/drawingml/2006/main" xmlns:r="http://schemas.openxmlformats.org/officeDocument/2006/relationships" xmlns:mc="http://schemas.openxmlformats.org/markup-compatibility/2006" xmlns:mv="urn:schemas-microsoft-com:mac:vml" xmlns:p="http://schemas.openxmlformats.org/presentationml/2006/main" xmlns:c="http://schemas.openxmlformats.org/drawingml/2006/chart" xmlns:dgm="http://schemas.openxmlformats.org/drawingml/2006/diagram" xmlns:o="urn:schemas-microsoft-com:office:office" xmlns:v="urn:schemas-microsoft-com:vml" xmlns:pvml="urn:schemas-microsoft-com:office:powerpoint" xmlns:com="http://schemas.openxmlformats.org/drawingml/2006/compatibility" xmlns:p14="http://schemas.microsoft.com/office/powerpoint/2010/main" xmlns:p15="http://schemas.microsoft.com/office/powerpoint/2012/main" matchingName="Title and body" type="tx">
+<p:sldLayout xmlns:a="http://schemas.openxmlformats.org/drawingml/2006/main" xmlns:r="http://schemas.openxmlformats.org/officeDocument/2006/relationships" xmlns:p="http://schemas.openxmlformats.org/presentationml/2006/main" matchingName="Title and body" type="tx">
   <p:cSld name="TITLE_AND_BODY">
     <p:spTree>
       <p:nvGrpSpPr>
-        <p:cNvPr id="13" name="Shape 13"/>
+        <p:cNvPr id="1" name="Shape 13"/>
         <p:cNvGrpSpPr/>
         <p:nvPr/>
       </p:nvGrpSpPr>
@@ -4398,7 +4588,9 @@
       <p:sp>
         <p:nvSpPr>
           <p:cNvPr id="14" name="Google Shape;14;p3"/>
-          <p:cNvSpPr txBox="1"/>
+          <p:cNvSpPr txBox="1">
+            <a:spLocks noGrp="1"/>
+          </p:cNvSpPr>
           <p:nvPr>
             <p:ph type="title"/>
           </p:nvPr>
@@ -4413,7 +4605,7 @@
           </a:prstGeom>
         </p:spPr>
         <p:txBody>
-          <a:bodyPr anchorCtr="0" anchor="b" bIns="91425" lIns="91425" spcFirstLastPara="1" rIns="91425" wrap="square" tIns="91425"/>
+          <a:bodyPr spcFirstLastPara="1" wrap="square" lIns="91425" tIns="91425" rIns="91425" bIns="91425" anchor="b" anchorCtr="0"/>
           <a:lstStyle>
             <a:lvl1pPr lvl="0">
               <a:spcBef>
@@ -4515,15 +4707,19 @@
               <a:defRPr/>
             </a:lvl9pPr>
           </a:lstStyle>
-          <a:p/>
+          <a:p>
+            <a:endParaRPr/>
+          </a:p>
         </p:txBody>
       </p:sp>
       <p:sp>
         <p:nvSpPr>
           <p:cNvPr id="15" name="Google Shape;15;p3"/>
-          <p:cNvSpPr txBox="1"/>
+          <p:cNvSpPr txBox="1">
+            <a:spLocks noGrp="1"/>
+          </p:cNvSpPr>
           <p:nvPr>
-            <p:ph idx="1" type="body"/>
+            <p:ph type="body" idx="1"/>
           </p:nvPr>
         </p:nvSpPr>
         <p:spPr>
@@ -4536,9 +4732,9 @@
           </a:prstGeom>
         </p:spPr>
         <p:txBody>
-          <a:bodyPr anchorCtr="0" anchor="t" bIns="91425" lIns="91425" spcFirstLastPara="1" rIns="91425" wrap="square" tIns="91425"/>
+          <a:bodyPr spcFirstLastPara="1" wrap="square" lIns="91425" tIns="91425" rIns="91425" bIns="91425" anchor="t" anchorCtr="0"/>
           <a:lstStyle>
-            <a:lvl1pPr indent="-419100" lvl="0" marL="457200">
+            <a:lvl1pPr marL="457200" lvl="0" indent="-419100">
               <a:spcBef>
                 <a:spcPts val="600"/>
               </a:spcBef>
@@ -4549,7 +4745,7 @@
               <a:buChar char="●"/>
               <a:defRPr/>
             </a:lvl1pPr>
-            <a:lvl2pPr indent="-381000" lvl="1" marL="914400">
+            <a:lvl2pPr marL="914400" lvl="1" indent="-381000">
               <a:spcBef>
                 <a:spcPts val="0"/>
               </a:spcBef>
@@ -4560,7 +4756,7 @@
               <a:buChar char="○"/>
               <a:defRPr/>
             </a:lvl2pPr>
-            <a:lvl3pPr indent="-381000" lvl="2" marL="1371600">
+            <a:lvl3pPr marL="1371600" lvl="2" indent="-381000">
               <a:spcBef>
                 <a:spcPts val="0"/>
               </a:spcBef>
@@ -4571,7 +4767,7 @@
               <a:buChar char="■"/>
               <a:defRPr/>
             </a:lvl3pPr>
-            <a:lvl4pPr indent="-342900" lvl="3" marL="1828800">
+            <a:lvl4pPr marL="1828800" lvl="3" indent="-342900">
               <a:spcBef>
                 <a:spcPts val="0"/>
               </a:spcBef>
@@ -4582,7 +4778,7 @@
               <a:buChar char="●"/>
               <a:defRPr/>
             </a:lvl4pPr>
-            <a:lvl5pPr indent="-342900" lvl="4" marL="2286000">
+            <a:lvl5pPr marL="2286000" lvl="4" indent="-342900">
               <a:spcBef>
                 <a:spcPts val="0"/>
               </a:spcBef>
@@ -4593,7 +4789,7 @@
               <a:buChar char="○"/>
               <a:defRPr/>
             </a:lvl5pPr>
-            <a:lvl6pPr indent="-342900" lvl="5" marL="2743200">
+            <a:lvl6pPr marL="2743200" lvl="5" indent="-342900">
               <a:spcBef>
                 <a:spcPts val="0"/>
               </a:spcBef>
@@ -4604,7 +4800,7 @@
               <a:buChar char="■"/>
               <a:defRPr/>
             </a:lvl6pPr>
-            <a:lvl7pPr indent="-342900" lvl="6" marL="3200400">
+            <a:lvl7pPr marL="3200400" lvl="6" indent="-342900">
               <a:spcBef>
                 <a:spcPts val="0"/>
               </a:spcBef>
@@ -4615,7 +4811,7 @@
               <a:buChar char="●"/>
               <a:defRPr/>
             </a:lvl7pPr>
-            <a:lvl8pPr indent="-342900" lvl="7" marL="3657600">
+            <a:lvl8pPr marL="3657600" lvl="7" indent="-342900">
               <a:spcBef>
                 <a:spcPts val="0"/>
               </a:spcBef>
@@ -4626,7 +4822,7 @@
               <a:buChar char="○"/>
               <a:defRPr/>
             </a:lvl8pPr>
-            <a:lvl9pPr indent="-342900" lvl="8" marL="4114800">
+            <a:lvl9pPr marL="4114800" lvl="8" indent="-342900">
               <a:spcBef>
                 <a:spcPts val="0"/>
               </a:spcBef>
@@ -4638,15 +4834,19 @@
               <a:defRPr/>
             </a:lvl9pPr>
           </a:lstStyle>
-          <a:p/>
+          <a:p>
+            <a:endParaRPr/>
+          </a:p>
         </p:txBody>
       </p:sp>
       <p:sp>
         <p:nvSpPr>
           <p:cNvPr id="16" name="Google Shape;16;p3"/>
-          <p:cNvSpPr txBox="1"/>
+          <p:cNvSpPr txBox="1">
+            <a:spLocks noGrp="1"/>
+          </p:cNvSpPr>
           <p:nvPr>
-            <p:ph idx="12" type="sldNum"/>
+            <p:ph type="sldNum" idx="12"/>
           </p:nvPr>
         </p:nvSpPr>
         <p:spPr>
@@ -4659,7 +4859,7 @@
           </a:prstGeom>
         </p:spPr>
         <p:txBody>
-          <a:bodyPr anchorCtr="0" anchor="ctr" bIns="91425" lIns="91425" spcFirstLastPara="1" rIns="91425" wrap="square" tIns="91425">
+          <a:bodyPr spcFirstLastPara="1" wrap="square" lIns="91425" tIns="91425" rIns="91425" bIns="91425" anchor="ctr" anchorCtr="0">
             <a:noAutofit/>
           </a:bodyPr>
           <a:lstStyle>
@@ -4701,7 +4901,7 @@
             </a:lvl9pPr>
           </a:lstStyle>
           <a:p>
-            <a:pPr indent="0" lvl="0" marL="0" rtl="0" algn="r">
+            <a:pPr marL="0" lvl="0" indent="0" algn="r" rtl="0">
               <a:spcBef>
                 <a:spcPts val="0"/>
               </a:spcBef>
@@ -4727,11 +4927,11 @@
 </file>
 
 <file path=ppt/slideLayouts/slideLayout3.xml><?xml version="1.0" encoding="utf-8"?>
-<p:sldLayout xmlns:a="http://schemas.openxmlformats.org/drawingml/2006/main" xmlns:r="http://schemas.openxmlformats.org/officeDocument/2006/relationships" xmlns:mc="http://schemas.openxmlformats.org/markup-compatibility/2006" xmlns:mv="urn:schemas-microsoft-com:mac:vml" xmlns:p="http://schemas.openxmlformats.org/presentationml/2006/main" xmlns:c="http://schemas.openxmlformats.org/drawingml/2006/chart" xmlns:dgm="http://schemas.openxmlformats.org/drawingml/2006/diagram" xmlns:o="urn:schemas-microsoft-com:office:office" xmlns:v="urn:schemas-microsoft-com:vml" xmlns:pvml="urn:schemas-microsoft-com:office:powerpoint" xmlns:com="http://schemas.openxmlformats.org/drawingml/2006/compatibility" xmlns:p14="http://schemas.microsoft.com/office/powerpoint/2010/main" xmlns:p15="http://schemas.microsoft.com/office/powerpoint/2012/main" matchingName="Title and two columns" type="twoColTx">
+<p:sldLayout xmlns:a="http://schemas.openxmlformats.org/drawingml/2006/main" xmlns:r="http://schemas.openxmlformats.org/officeDocument/2006/relationships" xmlns:p="http://schemas.openxmlformats.org/presentationml/2006/main" matchingName="Title and two columns" type="twoColTx">
   <p:cSld name="TITLE_AND_TWO_COLUMNS">
     <p:spTree>
       <p:nvGrpSpPr>
-        <p:cNvPr id="17" name="Shape 17"/>
+        <p:cNvPr id="1" name="Shape 17"/>
         <p:cNvGrpSpPr/>
         <p:nvPr/>
       </p:nvGrpSpPr>
@@ -4746,7 +4946,9 @@
       <p:sp>
         <p:nvSpPr>
           <p:cNvPr id="18" name="Google Shape;18;p4"/>
-          <p:cNvSpPr txBox="1"/>
+          <p:cNvSpPr txBox="1">
+            <a:spLocks noGrp="1"/>
+          </p:cNvSpPr>
           <p:nvPr>
             <p:ph type="title"/>
           </p:nvPr>
@@ -4761,7 +4963,7 @@
           </a:prstGeom>
         </p:spPr>
         <p:txBody>
-          <a:bodyPr anchorCtr="0" anchor="b" bIns="91425" lIns="91425" spcFirstLastPara="1" rIns="91425" wrap="square" tIns="91425"/>
+          <a:bodyPr spcFirstLastPara="1" wrap="square" lIns="91425" tIns="91425" rIns="91425" bIns="91425" anchor="b" anchorCtr="0"/>
           <a:lstStyle>
             <a:lvl1pPr lvl="0">
               <a:spcBef>
@@ -4863,15 +5065,19 @@
               <a:defRPr/>
             </a:lvl9pPr>
           </a:lstStyle>
-          <a:p/>
+          <a:p>
+            <a:endParaRPr/>
+          </a:p>
         </p:txBody>
       </p:sp>
       <p:sp>
         <p:nvSpPr>
           <p:cNvPr id="19" name="Google Shape;19;p4"/>
-          <p:cNvSpPr txBox="1"/>
+          <p:cNvSpPr txBox="1">
+            <a:spLocks noGrp="1"/>
+          </p:cNvSpPr>
           <p:nvPr>
-            <p:ph idx="1" type="body"/>
+            <p:ph type="body" idx="1"/>
           </p:nvPr>
         </p:nvSpPr>
         <p:spPr>
@@ -4884,9 +5090,9 @@
           </a:prstGeom>
         </p:spPr>
         <p:txBody>
-          <a:bodyPr anchorCtr="0" anchor="t" bIns="91425" lIns="91425" spcFirstLastPara="1" rIns="91425" wrap="square" tIns="91425"/>
+          <a:bodyPr spcFirstLastPara="1" wrap="square" lIns="91425" tIns="91425" rIns="91425" bIns="91425" anchor="t" anchorCtr="0"/>
           <a:lstStyle>
-            <a:lvl1pPr indent="-419100" lvl="0" marL="457200">
+            <a:lvl1pPr marL="457200" lvl="0" indent="-419100">
               <a:spcBef>
                 <a:spcPts val="600"/>
               </a:spcBef>
@@ -4897,7 +5103,7 @@
               <a:buChar char="●"/>
               <a:defRPr/>
             </a:lvl1pPr>
-            <a:lvl2pPr indent="-381000" lvl="1" marL="914400">
+            <a:lvl2pPr marL="914400" lvl="1" indent="-381000">
               <a:spcBef>
                 <a:spcPts val="0"/>
               </a:spcBef>
@@ -4908,7 +5114,7 @@
               <a:buChar char="○"/>
               <a:defRPr/>
             </a:lvl2pPr>
-            <a:lvl3pPr indent="-381000" lvl="2" marL="1371600">
+            <a:lvl3pPr marL="1371600" lvl="2" indent="-381000">
               <a:spcBef>
                 <a:spcPts val="0"/>
               </a:spcBef>
@@ -4919,7 +5125,7 @@
               <a:buChar char="■"/>
               <a:defRPr/>
             </a:lvl3pPr>
-            <a:lvl4pPr indent="-342900" lvl="3" marL="1828800">
+            <a:lvl4pPr marL="1828800" lvl="3" indent="-342900">
               <a:spcBef>
                 <a:spcPts val="0"/>
               </a:spcBef>
@@ -4930,7 +5136,7 @@
               <a:buChar char="●"/>
               <a:defRPr/>
             </a:lvl4pPr>
-            <a:lvl5pPr indent="-342900" lvl="4" marL="2286000">
+            <a:lvl5pPr marL="2286000" lvl="4" indent="-342900">
               <a:spcBef>
                 <a:spcPts val="0"/>
               </a:spcBef>
@@ -4941,7 +5147,7 @@
               <a:buChar char="○"/>
               <a:defRPr/>
             </a:lvl5pPr>
-            <a:lvl6pPr indent="-342900" lvl="5" marL="2743200">
+            <a:lvl6pPr marL="2743200" lvl="5" indent="-342900">
               <a:spcBef>
                 <a:spcPts val="0"/>
               </a:spcBef>
@@ -4952,7 +5158,7 @@
               <a:buChar char="■"/>
               <a:defRPr/>
             </a:lvl6pPr>
-            <a:lvl7pPr indent="-342900" lvl="6" marL="3200400">
+            <a:lvl7pPr marL="3200400" lvl="6" indent="-342900">
               <a:spcBef>
                 <a:spcPts val="0"/>
               </a:spcBef>
@@ -4963,7 +5169,7 @@
               <a:buChar char="●"/>
               <a:defRPr/>
             </a:lvl7pPr>
-            <a:lvl8pPr indent="-342900" lvl="7" marL="3657600">
+            <a:lvl8pPr marL="3657600" lvl="7" indent="-342900">
               <a:spcBef>
                 <a:spcPts val="0"/>
               </a:spcBef>
@@ -4974,7 +5180,7 @@
               <a:buChar char="○"/>
               <a:defRPr/>
             </a:lvl8pPr>
-            <a:lvl9pPr indent="-342900" lvl="8" marL="4114800">
+            <a:lvl9pPr marL="4114800" lvl="8" indent="-342900">
               <a:spcBef>
                 <a:spcPts val="0"/>
               </a:spcBef>
@@ -4986,15 +5192,19 @@
               <a:defRPr/>
             </a:lvl9pPr>
           </a:lstStyle>
-          <a:p/>
+          <a:p>
+            <a:endParaRPr/>
+          </a:p>
         </p:txBody>
       </p:sp>
       <p:sp>
         <p:nvSpPr>
           <p:cNvPr id="20" name="Google Shape;20;p4"/>
-          <p:cNvSpPr txBox="1"/>
+          <p:cNvSpPr txBox="1">
+            <a:spLocks noGrp="1"/>
+          </p:cNvSpPr>
           <p:nvPr>
-            <p:ph idx="2" type="body"/>
+            <p:ph type="body" idx="2"/>
           </p:nvPr>
         </p:nvSpPr>
         <p:spPr>
@@ -5007,9 +5217,9 @@
           </a:prstGeom>
         </p:spPr>
         <p:txBody>
-          <a:bodyPr anchorCtr="0" anchor="t" bIns="91425" lIns="91425" spcFirstLastPara="1" rIns="91425" wrap="square" tIns="91425"/>
+          <a:bodyPr spcFirstLastPara="1" wrap="square" lIns="91425" tIns="91425" rIns="91425" bIns="91425" anchor="t" anchorCtr="0"/>
           <a:lstStyle>
-            <a:lvl1pPr indent="-419100" lvl="0" marL="457200">
+            <a:lvl1pPr marL="457200" lvl="0" indent="-419100">
               <a:spcBef>
                 <a:spcPts val="600"/>
               </a:spcBef>
@@ -5020,7 +5230,7 @@
               <a:buChar char="●"/>
               <a:defRPr/>
             </a:lvl1pPr>
-            <a:lvl2pPr indent="-381000" lvl="1" marL="914400">
+            <a:lvl2pPr marL="914400" lvl="1" indent="-381000">
               <a:spcBef>
                 <a:spcPts val="0"/>
               </a:spcBef>
@@ -5031,7 +5241,7 @@
               <a:buChar char="○"/>
               <a:defRPr/>
             </a:lvl2pPr>
-            <a:lvl3pPr indent="-381000" lvl="2" marL="1371600">
+            <a:lvl3pPr marL="1371600" lvl="2" indent="-381000">
               <a:spcBef>
                 <a:spcPts val="0"/>
               </a:spcBef>
@@ -5042,7 +5252,7 @@
               <a:buChar char="■"/>
               <a:defRPr/>
             </a:lvl3pPr>
-            <a:lvl4pPr indent="-342900" lvl="3" marL="1828800">
+            <a:lvl4pPr marL="1828800" lvl="3" indent="-342900">
               <a:spcBef>
                 <a:spcPts val="0"/>
               </a:spcBef>
@@ -5053,7 +5263,7 @@
               <a:buChar char="●"/>
               <a:defRPr/>
             </a:lvl4pPr>
-            <a:lvl5pPr indent="-342900" lvl="4" marL="2286000">
+            <a:lvl5pPr marL="2286000" lvl="4" indent="-342900">
               <a:spcBef>
                 <a:spcPts val="0"/>
               </a:spcBef>
@@ -5064,7 +5274,7 @@
               <a:buChar char="○"/>
               <a:defRPr/>
             </a:lvl5pPr>
-            <a:lvl6pPr indent="-342900" lvl="5" marL="2743200">
+            <a:lvl6pPr marL="2743200" lvl="5" indent="-342900">
               <a:spcBef>
                 <a:spcPts val="0"/>
               </a:spcBef>
@@ -5075,7 +5285,7 @@
               <a:buChar char="■"/>
               <a:defRPr/>
             </a:lvl6pPr>
-            <a:lvl7pPr indent="-342900" lvl="6" marL="3200400">
+            <a:lvl7pPr marL="3200400" lvl="6" indent="-342900">
               <a:spcBef>
                 <a:spcPts val="0"/>
               </a:spcBef>
@@ -5086,7 +5296,7 @@
               <a:buChar char="●"/>
               <a:defRPr/>
             </a:lvl7pPr>
-            <a:lvl8pPr indent="-342900" lvl="7" marL="3657600">
+            <a:lvl8pPr marL="3657600" lvl="7" indent="-342900">
               <a:spcBef>
                 <a:spcPts val="0"/>
               </a:spcBef>
@@ -5097,7 +5307,7 @@
               <a:buChar char="○"/>
               <a:defRPr/>
             </a:lvl8pPr>
-            <a:lvl9pPr indent="-342900" lvl="8" marL="4114800">
+            <a:lvl9pPr marL="4114800" lvl="8" indent="-342900">
               <a:spcBef>
                 <a:spcPts val="0"/>
               </a:spcBef>
@@ -5109,15 +5319,19 @@
               <a:defRPr/>
             </a:lvl9pPr>
           </a:lstStyle>
-          <a:p/>
+          <a:p>
+            <a:endParaRPr/>
+          </a:p>
         </p:txBody>
       </p:sp>
       <p:sp>
         <p:nvSpPr>
           <p:cNvPr id="21" name="Google Shape;21;p4"/>
-          <p:cNvSpPr txBox="1"/>
+          <p:cNvSpPr txBox="1">
+            <a:spLocks noGrp="1"/>
+          </p:cNvSpPr>
           <p:nvPr>
-            <p:ph idx="12" type="sldNum"/>
+            <p:ph type="sldNum" idx="12"/>
           </p:nvPr>
         </p:nvSpPr>
         <p:spPr>
@@ -5130,7 +5344,7 @@
           </a:prstGeom>
         </p:spPr>
         <p:txBody>
-          <a:bodyPr anchorCtr="0" anchor="ctr" bIns="91425" lIns="91425" spcFirstLastPara="1" rIns="91425" wrap="square" tIns="91425">
+          <a:bodyPr spcFirstLastPara="1" wrap="square" lIns="91425" tIns="91425" rIns="91425" bIns="91425" anchor="ctr" anchorCtr="0">
             <a:noAutofit/>
           </a:bodyPr>
           <a:lstStyle>
@@ -5172,7 +5386,7 @@
             </a:lvl9pPr>
           </a:lstStyle>
           <a:p>
-            <a:pPr indent="0" lvl="0" marL="0" rtl="0" algn="r">
+            <a:pPr marL="0" lvl="0" indent="0" algn="r" rtl="0">
               <a:spcBef>
                 <a:spcPts val="0"/>
               </a:spcBef>
@@ -5198,11 +5412,11 @@
 </file>
 
 <file path=ppt/slideLayouts/slideLayout4.xml><?xml version="1.0" encoding="utf-8"?>
-<p:sldLayout xmlns:a="http://schemas.openxmlformats.org/drawingml/2006/main" xmlns:r="http://schemas.openxmlformats.org/officeDocument/2006/relationships" xmlns:mc="http://schemas.openxmlformats.org/markup-compatibility/2006" xmlns:mv="urn:schemas-microsoft-com:mac:vml" xmlns:p="http://schemas.openxmlformats.org/presentationml/2006/main" xmlns:c="http://schemas.openxmlformats.org/drawingml/2006/chart" xmlns:dgm="http://schemas.openxmlformats.org/drawingml/2006/diagram" xmlns:o="urn:schemas-microsoft-com:office:office" xmlns:v="urn:schemas-microsoft-com:vml" xmlns:pvml="urn:schemas-microsoft-com:office:powerpoint" xmlns:com="http://schemas.openxmlformats.org/drawingml/2006/compatibility" xmlns:p14="http://schemas.microsoft.com/office/powerpoint/2010/main" xmlns:p15="http://schemas.microsoft.com/office/powerpoint/2012/main" matchingName="Title only" type="titleOnly">
+<p:sldLayout xmlns:a="http://schemas.openxmlformats.org/drawingml/2006/main" xmlns:r="http://schemas.openxmlformats.org/officeDocument/2006/relationships" xmlns:p="http://schemas.openxmlformats.org/presentationml/2006/main" matchingName="Title only" type="titleOnly">
   <p:cSld name="TITLE_ONLY">
     <p:spTree>
       <p:nvGrpSpPr>
-        <p:cNvPr id="22" name="Shape 22"/>
+        <p:cNvPr id="1" name="Shape 22"/>
         <p:cNvGrpSpPr/>
         <p:nvPr/>
       </p:nvGrpSpPr>
@@ -5217,7 +5431,9 @@
       <p:sp>
         <p:nvSpPr>
           <p:cNvPr id="23" name="Google Shape;23;p5"/>
-          <p:cNvSpPr txBox="1"/>
+          <p:cNvSpPr txBox="1">
+            <a:spLocks noGrp="1"/>
+          </p:cNvSpPr>
           <p:nvPr>
             <p:ph type="title"/>
           </p:nvPr>
@@ -5232,7 +5448,7 @@
           </a:prstGeom>
         </p:spPr>
         <p:txBody>
-          <a:bodyPr anchorCtr="0" anchor="b" bIns="91425" lIns="91425" spcFirstLastPara="1" rIns="91425" wrap="square" tIns="91425"/>
+          <a:bodyPr spcFirstLastPara="1" wrap="square" lIns="91425" tIns="91425" rIns="91425" bIns="91425" anchor="b" anchorCtr="0"/>
           <a:lstStyle>
             <a:lvl1pPr lvl="0">
               <a:spcBef>
@@ -5334,15 +5550,19 @@
               <a:defRPr/>
             </a:lvl9pPr>
           </a:lstStyle>
-          <a:p/>
+          <a:p>
+            <a:endParaRPr/>
+          </a:p>
         </p:txBody>
       </p:sp>
       <p:sp>
         <p:nvSpPr>
           <p:cNvPr id="24" name="Google Shape;24;p5"/>
-          <p:cNvSpPr txBox="1"/>
+          <p:cNvSpPr txBox="1">
+            <a:spLocks noGrp="1"/>
+          </p:cNvSpPr>
           <p:nvPr>
-            <p:ph idx="12" type="sldNum"/>
+            <p:ph type="sldNum" idx="12"/>
           </p:nvPr>
         </p:nvSpPr>
         <p:spPr>
@@ -5355,7 +5575,7 @@
           </a:prstGeom>
         </p:spPr>
         <p:txBody>
-          <a:bodyPr anchorCtr="0" anchor="ctr" bIns="91425" lIns="91425" spcFirstLastPara="1" rIns="91425" wrap="square" tIns="91425">
+          <a:bodyPr spcFirstLastPara="1" wrap="square" lIns="91425" tIns="91425" rIns="91425" bIns="91425" anchor="ctr" anchorCtr="0">
             <a:noAutofit/>
           </a:bodyPr>
           <a:lstStyle>
@@ -5397,7 +5617,7 @@
             </a:lvl9pPr>
           </a:lstStyle>
           <a:p>
-            <a:pPr indent="0" lvl="0" marL="0" rtl="0" algn="r">
+            <a:pPr marL="0" lvl="0" indent="0" algn="r" rtl="0">
               <a:spcBef>
                 <a:spcPts val="0"/>
               </a:spcBef>
@@ -5423,11 +5643,11 @@
 </file>
 
 <file path=ppt/slideLayouts/slideLayout5.xml><?xml version="1.0" encoding="utf-8"?>
-<p:sldLayout xmlns:a="http://schemas.openxmlformats.org/drawingml/2006/main" xmlns:r="http://schemas.openxmlformats.org/officeDocument/2006/relationships" xmlns:mc="http://schemas.openxmlformats.org/markup-compatibility/2006" xmlns:mv="urn:schemas-microsoft-com:mac:vml" xmlns:p="http://schemas.openxmlformats.org/presentationml/2006/main" xmlns:c="http://schemas.openxmlformats.org/drawingml/2006/chart" xmlns:dgm="http://schemas.openxmlformats.org/drawingml/2006/diagram" xmlns:o="urn:schemas-microsoft-com:office:office" xmlns:v="urn:schemas-microsoft-com:vml" xmlns:pvml="urn:schemas-microsoft-com:office:powerpoint" xmlns:com="http://schemas.openxmlformats.org/drawingml/2006/compatibility" xmlns:p14="http://schemas.microsoft.com/office/powerpoint/2010/main" xmlns:p15="http://schemas.microsoft.com/office/powerpoint/2012/main" matchingName="Caption">
+<p:sldLayout xmlns:a="http://schemas.openxmlformats.org/drawingml/2006/main" xmlns:r="http://schemas.openxmlformats.org/officeDocument/2006/relationships" xmlns:p="http://schemas.openxmlformats.org/presentationml/2006/main" matchingName="Caption">
   <p:cSld name="CAPTION_ONLY">
     <p:spTree>
       <p:nvGrpSpPr>
-        <p:cNvPr id="25" name="Shape 25"/>
+        <p:cNvPr id="1" name="Shape 25"/>
         <p:cNvGrpSpPr/>
         <p:nvPr/>
       </p:nvGrpSpPr>
@@ -5442,9 +5662,11 @@
       <p:sp>
         <p:nvSpPr>
           <p:cNvPr id="26" name="Google Shape;26;p6"/>
-          <p:cNvSpPr txBox="1"/>
+          <p:cNvSpPr txBox="1">
+            <a:spLocks noGrp="1"/>
+          </p:cNvSpPr>
           <p:nvPr>
-            <p:ph idx="1" type="body"/>
+            <p:ph type="body" idx="1"/>
           </p:nvPr>
         </p:nvSpPr>
         <p:spPr>
@@ -5457,9 +5679,9 @@
           </a:prstGeom>
         </p:spPr>
         <p:txBody>
-          <a:bodyPr anchorCtr="0" anchor="t" bIns="91425" lIns="91425" spcFirstLastPara="1" rIns="91425" wrap="square" tIns="91425"/>
+          <a:bodyPr spcFirstLastPara="1" wrap="square" lIns="91425" tIns="91425" rIns="91425" bIns="91425" anchor="t" anchorCtr="0"/>
           <a:lstStyle>
-            <a:lvl1pPr indent="-228600" lvl="0" marL="457200" algn="ctr">
+            <a:lvl1pPr marL="457200" lvl="0" indent="-228600" algn="ctr">
               <a:spcBef>
                 <a:spcPts val="0"/>
               </a:spcBef>
@@ -5478,15 +5700,19 @@
               </a:defRPr>
             </a:lvl1pPr>
           </a:lstStyle>
-          <a:p/>
+          <a:p>
+            <a:endParaRPr/>
+          </a:p>
         </p:txBody>
       </p:sp>
       <p:sp>
         <p:nvSpPr>
           <p:cNvPr id="27" name="Google Shape;27;p6"/>
-          <p:cNvSpPr txBox="1"/>
+          <p:cNvSpPr txBox="1">
+            <a:spLocks noGrp="1"/>
+          </p:cNvSpPr>
           <p:nvPr>
-            <p:ph idx="12" type="sldNum"/>
+            <p:ph type="sldNum" idx="12"/>
           </p:nvPr>
         </p:nvSpPr>
         <p:spPr>
@@ -5499,7 +5725,7 @@
           </a:prstGeom>
         </p:spPr>
         <p:txBody>
-          <a:bodyPr anchorCtr="0" anchor="ctr" bIns="91425" lIns="91425" spcFirstLastPara="1" rIns="91425" wrap="square" tIns="91425">
+          <a:bodyPr spcFirstLastPara="1" wrap="square" lIns="91425" tIns="91425" rIns="91425" bIns="91425" anchor="ctr" anchorCtr="0">
             <a:noAutofit/>
           </a:bodyPr>
           <a:lstStyle>
@@ -5541,7 +5767,7 @@
             </a:lvl9pPr>
           </a:lstStyle>
           <a:p>
-            <a:pPr indent="0" lvl="0" marL="0" rtl="0" algn="r">
+            <a:pPr marL="0" lvl="0" indent="0" algn="r" rtl="0">
               <a:spcBef>
                 <a:spcPts val="0"/>
               </a:spcBef>
@@ -5567,11 +5793,11 @@
 </file>
 
 <file path=ppt/slideLayouts/slideLayout6.xml><?xml version="1.0" encoding="utf-8"?>
-<p:sldLayout xmlns:a="http://schemas.openxmlformats.org/drawingml/2006/main" xmlns:r="http://schemas.openxmlformats.org/officeDocument/2006/relationships" xmlns:mc="http://schemas.openxmlformats.org/markup-compatibility/2006" xmlns:mv="urn:schemas-microsoft-com:mac:vml" xmlns:p="http://schemas.openxmlformats.org/presentationml/2006/main" xmlns:c="http://schemas.openxmlformats.org/drawingml/2006/chart" xmlns:dgm="http://schemas.openxmlformats.org/drawingml/2006/diagram" xmlns:o="urn:schemas-microsoft-com:office:office" xmlns:v="urn:schemas-microsoft-com:vml" xmlns:pvml="urn:schemas-microsoft-com:office:powerpoint" xmlns:com="http://schemas.openxmlformats.org/drawingml/2006/compatibility" xmlns:p14="http://schemas.microsoft.com/office/powerpoint/2010/main" xmlns:p15="http://schemas.microsoft.com/office/powerpoint/2012/main" matchingName="Blank" type="blank">
+<p:sldLayout xmlns:a="http://schemas.openxmlformats.org/drawingml/2006/main" xmlns:r="http://schemas.openxmlformats.org/officeDocument/2006/relationships" xmlns:p="http://schemas.openxmlformats.org/presentationml/2006/main" matchingName="Blank" type="blank">
   <p:cSld name="BLANK">
     <p:spTree>
       <p:nvGrpSpPr>
-        <p:cNvPr id="28" name="Shape 28"/>
+        <p:cNvPr id="1" name="Shape 28"/>
         <p:cNvGrpSpPr/>
         <p:nvPr/>
       </p:nvGrpSpPr>
@@ -5586,9 +5812,11 @@
       <p:sp>
         <p:nvSpPr>
           <p:cNvPr id="29" name="Google Shape;29;p7"/>
-          <p:cNvSpPr txBox="1"/>
+          <p:cNvSpPr txBox="1">
+            <a:spLocks noGrp="1"/>
+          </p:cNvSpPr>
           <p:nvPr>
-            <p:ph idx="12" type="sldNum"/>
+            <p:ph type="sldNum" idx="12"/>
           </p:nvPr>
         </p:nvSpPr>
         <p:spPr>
@@ -5601,7 +5829,7 @@
           </a:prstGeom>
         </p:spPr>
         <p:txBody>
-          <a:bodyPr anchorCtr="0" anchor="ctr" bIns="91425" lIns="91425" spcFirstLastPara="1" rIns="91425" wrap="square" tIns="91425">
+          <a:bodyPr spcFirstLastPara="1" wrap="square" lIns="91425" tIns="91425" rIns="91425" bIns="91425" anchor="ctr" anchorCtr="0">
             <a:noAutofit/>
           </a:bodyPr>
           <a:lstStyle>
@@ -5643,7 +5871,7 @@
             </a:lvl9pPr>
           </a:lstStyle>
           <a:p>
-            <a:pPr indent="0" lvl="0" marL="0" rtl="0" algn="r">
+            <a:pPr marL="0" lvl="0" indent="0" algn="r" rtl="0">
               <a:spcBef>
                 <a:spcPts val="0"/>
               </a:spcBef>
@@ -5669,7 +5897,7 @@
 </file>
 
 <file path=ppt/slideMasters/slideMaster1.xml><?xml version="1.0" encoding="utf-8"?>
-<p:sldMaster xmlns:a="http://schemas.openxmlformats.org/drawingml/2006/main" xmlns:r="http://schemas.openxmlformats.org/officeDocument/2006/relationships" xmlns:mc="http://schemas.openxmlformats.org/markup-compatibility/2006" xmlns:mv="urn:schemas-microsoft-com:mac:vml" xmlns:p="http://schemas.openxmlformats.org/presentationml/2006/main" xmlns:c="http://schemas.openxmlformats.org/drawingml/2006/chart" xmlns:dgm="http://schemas.openxmlformats.org/drawingml/2006/diagram" xmlns:o="urn:schemas-microsoft-com:office:office" xmlns:v="urn:schemas-microsoft-com:vml" xmlns:pvml="urn:schemas-microsoft-com:office:powerpoint" xmlns:com="http://schemas.openxmlformats.org/drawingml/2006/compatibility" xmlns:p14="http://schemas.microsoft.com/office/powerpoint/2010/main" xmlns:p15="http://schemas.microsoft.com/office/powerpoint/2012/main">
+<p:sldMaster xmlns:a="http://schemas.openxmlformats.org/drawingml/2006/main" xmlns:r="http://schemas.openxmlformats.org/officeDocument/2006/relationships" xmlns:p="http://schemas.openxmlformats.org/presentationml/2006/main">
   <p:cSld name="light-gradient">
     <p:bg>
       <p:bgPr>
@@ -5686,15 +5914,16 @@
             </a:gs>
           </a:gsLst>
           <a:path path="circle">
-            <a:fillToRect b="50%" l="50%" r="50%" t="50%"/>
+            <a:fillToRect l="50000" t="50000" r="50000" b="50000"/>
           </a:path>
           <a:tileRect/>
         </a:gradFill>
+        <a:effectLst/>
       </p:bgPr>
     </p:bg>
     <p:spTree>
       <p:nvGrpSpPr>
-        <p:cNvPr id="5" name="Shape 5"/>
+        <p:cNvPr id="1" name="Shape 5"/>
         <p:cNvGrpSpPr/>
         <p:nvPr/>
       </p:nvGrpSpPr>
@@ -5709,7 +5938,9 @@
       <p:sp>
         <p:nvSpPr>
           <p:cNvPr id="6" name="Google Shape;6;p1"/>
-          <p:cNvSpPr txBox="1"/>
+          <p:cNvSpPr txBox="1">
+            <a:spLocks noGrp="1"/>
+          </p:cNvSpPr>
           <p:nvPr>
             <p:ph type="title"/>
           </p:nvPr>
@@ -5728,7 +5959,7 @@
           </a:ln>
         </p:spPr>
         <p:txBody>
-          <a:bodyPr anchorCtr="0" anchor="b" bIns="91425" lIns="91425" spcFirstLastPara="1" rIns="91425" wrap="square" tIns="91425"/>
+          <a:bodyPr spcFirstLastPara="1" wrap="square" lIns="91425" tIns="91425" rIns="91425" bIns="91425" anchor="b" anchorCtr="0"/>
           <a:lstStyle>
             <a:lvl1pPr lvl="0">
               <a:spcBef>
@@ -5742,7 +5973,7 @@
               </a:buClr>
               <a:buSzPts val="3600"/>
               <a:buNone/>
-              <a:defRPr b="1" sz="3600">
+              <a:defRPr sz="3600" b="1">
                 <a:solidFill>
                   <a:schemeClr val="dk1"/>
                 </a:solidFill>
@@ -5760,7 +5991,7 @@
               </a:buClr>
               <a:buSzPts val="3600"/>
               <a:buNone/>
-              <a:defRPr b="1" sz="3600">
+              <a:defRPr sz="3600" b="1">
                 <a:solidFill>
                   <a:schemeClr val="dk1"/>
                 </a:solidFill>
@@ -5778,7 +6009,7 @@
               </a:buClr>
               <a:buSzPts val="3600"/>
               <a:buNone/>
-              <a:defRPr b="1" sz="3600">
+              <a:defRPr sz="3600" b="1">
                 <a:solidFill>
                   <a:schemeClr val="dk1"/>
                 </a:solidFill>
@@ -5796,7 +6027,7 @@
               </a:buClr>
               <a:buSzPts val="3600"/>
               <a:buNone/>
-              <a:defRPr b="1" sz="3600">
+              <a:defRPr sz="3600" b="1">
                 <a:solidFill>
                   <a:schemeClr val="dk1"/>
                 </a:solidFill>
@@ -5814,7 +6045,7 @@
               </a:buClr>
               <a:buSzPts val="3600"/>
               <a:buNone/>
-              <a:defRPr b="1" sz="3600">
+              <a:defRPr sz="3600" b="1">
                 <a:solidFill>
                   <a:schemeClr val="dk1"/>
                 </a:solidFill>
@@ -5832,7 +6063,7 @@
               </a:buClr>
               <a:buSzPts val="3600"/>
               <a:buNone/>
-              <a:defRPr b="1" sz="3600">
+              <a:defRPr sz="3600" b="1">
                 <a:solidFill>
                   <a:schemeClr val="dk1"/>
                 </a:solidFill>
@@ -5850,7 +6081,7 @@
               </a:buClr>
               <a:buSzPts val="3600"/>
               <a:buNone/>
-              <a:defRPr b="1" sz="3600">
+              <a:defRPr sz="3600" b="1">
                 <a:solidFill>
                   <a:schemeClr val="dk1"/>
                 </a:solidFill>
@@ -5868,7 +6099,7 @@
               </a:buClr>
               <a:buSzPts val="3600"/>
               <a:buNone/>
-              <a:defRPr b="1" sz="3600">
+              <a:defRPr sz="3600" b="1">
                 <a:solidFill>
                   <a:schemeClr val="dk1"/>
                 </a:solidFill>
@@ -5886,22 +6117,26 @@
               </a:buClr>
               <a:buSzPts val="3600"/>
               <a:buNone/>
-              <a:defRPr b="1" sz="3600">
+              <a:defRPr sz="3600" b="1">
                 <a:solidFill>
                   <a:schemeClr val="dk1"/>
                 </a:solidFill>
               </a:defRPr>
             </a:lvl9pPr>
           </a:lstStyle>
-          <a:p/>
+          <a:p>
+            <a:endParaRPr/>
+          </a:p>
         </p:txBody>
       </p:sp>
       <p:sp>
         <p:nvSpPr>
           <p:cNvPr id="7" name="Google Shape;7;p1"/>
-          <p:cNvSpPr txBox="1"/>
+          <p:cNvSpPr txBox="1">
+            <a:spLocks noGrp="1"/>
+          </p:cNvSpPr>
           <p:nvPr>
-            <p:ph idx="1" type="body"/>
+            <p:ph type="body" idx="1"/>
           </p:nvPr>
         </p:nvSpPr>
         <p:spPr>
@@ -5918,9 +6153,9 @@
           </a:ln>
         </p:spPr>
         <p:txBody>
-          <a:bodyPr anchorCtr="0" anchor="t" bIns="91425" lIns="91425" spcFirstLastPara="1" rIns="91425" wrap="square" tIns="91425"/>
+          <a:bodyPr spcFirstLastPara="1" wrap="square" lIns="91425" tIns="91425" rIns="91425" bIns="91425" anchor="t" anchorCtr="0"/>
           <a:lstStyle>
-            <a:lvl1pPr indent="-419100" lvl="0" marL="457200">
+            <a:lvl1pPr marL="457200" lvl="0" indent="-419100">
               <a:spcBef>
                 <a:spcPts val="600"/>
               </a:spcBef>
@@ -5931,7 +6166,7 @@
               <a:buChar char="●"/>
               <a:defRPr sz="3000"/>
             </a:lvl1pPr>
-            <a:lvl2pPr indent="-381000" lvl="1" marL="914400">
+            <a:lvl2pPr marL="914400" lvl="1" indent="-381000">
               <a:spcBef>
                 <a:spcPts val="0"/>
               </a:spcBef>
@@ -5942,7 +6177,7 @@
               <a:buChar char="○"/>
               <a:defRPr sz="2400"/>
             </a:lvl2pPr>
-            <a:lvl3pPr indent="-381000" lvl="2" marL="1371600">
+            <a:lvl3pPr marL="1371600" lvl="2" indent="-381000">
               <a:spcBef>
                 <a:spcPts val="0"/>
               </a:spcBef>
@@ -5953,7 +6188,7 @@
               <a:buChar char="■"/>
               <a:defRPr sz="2400"/>
             </a:lvl3pPr>
-            <a:lvl4pPr indent="-342900" lvl="3" marL="1828800">
+            <a:lvl4pPr marL="1828800" lvl="3" indent="-342900">
               <a:spcBef>
                 <a:spcPts val="0"/>
               </a:spcBef>
@@ -5964,7 +6199,7 @@
               <a:buChar char="●"/>
               <a:defRPr sz="1800"/>
             </a:lvl4pPr>
-            <a:lvl5pPr indent="-342900" lvl="4" marL="2286000">
+            <a:lvl5pPr marL="2286000" lvl="4" indent="-342900">
               <a:spcBef>
                 <a:spcPts val="0"/>
               </a:spcBef>
@@ -5975,7 +6210,7 @@
               <a:buChar char="○"/>
               <a:defRPr sz="1800"/>
             </a:lvl5pPr>
-            <a:lvl6pPr indent="-342900" lvl="5" marL="2743200">
+            <a:lvl6pPr marL="2743200" lvl="5" indent="-342900">
               <a:spcBef>
                 <a:spcPts val="0"/>
               </a:spcBef>
@@ -5986,7 +6221,7 @@
               <a:buChar char="■"/>
               <a:defRPr sz="1800"/>
             </a:lvl6pPr>
-            <a:lvl7pPr indent="-342900" lvl="6" marL="3200400">
+            <a:lvl7pPr marL="3200400" lvl="6" indent="-342900">
               <a:spcBef>
                 <a:spcPts val="0"/>
               </a:spcBef>
@@ -5997,7 +6232,7 @@
               <a:buChar char="●"/>
               <a:defRPr sz="1800"/>
             </a:lvl7pPr>
-            <a:lvl8pPr indent="-342900" lvl="7" marL="3657600">
+            <a:lvl8pPr marL="3657600" lvl="7" indent="-342900">
               <a:spcBef>
                 <a:spcPts val="0"/>
               </a:spcBef>
@@ -6008,7 +6243,7 @@
               <a:buChar char="○"/>
               <a:defRPr sz="1800"/>
             </a:lvl8pPr>
-            <a:lvl9pPr indent="-342900" lvl="8" marL="4114800">
+            <a:lvl9pPr marL="4114800" lvl="8" indent="-342900">
               <a:spcBef>
                 <a:spcPts val="0"/>
               </a:spcBef>
@@ -6020,15 +6255,19 @@
               <a:defRPr sz="1800"/>
             </a:lvl9pPr>
           </a:lstStyle>
-          <a:p/>
+          <a:p>
+            <a:endParaRPr/>
+          </a:p>
         </p:txBody>
       </p:sp>
       <p:sp>
         <p:nvSpPr>
           <p:cNvPr id="8" name="Google Shape;8;p1"/>
-          <p:cNvSpPr txBox="1"/>
+          <p:cNvSpPr txBox="1">
+            <a:spLocks noGrp="1"/>
+          </p:cNvSpPr>
           <p:nvPr>
-            <p:ph idx="12" type="sldNum"/>
+            <p:ph type="sldNum" idx="12"/>
           </p:nvPr>
         </p:nvSpPr>
         <p:spPr>
@@ -6045,7 +6284,7 @@
           </a:ln>
         </p:spPr>
         <p:txBody>
-          <a:bodyPr anchorCtr="0" anchor="ctr" bIns="91425" lIns="91425" spcFirstLastPara="1" rIns="91425" wrap="square" tIns="91425">
+          <a:bodyPr spcFirstLastPara="1" wrap="square" lIns="91425" tIns="91425" rIns="91425" bIns="91425" anchor="ctr" anchorCtr="0">
             <a:noAutofit/>
           </a:bodyPr>
           <a:lstStyle>
@@ -6123,7 +6362,7 @@
             </a:lvl9pPr>
           </a:lstStyle>
           <a:p>
-            <a:pPr indent="0" lvl="0" marL="0" rtl="0" algn="r">
+            <a:pPr marL="0" lvl="0" indent="0" algn="r" rtl="0">
               <a:spcBef>
                 <a:spcPts val="0"/>
               </a:spcBef>
@@ -6142,7 +6381,7 @@
       </p:sp>
     </p:spTree>
   </p:cSld>
-  <p:clrMap accent1="accent1" accent2="accent2" accent3="accent3" accent4="accent4" accent5="accent5" accent6="accent6" bg1="lt1" bg2="dk2" tx1="dk1" tx2="lt2" folHlink="folHlink" hlink="hlink"/>
+  <p:clrMap bg1="lt1" tx1="dk1" bg2="dk2" tx2="lt2" accent1="accent1" accent2="accent2" accent3="accent3" accent4="accent4" accent5="accent5" accent6="accent6" hlink="hlink" folHlink="folHlink"/>
   <p:sldLayoutIdLst>
     <p:sldLayoutId id="2147483648" r:id="rId1"/>
     <p:sldLayoutId id="2147483649" r:id="rId2"/>
@@ -6151,10 +6390,10 @@
     <p:sldLayoutId id="2147483652" r:id="rId5"/>
     <p:sldLayoutId id="2147483653" r:id="rId6"/>
   </p:sldLayoutIdLst>
-  <p:hf dt="0" ftr="0" hdr="0" sldNum="0"/>
+  <p:hf sldNum="0" hdr="0" ftr="0" dt="0"/>
   <p:txStyles>
     <p:titleStyle>
-      <a:defPPr lvl="0" marR="0" rtl="0" algn="l">
+      <a:defPPr marR="0" lvl="0" algn="l" rtl="0">
         <a:lnSpc>
           <a:spcPct val="100000"/>
         </a:lnSpc>
@@ -6165,7 +6404,7 @@
           <a:spcPts val="0"/>
         </a:spcAft>
       </a:defPPr>
-      <a:lvl1pPr lvl="0" marR="0" rtl="0" algn="l">
+      <a:lvl1pPr marR="0" lvl="0" algn="l" rtl="0">
         <a:lnSpc>
           <a:spcPct val="100000"/>
         </a:lnSpc>
@@ -6179,7 +6418,7 @@
           <a:srgbClr val="000000"/>
         </a:buClr>
         <a:buFont typeface="Arial"/>
-        <a:defRPr b="0" i="0" sz="1400" u="none" cap="none" strike="noStrike">
+        <a:defRPr sz="1400" b="0" i="0" u="none" strike="noStrike" cap="none">
           <a:solidFill>
             <a:srgbClr val="000000"/>
           </a:solidFill>
@@ -6189,7 +6428,7 @@
           <a:sym typeface="Arial"/>
         </a:defRPr>
       </a:lvl1pPr>
-      <a:lvl2pPr lvl="1" marR="0" rtl="0" algn="l">
+      <a:lvl2pPr marR="0" lvl="1" algn="l" rtl="0">
         <a:lnSpc>
           <a:spcPct val="100000"/>
         </a:lnSpc>
@@ -6203,7 +6442,7 @@
           <a:srgbClr val="000000"/>
         </a:buClr>
         <a:buFont typeface="Arial"/>
-        <a:defRPr b="0" i="0" sz="1400" u="none" cap="none" strike="noStrike">
+        <a:defRPr sz="1400" b="0" i="0" u="none" strike="noStrike" cap="none">
           <a:solidFill>
             <a:srgbClr val="000000"/>
           </a:solidFill>
@@ -6213,7 +6452,7 @@
           <a:sym typeface="Arial"/>
         </a:defRPr>
       </a:lvl2pPr>
-      <a:lvl3pPr lvl="2" marR="0" rtl="0" algn="l">
+      <a:lvl3pPr marR="0" lvl="2" algn="l" rtl="0">
         <a:lnSpc>
           <a:spcPct val="100000"/>
         </a:lnSpc>
@@ -6227,7 +6466,7 @@
           <a:srgbClr val="000000"/>
         </a:buClr>
         <a:buFont typeface="Arial"/>
-        <a:defRPr b="0" i="0" sz="1400" u="none" cap="none" strike="noStrike">
+        <a:defRPr sz="1400" b="0" i="0" u="none" strike="noStrike" cap="none">
           <a:solidFill>
             <a:srgbClr val="000000"/>
           </a:solidFill>
@@ -6237,7 +6476,7 @@
           <a:sym typeface="Arial"/>
         </a:defRPr>
       </a:lvl3pPr>
-      <a:lvl4pPr lvl="3" marR="0" rtl="0" algn="l">
+      <a:lvl4pPr marR="0" lvl="3" algn="l" rtl="0">
         <a:lnSpc>
           <a:spcPct val="100000"/>
         </a:lnSpc>
@@ -6251,7 +6490,7 @@
           <a:srgbClr val="000000"/>
         </a:buClr>
         <a:buFont typeface="Arial"/>
-        <a:defRPr b="0" i="0" sz="1400" u="none" cap="none" strike="noStrike">
+        <a:defRPr sz="1400" b="0" i="0" u="none" strike="noStrike" cap="none">
           <a:solidFill>
             <a:srgbClr val="000000"/>
           </a:solidFill>
@@ -6261,7 +6500,7 @@
           <a:sym typeface="Arial"/>
         </a:defRPr>
       </a:lvl4pPr>
-      <a:lvl5pPr lvl="4" marR="0" rtl="0" algn="l">
+      <a:lvl5pPr marR="0" lvl="4" algn="l" rtl="0">
         <a:lnSpc>
           <a:spcPct val="100000"/>
         </a:lnSpc>
@@ -6275,7 +6514,7 @@
           <a:srgbClr val="000000"/>
         </a:buClr>
         <a:buFont typeface="Arial"/>
-        <a:defRPr b="0" i="0" sz="1400" u="none" cap="none" strike="noStrike">
+        <a:defRPr sz="1400" b="0" i="0" u="none" strike="noStrike" cap="none">
           <a:solidFill>
             <a:srgbClr val="000000"/>
           </a:solidFill>
@@ -6285,7 +6524,7 @@
           <a:sym typeface="Arial"/>
         </a:defRPr>
       </a:lvl5pPr>
-      <a:lvl6pPr lvl="5" marR="0" rtl="0" algn="l">
+      <a:lvl6pPr marR="0" lvl="5" algn="l" rtl="0">
         <a:lnSpc>
           <a:spcPct val="100000"/>
         </a:lnSpc>
@@ -6299,7 +6538,7 @@
           <a:srgbClr val="000000"/>
         </a:buClr>
         <a:buFont typeface="Arial"/>
-        <a:defRPr b="0" i="0" sz="1400" u="none" cap="none" strike="noStrike">
+        <a:defRPr sz="1400" b="0" i="0" u="none" strike="noStrike" cap="none">
           <a:solidFill>
             <a:srgbClr val="000000"/>
           </a:solidFill>
@@ -6309,7 +6548,7 @@
           <a:sym typeface="Arial"/>
         </a:defRPr>
       </a:lvl6pPr>
-      <a:lvl7pPr lvl="6" marR="0" rtl="0" algn="l">
+      <a:lvl7pPr marR="0" lvl="6" algn="l" rtl="0">
         <a:lnSpc>
           <a:spcPct val="100000"/>
         </a:lnSpc>
@@ -6323,7 +6562,7 @@
           <a:srgbClr val="000000"/>
         </a:buClr>
         <a:buFont typeface="Arial"/>
-        <a:defRPr b="0" i="0" sz="1400" u="none" cap="none" strike="noStrike">
+        <a:defRPr sz="1400" b="0" i="0" u="none" strike="noStrike" cap="none">
           <a:solidFill>
             <a:srgbClr val="000000"/>
           </a:solidFill>
@@ -6333,7 +6572,7 @@
           <a:sym typeface="Arial"/>
         </a:defRPr>
       </a:lvl7pPr>
-      <a:lvl8pPr lvl="7" marR="0" rtl="0" algn="l">
+      <a:lvl8pPr marR="0" lvl="7" algn="l" rtl="0">
         <a:lnSpc>
           <a:spcPct val="100000"/>
         </a:lnSpc>
@@ -6347,7 +6586,7 @@
           <a:srgbClr val="000000"/>
         </a:buClr>
         <a:buFont typeface="Arial"/>
-        <a:defRPr b="0" i="0" sz="1400" u="none" cap="none" strike="noStrike">
+        <a:defRPr sz="1400" b="0" i="0" u="none" strike="noStrike" cap="none">
           <a:solidFill>
             <a:srgbClr val="000000"/>
           </a:solidFill>
@@ -6357,7 +6596,7 @@
           <a:sym typeface="Arial"/>
         </a:defRPr>
       </a:lvl8pPr>
-      <a:lvl9pPr lvl="8" marR="0" rtl="0" algn="l">
+      <a:lvl9pPr marR="0" lvl="8" algn="l" rtl="0">
         <a:lnSpc>
           <a:spcPct val="100000"/>
         </a:lnSpc>
@@ -6371,7 +6610,7 @@
           <a:srgbClr val="000000"/>
         </a:buClr>
         <a:buFont typeface="Arial"/>
-        <a:defRPr b="0" i="0" sz="1400" u="none" cap="none" strike="noStrike">
+        <a:defRPr sz="1400" b="0" i="0" u="none" strike="noStrike" cap="none">
           <a:solidFill>
             <a:srgbClr val="000000"/>
           </a:solidFill>
@@ -6383,7 +6622,7 @@
       </a:lvl9pPr>
     </p:titleStyle>
     <p:bodyStyle>
-      <a:defPPr lvl="0" marR="0" rtl="0" algn="l">
+      <a:defPPr marR="0" lvl="0" algn="l" rtl="0">
         <a:lnSpc>
           <a:spcPct val="100000"/>
         </a:lnSpc>
@@ -6394,7 +6633,7 @@
           <a:spcPts val="0"/>
         </a:spcAft>
       </a:defPPr>
-      <a:lvl1pPr lvl="0" marR="0" rtl="0" algn="l">
+      <a:lvl1pPr marR="0" lvl="0" algn="l" rtl="0">
         <a:lnSpc>
           <a:spcPct val="100000"/>
         </a:lnSpc>
@@ -6408,7 +6647,7 @@
           <a:srgbClr val="000000"/>
         </a:buClr>
         <a:buFont typeface="Arial"/>
-        <a:defRPr b="0" i="0" sz="1400" u="none" cap="none" strike="noStrike">
+        <a:defRPr sz="1400" b="0" i="0" u="none" strike="noStrike" cap="none">
           <a:solidFill>
             <a:srgbClr val="000000"/>
           </a:solidFill>
@@ -6418,7 +6657,7 @@
           <a:sym typeface="Arial"/>
         </a:defRPr>
       </a:lvl1pPr>
-      <a:lvl2pPr lvl="1" marR="0" rtl="0" algn="l">
+      <a:lvl2pPr marR="0" lvl="1" algn="l" rtl="0">
         <a:lnSpc>
           <a:spcPct val="100000"/>
         </a:lnSpc>
@@ -6432,7 +6671,7 @@
           <a:srgbClr val="000000"/>
         </a:buClr>
         <a:buFont typeface="Arial"/>
-        <a:defRPr b="0" i="0" sz="1400" u="none" cap="none" strike="noStrike">
+        <a:defRPr sz="1400" b="0" i="0" u="none" strike="noStrike" cap="none">
           <a:solidFill>
             <a:srgbClr val="000000"/>
           </a:solidFill>
@@ -6442,7 +6681,7 @@
           <a:sym typeface="Arial"/>
         </a:defRPr>
       </a:lvl2pPr>
-      <a:lvl3pPr lvl="2" marR="0" rtl="0" algn="l">
+      <a:lvl3pPr marR="0" lvl="2" algn="l" rtl="0">
         <a:lnSpc>
           <a:spcPct val="100000"/>
         </a:lnSpc>
@@ -6456,7 +6695,7 @@
           <a:srgbClr val="000000"/>
         </a:buClr>
         <a:buFont typeface="Arial"/>
-        <a:defRPr b="0" i="0" sz="1400" u="none" cap="none" strike="noStrike">
+        <a:defRPr sz="1400" b="0" i="0" u="none" strike="noStrike" cap="none">
           <a:solidFill>
             <a:srgbClr val="000000"/>
           </a:solidFill>
@@ -6466,7 +6705,7 @@
           <a:sym typeface="Arial"/>
         </a:defRPr>
       </a:lvl3pPr>
-      <a:lvl4pPr lvl="3" marR="0" rtl="0" algn="l">
+      <a:lvl4pPr marR="0" lvl="3" algn="l" rtl="0">
         <a:lnSpc>
           <a:spcPct val="100000"/>
         </a:lnSpc>
@@ -6480,7 +6719,7 @@
           <a:srgbClr val="000000"/>
         </a:buClr>
         <a:buFont typeface="Arial"/>
-        <a:defRPr b="0" i="0" sz="1400" u="none" cap="none" strike="noStrike">
+        <a:defRPr sz="1400" b="0" i="0" u="none" strike="noStrike" cap="none">
           <a:solidFill>
             <a:srgbClr val="000000"/>
           </a:solidFill>
@@ -6490,7 +6729,7 @@
           <a:sym typeface="Arial"/>
         </a:defRPr>
       </a:lvl4pPr>
-      <a:lvl5pPr lvl="4" marR="0" rtl="0" algn="l">
+      <a:lvl5pPr marR="0" lvl="4" algn="l" rtl="0">
         <a:lnSpc>
           <a:spcPct val="100000"/>
         </a:lnSpc>
@@ -6504,7 +6743,7 @@
           <a:srgbClr val="000000"/>
         </a:buClr>
         <a:buFont typeface="Arial"/>
-        <a:defRPr b="0" i="0" sz="1400" u="none" cap="none" strike="noStrike">
+        <a:defRPr sz="1400" b="0" i="0" u="none" strike="noStrike" cap="none">
           <a:solidFill>
             <a:srgbClr val="000000"/>
           </a:solidFill>
@@ -6514,7 +6753,7 @@
           <a:sym typeface="Arial"/>
         </a:defRPr>
       </a:lvl5pPr>
-      <a:lvl6pPr lvl="5" marR="0" rtl="0" algn="l">
+      <a:lvl6pPr marR="0" lvl="5" algn="l" rtl="0">
         <a:lnSpc>
           <a:spcPct val="100000"/>
         </a:lnSpc>
@@ -6528,7 +6767,7 @@
           <a:srgbClr val="000000"/>
         </a:buClr>
         <a:buFont typeface="Arial"/>
-        <a:defRPr b="0" i="0" sz="1400" u="none" cap="none" strike="noStrike">
+        <a:defRPr sz="1400" b="0" i="0" u="none" strike="noStrike" cap="none">
           <a:solidFill>
             <a:srgbClr val="000000"/>
           </a:solidFill>
@@ -6538,7 +6777,7 @@
           <a:sym typeface="Arial"/>
         </a:defRPr>
       </a:lvl6pPr>
-      <a:lvl7pPr lvl="6" marR="0" rtl="0" algn="l">
+      <a:lvl7pPr marR="0" lvl="6" algn="l" rtl="0">
         <a:lnSpc>
           <a:spcPct val="100000"/>
         </a:lnSpc>
@@ -6552,7 +6791,7 @@
           <a:srgbClr val="000000"/>
         </a:buClr>
         <a:buFont typeface="Arial"/>
-        <a:defRPr b="0" i="0" sz="1400" u="none" cap="none" strike="noStrike">
+        <a:defRPr sz="1400" b="0" i="0" u="none" strike="noStrike" cap="none">
           <a:solidFill>
             <a:srgbClr val="000000"/>
           </a:solidFill>
@@ -6562,7 +6801,7 @@
           <a:sym typeface="Arial"/>
         </a:defRPr>
       </a:lvl7pPr>
-      <a:lvl8pPr lvl="7" marR="0" rtl="0" algn="l">
+      <a:lvl8pPr marR="0" lvl="7" algn="l" rtl="0">
         <a:lnSpc>
           <a:spcPct val="100000"/>
         </a:lnSpc>
@@ -6576,7 +6815,7 @@
           <a:srgbClr val="000000"/>
         </a:buClr>
         <a:buFont typeface="Arial"/>
-        <a:defRPr b="0" i="0" sz="1400" u="none" cap="none" strike="noStrike">
+        <a:defRPr sz="1400" b="0" i="0" u="none" strike="noStrike" cap="none">
           <a:solidFill>
             <a:srgbClr val="000000"/>
           </a:solidFill>
@@ -6586,7 +6825,7 @@
           <a:sym typeface="Arial"/>
         </a:defRPr>
       </a:lvl8pPr>
-      <a:lvl9pPr lvl="8" marR="0" rtl="0" algn="l">
+      <a:lvl9pPr marR="0" lvl="8" algn="l" rtl="0">
         <a:lnSpc>
           <a:spcPct val="100000"/>
         </a:lnSpc>
@@ -6600,7 +6839,7 @@
           <a:srgbClr val="000000"/>
         </a:buClr>
         <a:buFont typeface="Arial"/>
-        <a:defRPr b="0" i="0" sz="1400" u="none" cap="none" strike="noStrike">
+        <a:defRPr sz="1400" b="0" i="0" u="none" strike="noStrike" cap="none">
           <a:solidFill>
             <a:srgbClr val="000000"/>
           </a:solidFill>
@@ -6612,7 +6851,7 @@
       </a:lvl9pPr>
     </p:bodyStyle>
     <p:otherStyle>
-      <a:defPPr lvl="0" marR="0" rtl="0" algn="l">
+      <a:defPPr marR="0" lvl="0" algn="l" rtl="0">
         <a:lnSpc>
           <a:spcPct val="100000"/>
         </a:lnSpc>
@@ -6623,7 +6862,7 @@
           <a:spcPts val="0"/>
         </a:spcAft>
       </a:defPPr>
-      <a:lvl1pPr lvl="0" marR="0" rtl="0" algn="l">
+      <a:lvl1pPr marR="0" lvl="0" algn="l" rtl="0">
         <a:lnSpc>
           <a:spcPct val="100000"/>
         </a:lnSpc>
@@ -6637,7 +6876,7 @@
           <a:srgbClr val="000000"/>
         </a:buClr>
         <a:buFont typeface="Arial"/>
-        <a:defRPr b="0" i="0" sz="1400" u="none" cap="none" strike="noStrike">
+        <a:defRPr sz="1400" b="0" i="0" u="none" strike="noStrike" cap="none">
           <a:solidFill>
             <a:srgbClr val="000000"/>
           </a:solidFill>
@@ -6647,7 +6886,7 @@
           <a:sym typeface="Arial"/>
         </a:defRPr>
       </a:lvl1pPr>
-      <a:lvl2pPr lvl="1" marR="0" rtl="0" algn="l">
+      <a:lvl2pPr marR="0" lvl="1" algn="l" rtl="0">
         <a:lnSpc>
           <a:spcPct val="100000"/>
         </a:lnSpc>
@@ -6661,7 +6900,7 @@
           <a:srgbClr val="000000"/>
         </a:buClr>
         <a:buFont typeface="Arial"/>
-        <a:defRPr b="0" i="0" sz="1400" u="none" cap="none" strike="noStrike">
+        <a:defRPr sz="1400" b="0" i="0" u="none" strike="noStrike" cap="none">
           <a:solidFill>
             <a:srgbClr val="000000"/>
           </a:solidFill>
@@ -6671,7 +6910,7 @@
           <a:sym typeface="Arial"/>
         </a:defRPr>
       </a:lvl2pPr>
-      <a:lvl3pPr lvl="2" marR="0" rtl="0" algn="l">
+      <a:lvl3pPr marR="0" lvl="2" algn="l" rtl="0">
         <a:lnSpc>
           <a:spcPct val="100000"/>
         </a:lnSpc>
@@ -6685,7 +6924,7 @@
           <a:srgbClr val="000000"/>
         </a:buClr>
         <a:buFont typeface="Arial"/>
-        <a:defRPr b="0" i="0" sz="1400" u="none" cap="none" strike="noStrike">
+        <a:defRPr sz="1400" b="0" i="0" u="none" strike="noStrike" cap="none">
           <a:solidFill>
             <a:srgbClr val="000000"/>
           </a:solidFill>
@@ -6695,7 +6934,7 @@
           <a:sym typeface="Arial"/>
         </a:defRPr>
       </a:lvl3pPr>
-      <a:lvl4pPr lvl="3" marR="0" rtl="0" algn="l">
+      <a:lvl4pPr marR="0" lvl="3" algn="l" rtl="0">
         <a:lnSpc>
           <a:spcPct val="100000"/>
         </a:lnSpc>
@@ -6709,7 +6948,7 @@
           <a:srgbClr val="000000"/>
         </a:buClr>
         <a:buFont typeface="Arial"/>
-        <a:defRPr b="0" i="0" sz="1400" u="none" cap="none" strike="noStrike">
+        <a:defRPr sz="1400" b="0" i="0" u="none" strike="noStrike" cap="none">
           <a:solidFill>
             <a:srgbClr val="000000"/>
           </a:solidFill>
@@ -6719,7 +6958,7 @@
           <a:sym typeface="Arial"/>
         </a:defRPr>
       </a:lvl4pPr>
-      <a:lvl5pPr lvl="4" marR="0" rtl="0" algn="l">
+      <a:lvl5pPr marR="0" lvl="4" algn="l" rtl="0">
         <a:lnSpc>
           <a:spcPct val="100000"/>
         </a:lnSpc>
@@ -6733,7 +6972,7 @@
           <a:srgbClr val="000000"/>
         </a:buClr>
         <a:buFont typeface="Arial"/>
-        <a:defRPr b="0" i="0" sz="1400" u="none" cap="none" strike="noStrike">
+        <a:defRPr sz="1400" b="0" i="0" u="none" strike="noStrike" cap="none">
           <a:solidFill>
             <a:srgbClr val="000000"/>
           </a:solidFill>
@@ -6743,7 +6982,7 @@
           <a:sym typeface="Arial"/>
         </a:defRPr>
       </a:lvl5pPr>
-      <a:lvl6pPr lvl="5" marR="0" rtl="0" algn="l">
+      <a:lvl6pPr marR="0" lvl="5" algn="l" rtl="0">
         <a:lnSpc>
           <a:spcPct val="100000"/>
         </a:lnSpc>
@@ -6757,7 +6996,7 @@
           <a:srgbClr val="000000"/>
         </a:buClr>
         <a:buFont typeface="Arial"/>
-        <a:defRPr b="0" i="0" sz="1400" u="none" cap="none" strike="noStrike">
+        <a:defRPr sz="1400" b="0" i="0" u="none" strike="noStrike" cap="none">
           <a:solidFill>
             <a:srgbClr val="000000"/>
           </a:solidFill>
@@ -6767,7 +7006,7 @@
           <a:sym typeface="Arial"/>
         </a:defRPr>
       </a:lvl6pPr>
-      <a:lvl7pPr lvl="6" marR="0" rtl="0" algn="l">
+      <a:lvl7pPr marR="0" lvl="6" algn="l" rtl="0">
         <a:lnSpc>
           <a:spcPct val="100000"/>
         </a:lnSpc>
@@ -6781,7 +7020,7 @@
           <a:srgbClr val="000000"/>
         </a:buClr>
         <a:buFont typeface="Arial"/>
-        <a:defRPr b="0" i="0" sz="1400" u="none" cap="none" strike="noStrike">
+        <a:defRPr sz="1400" b="0" i="0" u="none" strike="noStrike" cap="none">
           <a:solidFill>
             <a:srgbClr val="000000"/>
           </a:solidFill>
@@ -6791,7 +7030,7 @@
           <a:sym typeface="Arial"/>
         </a:defRPr>
       </a:lvl7pPr>
-      <a:lvl8pPr lvl="7" marR="0" rtl="0" algn="l">
+      <a:lvl8pPr marR="0" lvl="7" algn="l" rtl="0">
         <a:lnSpc>
           <a:spcPct val="100000"/>
         </a:lnSpc>
@@ -6805,7 +7044,7 @@
           <a:srgbClr val="000000"/>
         </a:buClr>
         <a:buFont typeface="Arial"/>
-        <a:defRPr b="0" i="0" sz="1400" u="none" cap="none" strike="noStrike">
+        <a:defRPr sz="1400" b="0" i="0" u="none" strike="noStrike" cap="none">
           <a:solidFill>
             <a:srgbClr val="000000"/>
           </a:solidFill>
@@ -6815,7 +7054,7 @@
           <a:sym typeface="Arial"/>
         </a:defRPr>
       </a:lvl8pPr>
-      <a:lvl9pPr lvl="8" marR="0" rtl="0" algn="l">
+      <a:lvl9pPr marR="0" lvl="8" algn="l" rtl="0">
         <a:lnSpc>
           <a:spcPct val="100000"/>
         </a:lnSpc>
@@ -6829,7 +7068,7 @@
           <a:srgbClr val="000000"/>
         </a:buClr>
         <a:buFont typeface="Arial"/>
-        <a:defRPr b="0" i="0" sz="1400" u="none" cap="none" strike="noStrike">
+        <a:defRPr sz="1400" b="0" i="0" u="none" strike="noStrike" cap="none">
           <a:solidFill>
             <a:srgbClr val="000000"/>
           </a:solidFill>
@@ -6845,11 +7084,11 @@
 </file>
 
 <file path=ppt/slides/slide1.xml><?xml version="1.0" encoding="utf-8"?>
-<p:sld xmlns:a="http://schemas.openxmlformats.org/drawingml/2006/main" xmlns:r="http://schemas.openxmlformats.org/officeDocument/2006/relationships" xmlns:mc="http://schemas.openxmlformats.org/markup-compatibility/2006" xmlns:mv="urn:schemas-microsoft-com:mac:vml" xmlns:p="http://schemas.openxmlformats.org/presentationml/2006/main" xmlns:c="http://schemas.openxmlformats.org/drawingml/2006/chart" xmlns:dgm="http://schemas.openxmlformats.org/drawingml/2006/diagram" xmlns:o="urn:schemas-microsoft-com:office:office" xmlns:v="urn:schemas-microsoft-com:vml" xmlns:pvml="urn:schemas-microsoft-com:office:powerpoint" xmlns:com="http://schemas.openxmlformats.org/drawingml/2006/compatibility" xmlns:p14="http://schemas.microsoft.com/office/powerpoint/2010/main" xmlns:p15="http://schemas.microsoft.com/office/powerpoint/2012/main">
+<p:sld xmlns:a="http://schemas.openxmlformats.org/drawingml/2006/main" xmlns:r="http://schemas.openxmlformats.org/officeDocument/2006/relationships" xmlns:p="http://schemas.openxmlformats.org/presentationml/2006/main">
   <p:cSld>
     <p:spTree>
       <p:nvGrpSpPr>
-        <p:cNvPr id="33" name="Shape 33"/>
+        <p:cNvPr id="1" name="Shape 33"/>
         <p:cNvGrpSpPr/>
         <p:nvPr/>
       </p:nvGrpSpPr>
@@ -6864,7 +7103,9 @@
       <p:sp>
         <p:nvSpPr>
           <p:cNvPr id="34" name="Google Shape;34;p8"/>
-          <p:cNvSpPr txBox="1"/>
+          <p:cNvSpPr txBox="1">
+            <a:spLocks noGrp="1"/>
+          </p:cNvSpPr>
           <p:nvPr>
             <p:ph type="ctrTitle"/>
           </p:nvPr>
@@ -6879,12 +7120,12 @@
           </a:prstGeom>
         </p:spPr>
         <p:txBody>
-          <a:bodyPr anchorCtr="0" anchor="b" bIns="91425" lIns="91425" spcFirstLastPara="1" rIns="91425" wrap="square" tIns="91425">
+          <a:bodyPr spcFirstLastPara="1" wrap="square" lIns="91425" tIns="91425" rIns="91425" bIns="91425" anchor="b" anchorCtr="0">
             <a:noAutofit/>
           </a:bodyPr>
           <a:lstStyle/>
           <a:p>
-            <a:pPr indent="0" lvl="0" marL="0" rtl="0" algn="ctr">
+            <a:pPr marL="0" lvl="0" indent="0" algn="ctr" rtl="0">
               <a:spcBef>
                 <a:spcPts val="0"/>
               </a:spcBef>
@@ -6894,13 +7135,13 @@
               <a:buNone/>
             </a:pPr>
             <a:r>
-              <a:rPr lang="en" sz="3600"/>
+              <a:rPr lang="en" sz="3600" dirty="0"/>
               <a:t>Computer Vision </a:t>
             </a:r>
-            <a:endParaRPr sz="3600"/>
-          </a:p>
-          <a:p>
-            <a:pPr indent="0" lvl="0" marL="0" rtl="0" algn="ctr">
+            <a:endParaRPr sz="3600" dirty="0"/>
+          </a:p>
+          <a:p>
+            <a:pPr marL="0" lvl="0" indent="0" algn="ctr" rtl="0">
               <a:spcBef>
                 <a:spcPts val="0"/>
               </a:spcBef>
@@ -6915,13 +7156,13 @@
               <a:buNone/>
             </a:pPr>
             <a:r>
-              <a:rPr lang="en" sz="3600"/>
-              <a:t>(TERM YEAR)</a:t>
+              <a:rPr lang="en" sz="3600" dirty="0"/>
+              <a:t>Fall 2018</a:t>
             </a:r>
-            <a:endParaRPr sz="3600"/>
-          </a:p>
-          <a:p>
-            <a:pPr indent="0" lvl="0" marL="0" rtl="0" algn="ctr">
+            <a:endParaRPr sz="3600" dirty="0"/>
+          </a:p>
+          <a:p>
+            <a:pPr marL="0" lvl="0" indent="0" algn="ctr" rtl="0">
               <a:spcBef>
                 <a:spcPts val="0"/>
               </a:spcBef>
@@ -6931,19 +7172,21 @@
               <a:buNone/>
             </a:pPr>
             <a:r>
-              <a:rPr lang="en" sz="3600"/>
+              <a:rPr lang="en" sz="3600" dirty="0"/>
               <a:t>Problem Set #5</a:t>
             </a:r>
-            <a:endParaRPr sz="3600"/>
+            <a:endParaRPr sz="3600" dirty="0"/>
           </a:p>
         </p:txBody>
       </p:sp>
       <p:sp>
         <p:nvSpPr>
           <p:cNvPr id="35" name="Google Shape;35;p8"/>
-          <p:cNvSpPr txBox="1"/>
+          <p:cNvSpPr txBox="1">
+            <a:spLocks noGrp="1"/>
+          </p:cNvSpPr>
           <p:nvPr>
-            <p:ph idx="1" type="subTitle"/>
+            <p:ph type="subTitle" idx="1"/>
           </p:nvPr>
         </p:nvSpPr>
         <p:spPr>
@@ -6956,12 +7199,12 @@
           </a:prstGeom>
         </p:spPr>
         <p:txBody>
-          <a:bodyPr anchorCtr="0" anchor="t" bIns="91425" lIns="91425" spcFirstLastPara="1" rIns="91425" wrap="square" tIns="91425">
+          <a:bodyPr spcFirstLastPara="1" wrap="square" lIns="91425" tIns="91425" rIns="91425" bIns="91425" anchor="t" anchorCtr="0">
             <a:noAutofit/>
           </a:bodyPr>
           <a:lstStyle/>
           <a:p>
-            <a:pPr indent="0" lvl="0" marL="0" rtl="0" algn="ctr">
+            <a:pPr marL="0" lvl="0" indent="0" algn="ctr" rtl="0">
               <a:spcBef>
                 <a:spcPts val="0"/>
               </a:spcBef>
@@ -6971,13 +7214,13 @@
               <a:buNone/>
             </a:pPr>
             <a:r>
-              <a:rPr lang="en" sz="1800"/>
-              <a:t>First Name  Last Name</a:t>
+              <a:rPr lang="en" sz="1800" dirty="0"/>
+              <a:t>Junle  Lu</a:t>
             </a:r>
-            <a:endParaRPr sz="1800"/>
-          </a:p>
-          <a:p>
-            <a:pPr indent="0" lvl="0" marL="0" rtl="0" algn="ctr">
+            <a:endParaRPr sz="1800" dirty="0"/>
+          </a:p>
+          <a:p>
+            <a:pPr marL="0" lvl="0" indent="0" algn="ctr" rtl="0">
               <a:spcBef>
                 <a:spcPts val="0"/>
               </a:spcBef>
@@ -6987,13 +7230,17 @@
               <a:buNone/>
             </a:pPr>
             <a:r>
-              <a:rPr lang="en" sz="1800"/>
-              <a:t>Email Address</a:t>
+              <a:rPr lang="en-US" sz="1800" dirty="0"/>
+              <a:t>j</a:t>
             </a:r>
-            <a:endParaRPr sz="1800"/>
-          </a:p>
-          <a:p>
-            <a:pPr indent="0" lvl="0" marL="0" rtl="0" algn="ctr">
+            <a:r>
+              <a:rPr lang="en" sz="1800" dirty="0" err="1"/>
+              <a:t>unle.lu@gatech.edu</a:t>
+            </a:r>
+            <a:endParaRPr sz="1800" dirty="0"/>
+          </a:p>
+          <a:p>
+            <a:pPr marL="0" lvl="0" indent="0" algn="ctr" rtl="0">
               <a:spcBef>
                 <a:spcPts val="0"/>
               </a:spcBef>
@@ -7002,10 +7249,7 @@
               </a:spcAft>
               <a:buNone/>
             </a:pPr>
-            <a:r>
-              <a:t/>
-            </a:r>
-            <a:endParaRPr/>
+            <a:endParaRPr dirty="0"/>
           </a:p>
         </p:txBody>
       </p:sp>
@@ -7029,12 +7273,12 @@
           </a:ln>
         </p:spPr>
         <p:txBody>
-          <a:bodyPr anchorCtr="0" anchor="ctr" bIns="91425" lIns="91425" spcFirstLastPara="1" rIns="91425" wrap="square" tIns="91425">
+          <a:bodyPr spcFirstLastPara="1" wrap="square" lIns="91425" tIns="91425" rIns="91425" bIns="91425" anchor="ctr" anchorCtr="0">
             <a:noAutofit/>
           </a:bodyPr>
           <a:lstStyle/>
           <a:p>
-            <a:pPr indent="0" lvl="0" marL="0" rtl="0" algn="l">
+            <a:pPr marL="0" lvl="0" indent="0" algn="l" rtl="0">
               <a:spcBef>
                 <a:spcPts val="0"/>
               </a:spcBef>
@@ -7068,11 +7312,11 @@
 </file>
 
 <file path=ppt/slides/slide10.xml><?xml version="1.0" encoding="utf-8"?>
-<p:sld xmlns:a="http://schemas.openxmlformats.org/drawingml/2006/main" xmlns:r="http://schemas.openxmlformats.org/officeDocument/2006/relationships" xmlns:mc="http://schemas.openxmlformats.org/markup-compatibility/2006" xmlns:mv="urn:schemas-microsoft-com:mac:vml" xmlns:p="http://schemas.openxmlformats.org/presentationml/2006/main" xmlns:c="http://schemas.openxmlformats.org/drawingml/2006/chart" xmlns:dgm="http://schemas.openxmlformats.org/drawingml/2006/diagram" xmlns:o="urn:schemas-microsoft-com:office:office" xmlns:v="urn:schemas-microsoft-com:vml" xmlns:pvml="urn:schemas-microsoft-com:office:powerpoint" xmlns:com="http://schemas.openxmlformats.org/drawingml/2006/compatibility" xmlns:p14="http://schemas.microsoft.com/office/powerpoint/2010/main" xmlns:p15="http://schemas.microsoft.com/office/powerpoint/2012/main">
+<p:sld xmlns:a="http://schemas.openxmlformats.org/drawingml/2006/main" xmlns:r="http://schemas.openxmlformats.org/officeDocument/2006/relationships" xmlns:p="http://schemas.openxmlformats.org/presentationml/2006/main">
   <p:cSld>
     <p:spTree>
       <p:nvGrpSpPr>
-        <p:cNvPr id="104" name="Shape 104"/>
+        <p:cNvPr id="1" name="Shape 104"/>
         <p:cNvGrpSpPr/>
         <p:nvPr/>
       </p:nvGrpSpPr>
@@ -7087,7 +7331,9 @@
       <p:sp>
         <p:nvSpPr>
           <p:cNvPr id="105" name="Google Shape;105;p17"/>
-          <p:cNvSpPr txBox="1"/>
+          <p:cNvSpPr txBox="1">
+            <a:spLocks noGrp="1"/>
+          </p:cNvSpPr>
           <p:nvPr>
             <p:ph type="title"/>
           </p:nvPr>
@@ -7102,12 +7348,12 @@
           </a:prstGeom>
         </p:spPr>
         <p:txBody>
-          <a:bodyPr anchorCtr="0" anchor="b" bIns="91425" lIns="91425" spcFirstLastPara="1" rIns="91425" wrap="square" tIns="91425">
+          <a:bodyPr spcFirstLastPara="1" wrap="square" lIns="91425" tIns="91425" rIns="91425" bIns="91425" anchor="b" anchorCtr="0">
             <a:noAutofit/>
           </a:bodyPr>
           <a:lstStyle/>
           <a:p>
-            <a:pPr indent="0" lvl="0" marL="0" rtl="0" algn="l">
+            <a:pPr marL="0" lvl="0" indent="0" algn="l" rtl="0">
               <a:spcBef>
                 <a:spcPts val="0"/>
               </a:spcBef>
@@ -7118,11 +7364,7 @@
             </a:pPr>
             <a:r>
               <a:rPr lang="en"/>
-              <a:t>2a</a:t>
-            </a:r>
-            <a:r>
-              <a:rPr lang="en"/>
-              <a:t>: PF Tracking a circle</a:t>
+              <a:t>2a: PF Tracking a circle</a:t>
             </a:r>
             <a:endParaRPr/>
           </a:p>
@@ -7148,12 +7390,12 @@
           </a:ln>
         </p:spPr>
         <p:txBody>
-          <a:bodyPr anchorCtr="0" anchor="ctr" bIns="91425" lIns="91425" spcFirstLastPara="1" rIns="91425" wrap="square" tIns="91425">
+          <a:bodyPr spcFirstLastPara="1" wrap="square" lIns="91425" tIns="91425" rIns="91425" bIns="91425" anchor="ctr" anchorCtr="0">
             <a:noAutofit/>
           </a:bodyPr>
           <a:lstStyle/>
           <a:p>
-            <a:pPr indent="0" lvl="0" marL="0" rtl="0" algn="l">
+            <a:pPr marL="0" lvl="0" indent="0" algn="l" rtl="0">
               <a:spcBef>
                 <a:spcPts val="0"/>
               </a:spcBef>
@@ -7198,12 +7440,12 @@
           </a:ln>
         </p:spPr>
         <p:txBody>
-          <a:bodyPr anchorCtr="0" anchor="t" bIns="91425" lIns="91425" spcFirstLastPara="1" rIns="91425" wrap="square" tIns="91425">
+          <a:bodyPr spcFirstLastPara="1" wrap="square" lIns="91425" tIns="91425" rIns="91425" bIns="91425" anchor="t" anchorCtr="0">
             <a:noAutofit/>
           </a:bodyPr>
           <a:lstStyle/>
           <a:p>
-            <a:pPr indent="0" lvl="0" marL="0" rtl="0" algn="ctr">
+            <a:pPr marL="0" lvl="0" indent="0" algn="ctr" rtl="0">
               <a:lnSpc>
                 <a:spcPct val="115000"/>
               </a:lnSpc>
@@ -7216,7 +7458,7 @@
               <a:buNone/>
             </a:pPr>
             <a:r>
-              <a:rPr b="1" lang="en">
+              <a:rPr lang="en" b="1">
                 <a:solidFill>
                   <a:schemeClr val="dk1"/>
                 </a:solidFill>
@@ -7259,14 +7501,14 @@
             <a:avLst/>
           </a:prstGeom>
           <a:noFill/>
-          <a:ln cap="flat" cmpd="sng" w="9525">
+          <a:ln w="9525" cap="flat" cmpd="sng">
             <a:solidFill>
               <a:srgbClr val="666666"/>
             </a:solidFill>
             <a:prstDash val="solid"/>
             <a:round/>
-            <a:headEnd len="sm" w="sm" type="none"/>
-            <a:tailEnd len="sm" w="sm" type="none"/>
+            <a:headEnd type="none" w="sm" len="sm"/>
+            <a:tailEnd type="none" w="sm" len="sm"/>
           </a:ln>
         </p:spPr>
       </p:pic>
@@ -7279,11 +7521,11 @@
 </file>
 
 <file path=ppt/slides/slide11.xml><?xml version="1.0" encoding="utf-8"?>
-<p:sld xmlns:a="http://schemas.openxmlformats.org/drawingml/2006/main" xmlns:r="http://schemas.openxmlformats.org/officeDocument/2006/relationships" xmlns:mc="http://schemas.openxmlformats.org/markup-compatibility/2006" xmlns:mv="urn:schemas-microsoft-com:mac:vml" xmlns:p="http://schemas.openxmlformats.org/presentationml/2006/main" xmlns:c="http://schemas.openxmlformats.org/drawingml/2006/chart" xmlns:dgm="http://schemas.openxmlformats.org/drawingml/2006/diagram" xmlns:o="urn:schemas-microsoft-com:office:office" xmlns:v="urn:schemas-microsoft-com:vml" xmlns:pvml="urn:schemas-microsoft-com:office:powerpoint" xmlns:com="http://schemas.openxmlformats.org/drawingml/2006/compatibility" xmlns:p14="http://schemas.microsoft.com/office/powerpoint/2010/main" xmlns:p15="http://schemas.microsoft.com/office/powerpoint/2012/main">
+<p:sld xmlns:a="http://schemas.openxmlformats.org/drawingml/2006/main" xmlns:r="http://schemas.openxmlformats.org/officeDocument/2006/relationships" xmlns:p="http://schemas.openxmlformats.org/presentationml/2006/main">
   <p:cSld>
     <p:spTree>
       <p:nvGrpSpPr>
-        <p:cNvPr id="112" name="Shape 112"/>
+        <p:cNvPr id="1" name="Shape 112"/>
         <p:cNvGrpSpPr/>
         <p:nvPr/>
       </p:nvGrpSpPr>
@@ -7298,7 +7540,9 @@
       <p:sp>
         <p:nvSpPr>
           <p:cNvPr id="113" name="Google Shape;113;p18"/>
-          <p:cNvSpPr txBox="1"/>
+          <p:cNvSpPr txBox="1">
+            <a:spLocks noGrp="1"/>
+          </p:cNvSpPr>
           <p:nvPr>
             <p:ph type="title"/>
           </p:nvPr>
@@ -7313,12 +7557,12 @@
           </a:prstGeom>
         </p:spPr>
         <p:txBody>
-          <a:bodyPr anchorCtr="0" anchor="b" bIns="91425" lIns="91425" spcFirstLastPara="1" rIns="91425" wrap="square" tIns="91425">
+          <a:bodyPr spcFirstLastPara="1" wrap="square" lIns="91425" tIns="91425" rIns="91425" bIns="91425" anchor="b" anchorCtr="0">
             <a:noAutofit/>
           </a:bodyPr>
           <a:lstStyle/>
           <a:p>
-            <a:pPr indent="0" lvl="0" marL="0" rtl="0" algn="l">
+            <a:pPr marL="0" lvl="0" indent="0" algn="l" rtl="0">
               <a:spcBef>
                 <a:spcPts val="0"/>
               </a:spcBef>
@@ -7355,12 +7599,12 @@
           </a:ln>
         </p:spPr>
         <p:txBody>
-          <a:bodyPr anchorCtr="0" anchor="ctr" bIns="91425" lIns="91425" spcFirstLastPara="1" rIns="91425" wrap="square" tIns="91425">
+          <a:bodyPr spcFirstLastPara="1" wrap="square" lIns="91425" tIns="91425" rIns="91425" bIns="91425" anchor="ctr" anchorCtr="0">
             <a:noAutofit/>
           </a:bodyPr>
           <a:lstStyle/>
           <a:p>
-            <a:pPr indent="0" lvl="0" marL="0" rtl="0" algn="l">
+            <a:pPr marL="0" lvl="0" indent="0" algn="l" rtl="0">
               <a:spcBef>
                 <a:spcPts val="0"/>
               </a:spcBef>
@@ -7405,12 +7649,12 @@
           </a:ln>
         </p:spPr>
         <p:txBody>
-          <a:bodyPr anchorCtr="0" anchor="t" bIns="91425" lIns="91425" spcFirstLastPara="1" rIns="91425" wrap="square" tIns="91425">
+          <a:bodyPr spcFirstLastPara="1" wrap="square" lIns="91425" tIns="91425" rIns="91425" bIns="91425" anchor="t" anchorCtr="0">
             <a:noAutofit/>
           </a:bodyPr>
           <a:lstStyle/>
           <a:p>
-            <a:pPr indent="0" lvl="0" marL="0" rtl="0" algn="ctr">
+            <a:pPr marL="0" lvl="0" indent="0" algn="ctr" rtl="0">
               <a:lnSpc>
                 <a:spcPct val="115000"/>
               </a:lnSpc>
@@ -7423,7 +7667,7 @@
               <a:buNone/>
             </a:pPr>
             <a:r>
-              <a:rPr b="1" lang="en">
+              <a:rPr lang="en" b="1">
                 <a:solidFill>
                   <a:schemeClr val="dk1"/>
                 </a:solidFill>
@@ -7466,14 +7710,14 @@
             <a:avLst/>
           </a:prstGeom>
           <a:noFill/>
-          <a:ln cap="flat" cmpd="sng" w="9525">
+          <a:ln w="9525" cap="flat" cmpd="sng">
             <a:solidFill>
               <a:srgbClr val="666666"/>
             </a:solidFill>
             <a:prstDash val="solid"/>
             <a:round/>
-            <a:headEnd len="sm" w="sm" type="none"/>
-            <a:tailEnd len="sm" w="sm" type="none"/>
+            <a:headEnd type="none" w="sm" len="sm"/>
+            <a:tailEnd type="none" w="sm" len="sm"/>
           </a:ln>
         </p:spPr>
       </p:pic>
@@ -7486,11 +7730,11 @@
 </file>
 
 <file path=ppt/slides/slide12.xml><?xml version="1.0" encoding="utf-8"?>
-<p:sld xmlns:a="http://schemas.openxmlformats.org/drawingml/2006/main" xmlns:r="http://schemas.openxmlformats.org/officeDocument/2006/relationships" xmlns:mc="http://schemas.openxmlformats.org/markup-compatibility/2006" xmlns:mv="urn:schemas-microsoft-com:mac:vml" xmlns:p="http://schemas.openxmlformats.org/presentationml/2006/main" xmlns:c="http://schemas.openxmlformats.org/drawingml/2006/chart" xmlns:dgm="http://schemas.openxmlformats.org/drawingml/2006/diagram" xmlns:o="urn:schemas-microsoft-com:office:office" xmlns:v="urn:schemas-microsoft-com:vml" xmlns:pvml="urn:schemas-microsoft-com:office:powerpoint" xmlns:com="http://schemas.openxmlformats.org/drawingml/2006/compatibility" xmlns:p14="http://schemas.microsoft.com/office/powerpoint/2010/main" xmlns:p15="http://schemas.microsoft.com/office/powerpoint/2012/main">
+<p:sld xmlns:a="http://schemas.openxmlformats.org/drawingml/2006/main" xmlns:r="http://schemas.openxmlformats.org/officeDocument/2006/relationships" xmlns:p="http://schemas.openxmlformats.org/presentationml/2006/main">
   <p:cSld>
     <p:spTree>
       <p:nvGrpSpPr>
-        <p:cNvPr id="120" name="Shape 120"/>
+        <p:cNvPr id="1" name="Shape 120"/>
         <p:cNvGrpSpPr/>
         <p:nvPr/>
       </p:nvGrpSpPr>
@@ -7505,7 +7749,9 @@
       <p:sp>
         <p:nvSpPr>
           <p:cNvPr id="121" name="Google Shape;121;p19"/>
-          <p:cNvSpPr txBox="1"/>
+          <p:cNvSpPr txBox="1">
+            <a:spLocks noGrp="1"/>
+          </p:cNvSpPr>
           <p:nvPr>
             <p:ph type="title"/>
           </p:nvPr>
@@ -7520,12 +7766,12 @@
           </a:prstGeom>
         </p:spPr>
         <p:txBody>
-          <a:bodyPr anchorCtr="0" anchor="b" bIns="91425" lIns="91425" spcFirstLastPara="1" rIns="91425" wrap="square" tIns="91425">
+          <a:bodyPr spcFirstLastPara="1" wrap="square" lIns="91425" tIns="91425" rIns="91425" bIns="91425" anchor="b" anchorCtr="0">
             <a:noAutofit/>
           </a:bodyPr>
           <a:lstStyle/>
           <a:p>
-            <a:pPr indent="0" lvl="0" marL="0" rtl="0" algn="l">
+            <a:pPr marL="0" lvl="0" indent="0" algn="l" rtl="0">
               <a:spcBef>
                 <a:spcPts val="0"/>
               </a:spcBef>
@@ -7562,12 +7808,12 @@
           </a:ln>
         </p:spPr>
         <p:txBody>
-          <a:bodyPr anchorCtr="0" anchor="ctr" bIns="91425" lIns="91425" spcFirstLastPara="1" rIns="91425" wrap="square" tIns="91425">
+          <a:bodyPr spcFirstLastPara="1" wrap="square" lIns="91425" tIns="91425" rIns="91425" bIns="91425" anchor="ctr" anchorCtr="0">
             <a:noAutofit/>
           </a:bodyPr>
           <a:lstStyle/>
           <a:p>
-            <a:pPr indent="0" lvl="0" marL="0" rtl="0" algn="l">
+            <a:pPr marL="0" lvl="0" indent="0" algn="l" rtl="0">
               <a:spcBef>
                 <a:spcPts val="0"/>
               </a:spcBef>
@@ -7612,12 +7858,12 @@
           </a:ln>
         </p:spPr>
         <p:txBody>
-          <a:bodyPr anchorCtr="0" anchor="t" bIns="91425" lIns="91425" spcFirstLastPara="1" rIns="91425" wrap="square" tIns="91425">
+          <a:bodyPr spcFirstLastPara="1" wrap="square" lIns="91425" tIns="91425" rIns="91425" bIns="91425" anchor="t" anchorCtr="0">
             <a:noAutofit/>
           </a:bodyPr>
           <a:lstStyle/>
           <a:p>
-            <a:pPr indent="0" lvl="0" marL="0" rtl="0" algn="ctr">
+            <a:pPr marL="0" lvl="0" indent="0" algn="ctr" rtl="0">
               <a:lnSpc>
                 <a:spcPct val="115000"/>
               </a:lnSpc>
@@ -7630,7 +7876,7 @@
               <a:buNone/>
             </a:pPr>
             <a:r>
-              <a:rPr b="1" lang="en">
+              <a:rPr lang="en" b="1">
                 <a:solidFill>
                   <a:schemeClr val="dk1"/>
                 </a:solidFill>
@@ -7673,14 +7919,14 @@
             <a:avLst/>
           </a:prstGeom>
           <a:noFill/>
-          <a:ln cap="flat" cmpd="sng" w="9525">
+          <a:ln w="9525" cap="flat" cmpd="sng">
             <a:solidFill>
               <a:srgbClr val="666666"/>
             </a:solidFill>
             <a:prstDash val="solid"/>
             <a:round/>
-            <a:headEnd len="sm" w="sm" type="none"/>
-            <a:tailEnd len="sm" w="sm" type="none"/>
+            <a:headEnd type="none" w="sm" len="sm"/>
+            <a:tailEnd type="none" w="sm" len="sm"/>
           </a:ln>
         </p:spPr>
       </p:pic>
@@ -7693,11 +7939,11 @@
 </file>
 
 <file path=ppt/slides/slide13.xml><?xml version="1.0" encoding="utf-8"?>
-<p:sld xmlns:a="http://schemas.openxmlformats.org/drawingml/2006/main" xmlns:r="http://schemas.openxmlformats.org/officeDocument/2006/relationships" xmlns:mc="http://schemas.openxmlformats.org/markup-compatibility/2006" xmlns:mv="urn:schemas-microsoft-com:mac:vml" xmlns:p="http://schemas.openxmlformats.org/presentationml/2006/main" xmlns:c="http://schemas.openxmlformats.org/drawingml/2006/chart" xmlns:dgm="http://schemas.openxmlformats.org/drawingml/2006/diagram" xmlns:o="urn:schemas-microsoft-com:office:office" xmlns:v="urn:schemas-microsoft-com:vml" xmlns:pvml="urn:schemas-microsoft-com:office:powerpoint" xmlns:com="http://schemas.openxmlformats.org/drawingml/2006/compatibility" xmlns:p14="http://schemas.microsoft.com/office/powerpoint/2010/main" xmlns:p15="http://schemas.microsoft.com/office/powerpoint/2012/main">
+<p:sld xmlns:a="http://schemas.openxmlformats.org/drawingml/2006/main" xmlns:r="http://schemas.openxmlformats.org/officeDocument/2006/relationships" xmlns:p="http://schemas.openxmlformats.org/presentationml/2006/main">
   <p:cSld>
     <p:spTree>
       <p:nvGrpSpPr>
-        <p:cNvPr id="128" name="Shape 128"/>
+        <p:cNvPr id="1" name="Shape 128"/>
         <p:cNvGrpSpPr/>
         <p:nvPr/>
       </p:nvGrpSpPr>
@@ -7712,7 +7958,9 @@
       <p:sp>
         <p:nvSpPr>
           <p:cNvPr id="129" name="Google Shape;129;p20"/>
-          <p:cNvSpPr txBox="1"/>
+          <p:cNvSpPr txBox="1">
+            <a:spLocks noGrp="1"/>
+          </p:cNvSpPr>
           <p:nvPr>
             <p:ph type="title"/>
           </p:nvPr>
@@ -7727,12 +7975,12 @@
           </a:prstGeom>
         </p:spPr>
         <p:txBody>
-          <a:bodyPr anchorCtr="0" anchor="b" bIns="91425" lIns="91425" spcFirstLastPara="1" rIns="91425" wrap="square" tIns="91425">
+          <a:bodyPr spcFirstLastPara="1" wrap="square" lIns="91425" tIns="91425" rIns="91425" bIns="91425" anchor="b" anchorCtr="0">
             <a:noAutofit/>
           </a:bodyPr>
           <a:lstStyle/>
           <a:p>
-            <a:pPr indent="0" lvl="0" marL="0" rtl="0" algn="l">
+            <a:pPr marL="0" lvl="0" indent="0" algn="l" rtl="0">
               <a:spcBef>
                 <a:spcPts val="0"/>
               </a:spcBef>
@@ -7769,12 +8017,12 @@
           </a:ln>
         </p:spPr>
         <p:txBody>
-          <a:bodyPr anchorCtr="0" anchor="ctr" bIns="91425" lIns="91425" spcFirstLastPara="1" rIns="91425" wrap="square" tIns="91425">
+          <a:bodyPr spcFirstLastPara="1" wrap="square" lIns="91425" tIns="91425" rIns="91425" bIns="91425" anchor="ctr" anchorCtr="0">
             <a:noAutofit/>
           </a:bodyPr>
           <a:lstStyle/>
           <a:p>
-            <a:pPr indent="0" lvl="0" marL="0" rtl="0" algn="l">
+            <a:pPr marL="0" lvl="0" indent="0" algn="l" rtl="0">
               <a:spcBef>
                 <a:spcPts val="0"/>
               </a:spcBef>
@@ -7819,12 +8067,12 @@
           </a:ln>
         </p:spPr>
         <p:txBody>
-          <a:bodyPr anchorCtr="0" anchor="t" bIns="91425" lIns="91425" spcFirstLastPara="1" rIns="91425" wrap="square" tIns="91425">
+          <a:bodyPr spcFirstLastPara="1" wrap="square" lIns="91425" tIns="91425" rIns="91425" bIns="91425" anchor="t" anchorCtr="0">
             <a:noAutofit/>
           </a:bodyPr>
           <a:lstStyle/>
           <a:p>
-            <a:pPr indent="0" lvl="0" marL="0" rtl="0" algn="ctr">
+            <a:pPr marL="0" lvl="0" indent="0" algn="ctr" rtl="0">
               <a:lnSpc>
                 <a:spcPct val="115000"/>
               </a:lnSpc>
@@ -7837,7 +8085,7 @@
               <a:buNone/>
             </a:pPr>
             <a:r>
-              <a:rPr b="1" lang="en">
+              <a:rPr lang="en" b="1">
                 <a:solidFill>
                   <a:schemeClr val="dk1"/>
                 </a:solidFill>
@@ -7880,14 +8128,14 @@
             <a:avLst/>
           </a:prstGeom>
           <a:noFill/>
-          <a:ln cap="flat" cmpd="sng" w="9525">
+          <a:ln w="9525" cap="flat" cmpd="sng">
             <a:solidFill>
               <a:srgbClr val="666666"/>
             </a:solidFill>
             <a:prstDash val="solid"/>
             <a:round/>
-            <a:headEnd len="sm" w="sm" type="none"/>
-            <a:tailEnd len="sm" w="sm" type="none"/>
+            <a:headEnd type="none" w="sm" len="sm"/>
+            <a:tailEnd type="none" w="sm" len="sm"/>
           </a:ln>
         </p:spPr>
       </p:pic>
@@ -7900,11 +8148,11 @@
 </file>
 
 <file path=ppt/slides/slide14.xml><?xml version="1.0" encoding="utf-8"?>
-<p:sld xmlns:a="http://schemas.openxmlformats.org/drawingml/2006/main" xmlns:r="http://schemas.openxmlformats.org/officeDocument/2006/relationships" xmlns:mc="http://schemas.openxmlformats.org/markup-compatibility/2006" xmlns:mv="urn:schemas-microsoft-com:mac:vml" xmlns:p="http://schemas.openxmlformats.org/presentationml/2006/main" xmlns:c="http://schemas.openxmlformats.org/drawingml/2006/chart" xmlns:dgm="http://schemas.openxmlformats.org/drawingml/2006/diagram" xmlns:o="urn:schemas-microsoft-com:office:office" xmlns:v="urn:schemas-microsoft-com:vml" xmlns:pvml="urn:schemas-microsoft-com:office:powerpoint" xmlns:com="http://schemas.openxmlformats.org/drawingml/2006/compatibility" xmlns:p14="http://schemas.microsoft.com/office/powerpoint/2010/main" xmlns:p15="http://schemas.microsoft.com/office/powerpoint/2012/main">
+<p:sld xmlns:a="http://schemas.openxmlformats.org/drawingml/2006/main" xmlns:r="http://schemas.openxmlformats.org/officeDocument/2006/relationships" xmlns:p="http://schemas.openxmlformats.org/presentationml/2006/main">
   <p:cSld>
     <p:spTree>
       <p:nvGrpSpPr>
-        <p:cNvPr id="136" name="Shape 136"/>
+        <p:cNvPr id="1" name="Shape 136"/>
         <p:cNvGrpSpPr/>
         <p:nvPr/>
       </p:nvGrpSpPr>
@@ -7919,7 +8167,9 @@
       <p:sp>
         <p:nvSpPr>
           <p:cNvPr id="137" name="Google Shape;137;p21"/>
-          <p:cNvSpPr txBox="1"/>
+          <p:cNvSpPr txBox="1">
+            <a:spLocks noGrp="1"/>
+          </p:cNvSpPr>
           <p:nvPr>
             <p:ph type="title"/>
           </p:nvPr>
@@ -7934,12 +8184,12 @@
           </a:prstGeom>
         </p:spPr>
         <p:txBody>
-          <a:bodyPr anchorCtr="0" anchor="b" bIns="91425" lIns="91425" spcFirstLastPara="1" rIns="91425" wrap="square" tIns="91425">
+          <a:bodyPr spcFirstLastPara="1" wrap="square" lIns="91425" tIns="91425" rIns="91425" bIns="91425" anchor="b" anchorCtr="0">
             <a:noAutofit/>
           </a:bodyPr>
           <a:lstStyle/>
           <a:p>
-            <a:pPr indent="0" lvl="0" marL="0" rtl="0" algn="l">
+            <a:pPr marL="0" lvl="0" indent="0" algn="l" rtl="0">
               <a:spcBef>
                 <a:spcPts val="0"/>
               </a:spcBef>
@@ -7976,12 +8226,12 @@
           </a:ln>
         </p:spPr>
         <p:txBody>
-          <a:bodyPr anchorCtr="0" anchor="ctr" bIns="91425" lIns="91425" spcFirstLastPara="1" rIns="91425" wrap="square" tIns="91425">
+          <a:bodyPr spcFirstLastPara="1" wrap="square" lIns="91425" tIns="91425" rIns="91425" bIns="91425" anchor="ctr" anchorCtr="0">
             <a:noAutofit/>
           </a:bodyPr>
           <a:lstStyle/>
           <a:p>
-            <a:pPr indent="0" lvl="0" marL="0" rtl="0" algn="l">
+            <a:pPr marL="0" lvl="0" indent="0" algn="l" rtl="0">
               <a:spcBef>
                 <a:spcPts val="0"/>
               </a:spcBef>
@@ -8026,12 +8276,12 @@
           </a:ln>
         </p:spPr>
         <p:txBody>
-          <a:bodyPr anchorCtr="0" anchor="t" bIns="91425" lIns="91425" spcFirstLastPara="1" rIns="91425" wrap="square" tIns="91425">
+          <a:bodyPr spcFirstLastPara="1" wrap="square" lIns="91425" tIns="91425" rIns="91425" bIns="91425" anchor="t" anchorCtr="0">
             <a:noAutofit/>
           </a:bodyPr>
           <a:lstStyle/>
           <a:p>
-            <a:pPr indent="0" lvl="0" marL="0" rtl="0" algn="ctr">
+            <a:pPr marL="0" lvl="0" indent="0" algn="ctr" rtl="0">
               <a:lnSpc>
                 <a:spcPct val="115000"/>
               </a:lnSpc>
@@ -8044,7 +8294,7 @@
               <a:buNone/>
             </a:pPr>
             <a:r>
-              <a:rPr b="1" lang="en">
+              <a:rPr lang="en" b="1">
                 <a:solidFill>
                   <a:schemeClr val="dk1"/>
                 </a:solidFill>
@@ -8087,14 +8337,14 @@
             <a:avLst/>
           </a:prstGeom>
           <a:noFill/>
-          <a:ln cap="flat" cmpd="sng" w="9525">
+          <a:ln w="9525" cap="flat" cmpd="sng">
             <a:solidFill>
               <a:srgbClr val="666666"/>
             </a:solidFill>
             <a:prstDash val="solid"/>
             <a:round/>
-            <a:headEnd len="sm" w="sm" type="none"/>
-            <a:tailEnd len="sm" w="sm" type="none"/>
+            <a:headEnd type="none" w="sm" len="sm"/>
+            <a:tailEnd type="none" w="sm" len="sm"/>
           </a:ln>
         </p:spPr>
       </p:pic>
@@ -8107,11 +8357,11 @@
 </file>
 
 <file path=ppt/slides/slide15.xml><?xml version="1.0" encoding="utf-8"?>
-<p:sld xmlns:a="http://schemas.openxmlformats.org/drawingml/2006/main" xmlns:r="http://schemas.openxmlformats.org/officeDocument/2006/relationships" xmlns:mc="http://schemas.openxmlformats.org/markup-compatibility/2006" xmlns:mv="urn:schemas-microsoft-com:mac:vml" xmlns:p="http://schemas.openxmlformats.org/presentationml/2006/main" xmlns:c="http://schemas.openxmlformats.org/drawingml/2006/chart" xmlns:dgm="http://schemas.openxmlformats.org/drawingml/2006/diagram" xmlns:o="urn:schemas-microsoft-com:office:office" xmlns:v="urn:schemas-microsoft-com:vml" xmlns:pvml="urn:schemas-microsoft-com:office:powerpoint" xmlns:com="http://schemas.openxmlformats.org/drawingml/2006/compatibility" xmlns:p14="http://schemas.microsoft.com/office/powerpoint/2010/main" xmlns:p15="http://schemas.microsoft.com/office/powerpoint/2012/main">
+<p:sld xmlns:a="http://schemas.openxmlformats.org/drawingml/2006/main" xmlns:r="http://schemas.openxmlformats.org/officeDocument/2006/relationships" xmlns:p="http://schemas.openxmlformats.org/presentationml/2006/main">
   <p:cSld>
     <p:spTree>
       <p:nvGrpSpPr>
-        <p:cNvPr id="144" name="Shape 144"/>
+        <p:cNvPr id="1" name="Shape 144"/>
         <p:cNvGrpSpPr/>
         <p:nvPr/>
       </p:nvGrpSpPr>
@@ -8126,7 +8376,9 @@
       <p:sp>
         <p:nvSpPr>
           <p:cNvPr id="145" name="Google Shape;145;p22"/>
-          <p:cNvSpPr txBox="1"/>
+          <p:cNvSpPr txBox="1">
+            <a:spLocks noGrp="1"/>
+          </p:cNvSpPr>
           <p:nvPr>
             <p:ph type="title"/>
           </p:nvPr>
@@ -8141,12 +8393,12 @@
           </a:prstGeom>
         </p:spPr>
         <p:txBody>
-          <a:bodyPr anchorCtr="0" anchor="b" bIns="91425" lIns="91425" spcFirstLastPara="1" rIns="91425" wrap="square" tIns="91425">
+          <a:bodyPr spcFirstLastPara="1" wrap="square" lIns="91425" tIns="91425" rIns="91425" bIns="91425" anchor="b" anchorCtr="0">
             <a:noAutofit/>
           </a:bodyPr>
           <a:lstStyle/>
           <a:p>
-            <a:pPr indent="0" lvl="0" marL="0" rtl="0" algn="l">
+            <a:pPr marL="0" lvl="0" indent="0" algn="l" rtl="0">
               <a:spcBef>
                 <a:spcPts val="0"/>
               </a:spcBef>
@@ -8183,12 +8435,12 @@
           </a:ln>
         </p:spPr>
         <p:txBody>
-          <a:bodyPr anchorCtr="0" anchor="ctr" bIns="91425" lIns="91425" spcFirstLastPara="1" rIns="91425" wrap="square" tIns="91425">
+          <a:bodyPr spcFirstLastPara="1" wrap="square" lIns="91425" tIns="91425" rIns="91425" bIns="91425" anchor="ctr" anchorCtr="0">
             <a:noAutofit/>
           </a:bodyPr>
           <a:lstStyle/>
           <a:p>
-            <a:pPr indent="0" lvl="0" marL="0" rtl="0" algn="l">
+            <a:pPr marL="0" lvl="0" indent="0" algn="l" rtl="0">
               <a:spcBef>
                 <a:spcPts val="0"/>
               </a:spcBef>
@@ -8233,12 +8485,12 @@
           </a:ln>
         </p:spPr>
         <p:txBody>
-          <a:bodyPr anchorCtr="0" anchor="t" bIns="91425" lIns="91425" spcFirstLastPara="1" rIns="91425" wrap="square" tIns="91425">
+          <a:bodyPr spcFirstLastPara="1" wrap="square" lIns="91425" tIns="91425" rIns="91425" bIns="91425" anchor="t" anchorCtr="0">
             <a:noAutofit/>
           </a:bodyPr>
           <a:lstStyle/>
           <a:p>
-            <a:pPr indent="0" lvl="0" marL="0" rtl="0" algn="ctr">
+            <a:pPr marL="0" lvl="0" indent="0" algn="ctr" rtl="0">
               <a:lnSpc>
                 <a:spcPct val="115000"/>
               </a:lnSpc>
@@ -8251,7 +8503,7 @@
               <a:buNone/>
             </a:pPr>
             <a:r>
-              <a:rPr b="1" lang="en">
+              <a:rPr lang="en" b="1">
                 <a:solidFill>
                   <a:schemeClr val="dk1"/>
                 </a:solidFill>
@@ -8260,19 +8512,7 @@
                 <a:cs typeface="Calibri"/>
                 <a:sym typeface="Calibri"/>
               </a:rPr>
-              <a:t>p</a:t>
-            </a:r>
-            <a:r>
-              <a:rPr b="1" lang="en">
-                <a:solidFill>
-                  <a:schemeClr val="dk1"/>
-                </a:solidFill>
-                <a:latin typeface="Calibri"/>
-                <a:ea typeface="Calibri"/>
-                <a:cs typeface="Calibri"/>
-                <a:sym typeface="Calibri"/>
-              </a:rPr>
-              <a:t>s5-2-b-2.png</a:t>
+              <a:t>ps5-2-b-2.png</a:t>
             </a:r>
             <a:endParaRPr b="1">
               <a:latin typeface="Calibri"/>
@@ -8306,14 +8546,14 @@
             <a:avLst/>
           </a:prstGeom>
           <a:noFill/>
-          <a:ln cap="flat" cmpd="sng" w="9525">
+          <a:ln w="9525" cap="flat" cmpd="sng">
             <a:solidFill>
               <a:srgbClr val="666666"/>
             </a:solidFill>
             <a:prstDash val="solid"/>
             <a:round/>
-            <a:headEnd len="sm" w="sm" type="none"/>
-            <a:tailEnd len="sm" w="sm" type="none"/>
+            <a:headEnd type="none" w="sm" len="sm"/>
+            <a:tailEnd type="none" w="sm" len="sm"/>
           </a:ln>
         </p:spPr>
       </p:pic>
@@ -8326,11 +8566,11 @@
 </file>
 
 <file path=ppt/slides/slide16.xml><?xml version="1.0" encoding="utf-8"?>
-<p:sld xmlns:a="http://schemas.openxmlformats.org/drawingml/2006/main" xmlns:r="http://schemas.openxmlformats.org/officeDocument/2006/relationships" xmlns:mc="http://schemas.openxmlformats.org/markup-compatibility/2006" xmlns:mv="urn:schemas-microsoft-com:mac:vml" xmlns:p="http://schemas.openxmlformats.org/presentationml/2006/main" xmlns:c="http://schemas.openxmlformats.org/drawingml/2006/chart" xmlns:dgm="http://schemas.openxmlformats.org/drawingml/2006/diagram" xmlns:o="urn:schemas-microsoft-com:office:office" xmlns:v="urn:schemas-microsoft-com:vml" xmlns:pvml="urn:schemas-microsoft-com:office:powerpoint" xmlns:com="http://schemas.openxmlformats.org/drawingml/2006/compatibility" xmlns:p14="http://schemas.microsoft.com/office/powerpoint/2010/main" xmlns:p15="http://schemas.microsoft.com/office/powerpoint/2012/main">
+<p:sld xmlns:a="http://schemas.openxmlformats.org/drawingml/2006/main" xmlns:r="http://schemas.openxmlformats.org/officeDocument/2006/relationships" xmlns:p="http://schemas.openxmlformats.org/presentationml/2006/main">
   <p:cSld>
     <p:spTree>
       <p:nvGrpSpPr>
-        <p:cNvPr id="152" name="Shape 152"/>
+        <p:cNvPr id="1" name="Shape 152"/>
         <p:cNvGrpSpPr/>
         <p:nvPr/>
       </p:nvGrpSpPr>
@@ -8345,7 +8585,9 @@
       <p:sp>
         <p:nvSpPr>
           <p:cNvPr id="153" name="Google Shape;153;p23"/>
-          <p:cNvSpPr txBox="1"/>
+          <p:cNvSpPr txBox="1">
+            <a:spLocks noGrp="1"/>
+          </p:cNvSpPr>
           <p:nvPr>
             <p:ph type="title"/>
           </p:nvPr>
@@ -8360,12 +8602,12 @@
           </a:prstGeom>
         </p:spPr>
         <p:txBody>
-          <a:bodyPr anchorCtr="0" anchor="b" bIns="91425" lIns="91425" spcFirstLastPara="1" rIns="91425" wrap="square" tIns="91425">
+          <a:bodyPr spcFirstLastPara="1" wrap="square" lIns="91425" tIns="91425" rIns="91425" bIns="91425" anchor="b" anchorCtr="0">
             <a:noAutofit/>
           </a:bodyPr>
           <a:lstStyle/>
           <a:p>
-            <a:pPr indent="0" lvl="0" marL="0" rtl="0" algn="l">
+            <a:pPr marL="0" lvl="0" indent="0" algn="l" rtl="0">
               <a:spcBef>
                 <a:spcPts val="0"/>
               </a:spcBef>
@@ -8402,12 +8644,12 @@
           </a:ln>
         </p:spPr>
         <p:txBody>
-          <a:bodyPr anchorCtr="0" anchor="ctr" bIns="91425" lIns="91425" spcFirstLastPara="1" rIns="91425" wrap="square" tIns="91425">
+          <a:bodyPr spcFirstLastPara="1" wrap="square" lIns="91425" tIns="91425" rIns="91425" bIns="91425" anchor="ctr" anchorCtr="0">
             <a:noAutofit/>
           </a:bodyPr>
           <a:lstStyle/>
           <a:p>
-            <a:pPr indent="0" lvl="0" marL="0" rtl="0" algn="l">
+            <a:pPr marL="0" lvl="0" indent="0" algn="l" rtl="0">
               <a:spcBef>
                 <a:spcPts val="0"/>
               </a:spcBef>
@@ -8452,12 +8694,12 @@
           </a:ln>
         </p:spPr>
         <p:txBody>
-          <a:bodyPr anchorCtr="0" anchor="t" bIns="91425" lIns="91425" spcFirstLastPara="1" rIns="91425" wrap="square" tIns="91425">
+          <a:bodyPr spcFirstLastPara="1" wrap="square" lIns="91425" tIns="91425" rIns="91425" bIns="91425" anchor="t" anchorCtr="0">
             <a:noAutofit/>
           </a:bodyPr>
           <a:lstStyle/>
           <a:p>
-            <a:pPr indent="0" lvl="0" marL="0" rtl="0" algn="ctr">
+            <a:pPr marL="0" lvl="0" indent="0" algn="ctr" rtl="0">
               <a:lnSpc>
                 <a:spcPct val="115000"/>
               </a:lnSpc>
@@ -8470,7 +8712,7 @@
               <a:buNone/>
             </a:pPr>
             <a:r>
-              <a:rPr b="1" lang="en">
+              <a:rPr lang="en" b="1">
                 <a:solidFill>
                   <a:schemeClr val="dk1"/>
                 </a:solidFill>
@@ -8513,14 +8755,14 @@
             <a:avLst/>
           </a:prstGeom>
           <a:noFill/>
-          <a:ln cap="flat" cmpd="sng" w="9525">
+          <a:ln w="9525" cap="flat" cmpd="sng">
             <a:solidFill>
               <a:srgbClr val="666666"/>
             </a:solidFill>
             <a:prstDash val="solid"/>
             <a:round/>
-            <a:headEnd len="sm" w="sm" type="none"/>
-            <a:tailEnd len="sm" w="sm" type="none"/>
+            <a:headEnd type="none" w="sm" len="sm"/>
+            <a:tailEnd type="none" w="sm" len="sm"/>
           </a:ln>
         </p:spPr>
       </p:pic>
@@ -8533,11 +8775,11 @@
 </file>
 
 <file path=ppt/slides/slide17.xml><?xml version="1.0" encoding="utf-8"?>
-<p:sld xmlns:a="http://schemas.openxmlformats.org/drawingml/2006/main" xmlns:r="http://schemas.openxmlformats.org/officeDocument/2006/relationships" xmlns:mc="http://schemas.openxmlformats.org/markup-compatibility/2006" xmlns:mv="urn:schemas-microsoft-com:mac:vml" xmlns:p="http://schemas.openxmlformats.org/presentationml/2006/main" xmlns:c="http://schemas.openxmlformats.org/drawingml/2006/chart" xmlns:dgm="http://schemas.openxmlformats.org/drawingml/2006/diagram" xmlns:o="urn:schemas-microsoft-com:office:office" xmlns:v="urn:schemas-microsoft-com:vml" xmlns:pvml="urn:schemas-microsoft-com:office:powerpoint" xmlns:com="http://schemas.openxmlformats.org/drawingml/2006/compatibility" xmlns:p14="http://schemas.microsoft.com/office/powerpoint/2010/main" xmlns:p15="http://schemas.microsoft.com/office/powerpoint/2012/main">
+<p:sld xmlns:a="http://schemas.openxmlformats.org/drawingml/2006/main" xmlns:r="http://schemas.openxmlformats.org/officeDocument/2006/relationships" xmlns:p="http://schemas.openxmlformats.org/presentationml/2006/main">
   <p:cSld>
     <p:spTree>
       <p:nvGrpSpPr>
-        <p:cNvPr id="160" name="Shape 160"/>
+        <p:cNvPr id="1" name="Shape 160"/>
         <p:cNvGrpSpPr/>
         <p:nvPr/>
       </p:nvGrpSpPr>
@@ -8552,7 +8794,9 @@
       <p:sp>
         <p:nvSpPr>
           <p:cNvPr id="161" name="Google Shape;161;p24"/>
-          <p:cNvSpPr txBox="1"/>
+          <p:cNvSpPr txBox="1">
+            <a:spLocks noGrp="1"/>
+          </p:cNvSpPr>
           <p:nvPr>
             <p:ph type="title"/>
           </p:nvPr>
@@ -8567,12 +8811,12 @@
           </a:prstGeom>
         </p:spPr>
         <p:txBody>
-          <a:bodyPr anchorCtr="0" anchor="b" bIns="91425" lIns="91425" spcFirstLastPara="1" rIns="91425" wrap="square" tIns="91425">
+          <a:bodyPr spcFirstLastPara="1" wrap="square" lIns="91425" tIns="91425" rIns="91425" bIns="91425" anchor="b" anchorCtr="0">
             <a:noAutofit/>
           </a:bodyPr>
           <a:lstStyle/>
           <a:p>
-            <a:pPr indent="0" lvl="0" marL="0" rtl="0" algn="l">
+            <a:pPr marL="0" lvl="0" indent="0" algn="l" rtl="0">
               <a:spcBef>
                 <a:spcPts val="0"/>
               </a:spcBef>
@@ -8609,12 +8853,12 @@
           </a:ln>
         </p:spPr>
         <p:txBody>
-          <a:bodyPr anchorCtr="0" anchor="ctr" bIns="91425" lIns="91425" spcFirstLastPara="1" rIns="91425" wrap="square" tIns="91425">
+          <a:bodyPr spcFirstLastPara="1" wrap="square" lIns="91425" tIns="91425" rIns="91425" bIns="91425" anchor="ctr" anchorCtr="0">
             <a:noAutofit/>
           </a:bodyPr>
           <a:lstStyle/>
           <a:p>
-            <a:pPr indent="0" lvl="0" marL="0" rtl="0" algn="l">
+            <a:pPr marL="0" lvl="0" indent="0" algn="l" rtl="0">
               <a:spcBef>
                 <a:spcPts val="0"/>
               </a:spcBef>
@@ -8659,12 +8903,12 @@
           </a:ln>
         </p:spPr>
         <p:txBody>
-          <a:bodyPr anchorCtr="0" anchor="t" bIns="91425" lIns="91425" spcFirstLastPara="1" rIns="91425" wrap="square" tIns="91425">
+          <a:bodyPr spcFirstLastPara="1" wrap="square" lIns="91425" tIns="91425" rIns="91425" bIns="91425" anchor="t" anchorCtr="0">
             <a:noAutofit/>
           </a:bodyPr>
           <a:lstStyle/>
           <a:p>
-            <a:pPr indent="0" lvl="0" marL="0" rtl="0" algn="ctr">
+            <a:pPr marL="0" lvl="0" indent="0" algn="ctr" rtl="0">
               <a:lnSpc>
                 <a:spcPct val="115000"/>
               </a:lnSpc>
@@ -8677,7 +8921,7 @@
               <a:buNone/>
             </a:pPr>
             <a:r>
-              <a:rPr b="1" lang="en">
+              <a:rPr lang="en" b="1">
                 <a:solidFill>
                   <a:schemeClr val="dk1"/>
                 </a:solidFill>
@@ -8720,14 +8964,14 @@
             <a:avLst/>
           </a:prstGeom>
           <a:noFill/>
-          <a:ln cap="flat" cmpd="sng" w="9525">
+          <a:ln w="9525" cap="flat" cmpd="sng">
             <a:solidFill>
               <a:srgbClr val="666666"/>
             </a:solidFill>
             <a:prstDash val="solid"/>
             <a:round/>
-            <a:headEnd len="sm" w="sm" type="none"/>
-            <a:tailEnd len="sm" w="sm" type="none"/>
+            <a:headEnd type="none" w="sm" len="sm"/>
+            <a:tailEnd type="none" w="sm" len="sm"/>
           </a:ln>
         </p:spPr>
       </p:pic>
@@ -8740,11 +8984,11 @@
 </file>
 
 <file path=ppt/slides/slide18.xml><?xml version="1.0" encoding="utf-8"?>
-<p:sld xmlns:a="http://schemas.openxmlformats.org/drawingml/2006/main" xmlns:r="http://schemas.openxmlformats.org/officeDocument/2006/relationships" xmlns:mc="http://schemas.openxmlformats.org/markup-compatibility/2006" xmlns:mv="urn:schemas-microsoft-com:mac:vml" xmlns:p="http://schemas.openxmlformats.org/presentationml/2006/main" xmlns:c="http://schemas.openxmlformats.org/drawingml/2006/chart" xmlns:dgm="http://schemas.openxmlformats.org/drawingml/2006/diagram" xmlns:o="urn:schemas-microsoft-com:office:office" xmlns:v="urn:schemas-microsoft-com:vml" xmlns:pvml="urn:schemas-microsoft-com:office:powerpoint" xmlns:com="http://schemas.openxmlformats.org/drawingml/2006/compatibility" xmlns:p14="http://schemas.microsoft.com/office/powerpoint/2010/main" xmlns:p15="http://schemas.microsoft.com/office/powerpoint/2012/main">
+<p:sld xmlns:a="http://schemas.openxmlformats.org/drawingml/2006/main" xmlns:r="http://schemas.openxmlformats.org/officeDocument/2006/relationships" xmlns:p="http://schemas.openxmlformats.org/presentationml/2006/main">
   <p:cSld>
     <p:spTree>
       <p:nvGrpSpPr>
-        <p:cNvPr id="168" name="Shape 168"/>
+        <p:cNvPr id="1" name="Shape 168"/>
         <p:cNvGrpSpPr/>
         <p:nvPr/>
       </p:nvGrpSpPr>
@@ -8759,7 +9003,9 @@
       <p:sp>
         <p:nvSpPr>
           <p:cNvPr id="169" name="Google Shape;169;p25"/>
-          <p:cNvSpPr txBox="1"/>
+          <p:cNvSpPr txBox="1">
+            <a:spLocks noGrp="1"/>
+          </p:cNvSpPr>
           <p:nvPr>
             <p:ph type="title"/>
           </p:nvPr>
@@ -8774,12 +9020,12 @@
           </a:prstGeom>
         </p:spPr>
         <p:txBody>
-          <a:bodyPr anchorCtr="0" anchor="b" bIns="91425" lIns="91425" spcFirstLastPara="1" rIns="91425" wrap="square" tIns="91425">
+          <a:bodyPr spcFirstLastPara="1" wrap="square" lIns="91425" tIns="91425" rIns="91425" bIns="91425" anchor="b" anchorCtr="0">
             <a:noAutofit/>
           </a:bodyPr>
           <a:lstStyle/>
           <a:p>
-            <a:pPr indent="0" lvl="0" marL="0" rtl="0" algn="l">
+            <a:pPr marL="0" lvl="0" indent="0" algn="l" rtl="0">
               <a:spcBef>
                 <a:spcPts val="0"/>
               </a:spcBef>
@@ -8790,11 +9036,7 @@
             </a:pPr>
             <a:r>
               <a:rPr lang="en"/>
-              <a:t>3a</a:t>
-            </a:r>
-            <a:r>
-              <a:rPr lang="en"/>
-              <a:t>: PF Changes in Appearance</a:t>
+              <a:t>3a: PF Changes in Appearance</a:t>
             </a:r>
             <a:endParaRPr/>
           </a:p>
@@ -8820,12 +9062,12 @@
           </a:ln>
         </p:spPr>
         <p:txBody>
-          <a:bodyPr anchorCtr="0" anchor="ctr" bIns="91425" lIns="91425" spcFirstLastPara="1" rIns="91425" wrap="square" tIns="91425">
+          <a:bodyPr spcFirstLastPara="1" wrap="square" lIns="91425" tIns="91425" rIns="91425" bIns="91425" anchor="ctr" anchorCtr="0">
             <a:noAutofit/>
           </a:bodyPr>
           <a:lstStyle/>
           <a:p>
-            <a:pPr indent="0" lvl="0" marL="0" rtl="0" algn="l">
+            <a:pPr marL="0" lvl="0" indent="0" algn="l" rtl="0">
               <a:spcBef>
                 <a:spcPts val="0"/>
               </a:spcBef>
@@ -8870,12 +9112,12 @@
           </a:ln>
         </p:spPr>
         <p:txBody>
-          <a:bodyPr anchorCtr="0" anchor="t" bIns="91425" lIns="91425" spcFirstLastPara="1" rIns="91425" wrap="square" tIns="91425">
+          <a:bodyPr spcFirstLastPara="1" wrap="square" lIns="91425" tIns="91425" rIns="91425" bIns="91425" anchor="t" anchorCtr="0">
             <a:noAutofit/>
           </a:bodyPr>
           <a:lstStyle/>
           <a:p>
-            <a:pPr indent="0" lvl="0" marL="0" rtl="0" algn="ctr">
+            <a:pPr marL="0" lvl="0" indent="0" algn="ctr" rtl="0">
               <a:lnSpc>
                 <a:spcPct val="115000"/>
               </a:lnSpc>
@@ -8888,7 +9130,7 @@
               <a:buNone/>
             </a:pPr>
             <a:r>
-              <a:rPr b="1" lang="en">
+              <a:rPr lang="en" b="1">
                 <a:solidFill>
                   <a:schemeClr val="dk1"/>
                 </a:solidFill>
@@ -8931,14 +9173,14 @@
             <a:avLst/>
           </a:prstGeom>
           <a:noFill/>
-          <a:ln cap="flat" cmpd="sng" w="9525">
+          <a:ln w="9525" cap="flat" cmpd="sng">
             <a:solidFill>
               <a:srgbClr val="666666"/>
             </a:solidFill>
             <a:prstDash val="solid"/>
             <a:round/>
-            <a:headEnd len="sm" w="sm" type="none"/>
-            <a:tailEnd len="sm" w="sm" type="none"/>
+            <a:headEnd type="none" w="sm" len="sm"/>
+            <a:tailEnd type="none" w="sm" len="sm"/>
           </a:ln>
         </p:spPr>
       </p:pic>
@@ -8951,11 +9193,11 @@
 </file>
 
 <file path=ppt/slides/slide19.xml><?xml version="1.0" encoding="utf-8"?>
-<p:sld xmlns:a="http://schemas.openxmlformats.org/drawingml/2006/main" xmlns:r="http://schemas.openxmlformats.org/officeDocument/2006/relationships" xmlns:mc="http://schemas.openxmlformats.org/markup-compatibility/2006" xmlns:mv="urn:schemas-microsoft-com:mac:vml" xmlns:p="http://schemas.openxmlformats.org/presentationml/2006/main" xmlns:c="http://schemas.openxmlformats.org/drawingml/2006/chart" xmlns:dgm="http://schemas.openxmlformats.org/drawingml/2006/diagram" xmlns:o="urn:schemas-microsoft-com:office:office" xmlns:v="urn:schemas-microsoft-com:vml" xmlns:pvml="urn:schemas-microsoft-com:office:powerpoint" xmlns:com="http://schemas.openxmlformats.org/drawingml/2006/compatibility" xmlns:p14="http://schemas.microsoft.com/office/powerpoint/2010/main" xmlns:p15="http://schemas.microsoft.com/office/powerpoint/2012/main">
+<p:sld xmlns:a="http://schemas.openxmlformats.org/drawingml/2006/main" xmlns:r="http://schemas.openxmlformats.org/officeDocument/2006/relationships" xmlns:p="http://schemas.openxmlformats.org/presentationml/2006/main">
   <p:cSld>
     <p:spTree>
       <p:nvGrpSpPr>
-        <p:cNvPr id="176" name="Shape 176"/>
+        <p:cNvPr id="1" name="Shape 176"/>
         <p:cNvGrpSpPr/>
         <p:nvPr/>
       </p:nvGrpSpPr>
@@ -8970,7 +9212,9 @@
       <p:sp>
         <p:nvSpPr>
           <p:cNvPr id="177" name="Google Shape;177;p26"/>
-          <p:cNvSpPr txBox="1"/>
+          <p:cNvSpPr txBox="1">
+            <a:spLocks noGrp="1"/>
+          </p:cNvSpPr>
           <p:nvPr>
             <p:ph type="title"/>
           </p:nvPr>
@@ -8985,12 +9229,12 @@
           </a:prstGeom>
         </p:spPr>
         <p:txBody>
-          <a:bodyPr anchorCtr="0" anchor="b" bIns="91425" lIns="91425" spcFirstLastPara="1" rIns="91425" wrap="square" tIns="91425">
+          <a:bodyPr spcFirstLastPara="1" wrap="square" lIns="91425" tIns="91425" rIns="91425" bIns="91425" anchor="b" anchorCtr="0">
             <a:noAutofit/>
           </a:bodyPr>
           <a:lstStyle/>
           <a:p>
-            <a:pPr indent="0" lvl="0" marL="0" rtl="0" algn="l">
+            <a:pPr marL="0" lvl="0" indent="0" algn="l" rtl="0">
               <a:spcBef>
                 <a:spcPts val="0"/>
               </a:spcBef>
@@ -9027,12 +9271,12 @@
           </a:ln>
         </p:spPr>
         <p:txBody>
-          <a:bodyPr anchorCtr="0" anchor="ctr" bIns="91425" lIns="91425" spcFirstLastPara="1" rIns="91425" wrap="square" tIns="91425">
+          <a:bodyPr spcFirstLastPara="1" wrap="square" lIns="91425" tIns="91425" rIns="91425" bIns="91425" anchor="ctr" anchorCtr="0">
             <a:noAutofit/>
           </a:bodyPr>
           <a:lstStyle/>
           <a:p>
-            <a:pPr indent="0" lvl="0" marL="0" rtl="0" algn="l">
+            <a:pPr marL="0" lvl="0" indent="0" algn="l" rtl="0">
               <a:spcBef>
                 <a:spcPts val="0"/>
               </a:spcBef>
@@ -9077,12 +9321,12 @@
           </a:ln>
         </p:spPr>
         <p:txBody>
-          <a:bodyPr anchorCtr="0" anchor="t" bIns="91425" lIns="91425" spcFirstLastPara="1" rIns="91425" wrap="square" tIns="91425">
+          <a:bodyPr spcFirstLastPara="1" wrap="square" lIns="91425" tIns="91425" rIns="91425" bIns="91425" anchor="t" anchorCtr="0">
             <a:noAutofit/>
           </a:bodyPr>
           <a:lstStyle/>
           <a:p>
-            <a:pPr indent="0" lvl="0" marL="0" rtl="0" algn="ctr">
+            <a:pPr marL="0" lvl="0" indent="0" algn="ctr" rtl="0">
               <a:lnSpc>
                 <a:spcPct val="115000"/>
               </a:lnSpc>
@@ -9095,7 +9339,7 @@
               <a:buNone/>
             </a:pPr>
             <a:r>
-              <a:rPr b="1" lang="en">
+              <a:rPr lang="en" b="1">
                 <a:solidFill>
                   <a:schemeClr val="dk1"/>
                 </a:solidFill>
@@ -9138,14 +9382,14 @@
             <a:avLst/>
           </a:prstGeom>
           <a:noFill/>
-          <a:ln cap="flat" cmpd="sng" w="9525">
+          <a:ln w="9525" cap="flat" cmpd="sng">
             <a:solidFill>
               <a:srgbClr val="666666"/>
             </a:solidFill>
             <a:prstDash val="solid"/>
             <a:round/>
-            <a:headEnd len="sm" w="sm" type="none"/>
-            <a:tailEnd len="sm" w="sm" type="none"/>
+            <a:headEnd type="none" w="sm" len="sm"/>
+            <a:tailEnd type="none" w="sm" len="sm"/>
           </a:ln>
         </p:spPr>
       </p:pic>
@@ -9158,11 +9402,11 @@
 </file>
 
 <file path=ppt/slides/slide2.xml><?xml version="1.0" encoding="utf-8"?>
-<p:sld xmlns:a="http://schemas.openxmlformats.org/drawingml/2006/main" xmlns:r="http://schemas.openxmlformats.org/officeDocument/2006/relationships" xmlns:mc="http://schemas.openxmlformats.org/markup-compatibility/2006" xmlns:mv="urn:schemas-microsoft-com:mac:vml" xmlns:p="http://schemas.openxmlformats.org/presentationml/2006/main" xmlns:c="http://schemas.openxmlformats.org/drawingml/2006/chart" xmlns:dgm="http://schemas.openxmlformats.org/drawingml/2006/diagram" xmlns:o="urn:schemas-microsoft-com:office:office" xmlns:v="urn:schemas-microsoft-com:vml" xmlns:pvml="urn:schemas-microsoft-com:office:powerpoint" xmlns:com="http://schemas.openxmlformats.org/drawingml/2006/compatibility" xmlns:p14="http://schemas.microsoft.com/office/powerpoint/2010/main" xmlns:p15="http://schemas.microsoft.com/office/powerpoint/2012/main">
+<p:sld xmlns:a="http://schemas.openxmlformats.org/drawingml/2006/main" xmlns:r="http://schemas.openxmlformats.org/officeDocument/2006/relationships" xmlns:p="http://schemas.openxmlformats.org/presentationml/2006/main">
   <p:cSld>
     <p:spTree>
       <p:nvGrpSpPr>
-        <p:cNvPr id="40" name="Shape 40"/>
+        <p:cNvPr id="1" name="Shape 40"/>
         <p:cNvGrpSpPr/>
         <p:nvPr/>
       </p:nvGrpSpPr>
@@ -9177,7 +9421,9 @@
       <p:sp>
         <p:nvSpPr>
           <p:cNvPr id="41" name="Google Shape;41;p9"/>
-          <p:cNvSpPr txBox="1"/>
+          <p:cNvSpPr txBox="1">
+            <a:spLocks noGrp="1"/>
+          </p:cNvSpPr>
           <p:nvPr>
             <p:ph type="title"/>
           </p:nvPr>
@@ -9192,12 +9438,12 @@
           </a:prstGeom>
         </p:spPr>
         <p:txBody>
-          <a:bodyPr anchorCtr="0" anchor="b" bIns="91425" lIns="91425" spcFirstLastPara="1" rIns="91425" wrap="square" tIns="91425">
+          <a:bodyPr spcFirstLastPara="1" wrap="square" lIns="91425" tIns="91425" rIns="91425" bIns="91425" anchor="b" anchorCtr="0">
             <a:noAutofit/>
           </a:bodyPr>
           <a:lstStyle/>
           <a:p>
-            <a:pPr indent="0" lvl="0" marL="0" rtl="0" algn="l">
+            <a:pPr marL="0" lvl="0" indent="0" algn="l" rtl="0">
               <a:spcBef>
                 <a:spcPts val="0"/>
               </a:spcBef>
@@ -9234,12 +9480,12 @@
           </a:ln>
         </p:spPr>
         <p:txBody>
-          <a:bodyPr anchorCtr="0" anchor="ctr" bIns="91425" lIns="91425" spcFirstLastPara="1" rIns="91425" wrap="square" tIns="91425">
+          <a:bodyPr spcFirstLastPara="1" wrap="square" lIns="91425" tIns="91425" rIns="91425" bIns="91425" anchor="ctr" anchorCtr="0">
             <a:noAutofit/>
           </a:bodyPr>
           <a:lstStyle/>
           <a:p>
-            <a:pPr indent="0" lvl="0" marL="0" rtl="0" algn="l">
+            <a:pPr marL="0" lvl="0" indent="0" algn="l" rtl="0">
               <a:spcBef>
                 <a:spcPts val="0"/>
               </a:spcBef>
@@ -9284,12 +9530,12 @@
           </a:ln>
         </p:spPr>
         <p:txBody>
-          <a:bodyPr anchorCtr="0" anchor="t" bIns="91425" lIns="91425" spcFirstLastPara="1" rIns="91425" wrap="square" tIns="91425">
+          <a:bodyPr spcFirstLastPara="1" wrap="square" lIns="91425" tIns="91425" rIns="91425" bIns="91425" anchor="t" anchorCtr="0">
             <a:noAutofit/>
           </a:bodyPr>
           <a:lstStyle/>
           <a:p>
-            <a:pPr indent="0" lvl="0" marL="0" rtl="0" algn="ctr">
+            <a:pPr marL="0" lvl="0" indent="0" algn="ctr" rtl="0">
               <a:lnSpc>
                 <a:spcPct val="115000"/>
               </a:lnSpc>
@@ -9302,7 +9548,7 @@
               <a:buNone/>
             </a:pPr>
             <a:r>
-              <a:rPr b="1" lang="en">
+              <a:rPr lang="en" b="1">
                 <a:solidFill>
                   <a:schemeClr val="dk1"/>
                 </a:solidFill>
@@ -9345,14 +9591,14 @@
             <a:avLst/>
           </a:prstGeom>
           <a:noFill/>
-          <a:ln cap="flat" cmpd="sng" w="9525">
+          <a:ln w="9525" cap="flat" cmpd="sng">
             <a:solidFill>
               <a:srgbClr val="666666"/>
             </a:solidFill>
             <a:prstDash val="solid"/>
             <a:round/>
-            <a:headEnd len="sm" w="sm" type="none"/>
-            <a:tailEnd len="sm" w="sm" type="none"/>
+            <a:headEnd type="none" w="sm" len="sm"/>
+            <a:tailEnd type="none" w="sm" len="sm"/>
           </a:ln>
         </p:spPr>
       </p:pic>
@@ -9365,11 +9611,11 @@
 </file>
 
 <file path=ppt/slides/slide20.xml><?xml version="1.0" encoding="utf-8"?>
-<p:sld xmlns:a="http://schemas.openxmlformats.org/drawingml/2006/main" xmlns:r="http://schemas.openxmlformats.org/officeDocument/2006/relationships" xmlns:mc="http://schemas.openxmlformats.org/markup-compatibility/2006" xmlns:mv="urn:schemas-microsoft-com:mac:vml" xmlns:p="http://schemas.openxmlformats.org/presentationml/2006/main" xmlns:c="http://schemas.openxmlformats.org/drawingml/2006/chart" xmlns:dgm="http://schemas.openxmlformats.org/drawingml/2006/diagram" xmlns:o="urn:schemas-microsoft-com:office:office" xmlns:v="urn:schemas-microsoft-com:vml" xmlns:pvml="urn:schemas-microsoft-com:office:powerpoint" xmlns:com="http://schemas.openxmlformats.org/drawingml/2006/compatibility" xmlns:p14="http://schemas.microsoft.com/office/powerpoint/2010/main" xmlns:p15="http://schemas.microsoft.com/office/powerpoint/2012/main">
+<p:sld xmlns:a="http://schemas.openxmlformats.org/drawingml/2006/main" xmlns:r="http://schemas.openxmlformats.org/officeDocument/2006/relationships" xmlns:p="http://schemas.openxmlformats.org/presentationml/2006/main">
   <p:cSld>
     <p:spTree>
       <p:nvGrpSpPr>
-        <p:cNvPr id="184" name="Shape 184"/>
+        <p:cNvPr id="1" name="Shape 184"/>
         <p:cNvGrpSpPr/>
         <p:nvPr/>
       </p:nvGrpSpPr>
@@ -9384,7 +9630,9 @@
       <p:sp>
         <p:nvSpPr>
           <p:cNvPr id="185" name="Google Shape;185;p27"/>
-          <p:cNvSpPr txBox="1"/>
+          <p:cNvSpPr txBox="1">
+            <a:spLocks noGrp="1"/>
+          </p:cNvSpPr>
           <p:nvPr>
             <p:ph type="title"/>
           </p:nvPr>
@@ -9399,12 +9647,12 @@
           </a:prstGeom>
         </p:spPr>
         <p:txBody>
-          <a:bodyPr anchorCtr="0" anchor="b" bIns="91425" lIns="91425" spcFirstLastPara="1" rIns="91425" wrap="square" tIns="91425">
+          <a:bodyPr spcFirstLastPara="1" wrap="square" lIns="91425" tIns="91425" rIns="91425" bIns="91425" anchor="b" anchorCtr="0">
             <a:noAutofit/>
           </a:bodyPr>
           <a:lstStyle/>
           <a:p>
-            <a:pPr indent="0" lvl="0" marL="0" rtl="0" algn="l">
+            <a:pPr marL="0" lvl="0" indent="0" algn="l" rtl="0">
               <a:spcBef>
                 <a:spcPts val="0"/>
               </a:spcBef>
@@ -9441,12 +9689,12 @@
           </a:ln>
         </p:spPr>
         <p:txBody>
-          <a:bodyPr anchorCtr="0" anchor="ctr" bIns="91425" lIns="91425" spcFirstLastPara="1" rIns="91425" wrap="square" tIns="91425">
+          <a:bodyPr spcFirstLastPara="1" wrap="square" lIns="91425" tIns="91425" rIns="91425" bIns="91425" anchor="ctr" anchorCtr="0">
             <a:noAutofit/>
           </a:bodyPr>
           <a:lstStyle/>
           <a:p>
-            <a:pPr indent="0" lvl="0" marL="0" rtl="0" algn="l">
+            <a:pPr marL="0" lvl="0" indent="0" algn="l" rtl="0">
               <a:spcBef>
                 <a:spcPts val="0"/>
               </a:spcBef>
@@ -9491,12 +9739,12 @@
           </a:ln>
         </p:spPr>
         <p:txBody>
-          <a:bodyPr anchorCtr="0" anchor="t" bIns="91425" lIns="91425" spcFirstLastPara="1" rIns="91425" wrap="square" tIns="91425">
+          <a:bodyPr spcFirstLastPara="1" wrap="square" lIns="91425" tIns="91425" rIns="91425" bIns="91425" anchor="t" anchorCtr="0">
             <a:noAutofit/>
           </a:bodyPr>
           <a:lstStyle/>
           <a:p>
-            <a:pPr indent="0" lvl="0" marL="0" rtl="0" algn="ctr">
+            <a:pPr marL="0" lvl="0" indent="0" algn="ctr" rtl="0">
               <a:lnSpc>
                 <a:spcPct val="115000"/>
               </a:lnSpc>
@@ -9509,7 +9757,7 @@
               <a:buNone/>
             </a:pPr>
             <a:r>
-              <a:rPr b="1" lang="en">
+              <a:rPr lang="en" b="1">
                 <a:solidFill>
                   <a:schemeClr val="dk1"/>
                 </a:solidFill>
@@ -9552,14 +9800,14 @@
             <a:avLst/>
           </a:prstGeom>
           <a:noFill/>
-          <a:ln cap="flat" cmpd="sng" w="9525">
+          <a:ln w="9525" cap="flat" cmpd="sng">
             <a:solidFill>
               <a:srgbClr val="666666"/>
             </a:solidFill>
             <a:prstDash val="solid"/>
             <a:round/>
-            <a:headEnd len="sm" w="sm" type="none"/>
-            <a:tailEnd len="sm" w="sm" type="none"/>
+            <a:headEnd type="none" w="sm" len="sm"/>
+            <a:tailEnd type="none" w="sm" len="sm"/>
           </a:ln>
         </p:spPr>
       </p:pic>
@@ -9572,11 +9820,11 @@
 </file>
 
 <file path=ppt/slides/slide21.xml><?xml version="1.0" encoding="utf-8"?>
-<p:sld xmlns:a="http://schemas.openxmlformats.org/drawingml/2006/main" xmlns:r="http://schemas.openxmlformats.org/officeDocument/2006/relationships" xmlns:mc="http://schemas.openxmlformats.org/markup-compatibility/2006" xmlns:mv="urn:schemas-microsoft-com:mac:vml" xmlns:p="http://schemas.openxmlformats.org/presentationml/2006/main" xmlns:c="http://schemas.openxmlformats.org/drawingml/2006/chart" xmlns:dgm="http://schemas.openxmlformats.org/drawingml/2006/diagram" xmlns:o="urn:schemas-microsoft-com:office:office" xmlns:v="urn:schemas-microsoft-com:vml" xmlns:pvml="urn:schemas-microsoft-com:office:powerpoint" xmlns:com="http://schemas.openxmlformats.org/drawingml/2006/compatibility" xmlns:p14="http://schemas.microsoft.com/office/powerpoint/2010/main" xmlns:p15="http://schemas.microsoft.com/office/powerpoint/2012/main">
+<p:sld xmlns:a="http://schemas.openxmlformats.org/drawingml/2006/main" xmlns:r="http://schemas.openxmlformats.org/officeDocument/2006/relationships" xmlns:p="http://schemas.openxmlformats.org/presentationml/2006/main">
   <p:cSld>
     <p:spTree>
       <p:nvGrpSpPr>
-        <p:cNvPr id="192" name="Shape 192"/>
+        <p:cNvPr id="1" name="Shape 192"/>
         <p:cNvGrpSpPr/>
         <p:nvPr/>
       </p:nvGrpSpPr>
@@ -9591,7 +9839,9 @@
       <p:sp>
         <p:nvSpPr>
           <p:cNvPr id="193" name="Google Shape;193;p28"/>
-          <p:cNvSpPr txBox="1"/>
+          <p:cNvSpPr txBox="1">
+            <a:spLocks noGrp="1"/>
+          </p:cNvSpPr>
           <p:nvPr>
             <p:ph type="title"/>
           </p:nvPr>
@@ -9606,12 +9856,12 @@
           </a:prstGeom>
         </p:spPr>
         <p:txBody>
-          <a:bodyPr anchorCtr="0" anchor="b" bIns="91425" lIns="91425" spcFirstLastPara="1" rIns="91425" wrap="square" tIns="91425">
+          <a:bodyPr spcFirstLastPara="1" wrap="square" lIns="91425" tIns="91425" rIns="91425" bIns="91425" anchor="b" anchorCtr="0">
             <a:noAutofit/>
           </a:bodyPr>
           <a:lstStyle/>
           <a:p>
-            <a:pPr indent="0" lvl="0" marL="0" rtl="0" algn="l">
+            <a:pPr marL="0" lvl="0" indent="0" algn="l" rtl="0">
               <a:spcBef>
                 <a:spcPts val="0"/>
               </a:spcBef>
@@ -9622,11 +9872,7 @@
             </a:pPr>
             <a:r>
               <a:rPr lang="en"/>
-              <a:t>4</a:t>
-            </a:r>
-            <a:r>
-              <a:rPr lang="en"/>
-              <a:t>a: PF Occlusions</a:t>
+              <a:t>4a: PF Occlusions</a:t>
             </a:r>
             <a:endParaRPr/>
           </a:p>
@@ -9652,12 +9898,12 @@
           </a:ln>
         </p:spPr>
         <p:txBody>
-          <a:bodyPr anchorCtr="0" anchor="ctr" bIns="91425" lIns="91425" spcFirstLastPara="1" rIns="91425" wrap="square" tIns="91425">
+          <a:bodyPr spcFirstLastPara="1" wrap="square" lIns="91425" tIns="91425" rIns="91425" bIns="91425" anchor="ctr" anchorCtr="0">
             <a:noAutofit/>
           </a:bodyPr>
           <a:lstStyle/>
           <a:p>
-            <a:pPr indent="0" lvl="0" marL="0" rtl="0" algn="l">
+            <a:pPr marL="0" lvl="0" indent="0" algn="l" rtl="0">
               <a:spcBef>
                 <a:spcPts val="0"/>
               </a:spcBef>
@@ -9702,12 +9948,12 @@
           </a:ln>
         </p:spPr>
         <p:txBody>
-          <a:bodyPr anchorCtr="0" anchor="t" bIns="91425" lIns="91425" spcFirstLastPara="1" rIns="91425" wrap="square" tIns="91425">
+          <a:bodyPr spcFirstLastPara="1" wrap="square" lIns="91425" tIns="91425" rIns="91425" bIns="91425" anchor="t" anchorCtr="0">
             <a:noAutofit/>
           </a:bodyPr>
           <a:lstStyle/>
           <a:p>
-            <a:pPr indent="0" lvl="0" marL="0" rtl="0" algn="ctr">
+            <a:pPr marL="0" lvl="0" indent="0" algn="ctr" rtl="0">
               <a:lnSpc>
                 <a:spcPct val="115000"/>
               </a:lnSpc>
@@ -9720,7 +9966,7 @@
               <a:buNone/>
             </a:pPr>
             <a:r>
-              <a:rPr b="1" lang="en">
+              <a:rPr lang="en" b="1">
                 <a:solidFill>
                   <a:schemeClr val="dk1"/>
                 </a:solidFill>
@@ -9763,14 +10009,14 @@
             <a:avLst/>
           </a:prstGeom>
           <a:noFill/>
-          <a:ln cap="flat" cmpd="sng" w="9525">
+          <a:ln w="9525" cap="flat" cmpd="sng">
             <a:solidFill>
               <a:srgbClr val="666666"/>
             </a:solidFill>
             <a:prstDash val="solid"/>
             <a:round/>
-            <a:headEnd len="sm" w="sm" type="none"/>
-            <a:tailEnd len="sm" w="sm" type="none"/>
+            <a:headEnd type="none" w="sm" len="sm"/>
+            <a:tailEnd type="none" w="sm" len="sm"/>
           </a:ln>
         </p:spPr>
       </p:pic>
@@ -9783,11 +10029,11 @@
 </file>
 
 <file path=ppt/slides/slide22.xml><?xml version="1.0" encoding="utf-8"?>
-<p:sld xmlns:a="http://schemas.openxmlformats.org/drawingml/2006/main" xmlns:r="http://schemas.openxmlformats.org/officeDocument/2006/relationships" xmlns:mc="http://schemas.openxmlformats.org/markup-compatibility/2006" xmlns:mv="urn:schemas-microsoft-com:mac:vml" xmlns:p="http://schemas.openxmlformats.org/presentationml/2006/main" xmlns:c="http://schemas.openxmlformats.org/drawingml/2006/chart" xmlns:dgm="http://schemas.openxmlformats.org/drawingml/2006/diagram" xmlns:o="urn:schemas-microsoft-com:office:office" xmlns:v="urn:schemas-microsoft-com:vml" xmlns:pvml="urn:schemas-microsoft-com:office:powerpoint" xmlns:com="http://schemas.openxmlformats.org/drawingml/2006/compatibility" xmlns:p14="http://schemas.microsoft.com/office/powerpoint/2010/main" xmlns:p15="http://schemas.microsoft.com/office/powerpoint/2012/main">
+<p:sld xmlns:a="http://schemas.openxmlformats.org/drawingml/2006/main" xmlns:r="http://schemas.openxmlformats.org/officeDocument/2006/relationships" xmlns:p="http://schemas.openxmlformats.org/presentationml/2006/main">
   <p:cSld>
     <p:spTree>
       <p:nvGrpSpPr>
-        <p:cNvPr id="200" name="Shape 200"/>
+        <p:cNvPr id="1" name="Shape 200"/>
         <p:cNvGrpSpPr/>
         <p:nvPr/>
       </p:nvGrpSpPr>
@@ -9802,7 +10048,9 @@
       <p:sp>
         <p:nvSpPr>
           <p:cNvPr id="201" name="Google Shape;201;p29"/>
-          <p:cNvSpPr txBox="1"/>
+          <p:cNvSpPr txBox="1">
+            <a:spLocks noGrp="1"/>
+          </p:cNvSpPr>
           <p:nvPr>
             <p:ph type="title"/>
           </p:nvPr>
@@ -9817,12 +10065,12 @@
           </a:prstGeom>
         </p:spPr>
         <p:txBody>
-          <a:bodyPr anchorCtr="0" anchor="b" bIns="91425" lIns="91425" spcFirstLastPara="1" rIns="91425" wrap="square" tIns="91425">
+          <a:bodyPr spcFirstLastPara="1" wrap="square" lIns="91425" tIns="91425" rIns="91425" bIns="91425" anchor="b" anchorCtr="0">
             <a:noAutofit/>
           </a:bodyPr>
           <a:lstStyle/>
           <a:p>
-            <a:pPr indent="0" lvl="0" marL="0" rtl="0" algn="l">
+            <a:pPr marL="0" lvl="0" indent="0" algn="l" rtl="0">
               <a:spcBef>
                 <a:spcPts val="0"/>
               </a:spcBef>
@@ -9859,12 +10107,12 @@
           </a:ln>
         </p:spPr>
         <p:txBody>
-          <a:bodyPr anchorCtr="0" anchor="ctr" bIns="91425" lIns="91425" spcFirstLastPara="1" rIns="91425" wrap="square" tIns="91425">
+          <a:bodyPr spcFirstLastPara="1" wrap="square" lIns="91425" tIns="91425" rIns="91425" bIns="91425" anchor="ctr" anchorCtr="0">
             <a:noAutofit/>
           </a:bodyPr>
           <a:lstStyle/>
           <a:p>
-            <a:pPr indent="0" lvl="0" marL="0" rtl="0" algn="l">
+            <a:pPr marL="0" lvl="0" indent="0" algn="l" rtl="0">
               <a:spcBef>
                 <a:spcPts val="0"/>
               </a:spcBef>
@@ -9909,12 +10157,12 @@
           </a:ln>
         </p:spPr>
         <p:txBody>
-          <a:bodyPr anchorCtr="0" anchor="t" bIns="91425" lIns="91425" spcFirstLastPara="1" rIns="91425" wrap="square" tIns="91425">
+          <a:bodyPr spcFirstLastPara="1" wrap="square" lIns="91425" tIns="91425" rIns="91425" bIns="91425" anchor="t" anchorCtr="0">
             <a:noAutofit/>
           </a:bodyPr>
           <a:lstStyle/>
           <a:p>
-            <a:pPr indent="0" lvl="0" marL="0" rtl="0" algn="ctr">
+            <a:pPr marL="0" lvl="0" indent="0" algn="ctr" rtl="0">
               <a:lnSpc>
                 <a:spcPct val="115000"/>
               </a:lnSpc>
@@ -9927,7 +10175,7 @@
               <a:buNone/>
             </a:pPr>
             <a:r>
-              <a:rPr b="1" lang="en">
+              <a:rPr lang="en" b="1">
                 <a:solidFill>
                   <a:schemeClr val="dk1"/>
                 </a:solidFill>
@@ -9970,14 +10218,14 @@
             <a:avLst/>
           </a:prstGeom>
           <a:noFill/>
-          <a:ln cap="flat" cmpd="sng" w="9525">
+          <a:ln w="9525" cap="flat" cmpd="sng">
             <a:solidFill>
               <a:srgbClr val="666666"/>
             </a:solidFill>
             <a:prstDash val="solid"/>
             <a:round/>
-            <a:headEnd len="sm" w="sm" type="none"/>
-            <a:tailEnd len="sm" w="sm" type="none"/>
+            <a:headEnd type="none" w="sm" len="sm"/>
+            <a:tailEnd type="none" w="sm" len="sm"/>
           </a:ln>
         </p:spPr>
       </p:pic>
@@ -9990,11 +10238,11 @@
 </file>
 
 <file path=ppt/slides/slide23.xml><?xml version="1.0" encoding="utf-8"?>
-<p:sld xmlns:a="http://schemas.openxmlformats.org/drawingml/2006/main" xmlns:r="http://schemas.openxmlformats.org/officeDocument/2006/relationships" xmlns:mc="http://schemas.openxmlformats.org/markup-compatibility/2006" xmlns:mv="urn:schemas-microsoft-com:mac:vml" xmlns:p="http://schemas.openxmlformats.org/presentationml/2006/main" xmlns:c="http://schemas.openxmlformats.org/drawingml/2006/chart" xmlns:dgm="http://schemas.openxmlformats.org/drawingml/2006/diagram" xmlns:o="urn:schemas-microsoft-com:office:office" xmlns:v="urn:schemas-microsoft-com:vml" xmlns:pvml="urn:schemas-microsoft-com:office:powerpoint" xmlns:com="http://schemas.openxmlformats.org/drawingml/2006/compatibility" xmlns:p14="http://schemas.microsoft.com/office/powerpoint/2010/main" xmlns:p15="http://schemas.microsoft.com/office/powerpoint/2012/main">
+<p:sld xmlns:a="http://schemas.openxmlformats.org/drawingml/2006/main" xmlns:r="http://schemas.openxmlformats.org/officeDocument/2006/relationships" xmlns:p="http://schemas.openxmlformats.org/presentationml/2006/main">
   <p:cSld>
     <p:spTree>
       <p:nvGrpSpPr>
-        <p:cNvPr id="208" name="Shape 208"/>
+        <p:cNvPr id="1" name="Shape 208"/>
         <p:cNvGrpSpPr/>
         <p:nvPr/>
       </p:nvGrpSpPr>
@@ -10009,7 +10257,9 @@
       <p:sp>
         <p:nvSpPr>
           <p:cNvPr id="209" name="Google Shape;209;p30"/>
-          <p:cNvSpPr txBox="1"/>
+          <p:cNvSpPr txBox="1">
+            <a:spLocks noGrp="1"/>
+          </p:cNvSpPr>
           <p:nvPr>
             <p:ph type="title"/>
           </p:nvPr>
@@ -10024,12 +10274,12 @@
           </a:prstGeom>
         </p:spPr>
         <p:txBody>
-          <a:bodyPr anchorCtr="0" anchor="b" bIns="91425" lIns="91425" spcFirstLastPara="1" rIns="91425" wrap="square" tIns="91425">
+          <a:bodyPr spcFirstLastPara="1" wrap="square" lIns="91425" tIns="91425" rIns="91425" bIns="91425" anchor="b" anchorCtr="0">
             <a:noAutofit/>
           </a:bodyPr>
           <a:lstStyle/>
           <a:p>
-            <a:pPr indent="0" lvl="0" marL="0" rtl="0" algn="l">
+            <a:pPr marL="0" lvl="0" indent="0" algn="l" rtl="0">
               <a:spcBef>
                 <a:spcPts val="0"/>
               </a:spcBef>
@@ -10040,11 +10290,7 @@
             </a:pPr>
             <a:r>
               <a:rPr lang="en"/>
-              <a:t>4a: PF Occlusions</a:t>
-            </a:r>
-            <a:r>
-              <a:rPr lang="en"/>
-              <a:t> (cont.)</a:t>
+              <a:t>4a: PF Occlusions (cont.)</a:t>
             </a:r>
             <a:endParaRPr/>
           </a:p>
@@ -10070,12 +10316,12 @@
           </a:ln>
         </p:spPr>
         <p:txBody>
-          <a:bodyPr anchorCtr="0" anchor="ctr" bIns="91425" lIns="91425" spcFirstLastPara="1" rIns="91425" wrap="square" tIns="91425">
+          <a:bodyPr spcFirstLastPara="1" wrap="square" lIns="91425" tIns="91425" rIns="91425" bIns="91425" anchor="ctr" anchorCtr="0">
             <a:noAutofit/>
           </a:bodyPr>
           <a:lstStyle/>
           <a:p>
-            <a:pPr indent="0" lvl="0" marL="0" rtl="0" algn="l">
+            <a:pPr marL="0" lvl="0" indent="0" algn="l" rtl="0">
               <a:spcBef>
                 <a:spcPts val="0"/>
               </a:spcBef>
@@ -10120,12 +10366,12 @@
           </a:ln>
         </p:spPr>
         <p:txBody>
-          <a:bodyPr anchorCtr="0" anchor="t" bIns="91425" lIns="91425" spcFirstLastPara="1" rIns="91425" wrap="square" tIns="91425">
+          <a:bodyPr spcFirstLastPara="1" wrap="square" lIns="91425" tIns="91425" rIns="91425" bIns="91425" anchor="t" anchorCtr="0">
             <a:noAutofit/>
           </a:bodyPr>
           <a:lstStyle/>
           <a:p>
-            <a:pPr indent="0" lvl="0" marL="0" rtl="0" algn="ctr">
+            <a:pPr marL="0" lvl="0" indent="0" algn="ctr" rtl="0">
               <a:lnSpc>
                 <a:spcPct val="115000"/>
               </a:lnSpc>
@@ -10138,7 +10384,7 @@
               <a:buNone/>
             </a:pPr>
             <a:r>
-              <a:rPr b="1" lang="en">
+              <a:rPr lang="en" b="1">
                 <a:solidFill>
                   <a:schemeClr val="dk1"/>
                 </a:solidFill>
@@ -10181,14 +10427,14 @@
             <a:avLst/>
           </a:prstGeom>
           <a:noFill/>
-          <a:ln cap="flat" cmpd="sng" w="9525">
+          <a:ln w="9525" cap="flat" cmpd="sng">
             <a:solidFill>
               <a:srgbClr val="666666"/>
             </a:solidFill>
             <a:prstDash val="solid"/>
             <a:round/>
-            <a:headEnd len="sm" w="sm" type="none"/>
-            <a:tailEnd len="sm" w="sm" type="none"/>
+            <a:headEnd type="none" w="sm" len="sm"/>
+            <a:tailEnd type="none" w="sm" len="sm"/>
           </a:ln>
         </p:spPr>
       </p:pic>
@@ -10201,11 +10447,11 @@
 </file>
 
 <file path=ppt/slides/slide24.xml><?xml version="1.0" encoding="utf-8"?>
-<p:sld xmlns:a="http://schemas.openxmlformats.org/drawingml/2006/main" xmlns:r="http://schemas.openxmlformats.org/officeDocument/2006/relationships" xmlns:mc="http://schemas.openxmlformats.org/markup-compatibility/2006" xmlns:mv="urn:schemas-microsoft-com:mac:vml" xmlns:p="http://schemas.openxmlformats.org/presentationml/2006/main" xmlns:c="http://schemas.openxmlformats.org/drawingml/2006/chart" xmlns:dgm="http://schemas.openxmlformats.org/drawingml/2006/diagram" xmlns:o="urn:schemas-microsoft-com:office:office" xmlns:v="urn:schemas-microsoft-com:vml" xmlns:pvml="urn:schemas-microsoft-com:office:powerpoint" xmlns:com="http://schemas.openxmlformats.org/drawingml/2006/compatibility" xmlns:p14="http://schemas.microsoft.com/office/powerpoint/2010/main" xmlns:p15="http://schemas.microsoft.com/office/powerpoint/2012/main">
+<p:sld xmlns:a="http://schemas.openxmlformats.org/drawingml/2006/main" xmlns:r="http://schemas.openxmlformats.org/officeDocument/2006/relationships" xmlns:p="http://schemas.openxmlformats.org/presentationml/2006/main">
   <p:cSld>
     <p:spTree>
       <p:nvGrpSpPr>
-        <p:cNvPr id="216" name="Shape 216"/>
+        <p:cNvPr id="1" name="Shape 216"/>
         <p:cNvGrpSpPr/>
         <p:nvPr/>
       </p:nvGrpSpPr>
@@ -10220,7 +10466,9 @@
       <p:sp>
         <p:nvSpPr>
           <p:cNvPr id="217" name="Google Shape;217;p31"/>
-          <p:cNvSpPr txBox="1"/>
+          <p:cNvSpPr txBox="1">
+            <a:spLocks noGrp="1"/>
+          </p:cNvSpPr>
           <p:nvPr>
             <p:ph type="title"/>
           </p:nvPr>
@@ -10235,12 +10483,12 @@
           </a:prstGeom>
         </p:spPr>
         <p:txBody>
-          <a:bodyPr anchorCtr="0" anchor="b" bIns="91425" lIns="91425" spcFirstLastPara="1" rIns="91425" wrap="square" tIns="91425">
+          <a:bodyPr spcFirstLastPara="1" wrap="square" lIns="91425" tIns="91425" rIns="91425" bIns="91425" anchor="b" anchorCtr="0">
             <a:noAutofit/>
           </a:bodyPr>
           <a:lstStyle/>
           <a:p>
-            <a:pPr indent="0" lvl="0" marL="0" rtl="0" algn="l">
+            <a:pPr marL="0" lvl="0" indent="0" algn="l" rtl="0">
               <a:spcBef>
                 <a:spcPts val="0"/>
               </a:spcBef>
@@ -10251,11 +10499,7 @@
             </a:pPr>
             <a:r>
               <a:rPr lang="en"/>
-              <a:t>4a: PF Occlusions</a:t>
-            </a:r>
-            <a:r>
-              <a:rPr lang="en"/>
-              <a:t> (cont.)</a:t>
+              <a:t>4a: PF Occlusions (cont.)</a:t>
             </a:r>
             <a:endParaRPr/>
           </a:p>
@@ -10281,12 +10525,12 @@
           </a:ln>
         </p:spPr>
         <p:txBody>
-          <a:bodyPr anchorCtr="0" anchor="ctr" bIns="91425" lIns="91425" spcFirstLastPara="1" rIns="91425" wrap="square" tIns="91425">
+          <a:bodyPr spcFirstLastPara="1" wrap="square" lIns="91425" tIns="91425" rIns="91425" bIns="91425" anchor="ctr" anchorCtr="0">
             <a:noAutofit/>
           </a:bodyPr>
           <a:lstStyle/>
           <a:p>
-            <a:pPr indent="0" lvl="0" marL="0" rtl="0" algn="l">
+            <a:pPr marL="0" lvl="0" indent="0" algn="l" rtl="0">
               <a:spcBef>
                 <a:spcPts val="0"/>
               </a:spcBef>
@@ -10331,12 +10575,12 @@
           </a:ln>
         </p:spPr>
         <p:txBody>
-          <a:bodyPr anchorCtr="0" anchor="t" bIns="91425" lIns="91425" spcFirstLastPara="1" rIns="91425" wrap="square" tIns="91425">
+          <a:bodyPr spcFirstLastPara="1" wrap="square" lIns="91425" tIns="91425" rIns="91425" bIns="91425" anchor="t" anchorCtr="0">
             <a:noAutofit/>
           </a:bodyPr>
           <a:lstStyle/>
           <a:p>
-            <a:pPr indent="0" lvl="0" marL="0" rtl="0" algn="ctr">
+            <a:pPr marL="0" lvl="0" indent="0" algn="ctr" rtl="0">
               <a:lnSpc>
                 <a:spcPct val="115000"/>
               </a:lnSpc>
@@ -10349,7 +10593,7 @@
               <a:buNone/>
             </a:pPr>
             <a:r>
-              <a:rPr b="1" lang="en">
+              <a:rPr lang="en" b="1">
                 <a:solidFill>
                   <a:schemeClr val="dk1"/>
                 </a:solidFill>
@@ -10392,14 +10636,14 @@
             <a:avLst/>
           </a:prstGeom>
           <a:noFill/>
-          <a:ln cap="flat" cmpd="sng" w="9525">
+          <a:ln w="9525" cap="flat" cmpd="sng">
             <a:solidFill>
               <a:srgbClr val="666666"/>
             </a:solidFill>
             <a:prstDash val="solid"/>
             <a:round/>
-            <a:headEnd len="sm" w="sm" type="none"/>
-            <a:tailEnd len="sm" w="sm" type="none"/>
+            <a:headEnd type="none" w="sm" len="sm"/>
+            <a:tailEnd type="none" w="sm" len="sm"/>
           </a:ln>
         </p:spPr>
       </p:pic>
@@ -10412,11 +10656,11 @@
 </file>
 
 <file path=ppt/slides/slide25.xml><?xml version="1.0" encoding="utf-8"?>
-<p:sld xmlns:a="http://schemas.openxmlformats.org/drawingml/2006/main" xmlns:r="http://schemas.openxmlformats.org/officeDocument/2006/relationships" xmlns:mc="http://schemas.openxmlformats.org/markup-compatibility/2006" xmlns:mv="urn:schemas-microsoft-com:mac:vml" xmlns:p="http://schemas.openxmlformats.org/presentationml/2006/main" xmlns:c="http://schemas.openxmlformats.org/drawingml/2006/chart" xmlns:dgm="http://schemas.openxmlformats.org/drawingml/2006/diagram" xmlns:o="urn:schemas-microsoft-com:office:office" xmlns:v="urn:schemas-microsoft-com:vml" xmlns:pvml="urn:schemas-microsoft-com:office:powerpoint" xmlns:com="http://schemas.openxmlformats.org/drawingml/2006/compatibility" xmlns:p14="http://schemas.microsoft.com/office/powerpoint/2010/main" xmlns:p15="http://schemas.microsoft.com/office/powerpoint/2012/main">
+<p:sld xmlns:a="http://schemas.openxmlformats.org/drawingml/2006/main" xmlns:r="http://schemas.openxmlformats.org/officeDocument/2006/relationships" xmlns:p="http://schemas.openxmlformats.org/presentationml/2006/main">
   <p:cSld>
     <p:spTree>
       <p:nvGrpSpPr>
-        <p:cNvPr id="224" name="Shape 224"/>
+        <p:cNvPr id="1" name="Shape 224"/>
         <p:cNvGrpSpPr/>
         <p:nvPr/>
       </p:nvGrpSpPr>
@@ -10431,7 +10675,9 @@
       <p:sp>
         <p:nvSpPr>
           <p:cNvPr id="225" name="Google Shape;225;p32"/>
-          <p:cNvSpPr txBox="1"/>
+          <p:cNvSpPr txBox="1">
+            <a:spLocks noGrp="1"/>
+          </p:cNvSpPr>
           <p:nvPr>
             <p:ph type="title"/>
           </p:nvPr>
@@ -10446,12 +10692,12 @@
           </a:prstGeom>
         </p:spPr>
         <p:txBody>
-          <a:bodyPr anchorCtr="0" anchor="b" bIns="91425" lIns="91425" spcFirstLastPara="1" rIns="91425" wrap="square" tIns="91425">
+          <a:bodyPr spcFirstLastPara="1" wrap="square" lIns="91425" tIns="91425" rIns="91425" bIns="91425" anchor="b" anchorCtr="0">
             <a:noAutofit/>
           </a:bodyPr>
           <a:lstStyle/>
           <a:p>
-            <a:pPr indent="0" lvl="0" marL="0" rtl="0" algn="l">
+            <a:pPr marL="0" lvl="0" indent="0" algn="l" rtl="0">
               <a:spcBef>
                 <a:spcPts val="0"/>
               </a:spcBef>
@@ -10462,11 +10708,7 @@
             </a:pPr>
             <a:r>
               <a:rPr lang="en"/>
-              <a:t>4</a:t>
-            </a:r>
-            <a:r>
-              <a:rPr lang="en"/>
-              <a:t>: Text response</a:t>
+              <a:t>4: Text response</a:t>
             </a:r>
             <a:endParaRPr/>
           </a:p>
@@ -10492,12 +10734,12 @@
           </a:ln>
         </p:spPr>
         <p:txBody>
-          <a:bodyPr anchorCtr="0" anchor="ctr" bIns="91425" lIns="91425" spcFirstLastPara="1" rIns="91425" wrap="square" tIns="91425">
+          <a:bodyPr spcFirstLastPara="1" wrap="square" lIns="91425" tIns="91425" rIns="91425" bIns="91425" anchor="ctr" anchorCtr="0">
             <a:noAutofit/>
           </a:bodyPr>
           <a:lstStyle/>
           <a:p>
-            <a:pPr indent="0" lvl="0" marL="0" rtl="0" algn="l">
+            <a:pPr marL="0" lvl="0" indent="0" algn="l" rtl="0">
               <a:spcBef>
                 <a:spcPts val="0"/>
               </a:spcBef>
@@ -10525,9 +10767,11 @@
       <p:sp>
         <p:nvSpPr>
           <p:cNvPr id="227" name="Google Shape;227;p32"/>
-          <p:cNvSpPr txBox="1"/>
+          <p:cNvSpPr txBox="1">
+            <a:spLocks noGrp="1"/>
+          </p:cNvSpPr>
           <p:nvPr>
-            <p:ph idx="1" type="body"/>
+            <p:ph type="body" idx="1"/>
           </p:nvPr>
         </p:nvSpPr>
         <p:spPr>
@@ -10540,12 +10784,12 @@
           </a:prstGeom>
         </p:spPr>
         <p:txBody>
-          <a:bodyPr anchorCtr="0" anchor="t" bIns="91425" lIns="91425" spcFirstLastPara="1" rIns="91425" wrap="square" tIns="91425">
+          <a:bodyPr spcFirstLastPara="1" wrap="square" lIns="91425" tIns="91425" rIns="91425" bIns="91425" anchor="t" anchorCtr="0">
             <a:noAutofit/>
           </a:bodyPr>
           <a:lstStyle/>
           <a:p>
-            <a:pPr indent="0" lvl="0" marL="0" rtl="0" algn="l">
+            <a:pPr marL="0" lvl="0" indent="0" algn="l" rtl="0">
               <a:lnSpc>
                 <a:spcPct val="115000"/>
               </a:lnSpc>
@@ -10557,9 +10801,6 @@
               </a:spcAft>
               <a:buNone/>
             </a:pPr>
-            <a:r>
-              <a:t/>
-            </a:r>
             <a:endParaRPr sz="2400">
               <a:solidFill>
                 <a:schemeClr val="dk1"/>
@@ -10581,11 +10822,11 @@
 </file>
 
 <file path=ppt/slides/slide26.xml><?xml version="1.0" encoding="utf-8"?>
-<p:sld xmlns:a="http://schemas.openxmlformats.org/drawingml/2006/main" xmlns:r="http://schemas.openxmlformats.org/officeDocument/2006/relationships" xmlns:mc="http://schemas.openxmlformats.org/markup-compatibility/2006" xmlns:mv="urn:schemas-microsoft-com:mac:vml" xmlns:p="http://schemas.openxmlformats.org/presentationml/2006/main" xmlns:c="http://schemas.openxmlformats.org/drawingml/2006/chart" xmlns:dgm="http://schemas.openxmlformats.org/drawingml/2006/diagram" xmlns:o="urn:schemas-microsoft-com:office:office" xmlns:v="urn:schemas-microsoft-com:vml" xmlns:pvml="urn:schemas-microsoft-com:office:powerpoint" xmlns:com="http://schemas.openxmlformats.org/drawingml/2006/compatibility" xmlns:p14="http://schemas.microsoft.com/office/powerpoint/2010/main" xmlns:p15="http://schemas.microsoft.com/office/powerpoint/2012/main">
+<p:sld xmlns:a="http://schemas.openxmlformats.org/drawingml/2006/main" xmlns:r="http://schemas.openxmlformats.org/officeDocument/2006/relationships" xmlns:p="http://schemas.openxmlformats.org/presentationml/2006/main">
   <p:cSld>
     <p:spTree>
       <p:nvGrpSpPr>
-        <p:cNvPr id="231" name="Shape 231"/>
+        <p:cNvPr id="1" name="Shape 231"/>
         <p:cNvGrpSpPr/>
         <p:nvPr/>
       </p:nvGrpSpPr>
@@ -10600,7 +10841,9 @@
       <p:sp>
         <p:nvSpPr>
           <p:cNvPr id="232" name="Google Shape;232;p33"/>
-          <p:cNvSpPr txBox="1"/>
+          <p:cNvSpPr txBox="1">
+            <a:spLocks noGrp="1"/>
+          </p:cNvSpPr>
           <p:nvPr>
             <p:ph type="title"/>
           </p:nvPr>
@@ -10615,12 +10858,12 @@
           </a:prstGeom>
         </p:spPr>
         <p:txBody>
-          <a:bodyPr anchorCtr="0" anchor="b" bIns="91425" lIns="91425" spcFirstLastPara="1" rIns="91425" wrap="square" tIns="91425">
+          <a:bodyPr spcFirstLastPara="1" wrap="square" lIns="91425" tIns="91425" rIns="91425" bIns="91425" anchor="b" anchorCtr="0">
             <a:noAutofit/>
           </a:bodyPr>
           <a:lstStyle/>
           <a:p>
-            <a:pPr indent="0" lvl="0" marL="0" rtl="0" algn="l">
+            <a:pPr marL="0" lvl="0" indent="0" algn="l" rtl="0">
               <a:spcBef>
                 <a:spcPts val="0"/>
               </a:spcBef>
@@ -10631,11 +10874,7 @@
             </a:pPr>
             <a:r>
               <a:rPr lang="en"/>
-              <a:t>5</a:t>
-            </a:r>
-            <a:r>
-              <a:rPr lang="en"/>
-              <a:t>: Tracking multiple targets</a:t>
+              <a:t>5: Tracking multiple targets</a:t>
             </a:r>
             <a:endParaRPr/>
           </a:p>
@@ -10661,12 +10900,12 @@
           </a:ln>
         </p:spPr>
         <p:txBody>
-          <a:bodyPr anchorCtr="0" anchor="ctr" bIns="91425" lIns="91425" spcFirstLastPara="1" rIns="91425" wrap="square" tIns="91425">
+          <a:bodyPr spcFirstLastPara="1" wrap="square" lIns="91425" tIns="91425" rIns="91425" bIns="91425" anchor="ctr" anchorCtr="0">
             <a:noAutofit/>
           </a:bodyPr>
           <a:lstStyle/>
           <a:p>
-            <a:pPr indent="0" lvl="0" marL="0" rtl="0" algn="l">
+            <a:pPr marL="0" lvl="0" indent="0" algn="l" rtl="0">
               <a:spcBef>
                 <a:spcPts val="0"/>
               </a:spcBef>
@@ -10711,12 +10950,12 @@
           </a:ln>
         </p:spPr>
         <p:txBody>
-          <a:bodyPr anchorCtr="0" anchor="t" bIns="91425" lIns="91425" spcFirstLastPara="1" rIns="91425" wrap="square" tIns="91425">
+          <a:bodyPr spcFirstLastPara="1" wrap="square" lIns="91425" tIns="91425" rIns="91425" bIns="91425" anchor="t" anchorCtr="0">
             <a:noAutofit/>
           </a:bodyPr>
           <a:lstStyle/>
           <a:p>
-            <a:pPr indent="0" lvl="0" marL="0" rtl="0" algn="ctr">
+            <a:pPr marL="0" lvl="0" indent="0" algn="ctr" rtl="0">
               <a:lnSpc>
                 <a:spcPct val="115000"/>
               </a:lnSpc>
@@ -10729,7 +10968,7 @@
               <a:buNone/>
             </a:pPr>
             <a:r>
-              <a:rPr b="1" lang="en">
+              <a:rPr lang="en" b="1">
                 <a:solidFill>
                   <a:schemeClr val="dk1"/>
                 </a:solidFill>
@@ -10772,14 +11011,14 @@
             <a:avLst/>
           </a:prstGeom>
           <a:noFill/>
-          <a:ln cap="flat" cmpd="sng" w="9525">
+          <a:ln w="9525" cap="flat" cmpd="sng">
             <a:solidFill>
               <a:srgbClr val="666666"/>
             </a:solidFill>
             <a:prstDash val="solid"/>
             <a:round/>
-            <a:headEnd len="sm" w="sm" type="none"/>
-            <a:tailEnd len="sm" w="sm" type="none"/>
+            <a:headEnd type="none" w="sm" len="sm"/>
+            <a:tailEnd type="none" w="sm" len="sm"/>
           </a:ln>
         </p:spPr>
       </p:pic>
@@ -10792,11 +11031,11 @@
 </file>
 
 <file path=ppt/slides/slide27.xml><?xml version="1.0" encoding="utf-8"?>
-<p:sld xmlns:a="http://schemas.openxmlformats.org/drawingml/2006/main" xmlns:r="http://schemas.openxmlformats.org/officeDocument/2006/relationships" xmlns:mc="http://schemas.openxmlformats.org/markup-compatibility/2006" xmlns:mv="urn:schemas-microsoft-com:mac:vml" xmlns:p="http://schemas.openxmlformats.org/presentationml/2006/main" xmlns:c="http://schemas.openxmlformats.org/drawingml/2006/chart" xmlns:dgm="http://schemas.openxmlformats.org/drawingml/2006/diagram" xmlns:o="urn:schemas-microsoft-com:office:office" xmlns:v="urn:schemas-microsoft-com:vml" xmlns:pvml="urn:schemas-microsoft-com:office:powerpoint" xmlns:com="http://schemas.openxmlformats.org/drawingml/2006/compatibility" xmlns:p14="http://schemas.microsoft.com/office/powerpoint/2010/main" xmlns:p15="http://schemas.microsoft.com/office/powerpoint/2012/main">
+<p:sld xmlns:a="http://schemas.openxmlformats.org/drawingml/2006/main" xmlns:r="http://schemas.openxmlformats.org/officeDocument/2006/relationships" xmlns:p="http://schemas.openxmlformats.org/presentationml/2006/main">
   <p:cSld>
     <p:spTree>
       <p:nvGrpSpPr>
-        <p:cNvPr id="239" name="Shape 239"/>
+        <p:cNvPr id="1" name="Shape 239"/>
         <p:cNvGrpSpPr/>
         <p:nvPr/>
       </p:nvGrpSpPr>
@@ -10811,7 +11050,9 @@
       <p:sp>
         <p:nvSpPr>
           <p:cNvPr id="240" name="Google Shape;240;p34"/>
-          <p:cNvSpPr txBox="1"/>
+          <p:cNvSpPr txBox="1">
+            <a:spLocks noGrp="1"/>
+          </p:cNvSpPr>
           <p:nvPr>
             <p:ph type="title"/>
           </p:nvPr>
@@ -10826,12 +11067,12 @@
           </a:prstGeom>
         </p:spPr>
         <p:txBody>
-          <a:bodyPr anchorCtr="0" anchor="b" bIns="91425" lIns="91425" spcFirstLastPara="1" rIns="91425" wrap="square" tIns="91425">
+          <a:bodyPr spcFirstLastPara="1" wrap="square" lIns="91425" tIns="91425" rIns="91425" bIns="91425" anchor="b" anchorCtr="0">
             <a:noAutofit/>
           </a:bodyPr>
           <a:lstStyle/>
           <a:p>
-            <a:pPr indent="0" lvl="0" marL="0" rtl="0" algn="l">
+            <a:pPr marL="0" lvl="0" indent="0" algn="l" rtl="0">
               <a:spcBef>
                 <a:spcPts val="0"/>
               </a:spcBef>
@@ -10868,12 +11109,12 @@
           </a:ln>
         </p:spPr>
         <p:txBody>
-          <a:bodyPr anchorCtr="0" anchor="ctr" bIns="91425" lIns="91425" spcFirstLastPara="1" rIns="91425" wrap="square" tIns="91425">
+          <a:bodyPr spcFirstLastPara="1" wrap="square" lIns="91425" tIns="91425" rIns="91425" bIns="91425" anchor="ctr" anchorCtr="0">
             <a:noAutofit/>
           </a:bodyPr>
           <a:lstStyle/>
           <a:p>
-            <a:pPr indent="0" lvl="0" marL="0" rtl="0" algn="l">
+            <a:pPr marL="0" lvl="0" indent="0" algn="l" rtl="0">
               <a:spcBef>
                 <a:spcPts val="0"/>
               </a:spcBef>
@@ -10918,12 +11159,12 @@
           </a:ln>
         </p:spPr>
         <p:txBody>
-          <a:bodyPr anchorCtr="0" anchor="t" bIns="91425" lIns="91425" spcFirstLastPara="1" rIns="91425" wrap="square" tIns="91425">
+          <a:bodyPr spcFirstLastPara="1" wrap="square" lIns="91425" tIns="91425" rIns="91425" bIns="91425" anchor="t" anchorCtr="0">
             <a:noAutofit/>
           </a:bodyPr>
           <a:lstStyle/>
           <a:p>
-            <a:pPr indent="0" lvl="0" marL="0" rtl="0" algn="ctr">
+            <a:pPr marL="0" lvl="0" indent="0" algn="ctr" rtl="0">
               <a:lnSpc>
                 <a:spcPct val="115000"/>
               </a:lnSpc>
@@ -10936,7 +11177,7 @@
               <a:buNone/>
             </a:pPr>
             <a:r>
-              <a:rPr b="1" lang="en">
+              <a:rPr lang="en" b="1">
                 <a:solidFill>
                   <a:schemeClr val="dk1"/>
                 </a:solidFill>
@@ -10979,14 +11220,14 @@
             <a:avLst/>
           </a:prstGeom>
           <a:noFill/>
-          <a:ln cap="flat" cmpd="sng" w="9525">
+          <a:ln w="9525" cap="flat" cmpd="sng">
             <a:solidFill>
               <a:srgbClr val="666666"/>
             </a:solidFill>
             <a:prstDash val="solid"/>
             <a:round/>
-            <a:headEnd len="sm" w="sm" type="none"/>
-            <a:tailEnd len="sm" w="sm" type="none"/>
+            <a:headEnd type="none" w="sm" len="sm"/>
+            <a:tailEnd type="none" w="sm" len="sm"/>
           </a:ln>
         </p:spPr>
       </p:pic>
@@ -10999,11 +11240,11 @@
 </file>
 
 <file path=ppt/slides/slide28.xml><?xml version="1.0" encoding="utf-8"?>
-<p:sld xmlns:a="http://schemas.openxmlformats.org/drawingml/2006/main" xmlns:r="http://schemas.openxmlformats.org/officeDocument/2006/relationships" xmlns:mc="http://schemas.openxmlformats.org/markup-compatibility/2006" xmlns:mv="urn:schemas-microsoft-com:mac:vml" xmlns:p="http://schemas.openxmlformats.org/presentationml/2006/main" xmlns:c="http://schemas.openxmlformats.org/drawingml/2006/chart" xmlns:dgm="http://schemas.openxmlformats.org/drawingml/2006/diagram" xmlns:o="urn:schemas-microsoft-com:office:office" xmlns:v="urn:schemas-microsoft-com:vml" xmlns:pvml="urn:schemas-microsoft-com:office:powerpoint" xmlns:com="http://schemas.openxmlformats.org/drawingml/2006/compatibility" xmlns:p14="http://schemas.microsoft.com/office/powerpoint/2010/main" xmlns:p15="http://schemas.microsoft.com/office/powerpoint/2012/main">
+<p:sld xmlns:a="http://schemas.openxmlformats.org/drawingml/2006/main" xmlns:r="http://schemas.openxmlformats.org/officeDocument/2006/relationships" xmlns:p="http://schemas.openxmlformats.org/presentationml/2006/main">
   <p:cSld>
     <p:spTree>
       <p:nvGrpSpPr>
-        <p:cNvPr id="247" name="Shape 247"/>
+        <p:cNvPr id="1" name="Shape 247"/>
         <p:cNvGrpSpPr/>
         <p:nvPr/>
       </p:nvGrpSpPr>
@@ -11018,7 +11259,9 @@
       <p:sp>
         <p:nvSpPr>
           <p:cNvPr id="248" name="Google Shape;248;p35"/>
-          <p:cNvSpPr txBox="1"/>
+          <p:cNvSpPr txBox="1">
+            <a:spLocks noGrp="1"/>
+          </p:cNvSpPr>
           <p:nvPr>
             <p:ph type="title"/>
           </p:nvPr>
@@ -11033,12 +11276,12 @@
           </a:prstGeom>
         </p:spPr>
         <p:txBody>
-          <a:bodyPr anchorCtr="0" anchor="b" bIns="91425" lIns="91425" spcFirstLastPara="1" rIns="91425" wrap="square" tIns="91425">
+          <a:bodyPr spcFirstLastPara="1" wrap="square" lIns="91425" tIns="91425" rIns="91425" bIns="91425" anchor="b" anchorCtr="0">
             <a:noAutofit/>
           </a:bodyPr>
           <a:lstStyle/>
           <a:p>
-            <a:pPr indent="0" lvl="0" marL="0" rtl="0" algn="l">
+            <a:pPr marL="0" lvl="0" indent="0" algn="l" rtl="0">
               <a:spcBef>
                 <a:spcPts val="0"/>
               </a:spcBef>
@@ -11075,12 +11318,12 @@
           </a:ln>
         </p:spPr>
         <p:txBody>
-          <a:bodyPr anchorCtr="0" anchor="ctr" bIns="91425" lIns="91425" spcFirstLastPara="1" rIns="91425" wrap="square" tIns="91425">
+          <a:bodyPr spcFirstLastPara="1" wrap="square" lIns="91425" tIns="91425" rIns="91425" bIns="91425" anchor="ctr" anchorCtr="0">
             <a:noAutofit/>
           </a:bodyPr>
           <a:lstStyle/>
           <a:p>
-            <a:pPr indent="0" lvl="0" marL="0" rtl="0" algn="l">
+            <a:pPr marL="0" lvl="0" indent="0" algn="l" rtl="0">
               <a:spcBef>
                 <a:spcPts val="0"/>
               </a:spcBef>
@@ -11125,12 +11368,12 @@
           </a:ln>
         </p:spPr>
         <p:txBody>
-          <a:bodyPr anchorCtr="0" anchor="t" bIns="91425" lIns="91425" spcFirstLastPara="1" rIns="91425" wrap="square" tIns="91425">
+          <a:bodyPr spcFirstLastPara="1" wrap="square" lIns="91425" tIns="91425" rIns="91425" bIns="91425" anchor="t" anchorCtr="0">
             <a:noAutofit/>
           </a:bodyPr>
           <a:lstStyle/>
           <a:p>
-            <a:pPr indent="0" lvl="0" marL="0" rtl="0" algn="ctr">
+            <a:pPr marL="0" lvl="0" indent="0" algn="ctr" rtl="0">
               <a:lnSpc>
                 <a:spcPct val="115000"/>
               </a:lnSpc>
@@ -11143,7 +11386,7 @@
               <a:buNone/>
             </a:pPr>
             <a:r>
-              <a:rPr b="1" lang="en">
+              <a:rPr lang="en" b="1">
                 <a:solidFill>
                   <a:schemeClr val="dk1"/>
                 </a:solidFill>
@@ -11186,14 +11429,14 @@
             <a:avLst/>
           </a:prstGeom>
           <a:noFill/>
-          <a:ln cap="flat" cmpd="sng" w="9525">
+          <a:ln w="9525" cap="flat" cmpd="sng">
             <a:solidFill>
               <a:srgbClr val="666666"/>
             </a:solidFill>
             <a:prstDash val="solid"/>
             <a:round/>
-            <a:headEnd len="sm" w="sm" type="none"/>
-            <a:tailEnd len="sm" w="sm" type="none"/>
+            <a:headEnd type="none" w="sm" len="sm"/>
+            <a:tailEnd type="none" w="sm" len="sm"/>
           </a:ln>
         </p:spPr>
       </p:pic>
@@ -11206,11 +11449,11 @@
 </file>
 
 <file path=ppt/slides/slide29.xml><?xml version="1.0" encoding="utf-8"?>
-<p:sld xmlns:a="http://schemas.openxmlformats.org/drawingml/2006/main" xmlns:r="http://schemas.openxmlformats.org/officeDocument/2006/relationships" xmlns:mc="http://schemas.openxmlformats.org/markup-compatibility/2006" xmlns:mv="urn:schemas-microsoft-com:mac:vml" xmlns:p="http://schemas.openxmlformats.org/presentationml/2006/main" xmlns:c="http://schemas.openxmlformats.org/drawingml/2006/chart" xmlns:dgm="http://schemas.openxmlformats.org/drawingml/2006/diagram" xmlns:o="urn:schemas-microsoft-com:office:office" xmlns:v="urn:schemas-microsoft-com:vml" xmlns:pvml="urn:schemas-microsoft-com:office:powerpoint" xmlns:com="http://schemas.openxmlformats.org/drawingml/2006/compatibility" xmlns:p14="http://schemas.microsoft.com/office/powerpoint/2010/main" xmlns:p15="http://schemas.microsoft.com/office/powerpoint/2012/main">
+<p:sld xmlns:a="http://schemas.openxmlformats.org/drawingml/2006/main" xmlns:r="http://schemas.openxmlformats.org/officeDocument/2006/relationships" xmlns:p="http://schemas.openxmlformats.org/presentationml/2006/main">
   <p:cSld>
     <p:spTree>
       <p:nvGrpSpPr>
-        <p:cNvPr id="255" name="Shape 255"/>
+        <p:cNvPr id="1" name="Shape 255"/>
         <p:cNvGrpSpPr/>
         <p:nvPr/>
       </p:nvGrpSpPr>
@@ -11225,7 +11468,9 @@
       <p:sp>
         <p:nvSpPr>
           <p:cNvPr id="256" name="Google Shape;256;p36"/>
-          <p:cNvSpPr txBox="1"/>
+          <p:cNvSpPr txBox="1">
+            <a:spLocks noGrp="1"/>
+          </p:cNvSpPr>
           <p:nvPr>
             <p:ph type="title"/>
           </p:nvPr>
@@ -11240,12 +11485,12 @@
           </a:prstGeom>
         </p:spPr>
         <p:txBody>
-          <a:bodyPr anchorCtr="0" anchor="b" bIns="91425" lIns="91425" spcFirstLastPara="1" rIns="91425" wrap="square" tIns="91425">
+          <a:bodyPr spcFirstLastPara="1" wrap="square" lIns="91425" tIns="91425" rIns="91425" bIns="91425" anchor="b" anchorCtr="0">
             <a:noAutofit/>
           </a:bodyPr>
           <a:lstStyle/>
           <a:p>
-            <a:pPr indent="0" lvl="0" marL="0" rtl="0" algn="l">
+            <a:pPr marL="0" lvl="0" indent="0" algn="l" rtl="0">
               <a:spcBef>
                 <a:spcPts val="0"/>
               </a:spcBef>
@@ -11282,12 +11527,12 @@
           </a:ln>
         </p:spPr>
         <p:txBody>
-          <a:bodyPr anchorCtr="0" anchor="ctr" bIns="91425" lIns="91425" spcFirstLastPara="1" rIns="91425" wrap="square" tIns="91425">
+          <a:bodyPr spcFirstLastPara="1" wrap="square" lIns="91425" tIns="91425" rIns="91425" bIns="91425" anchor="ctr" anchorCtr="0">
             <a:noAutofit/>
           </a:bodyPr>
           <a:lstStyle/>
           <a:p>
-            <a:pPr indent="0" lvl="0" marL="0" rtl="0" algn="l">
+            <a:pPr marL="0" lvl="0" indent="0" algn="l" rtl="0">
               <a:spcBef>
                 <a:spcPts val="0"/>
               </a:spcBef>
@@ -11315,9 +11560,11 @@
       <p:sp>
         <p:nvSpPr>
           <p:cNvPr id="258" name="Google Shape;258;p36"/>
-          <p:cNvSpPr txBox="1"/>
+          <p:cNvSpPr txBox="1">
+            <a:spLocks noGrp="1"/>
+          </p:cNvSpPr>
           <p:nvPr>
-            <p:ph idx="1" type="body"/>
+            <p:ph type="body" idx="1"/>
           </p:nvPr>
         </p:nvSpPr>
         <p:spPr>
@@ -11330,12 +11577,12 @@
           </a:prstGeom>
         </p:spPr>
         <p:txBody>
-          <a:bodyPr anchorCtr="0" anchor="t" bIns="91425" lIns="91425" spcFirstLastPara="1" rIns="91425" wrap="square" tIns="91425">
+          <a:bodyPr spcFirstLastPara="1" wrap="square" lIns="91425" tIns="91425" rIns="91425" bIns="91425" anchor="t" anchorCtr="0">
             <a:noAutofit/>
           </a:bodyPr>
           <a:lstStyle/>
           <a:p>
-            <a:pPr indent="0" lvl="0" marL="0" rtl="0" algn="l">
+            <a:pPr marL="0" lvl="0" indent="0" algn="l" rtl="0">
               <a:lnSpc>
                 <a:spcPct val="115000"/>
               </a:lnSpc>
@@ -11347,9 +11594,6 @@
               </a:spcAft>
               <a:buNone/>
             </a:pPr>
-            <a:r>
-              <a:t/>
-            </a:r>
             <a:endParaRPr sz="2400">
               <a:solidFill>
                 <a:schemeClr val="dk1"/>
@@ -11371,11 +11615,11 @@
 </file>
 
 <file path=ppt/slides/slide3.xml><?xml version="1.0" encoding="utf-8"?>
-<p:sld xmlns:a="http://schemas.openxmlformats.org/drawingml/2006/main" xmlns:r="http://schemas.openxmlformats.org/officeDocument/2006/relationships" xmlns:mc="http://schemas.openxmlformats.org/markup-compatibility/2006" xmlns:mv="urn:schemas-microsoft-com:mac:vml" xmlns:p="http://schemas.openxmlformats.org/presentationml/2006/main" xmlns:c="http://schemas.openxmlformats.org/drawingml/2006/chart" xmlns:dgm="http://schemas.openxmlformats.org/drawingml/2006/diagram" xmlns:o="urn:schemas-microsoft-com:office:office" xmlns:v="urn:schemas-microsoft-com:vml" xmlns:pvml="urn:schemas-microsoft-com:office:powerpoint" xmlns:com="http://schemas.openxmlformats.org/drawingml/2006/compatibility" xmlns:p14="http://schemas.microsoft.com/office/powerpoint/2010/main" xmlns:p15="http://schemas.microsoft.com/office/powerpoint/2012/main">
+<p:sld xmlns:a="http://schemas.openxmlformats.org/drawingml/2006/main" xmlns:r="http://schemas.openxmlformats.org/officeDocument/2006/relationships" xmlns:p="http://schemas.openxmlformats.org/presentationml/2006/main">
   <p:cSld>
     <p:spTree>
       <p:nvGrpSpPr>
-        <p:cNvPr id="48" name="Shape 48"/>
+        <p:cNvPr id="1" name="Shape 48"/>
         <p:cNvGrpSpPr/>
         <p:nvPr/>
       </p:nvGrpSpPr>
@@ -11390,7 +11634,9 @@
       <p:sp>
         <p:nvSpPr>
           <p:cNvPr id="49" name="Google Shape;49;p10"/>
-          <p:cNvSpPr txBox="1"/>
+          <p:cNvSpPr txBox="1">
+            <a:spLocks noGrp="1"/>
+          </p:cNvSpPr>
           <p:nvPr>
             <p:ph type="title"/>
           </p:nvPr>
@@ -11405,12 +11651,12 @@
           </a:prstGeom>
         </p:spPr>
         <p:txBody>
-          <a:bodyPr anchorCtr="0" anchor="b" bIns="91425" lIns="91425" spcFirstLastPara="1" rIns="91425" wrap="square" tIns="91425">
+          <a:bodyPr spcFirstLastPara="1" wrap="square" lIns="91425" tIns="91425" rIns="91425" bIns="91425" anchor="b" anchorCtr="0">
             <a:noAutofit/>
           </a:bodyPr>
           <a:lstStyle/>
           <a:p>
-            <a:pPr indent="0" lvl="0" marL="0" rtl="0" algn="l">
+            <a:pPr marL="0" lvl="0" indent="0" algn="l" rtl="0">
               <a:spcBef>
                 <a:spcPts val="0"/>
               </a:spcBef>
@@ -11447,12 +11693,12 @@
           </a:ln>
         </p:spPr>
         <p:txBody>
-          <a:bodyPr anchorCtr="0" anchor="ctr" bIns="91425" lIns="91425" spcFirstLastPara="1" rIns="91425" wrap="square" tIns="91425">
+          <a:bodyPr spcFirstLastPara="1" wrap="square" lIns="91425" tIns="91425" rIns="91425" bIns="91425" anchor="ctr" anchorCtr="0">
             <a:noAutofit/>
           </a:bodyPr>
           <a:lstStyle/>
           <a:p>
-            <a:pPr indent="0" lvl="0" marL="0" rtl="0" algn="l">
+            <a:pPr marL="0" lvl="0" indent="0" algn="l" rtl="0">
               <a:spcBef>
                 <a:spcPts val="0"/>
               </a:spcBef>
@@ -11497,12 +11743,12 @@
           </a:ln>
         </p:spPr>
         <p:txBody>
-          <a:bodyPr anchorCtr="0" anchor="t" bIns="91425" lIns="91425" spcFirstLastPara="1" rIns="91425" wrap="square" tIns="91425">
+          <a:bodyPr spcFirstLastPara="1" wrap="square" lIns="91425" tIns="91425" rIns="91425" bIns="91425" anchor="t" anchorCtr="0">
             <a:noAutofit/>
           </a:bodyPr>
           <a:lstStyle/>
           <a:p>
-            <a:pPr indent="0" lvl="0" marL="0" rtl="0" algn="ctr">
+            <a:pPr marL="0" lvl="0" indent="0" algn="ctr" rtl="0">
               <a:lnSpc>
                 <a:spcPct val="115000"/>
               </a:lnSpc>
@@ -11515,7 +11761,7 @@
               <a:buNone/>
             </a:pPr>
             <a:r>
-              <a:rPr b="1" lang="en">
+              <a:rPr lang="en" b="1">
                 <a:solidFill>
                   <a:schemeClr val="dk1"/>
                 </a:solidFill>
@@ -11558,14 +11804,14 @@
             <a:avLst/>
           </a:prstGeom>
           <a:noFill/>
-          <a:ln cap="flat" cmpd="sng" w="9525">
+          <a:ln w="9525" cap="flat" cmpd="sng">
             <a:solidFill>
               <a:srgbClr val="666666"/>
             </a:solidFill>
             <a:prstDash val="solid"/>
             <a:round/>
-            <a:headEnd len="sm" w="sm" type="none"/>
-            <a:tailEnd len="sm" w="sm" type="none"/>
+            <a:headEnd type="none" w="sm" len="sm"/>
+            <a:tailEnd type="none" w="sm" len="sm"/>
           </a:ln>
         </p:spPr>
       </p:pic>
@@ -11578,11 +11824,11 @@
 </file>
 
 <file path=ppt/slides/slide30.xml><?xml version="1.0" encoding="utf-8"?>
-<p:sld xmlns:a="http://schemas.openxmlformats.org/drawingml/2006/main" xmlns:r="http://schemas.openxmlformats.org/officeDocument/2006/relationships" xmlns:mc="http://schemas.openxmlformats.org/markup-compatibility/2006" xmlns:mv="urn:schemas-microsoft-com:mac:vml" xmlns:p="http://schemas.openxmlformats.org/presentationml/2006/main" xmlns:c="http://schemas.openxmlformats.org/drawingml/2006/chart" xmlns:dgm="http://schemas.openxmlformats.org/drawingml/2006/diagram" xmlns:o="urn:schemas-microsoft-com:office:office" xmlns:v="urn:schemas-microsoft-com:vml" xmlns:pvml="urn:schemas-microsoft-com:office:powerpoint" xmlns:com="http://schemas.openxmlformats.org/drawingml/2006/compatibility" xmlns:p14="http://schemas.microsoft.com/office/powerpoint/2010/main" xmlns:p15="http://schemas.microsoft.com/office/powerpoint/2012/main">
+<p:sld xmlns:a="http://schemas.openxmlformats.org/drawingml/2006/main" xmlns:r="http://schemas.openxmlformats.org/officeDocument/2006/relationships" xmlns:p="http://schemas.openxmlformats.org/presentationml/2006/main">
   <p:cSld>
     <p:spTree>
       <p:nvGrpSpPr>
-        <p:cNvPr id="262" name="Shape 262"/>
+        <p:cNvPr id="1" name="Shape 262"/>
         <p:cNvGrpSpPr/>
         <p:nvPr/>
       </p:nvGrpSpPr>
@@ -11597,7 +11843,9 @@
       <p:sp>
         <p:nvSpPr>
           <p:cNvPr id="263" name="Google Shape;263;p37"/>
-          <p:cNvSpPr txBox="1"/>
+          <p:cNvSpPr txBox="1">
+            <a:spLocks noGrp="1"/>
+          </p:cNvSpPr>
           <p:nvPr>
             <p:ph type="title"/>
           </p:nvPr>
@@ -11612,12 +11860,12 @@
           </a:prstGeom>
         </p:spPr>
         <p:txBody>
-          <a:bodyPr anchorCtr="0" anchor="b" bIns="91425" lIns="91425" spcFirstLastPara="1" rIns="91425" wrap="square" tIns="91425">
+          <a:bodyPr spcFirstLastPara="1" wrap="square" lIns="91425" tIns="91425" rIns="91425" bIns="91425" anchor="b" anchorCtr="0">
             <a:noAutofit/>
           </a:bodyPr>
           <a:lstStyle/>
           <a:p>
-            <a:pPr indent="0" lvl="0" marL="0" rtl="0" algn="l">
+            <a:pPr marL="0" lvl="0" indent="0" algn="l" rtl="0">
               <a:spcBef>
                 <a:spcPts val="0"/>
               </a:spcBef>
@@ -11628,11 +11876,7 @@
             </a:pPr>
             <a:r>
               <a:rPr lang="en"/>
-              <a:t>6</a:t>
-            </a:r>
-            <a:r>
-              <a:rPr lang="en"/>
-              <a:t>: Challenge Problem</a:t>
+              <a:t>6: Challenge Problem</a:t>
             </a:r>
             <a:endParaRPr/>
           </a:p>
@@ -11658,12 +11902,12 @@
           </a:ln>
         </p:spPr>
         <p:txBody>
-          <a:bodyPr anchorCtr="0" anchor="ctr" bIns="91425" lIns="91425" spcFirstLastPara="1" rIns="91425" wrap="square" tIns="91425">
+          <a:bodyPr spcFirstLastPara="1" wrap="square" lIns="91425" tIns="91425" rIns="91425" bIns="91425" anchor="ctr" anchorCtr="0">
             <a:noAutofit/>
           </a:bodyPr>
           <a:lstStyle/>
           <a:p>
-            <a:pPr indent="0" lvl="0" marL="0" rtl="0" algn="l">
+            <a:pPr marL="0" lvl="0" indent="0" algn="l" rtl="0">
               <a:spcBef>
                 <a:spcPts val="0"/>
               </a:spcBef>
@@ -11708,12 +11952,12 @@
           </a:ln>
         </p:spPr>
         <p:txBody>
-          <a:bodyPr anchorCtr="0" anchor="t" bIns="91425" lIns="91425" spcFirstLastPara="1" rIns="91425" wrap="square" tIns="91425">
+          <a:bodyPr spcFirstLastPara="1" wrap="square" lIns="91425" tIns="91425" rIns="91425" bIns="91425" anchor="t" anchorCtr="0">
             <a:noAutofit/>
           </a:bodyPr>
           <a:lstStyle/>
           <a:p>
-            <a:pPr indent="0" lvl="0" marL="0" rtl="0" algn="ctr">
+            <a:pPr marL="0" lvl="0" indent="0" algn="ctr" rtl="0">
               <a:lnSpc>
                 <a:spcPct val="115000"/>
               </a:lnSpc>
@@ -11726,7 +11970,7 @@
               <a:buNone/>
             </a:pPr>
             <a:r>
-              <a:rPr b="1" lang="en">
+              <a:rPr lang="en" b="1">
                 <a:solidFill>
                   <a:schemeClr val="dk1"/>
                 </a:solidFill>
@@ -11769,14 +12013,14 @@
             <a:avLst/>
           </a:prstGeom>
           <a:noFill/>
-          <a:ln cap="flat" cmpd="sng" w="9525">
+          <a:ln w="9525" cap="flat" cmpd="sng">
             <a:solidFill>
               <a:srgbClr val="666666"/>
             </a:solidFill>
             <a:prstDash val="solid"/>
             <a:round/>
-            <a:headEnd len="sm" w="sm" type="none"/>
-            <a:tailEnd len="sm" w="sm" type="none"/>
+            <a:headEnd type="none" w="sm" len="sm"/>
+            <a:tailEnd type="none" w="sm" len="sm"/>
           </a:ln>
         </p:spPr>
       </p:pic>
@@ -11789,11 +12033,11 @@
 </file>
 
 <file path=ppt/slides/slide31.xml><?xml version="1.0" encoding="utf-8"?>
-<p:sld xmlns:a="http://schemas.openxmlformats.org/drawingml/2006/main" xmlns:r="http://schemas.openxmlformats.org/officeDocument/2006/relationships" xmlns:mc="http://schemas.openxmlformats.org/markup-compatibility/2006" xmlns:mv="urn:schemas-microsoft-com:mac:vml" xmlns:p="http://schemas.openxmlformats.org/presentationml/2006/main" xmlns:c="http://schemas.openxmlformats.org/drawingml/2006/chart" xmlns:dgm="http://schemas.openxmlformats.org/drawingml/2006/diagram" xmlns:o="urn:schemas-microsoft-com:office:office" xmlns:v="urn:schemas-microsoft-com:vml" xmlns:pvml="urn:schemas-microsoft-com:office:powerpoint" xmlns:com="http://schemas.openxmlformats.org/drawingml/2006/compatibility" xmlns:p14="http://schemas.microsoft.com/office/powerpoint/2010/main" xmlns:p15="http://schemas.microsoft.com/office/powerpoint/2012/main">
+<p:sld xmlns:a="http://schemas.openxmlformats.org/drawingml/2006/main" xmlns:r="http://schemas.openxmlformats.org/officeDocument/2006/relationships" xmlns:p="http://schemas.openxmlformats.org/presentationml/2006/main">
   <p:cSld>
     <p:spTree>
       <p:nvGrpSpPr>
-        <p:cNvPr id="270" name="Shape 270"/>
+        <p:cNvPr id="1" name="Shape 270"/>
         <p:cNvGrpSpPr/>
         <p:nvPr/>
       </p:nvGrpSpPr>
@@ -11808,7 +12052,9 @@
       <p:sp>
         <p:nvSpPr>
           <p:cNvPr id="271" name="Google Shape;271;p38"/>
-          <p:cNvSpPr txBox="1"/>
+          <p:cNvSpPr txBox="1">
+            <a:spLocks noGrp="1"/>
+          </p:cNvSpPr>
           <p:nvPr>
             <p:ph type="title"/>
           </p:nvPr>
@@ -11823,12 +12069,12 @@
           </a:prstGeom>
         </p:spPr>
         <p:txBody>
-          <a:bodyPr anchorCtr="0" anchor="b" bIns="91425" lIns="91425" spcFirstLastPara="1" rIns="91425" wrap="square" tIns="91425">
+          <a:bodyPr spcFirstLastPara="1" wrap="square" lIns="91425" tIns="91425" rIns="91425" bIns="91425" anchor="b" anchorCtr="0">
             <a:noAutofit/>
           </a:bodyPr>
           <a:lstStyle/>
           <a:p>
-            <a:pPr indent="0" lvl="0" marL="0" rtl="0" algn="l">
+            <a:pPr marL="0" lvl="0" indent="0" algn="l" rtl="0">
               <a:spcBef>
                 <a:spcPts val="0"/>
               </a:spcBef>
@@ -11865,12 +12111,12 @@
           </a:ln>
         </p:spPr>
         <p:txBody>
-          <a:bodyPr anchorCtr="0" anchor="ctr" bIns="91425" lIns="91425" spcFirstLastPara="1" rIns="91425" wrap="square" tIns="91425">
+          <a:bodyPr spcFirstLastPara="1" wrap="square" lIns="91425" tIns="91425" rIns="91425" bIns="91425" anchor="ctr" anchorCtr="0">
             <a:noAutofit/>
           </a:bodyPr>
           <a:lstStyle/>
           <a:p>
-            <a:pPr indent="0" lvl="0" marL="0" rtl="0" algn="l">
+            <a:pPr marL="0" lvl="0" indent="0" algn="l" rtl="0">
               <a:spcBef>
                 <a:spcPts val="0"/>
               </a:spcBef>
@@ -11915,12 +12161,12 @@
           </a:ln>
         </p:spPr>
         <p:txBody>
-          <a:bodyPr anchorCtr="0" anchor="t" bIns="91425" lIns="91425" spcFirstLastPara="1" rIns="91425" wrap="square" tIns="91425">
+          <a:bodyPr spcFirstLastPara="1" wrap="square" lIns="91425" tIns="91425" rIns="91425" bIns="91425" anchor="t" anchorCtr="0">
             <a:noAutofit/>
           </a:bodyPr>
           <a:lstStyle/>
           <a:p>
-            <a:pPr indent="0" lvl="0" marL="0" rtl="0" algn="ctr">
+            <a:pPr marL="0" lvl="0" indent="0" algn="ctr" rtl="0">
               <a:lnSpc>
                 <a:spcPct val="115000"/>
               </a:lnSpc>
@@ -11933,7 +12179,7 @@
               <a:buNone/>
             </a:pPr>
             <a:r>
-              <a:rPr b="1" lang="en">
+              <a:rPr lang="en" b="1">
                 <a:solidFill>
                   <a:schemeClr val="dk1"/>
                 </a:solidFill>
@@ -11976,14 +12222,14 @@
             <a:avLst/>
           </a:prstGeom>
           <a:noFill/>
-          <a:ln cap="flat" cmpd="sng" w="9525">
+          <a:ln w="9525" cap="flat" cmpd="sng">
             <a:solidFill>
               <a:srgbClr val="666666"/>
             </a:solidFill>
             <a:prstDash val="solid"/>
             <a:round/>
-            <a:headEnd len="sm" w="sm" type="none"/>
-            <a:tailEnd len="sm" w="sm" type="none"/>
+            <a:headEnd type="none" w="sm" len="sm"/>
+            <a:tailEnd type="none" w="sm" len="sm"/>
           </a:ln>
         </p:spPr>
       </p:pic>
@@ -11996,11 +12242,11 @@
 </file>
 
 <file path=ppt/slides/slide32.xml><?xml version="1.0" encoding="utf-8"?>
-<p:sld xmlns:a="http://schemas.openxmlformats.org/drawingml/2006/main" xmlns:r="http://schemas.openxmlformats.org/officeDocument/2006/relationships" xmlns:mc="http://schemas.openxmlformats.org/markup-compatibility/2006" xmlns:mv="urn:schemas-microsoft-com:mac:vml" xmlns:p="http://schemas.openxmlformats.org/presentationml/2006/main" xmlns:c="http://schemas.openxmlformats.org/drawingml/2006/chart" xmlns:dgm="http://schemas.openxmlformats.org/drawingml/2006/diagram" xmlns:o="urn:schemas-microsoft-com:office:office" xmlns:v="urn:schemas-microsoft-com:vml" xmlns:pvml="urn:schemas-microsoft-com:office:powerpoint" xmlns:com="http://schemas.openxmlformats.org/drawingml/2006/compatibility" xmlns:p14="http://schemas.microsoft.com/office/powerpoint/2010/main" xmlns:p15="http://schemas.microsoft.com/office/powerpoint/2012/main">
+<p:sld xmlns:a="http://schemas.openxmlformats.org/drawingml/2006/main" xmlns:r="http://schemas.openxmlformats.org/officeDocument/2006/relationships" xmlns:p="http://schemas.openxmlformats.org/presentationml/2006/main">
   <p:cSld>
     <p:spTree>
       <p:nvGrpSpPr>
-        <p:cNvPr id="278" name="Shape 278"/>
+        <p:cNvPr id="1" name="Shape 278"/>
         <p:cNvGrpSpPr/>
         <p:nvPr/>
       </p:nvGrpSpPr>
@@ -12015,7 +12261,9 @@
       <p:sp>
         <p:nvSpPr>
           <p:cNvPr id="279" name="Google Shape;279;p39"/>
-          <p:cNvSpPr txBox="1"/>
+          <p:cNvSpPr txBox="1">
+            <a:spLocks noGrp="1"/>
+          </p:cNvSpPr>
           <p:nvPr>
             <p:ph type="title"/>
           </p:nvPr>
@@ -12030,12 +12278,12 @@
           </a:prstGeom>
         </p:spPr>
         <p:txBody>
-          <a:bodyPr anchorCtr="0" anchor="b" bIns="91425" lIns="91425" spcFirstLastPara="1" rIns="91425" wrap="square" tIns="91425">
+          <a:bodyPr spcFirstLastPara="1" wrap="square" lIns="91425" tIns="91425" rIns="91425" bIns="91425" anchor="b" anchorCtr="0">
             <a:noAutofit/>
           </a:bodyPr>
           <a:lstStyle/>
           <a:p>
-            <a:pPr indent="0" lvl="0" marL="0" rtl="0" algn="l">
+            <a:pPr marL="0" lvl="0" indent="0" algn="l" rtl="0">
               <a:spcBef>
                 <a:spcPts val="0"/>
               </a:spcBef>
@@ -12072,12 +12320,12 @@
           </a:ln>
         </p:spPr>
         <p:txBody>
-          <a:bodyPr anchorCtr="0" anchor="ctr" bIns="91425" lIns="91425" spcFirstLastPara="1" rIns="91425" wrap="square" tIns="91425">
+          <a:bodyPr spcFirstLastPara="1" wrap="square" lIns="91425" tIns="91425" rIns="91425" bIns="91425" anchor="ctr" anchorCtr="0">
             <a:noAutofit/>
           </a:bodyPr>
           <a:lstStyle/>
           <a:p>
-            <a:pPr indent="0" lvl="0" marL="0" rtl="0" algn="l">
+            <a:pPr marL="0" lvl="0" indent="0" algn="l" rtl="0">
               <a:spcBef>
                 <a:spcPts val="0"/>
               </a:spcBef>
@@ -12122,12 +12370,12 @@
           </a:ln>
         </p:spPr>
         <p:txBody>
-          <a:bodyPr anchorCtr="0" anchor="t" bIns="91425" lIns="91425" spcFirstLastPara="1" rIns="91425" wrap="square" tIns="91425">
+          <a:bodyPr spcFirstLastPara="1" wrap="square" lIns="91425" tIns="91425" rIns="91425" bIns="91425" anchor="t" anchorCtr="0">
             <a:noAutofit/>
           </a:bodyPr>
           <a:lstStyle/>
           <a:p>
-            <a:pPr indent="0" lvl="0" marL="0" rtl="0" algn="ctr">
+            <a:pPr marL="0" lvl="0" indent="0" algn="ctr" rtl="0">
               <a:lnSpc>
                 <a:spcPct val="115000"/>
               </a:lnSpc>
@@ -12140,7 +12388,7 @@
               <a:buNone/>
             </a:pPr>
             <a:r>
-              <a:rPr b="1" lang="en">
+              <a:rPr lang="en" b="1">
                 <a:solidFill>
                   <a:schemeClr val="dk1"/>
                 </a:solidFill>
@@ -12183,14 +12431,14 @@
             <a:avLst/>
           </a:prstGeom>
           <a:noFill/>
-          <a:ln cap="flat" cmpd="sng" w="9525">
+          <a:ln w="9525" cap="flat" cmpd="sng">
             <a:solidFill>
               <a:srgbClr val="666666"/>
             </a:solidFill>
             <a:prstDash val="solid"/>
             <a:round/>
-            <a:headEnd len="sm" w="sm" type="none"/>
-            <a:tailEnd len="sm" w="sm" type="none"/>
+            <a:headEnd type="none" w="sm" len="sm"/>
+            <a:tailEnd type="none" w="sm" len="sm"/>
           </a:ln>
         </p:spPr>
       </p:pic>
@@ -12203,11 +12451,11 @@
 </file>
 
 <file path=ppt/slides/slide33.xml><?xml version="1.0" encoding="utf-8"?>
-<p:sld xmlns:a="http://schemas.openxmlformats.org/drawingml/2006/main" xmlns:r="http://schemas.openxmlformats.org/officeDocument/2006/relationships" xmlns:mc="http://schemas.openxmlformats.org/markup-compatibility/2006" xmlns:mv="urn:schemas-microsoft-com:mac:vml" xmlns:p="http://schemas.openxmlformats.org/presentationml/2006/main" xmlns:c="http://schemas.openxmlformats.org/drawingml/2006/chart" xmlns:dgm="http://schemas.openxmlformats.org/drawingml/2006/diagram" xmlns:o="urn:schemas-microsoft-com:office:office" xmlns:v="urn:schemas-microsoft-com:vml" xmlns:pvml="urn:schemas-microsoft-com:office:powerpoint" xmlns:com="http://schemas.openxmlformats.org/drawingml/2006/compatibility" xmlns:p14="http://schemas.microsoft.com/office/powerpoint/2010/main" xmlns:p15="http://schemas.microsoft.com/office/powerpoint/2012/main">
+<p:sld xmlns:a="http://schemas.openxmlformats.org/drawingml/2006/main" xmlns:r="http://schemas.openxmlformats.org/officeDocument/2006/relationships" xmlns:p="http://schemas.openxmlformats.org/presentationml/2006/main">
   <p:cSld>
     <p:spTree>
       <p:nvGrpSpPr>
-        <p:cNvPr id="286" name="Shape 286"/>
+        <p:cNvPr id="1" name="Shape 286"/>
         <p:cNvGrpSpPr/>
         <p:nvPr/>
       </p:nvGrpSpPr>
@@ -12222,7 +12470,9 @@
       <p:sp>
         <p:nvSpPr>
           <p:cNvPr id="287" name="Google Shape;287;p40"/>
-          <p:cNvSpPr txBox="1"/>
+          <p:cNvSpPr txBox="1">
+            <a:spLocks noGrp="1"/>
+          </p:cNvSpPr>
           <p:nvPr>
             <p:ph type="title"/>
           </p:nvPr>
@@ -12237,12 +12487,12 @@
           </a:prstGeom>
         </p:spPr>
         <p:txBody>
-          <a:bodyPr anchorCtr="0" anchor="b" bIns="91425" lIns="91425" spcFirstLastPara="1" rIns="91425" wrap="square" tIns="91425">
+          <a:bodyPr spcFirstLastPara="1" wrap="square" lIns="91425" tIns="91425" rIns="91425" bIns="91425" anchor="b" anchorCtr="0">
             <a:noAutofit/>
           </a:bodyPr>
           <a:lstStyle/>
           <a:p>
-            <a:pPr indent="0" lvl="0" marL="0" rtl="0" algn="l">
+            <a:pPr marL="0" lvl="0" indent="0" algn="l" rtl="0">
               <a:spcBef>
                 <a:spcPts val="0"/>
               </a:spcBef>
@@ -12253,11 +12503,7 @@
             </a:pPr>
             <a:r>
               <a:rPr lang="en"/>
-              <a:t>6</a:t>
-            </a:r>
-            <a:r>
-              <a:rPr lang="en"/>
-              <a:t>: Challenge Problem Text response</a:t>
+              <a:t>6: Challenge Problem Text response</a:t>
             </a:r>
             <a:endParaRPr/>
           </a:p>
@@ -12283,12 +12529,12 @@
           </a:ln>
         </p:spPr>
         <p:txBody>
-          <a:bodyPr anchorCtr="0" anchor="ctr" bIns="91425" lIns="91425" spcFirstLastPara="1" rIns="91425" wrap="square" tIns="91425">
+          <a:bodyPr spcFirstLastPara="1" wrap="square" lIns="91425" tIns="91425" rIns="91425" bIns="91425" anchor="ctr" anchorCtr="0">
             <a:noAutofit/>
           </a:bodyPr>
           <a:lstStyle/>
           <a:p>
-            <a:pPr indent="0" lvl="0" marL="0" rtl="0" algn="l">
+            <a:pPr marL="0" lvl="0" indent="0" algn="l" rtl="0">
               <a:spcBef>
                 <a:spcPts val="0"/>
               </a:spcBef>
@@ -12316,9 +12562,11 @@
       <p:sp>
         <p:nvSpPr>
           <p:cNvPr id="289" name="Google Shape;289;p40"/>
-          <p:cNvSpPr txBox="1"/>
+          <p:cNvSpPr txBox="1">
+            <a:spLocks noGrp="1"/>
+          </p:cNvSpPr>
           <p:nvPr>
-            <p:ph idx="1" type="body"/>
+            <p:ph type="body" idx="1"/>
           </p:nvPr>
         </p:nvSpPr>
         <p:spPr>
@@ -12331,12 +12579,12 @@
           </a:prstGeom>
         </p:spPr>
         <p:txBody>
-          <a:bodyPr anchorCtr="0" anchor="t" bIns="91425" lIns="91425" spcFirstLastPara="1" rIns="91425" wrap="square" tIns="91425">
+          <a:bodyPr spcFirstLastPara="1" wrap="square" lIns="91425" tIns="91425" rIns="91425" bIns="91425" anchor="t" anchorCtr="0">
             <a:noAutofit/>
           </a:bodyPr>
           <a:lstStyle/>
           <a:p>
-            <a:pPr indent="0" lvl="0" marL="0" rtl="0" algn="l">
+            <a:pPr marL="0" lvl="0" indent="0" algn="l" rtl="0">
               <a:lnSpc>
                 <a:spcPct val="115000"/>
               </a:lnSpc>
@@ -12348,9 +12596,6 @@
               </a:spcAft>
               <a:buNone/>
             </a:pPr>
-            <a:r>
-              <a:t/>
-            </a:r>
             <a:endParaRPr sz="2400">
               <a:solidFill>
                 <a:schemeClr val="dk1"/>
@@ -12372,11 +12617,11 @@
 </file>
 
 <file path=ppt/slides/slide4.xml><?xml version="1.0" encoding="utf-8"?>
-<p:sld xmlns:a="http://schemas.openxmlformats.org/drawingml/2006/main" xmlns:r="http://schemas.openxmlformats.org/officeDocument/2006/relationships" xmlns:mc="http://schemas.openxmlformats.org/markup-compatibility/2006" xmlns:mv="urn:schemas-microsoft-com:mac:vml" xmlns:p="http://schemas.openxmlformats.org/presentationml/2006/main" xmlns:c="http://schemas.openxmlformats.org/drawingml/2006/chart" xmlns:dgm="http://schemas.openxmlformats.org/drawingml/2006/diagram" xmlns:o="urn:schemas-microsoft-com:office:office" xmlns:v="urn:schemas-microsoft-com:vml" xmlns:pvml="urn:schemas-microsoft-com:office:powerpoint" xmlns:com="http://schemas.openxmlformats.org/drawingml/2006/compatibility" xmlns:p14="http://schemas.microsoft.com/office/powerpoint/2010/main" xmlns:p15="http://schemas.microsoft.com/office/powerpoint/2012/main">
+<p:sld xmlns:a="http://schemas.openxmlformats.org/drawingml/2006/main" xmlns:r="http://schemas.openxmlformats.org/officeDocument/2006/relationships" xmlns:p="http://schemas.openxmlformats.org/presentationml/2006/main">
   <p:cSld>
     <p:spTree>
       <p:nvGrpSpPr>
-        <p:cNvPr id="56" name="Shape 56"/>
+        <p:cNvPr id="1" name="Shape 56"/>
         <p:cNvGrpSpPr/>
         <p:nvPr/>
       </p:nvGrpSpPr>
@@ -12391,7 +12636,9 @@
       <p:sp>
         <p:nvSpPr>
           <p:cNvPr id="57" name="Google Shape;57;p11"/>
-          <p:cNvSpPr txBox="1"/>
+          <p:cNvSpPr txBox="1">
+            <a:spLocks noGrp="1"/>
+          </p:cNvSpPr>
           <p:nvPr>
             <p:ph type="title"/>
           </p:nvPr>
@@ -12406,12 +12653,12 @@
           </a:prstGeom>
         </p:spPr>
         <p:txBody>
-          <a:bodyPr anchorCtr="0" anchor="b" bIns="91425" lIns="91425" spcFirstLastPara="1" rIns="91425" wrap="square" tIns="91425">
+          <a:bodyPr spcFirstLastPara="1" wrap="square" lIns="91425" tIns="91425" rIns="91425" bIns="91425" anchor="b" anchorCtr="0">
             <a:noAutofit/>
           </a:bodyPr>
           <a:lstStyle/>
           <a:p>
-            <a:pPr indent="0" lvl="0" marL="0" rtl="0" algn="l">
+            <a:pPr marL="0" lvl="0" indent="0" algn="l" rtl="0">
               <a:spcBef>
                 <a:spcPts val="0"/>
               </a:spcBef>
@@ -12448,12 +12695,12 @@
           </a:ln>
         </p:spPr>
         <p:txBody>
-          <a:bodyPr anchorCtr="0" anchor="ctr" bIns="91425" lIns="91425" spcFirstLastPara="1" rIns="91425" wrap="square" tIns="91425">
+          <a:bodyPr spcFirstLastPara="1" wrap="square" lIns="91425" tIns="91425" rIns="91425" bIns="91425" anchor="ctr" anchorCtr="0">
             <a:noAutofit/>
           </a:bodyPr>
           <a:lstStyle/>
           <a:p>
-            <a:pPr indent="0" lvl="0" marL="0" rtl="0" algn="l">
+            <a:pPr marL="0" lvl="0" indent="0" algn="l" rtl="0">
               <a:spcBef>
                 <a:spcPts val="0"/>
               </a:spcBef>
@@ -12498,12 +12745,12 @@
           </a:ln>
         </p:spPr>
         <p:txBody>
-          <a:bodyPr anchorCtr="0" anchor="t" bIns="91425" lIns="91425" spcFirstLastPara="1" rIns="91425" wrap="square" tIns="91425">
+          <a:bodyPr spcFirstLastPara="1" wrap="square" lIns="91425" tIns="91425" rIns="91425" bIns="91425" anchor="t" anchorCtr="0">
             <a:noAutofit/>
           </a:bodyPr>
           <a:lstStyle/>
           <a:p>
-            <a:pPr indent="0" lvl="0" marL="0" rtl="0" algn="ctr">
+            <a:pPr marL="0" lvl="0" indent="0" algn="ctr" rtl="0">
               <a:lnSpc>
                 <a:spcPct val="115000"/>
               </a:lnSpc>
@@ -12516,7 +12763,7 @@
               <a:buNone/>
             </a:pPr>
             <a:r>
-              <a:rPr b="1" lang="en">
+              <a:rPr lang="en" b="1">
                 <a:solidFill>
                   <a:schemeClr val="dk1"/>
                 </a:solidFill>
@@ -12559,14 +12806,14 @@
             <a:avLst/>
           </a:prstGeom>
           <a:noFill/>
-          <a:ln cap="flat" cmpd="sng" w="9525">
+          <a:ln w="9525" cap="flat" cmpd="sng">
             <a:solidFill>
               <a:srgbClr val="666666"/>
             </a:solidFill>
             <a:prstDash val="solid"/>
             <a:round/>
-            <a:headEnd len="sm" w="sm" type="none"/>
-            <a:tailEnd len="sm" w="sm" type="none"/>
+            <a:headEnd type="none" w="sm" len="sm"/>
+            <a:tailEnd type="none" w="sm" len="sm"/>
           </a:ln>
         </p:spPr>
       </p:pic>
@@ -12579,11 +12826,11 @@
 </file>
 
 <file path=ppt/slides/slide5.xml><?xml version="1.0" encoding="utf-8"?>
-<p:sld xmlns:a="http://schemas.openxmlformats.org/drawingml/2006/main" xmlns:r="http://schemas.openxmlformats.org/officeDocument/2006/relationships" xmlns:mc="http://schemas.openxmlformats.org/markup-compatibility/2006" xmlns:mv="urn:schemas-microsoft-com:mac:vml" xmlns:p="http://schemas.openxmlformats.org/presentationml/2006/main" xmlns:c="http://schemas.openxmlformats.org/drawingml/2006/chart" xmlns:dgm="http://schemas.openxmlformats.org/drawingml/2006/diagram" xmlns:o="urn:schemas-microsoft-com:office:office" xmlns:v="urn:schemas-microsoft-com:vml" xmlns:pvml="urn:schemas-microsoft-com:office:powerpoint" xmlns:com="http://schemas.openxmlformats.org/drawingml/2006/compatibility" xmlns:p14="http://schemas.microsoft.com/office/powerpoint/2010/main" xmlns:p15="http://schemas.microsoft.com/office/powerpoint/2012/main">
+<p:sld xmlns:a="http://schemas.openxmlformats.org/drawingml/2006/main" xmlns:r="http://schemas.openxmlformats.org/officeDocument/2006/relationships" xmlns:p="http://schemas.openxmlformats.org/presentationml/2006/main">
   <p:cSld>
     <p:spTree>
       <p:nvGrpSpPr>
-        <p:cNvPr id="64" name="Shape 64"/>
+        <p:cNvPr id="1" name="Shape 64"/>
         <p:cNvGrpSpPr/>
         <p:nvPr/>
       </p:nvGrpSpPr>
@@ -12598,7 +12845,9 @@
       <p:sp>
         <p:nvSpPr>
           <p:cNvPr id="65" name="Google Shape;65;p12"/>
-          <p:cNvSpPr txBox="1"/>
+          <p:cNvSpPr txBox="1">
+            <a:spLocks noGrp="1"/>
+          </p:cNvSpPr>
           <p:nvPr>
             <p:ph type="title"/>
           </p:nvPr>
@@ -12613,12 +12862,12 @@
           </a:prstGeom>
         </p:spPr>
         <p:txBody>
-          <a:bodyPr anchorCtr="0" anchor="b" bIns="91425" lIns="91425" spcFirstLastPara="1" rIns="91425" wrap="square" tIns="91425">
+          <a:bodyPr spcFirstLastPara="1" wrap="square" lIns="91425" tIns="91425" rIns="91425" bIns="91425" anchor="b" anchorCtr="0">
             <a:noAutofit/>
           </a:bodyPr>
           <a:lstStyle/>
           <a:p>
-            <a:pPr indent="0" lvl="0" marL="0" rtl="0" algn="l">
+            <a:pPr marL="0" lvl="0" indent="0" algn="l" rtl="0">
               <a:spcBef>
                 <a:spcPts val="0"/>
               </a:spcBef>
@@ -12655,12 +12904,12 @@
           </a:ln>
         </p:spPr>
         <p:txBody>
-          <a:bodyPr anchorCtr="0" anchor="ctr" bIns="91425" lIns="91425" spcFirstLastPara="1" rIns="91425" wrap="square" tIns="91425">
+          <a:bodyPr spcFirstLastPara="1" wrap="square" lIns="91425" tIns="91425" rIns="91425" bIns="91425" anchor="ctr" anchorCtr="0">
             <a:noAutofit/>
           </a:bodyPr>
           <a:lstStyle/>
           <a:p>
-            <a:pPr indent="0" lvl="0" marL="0" rtl="0" algn="l">
+            <a:pPr marL="0" lvl="0" indent="0" algn="l" rtl="0">
               <a:spcBef>
                 <a:spcPts val="0"/>
               </a:spcBef>
@@ -12705,12 +12954,12 @@
           </a:ln>
         </p:spPr>
         <p:txBody>
-          <a:bodyPr anchorCtr="0" anchor="t" bIns="91425" lIns="91425" spcFirstLastPara="1" rIns="91425" wrap="square" tIns="91425">
+          <a:bodyPr spcFirstLastPara="1" wrap="square" lIns="91425" tIns="91425" rIns="91425" bIns="91425" anchor="t" anchorCtr="0">
             <a:noAutofit/>
           </a:bodyPr>
           <a:lstStyle/>
           <a:p>
-            <a:pPr indent="0" lvl="0" marL="0" rtl="0" algn="ctr">
+            <a:pPr marL="0" lvl="0" indent="0" algn="ctr" rtl="0">
               <a:lnSpc>
                 <a:spcPct val="115000"/>
               </a:lnSpc>
@@ -12723,7 +12972,7 @@
               <a:buNone/>
             </a:pPr>
             <a:r>
-              <a:rPr b="1" lang="en">
+              <a:rPr lang="en" b="1">
                 <a:solidFill>
                   <a:schemeClr val="dk1"/>
                 </a:solidFill>
@@ -12766,14 +13015,14 @@
             <a:avLst/>
           </a:prstGeom>
           <a:noFill/>
-          <a:ln cap="flat" cmpd="sng" w="9525">
+          <a:ln w="9525" cap="flat" cmpd="sng">
             <a:solidFill>
               <a:srgbClr val="666666"/>
             </a:solidFill>
             <a:prstDash val="solid"/>
             <a:round/>
-            <a:headEnd len="sm" w="sm" type="none"/>
-            <a:tailEnd len="sm" w="sm" type="none"/>
+            <a:headEnd type="none" w="sm" len="sm"/>
+            <a:tailEnd type="none" w="sm" len="sm"/>
           </a:ln>
         </p:spPr>
       </p:pic>
@@ -12786,11 +13035,11 @@
 </file>
 
 <file path=ppt/slides/slide6.xml><?xml version="1.0" encoding="utf-8"?>
-<p:sld xmlns:a="http://schemas.openxmlformats.org/drawingml/2006/main" xmlns:r="http://schemas.openxmlformats.org/officeDocument/2006/relationships" xmlns:mc="http://schemas.openxmlformats.org/markup-compatibility/2006" xmlns:mv="urn:schemas-microsoft-com:mac:vml" xmlns:p="http://schemas.openxmlformats.org/presentationml/2006/main" xmlns:c="http://schemas.openxmlformats.org/drawingml/2006/chart" xmlns:dgm="http://schemas.openxmlformats.org/drawingml/2006/diagram" xmlns:o="urn:schemas-microsoft-com:office:office" xmlns:v="urn:schemas-microsoft-com:vml" xmlns:pvml="urn:schemas-microsoft-com:office:powerpoint" xmlns:com="http://schemas.openxmlformats.org/drawingml/2006/compatibility" xmlns:p14="http://schemas.microsoft.com/office/powerpoint/2010/main" xmlns:p15="http://schemas.microsoft.com/office/powerpoint/2012/main">
+<p:sld xmlns:a="http://schemas.openxmlformats.org/drawingml/2006/main" xmlns:r="http://schemas.openxmlformats.org/officeDocument/2006/relationships" xmlns:p="http://schemas.openxmlformats.org/presentationml/2006/main">
   <p:cSld>
     <p:spTree>
       <p:nvGrpSpPr>
-        <p:cNvPr id="72" name="Shape 72"/>
+        <p:cNvPr id="1" name="Shape 72"/>
         <p:cNvGrpSpPr/>
         <p:nvPr/>
       </p:nvGrpSpPr>
@@ -12805,7 +13054,9 @@
       <p:sp>
         <p:nvSpPr>
           <p:cNvPr id="73" name="Google Shape;73;p13"/>
-          <p:cNvSpPr txBox="1"/>
+          <p:cNvSpPr txBox="1">
+            <a:spLocks noGrp="1"/>
+          </p:cNvSpPr>
           <p:nvPr>
             <p:ph type="title"/>
           </p:nvPr>
@@ -12820,12 +13071,12 @@
           </a:prstGeom>
         </p:spPr>
         <p:txBody>
-          <a:bodyPr anchorCtr="0" anchor="b" bIns="91425" lIns="91425" spcFirstLastPara="1" rIns="91425" wrap="square" tIns="91425">
+          <a:bodyPr spcFirstLastPara="1" wrap="square" lIns="91425" tIns="91425" rIns="91425" bIns="91425" anchor="b" anchorCtr="0">
             <a:noAutofit/>
           </a:bodyPr>
           <a:lstStyle/>
           <a:p>
-            <a:pPr indent="0" lvl="0" marL="0" rtl="0" algn="l">
+            <a:pPr marL="0" lvl="0" indent="0" algn="l" rtl="0">
               <a:spcBef>
                 <a:spcPts val="0"/>
               </a:spcBef>
@@ -12862,12 +13113,12 @@
           </a:ln>
         </p:spPr>
         <p:txBody>
-          <a:bodyPr anchorCtr="0" anchor="ctr" bIns="91425" lIns="91425" spcFirstLastPara="1" rIns="91425" wrap="square" tIns="91425">
+          <a:bodyPr spcFirstLastPara="1" wrap="square" lIns="91425" tIns="91425" rIns="91425" bIns="91425" anchor="ctr" anchorCtr="0">
             <a:noAutofit/>
           </a:bodyPr>
           <a:lstStyle/>
           <a:p>
-            <a:pPr indent="0" lvl="0" marL="0" rtl="0" algn="l">
+            <a:pPr marL="0" lvl="0" indent="0" algn="l" rtl="0">
               <a:spcBef>
                 <a:spcPts val="0"/>
               </a:spcBef>
@@ -12912,12 +13163,12 @@
           </a:ln>
         </p:spPr>
         <p:txBody>
-          <a:bodyPr anchorCtr="0" anchor="t" bIns="91425" lIns="91425" spcFirstLastPara="1" rIns="91425" wrap="square" tIns="91425">
+          <a:bodyPr spcFirstLastPara="1" wrap="square" lIns="91425" tIns="91425" rIns="91425" bIns="91425" anchor="t" anchorCtr="0">
             <a:noAutofit/>
           </a:bodyPr>
           <a:lstStyle/>
           <a:p>
-            <a:pPr indent="0" lvl="0" marL="0" rtl="0" algn="ctr">
+            <a:pPr marL="0" lvl="0" indent="0" algn="ctr" rtl="0">
               <a:lnSpc>
                 <a:spcPct val="115000"/>
               </a:lnSpc>
@@ -12930,7 +13181,7 @@
               <a:buNone/>
             </a:pPr>
             <a:r>
-              <a:rPr b="1" lang="en">
+              <a:rPr lang="en" b="1">
                 <a:solidFill>
                   <a:schemeClr val="dk1"/>
                 </a:solidFill>
@@ -12973,14 +13224,14 @@
             <a:avLst/>
           </a:prstGeom>
           <a:noFill/>
-          <a:ln cap="flat" cmpd="sng" w="9525">
+          <a:ln w="9525" cap="flat" cmpd="sng">
             <a:solidFill>
               <a:srgbClr val="666666"/>
             </a:solidFill>
             <a:prstDash val="solid"/>
             <a:round/>
-            <a:headEnd len="sm" w="sm" type="none"/>
-            <a:tailEnd len="sm" w="sm" type="none"/>
+            <a:headEnd type="none" w="sm" len="sm"/>
+            <a:tailEnd type="none" w="sm" len="sm"/>
           </a:ln>
         </p:spPr>
       </p:pic>
@@ -12993,11 +13244,11 @@
 </file>
 
 <file path=ppt/slides/slide7.xml><?xml version="1.0" encoding="utf-8"?>
-<p:sld xmlns:a="http://schemas.openxmlformats.org/drawingml/2006/main" xmlns:r="http://schemas.openxmlformats.org/officeDocument/2006/relationships" xmlns:mc="http://schemas.openxmlformats.org/markup-compatibility/2006" xmlns:mv="urn:schemas-microsoft-com:mac:vml" xmlns:p="http://schemas.openxmlformats.org/presentationml/2006/main" xmlns:c="http://schemas.openxmlformats.org/drawingml/2006/chart" xmlns:dgm="http://schemas.openxmlformats.org/drawingml/2006/diagram" xmlns:o="urn:schemas-microsoft-com:office:office" xmlns:v="urn:schemas-microsoft-com:vml" xmlns:pvml="urn:schemas-microsoft-com:office:powerpoint" xmlns:com="http://schemas.openxmlformats.org/drawingml/2006/compatibility" xmlns:p14="http://schemas.microsoft.com/office/powerpoint/2010/main" xmlns:p15="http://schemas.microsoft.com/office/powerpoint/2012/main">
+<p:sld xmlns:a="http://schemas.openxmlformats.org/drawingml/2006/main" xmlns:r="http://schemas.openxmlformats.org/officeDocument/2006/relationships" xmlns:p="http://schemas.openxmlformats.org/presentationml/2006/main">
   <p:cSld>
     <p:spTree>
       <p:nvGrpSpPr>
-        <p:cNvPr id="80" name="Shape 80"/>
+        <p:cNvPr id="1" name="Shape 80"/>
         <p:cNvGrpSpPr/>
         <p:nvPr/>
       </p:nvGrpSpPr>
@@ -13012,7 +13263,9 @@
       <p:sp>
         <p:nvSpPr>
           <p:cNvPr id="81" name="Google Shape;81;p14"/>
-          <p:cNvSpPr txBox="1"/>
+          <p:cNvSpPr txBox="1">
+            <a:spLocks noGrp="1"/>
+          </p:cNvSpPr>
           <p:nvPr>
             <p:ph type="title"/>
           </p:nvPr>
@@ -13027,12 +13280,12 @@
           </a:prstGeom>
         </p:spPr>
         <p:txBody>
-          <a:bodyPr anchorCtr="0" anchor="b" bIns="91425" lIns="91425" spcFirstLastPara="1" rIns="91425" wrap="square" tIns="91425">
+          <a:bodyPr spcFirstLastPara="1" wrap="square" lIns="91425" tIns="91425" rIns="91425" bIns="91425" anchor="b" anchorCtr="0">
             <a:noAutofit/>
           </a:bodyPr>
           <a:lstStyle/>
           <a:p>
-            <a:pPr indent="0" lvl="0" marL="0" rtl="0" algn="l">
+            <a:pPr marL="0" lvl="0" indent="0" algn="l" rtl="0">
               <a:spcBef>
                 <a:spcPts val="0"/>
               </a:spcBef>
@@ -13069,12 +13322,12 @@
           </a:ln>
         </p:spPr>
         <p:txBody>
-          <a:bodyPr anchorCtr="0" anchor="ctr" bIns="91425" lIns="91425" spcFirstLastPara="1" rIns="91425" wrap="square" tIns="91425">
+          <a:bodyPr spcFirstLastPara="1" wrap="square" lIns="91425" tIns="91425" rIns="91425" bIns="91425" anchor="ctr" anchorCtr="0">
             <a:noAutofit/>
           </a:bodyPr>
           <a:lstStyle/>
           <a:p>
-            <a:pPr indent="0" lvl="0" marL="0" rtl="0" algn="l">
+            <a:pPr marL="0" lvl="0" indent="0" algn="l" rtl="0">
               <a:spcBef>
                 <a:spcPts val="0"/>
               </a:spcBef>
@@ -13119,12 +13372,12 @@
           </a:ln>
         </p:spPr>
         <p:txBody>
-          <a:bodyPr anchorCtr="0" anchor="t" bIns="91425" lIns="91425" spcFirstLastPara="1" rIns="91425" wrap="square" tIns="91425">
+          <a:bodyPr spcFirstLastPara="1" wrap="square" lIns="91425" tIns="91425" rIns="91425" bIns="91425" anchor="t" anchorCtr="0">
             <a:noAutofit/>
           </a:bodyPr>
           <a:lstStyle/>
           <a:p>
-            <a:pPr indent="0" lvl="0" marL="0" rtl="0" algn="ctr">
+            <a:pPr marL="0" lvl="0" indent="0" algn="ctr" rtl="0">
               <a:lnSpc>
                 <a:spcPct val="115000"/>
               </a:lnSpc>
@@ -13137,7 +13390,7 @@
               <a:buNone/>
             </a:pPr>
             <a:r>
-              <a:rPr b="1" lang="en">
+              <a:rPr lang="en" b="1">
                 <a:solidFill>
                   <a:schemeClr val="dk1"/>
                 </a:solidFill>
@@ -13180,14 +13433,14 @@
             <a:avLst/>
           </a:prstGeom>
           <a:noFill/>
-          <a:ln cap="flat" cmpd="sng" w="9525">
+          <a:ln w="9525" cap="flat" cmpd="sng">
             <a:solidFill>
               <a:srgbClr val="666666"/>
             </a:solidFill>
             <a:prstDash val="solid"/>
             <a:round/>
-            <a:headEnd len="sm" w="sm" type="none"/>
-            <a:tailEnd len="sm" w="sm" type="none"/>
+            <a:headEnd type="none" w="sm" len="sm"/>
+            <a:tailEnd type="none" w="sm" len="sm"/>
           </a:ln>
         </p:spPr>
       </p:pic>
@@ -13200,11 +13453,11 @@
 </file>
 
 <file path=ppt/slides/slide8.xml><?xml version="1.0" encoding="utf-8"?>
-<p:sld xmlns:a="http://schemas.openxmlformats.org/drawingml/2006/main" xmlns:r="http://schemas.openxmlformats.org/officeDocument/2006/relationships" xmlns:mc="http://schemas.openxmlformats.org/markup-compatibility/2006" xmlns:mv="urn:schemas-microsoft-com:mac:vml" xmlns:p="http://schemas.openxmlformats.org/presentationml/2006/main" xmlns:c="http://schemas.openxmlformats.org/drawingml/2006/chart" xmlns:dgm="http://schemas.openxmlformats.org/drawingml/2006/diagram" xmlns:o="urn:schemas-microsoft-com:office:office" xmlns:v="urn:schemas-microsoft-com:vml" xmlns:pvml="urn:schemas-microsoft-com:office:powerpoint" xmlns:com="http://schemas.openxmlformats.org/drawingml/2006/compatibility" xmlns:p14="http://schemas.microsoft.com/office/powerpoint/2010/main" xmlns:p15="http://schemas.microsoft.com/office/powerpoint/2012/main">
+<p:sld xmlns:a="http://schemas.openxmlformats.org/drawingml/2006/main" xmlns:r="http://schemas.openxmlformats.org/officeDocument/2006/relationships" xmlns:p="http://schemas.openxmlformats.org/presentationml/2006/main">
   <p:cSld>
     <p:spTree>
       <p:nvGrpSpPr>
-        <p:cNvPr id="88" name="Shape 88"/>
+        <p:cNvPr id="1" name="Shape 88"/>
         <p:cNvGrpSpPr/>
         <p:nvPr/>
       </p:nvGrpSpPr>
@@ -13219,7 +13472,9 @@
       <p:sp>
         <p:nvSpPr>
           <p:cNvPr id="89" name="Google Shape;89;p15"/>
-          <p:cNvSpPr txBox="1"/>
+          <p:cNvSpPr txBox="1">
+            <a:spLocks noGrp="1"/>
+          </p:cNvSpPr>
           <p:nvPr>
             <p:ph type="title"/>
           </p:nvPr>
@@ -13234,12 +13489,12 @@
           </a:prstGeom>
         </p:spPr>
         <p:txBody>
-          <a:bodyPr anchorCtr="0" anchor="b" bIns="91425" lIns="91425" spcFirstLastPara="1" rIns="91425" wrap="square" tIns="91425">
+          <a:bodyPr spcFirstLastPara="1" wrap="square" lIns="91425" tIns="91425" rIns="91425" bIns="91425" anchor="b" anchorCtr="0">
             <a:noAutofit/>
           </a:bodyPr>
           <a:lstStyle/>
           <a:p>
-            <a:pPr indent="0" lvl="0" marL="0" rtl="0" algn="l">
+            <a:pPr marL="0" lvl="0" indent="0" algn="l" rtl="0">
               <a:spcBef>
                 <a:spcPts val="0"/>
               </a:spcBef>
@@ -13276,12 +13531,12 @@
           </a:ln>
         </p:spPr>
         <p:txBody>
-          <a:bodyPr anchorCtr="0" anchor="ctr" bIns="91425" lIns="91425" spcFirstLastPara="1" rIns="91425" wrap="square" tIns="91425">
+          <a:bodyPr spcFirstLastPara="1" wrap="square" lIns="91425" tIns="91425" rIns="91425" bIns="91425" anchor="ctr" anchorCtr="0">
             <a:noAutofit/>
           </a:bodyPr>
           <a:lstStyle/>
           <a:p>
-            <a:pPr indent="0" lvl="0" marL="0" rtl="0" algn="l">
+            <a:pPr marL="0" lvl="0" indent="0" algn="l" rtl="0">
               <a:spcBef>
                 <a:spcPts val="0"/>
               </a:spcBef>
@@ -13326,12 +13581,12 @@
           </a:ln>
         </p:spPr>
         <p:txBody>
-          <a:bodyPr anchorCtr="0" anchor="t" bIns="91425" lIns="91425" spcFirstLastPara="1" rIns="91425" wrap="square" tIns="91425">
+          <a:bodyPr spcFirstLastPara="1" wrap="square" lIns="91425" tIns="91425" rIns="91425" bIns="91425" anchor="t" anchorCtr="0">
             <a:noAutofit/>
           </a:bodyPr>
           <a:lstStyle/>
           <a:p>
-            <a:pPr indent="0" lvl="0" marL="0" rtl="0" algn="ctr">
+            <a:pPr marL="0" lvl="0" indent="0" algn="ctr" rtl="0">
               <a:lnSpc>
                 <a:spcPct val="115000"/>
               </a:lnSpc>
@@ -13344,7 +13599,7 @@
               <a:buNone/>
             </a:pPr>
             <a:r>
-              <a:rPr b="1" lang="en">
+              <a:rPr lang="en" b="1">
                 <a:solidFill>
                   <a:schemeClr val="dk1"/>
                 </a:solidFill>
@@ -13387,14 +13642,14 @@
             <a:avLst/>
           </a:prstGeom>
           <a:noFill/>
-          <a:ln cap="flat" cmpd="sng" w="9525">
+          <a:ln w="9525" cap="flat" cmpd="sng">
             <a:solidFill>
               <a:srgbClr val="666666"/>
             </a:solidFill>
             <a:prstDash val="solid"/>
             <a:round/>
-            <a:headEnd len="sm" w="sm" type="none"/>
-            <a:tailEnd len="sm" w="sm" type="none"/>
+            <a:headEnd type="none" w="sm" len="sm"/>
+            <a:tailEnd type="none" w="sm" len="sm"/>
           </a:ln>
         </p:spPr>
       </p:pic>
@@ -13407,11 +13662,11 @@
 </file>
 
 <file path=ppt/slides/slide9.xml><?xml version="1.0" encoding="utf-8"?>
-<p:sld xmlns:a="http://schemas.openxmlformats.org/drawingml/2006/main" xmlns:r="http://schemas.openxmlformats.org/officeDocument/2006/relationships" xmlns:mc="http://schemas.openxmlformats.org/markup-compatibility/2006" xmlns:mv="urn:schemas-microsoft-com:mac:vml" xmlns:p="http://schemas.openxmlformats.org/presentationml/2006/main" xmlns:c="http://schemas.openxmlformats.org/drawingml/2006/chart" xmlns:dgm="http://schemas.openxmlformats.org/drawingml/2006/diagram" xmlns:o="urn:schemas-microsoft-com:office:office" xmlns:v="urn:schemas-microsoft-com:vml" xmlns:pvml="urn:schemas-microsoft-com:office:powerpoint" xmlns:com="http://schemas.openxmlformats.org/drawingml/2006/compatibility" xmlns:p14="http://schemas.microsoft.com/office/powerpoint/2010/main" xmlns:p15="http://schemas.microsoft.com/office/powerpoint/2012/main">
+<p:sld xmlns:a="http://schemas.openxmlformats.org/drawingml/2006/main" xmlns:r="http://schemas.openxmlformats.org/officeDocument/2006/relationships" xmlns:p="http://schemas.openxmlformats.org/presentationml/2006/main">
   <p:cSld>
     <p:spTree>
       <p:nvGrpSpPr>
-        <p:cNvPr id="96" name="Shape 96"/>
+        <p:cNvPr id="1" name="Shape 96"/>
         <p:cNvGrpSpPr/>
         <p:nvPr/>
       </p:nvGrpSpPr>
@@ -13426,7 +13681,9 @@
       <p:sp>
         <p:nvSpPr>
           <p:cNvPr id="97" name="Google Shape;97;p16"/>
-          <p:cNvSpPr txBox="1"/>
+          <p:cNvSpPr txBox="1">
+            <a:spLocks noGrp="1"/>
+          </p:cNvSpPr>
           <p:nvPr>
             <p:ph type="title"/>
           </p:nvPr>
@@ -13441,12 +13698,12 @@
           </a:prstGeom>
         </p:spPr>
         <p:txBody>
-          <a:bodyPr anchorCtr="0" anchor="b" bIns="91425" lIns="91425" spcFirstLastPara="1" rIns="91425" wrap="square" tIns="91425">
+          <a:bodyPr spcFirstLastPara="1" wrap="square" lIns="91425" tIns="91425" rIns="91425" bIns="91425" anchor="b" anchorCtr="0">
             <a:noAutofit/>
           </a:bodyPr>
           <a:lstStyle/>
           <a:p>
-            <a:pPr indent="0" lvl="0" marL="0" rtl="0" algn="l">
+            <a:pPr marL="0" lvl="0" indent="0" algn="l" rtl="0">
               <a:spcBef>
                 <a:spcPts val="0"/>
               </a:spcBef>
@@ -13483,12 +13740,12 @@
           </a:ln>
         </p:spPr>
         <p:txBody>
-          <a:bodyPr anchorCtr="0" anchor="ctr" bIns="91425" lIns="91425" spcFirstLastPara="1" rIns="91425" wrap="square" tIns="91425">
+          <a:bodyPr spcFirstLastPara="1" wrap="square" lIns="91425" tIns="91425" rIns="91425" bIns="91425" anchor="ctr" anchorCtr="0">
             <a:noAutofit/>
           </a:bodyPr>
           <a:lstStyle/>
           <a:p>
-            <a:pPr indent="0" lvl="0" marL="0" rtl="0" algn="l">
+            <a:pPr marL="0" lvl="0" indent="0" algn="l" rtl="0">
               <a:spcBef>
                 <a:spcPts val="0"/>
               </a:spcBef>
@@ -13533,12 +13790,12 @@
           </a:ln>
         </p:spPr>
         <p:txBody>
-          <a:bodyPr anchorCtr="0" anchor="t" bIns="91425" lIns="91425" spcFirstLastPara="1" rIns="91425" wrap="square" tIns="91425">
+          <a:bodyPr spcFirstLastPara="1" wrap="square" lIns="91425" tIns="91425" rIns="91425" bIns="91425" anchor="t" anchorCtr="0">
             <a:noAutofit/>
           </a:bodyPr>
           <a:lstStyle/>
           <a:p>
-            <a:pPr indent="0" lvl="0" marL="0" rtl="0" algn="ctr">
+            <a:pPr marL="0" lvl="0" indent="0" algn="ctr" rtl="0">
               <a:lnSpc>
                 <a:spcPct val="115000"/>
               </a:lnSpc>
@@ -13551,7 +13808,7 @@
               <a:buNone/>
             </a:pPr>
             <a:r>
-              <a:rPr b="1" lang="en">
+              <a:rPr lang="en" b="1">
                 <a:solidFill>
                   <a:schemeClr val="dk1"/>
                 </a:solidFill>
@@ -13594,14 +13851,14 @@
             <a:avLst/>
           </a:prstGeom>
           <a:noFill/>
-          <a:ln cap="flat" cmpd="sng" w="9525">
+          <a:ln w="9525" cap="flat" cmpd="sng">
             <a:solidFill>
               <a:srgbClr val="666666"/>
             </a:solidFill>
             <a:prstDash val="solid"/>
             <a:round/>
-            <a:headEnd len="sm" w="sm" type="none"/>
-            <a:tailEnd len="sm" w="sm" type="none"/>
+            <a:headEnd type="none" w="sm" len="sm"/>
+            <a:tailEnd type="none" w="sm" len="sm"/>
           </a:ln>
         </p:spPr>
       </p:pic>
@@ -13614,7 +13871,288 @@
 </file>
 
 <file path=ppt/theme/theme1.xml><?xml version="1.0" encoding="utf-8"?>
-<a:theme xmlns:a="http://schemas.openxmlformats.org/drawingml/2006/main" xmlns:r="http://schemas.openxmlformats.org/officeDocument/2006/relationships">
+<a:theme xmlns:a="http://schemas.openxmlformats.org/drawingml/2006/main" name="Light Gradient">
+  <a:themeElements>
+    <a:clrScheme name="Custom 347">
+      <a:dk1>
+        <a:srgbClr val="000000"/>
+      </a:dk1>
+      <a:lt1>
+        <a:srgbClr val="FFFFFF"/>
+      </a:lt1>
+      <a:dk2>
+        <a:srgbClr val="666666"/>
+      </a:dk2>
+      <a:lt2>
+        <a:srgbClr val="CCCCCC"/>
+      </a:lt2>
+      <a:accent1>
+        <a:srgbClr val="3A81BA"/>
+      </a:accent1>
+      <a:accent2>
+        <a:srgbClr val="D89F39"/>
+      </a:accent2>
+      <a:accent3>
+        <a:srgbClr val="8BAB42"/>
+      </a:accent3>
+      <a:accent4>
+        <a:srgbClr val="57A7B5"/>
+      </a:accent4>
+      <a:accent5>
+        <a:srgbClr val="8B81D2"/>
+      </a:accent5>
+      <a:accent6>
+        <a:srgbClr val="963334"/>
+      </a:accent6>
+      <a:hlink>
+        <a:srgbClr val="1155CC"/>
+      </a:hlink>
+      <a:folHlink>
+        <a:srgbClr val="6611CC"/>
+      </a:folHlink>
+    </a:clrScheme>
+    <a:fontScheme name="Office">
+      <a:majorFont>
+        <a:latin typeface="Arial"/>
+        <a:ea typeface=""/>
+        <a:cs typeface=""/>
+        <a:font script="Jpan" typeface="ＭＳ Ｐゴシック"/>
+        <a:font script="Hang" typeface="맑은 고딕"/>
+        <a:font script="Hans" typeface="宋体"/>
+        <a:font script="Hant" typeface="新細明體"/>
+        <a:font script="Arab" typeface="Times New Roman"/>
+        <a:font script="Hebr" typeface="Times New Roman"/>
+        <a:font script="Thai" typeface="Angsana New"/>
+        <a:font script="Ethi" typeface="Nyala"/>
+        <a:font script="Beng" typeface="Vrinda"/>
+        <a:font script="Gujr" typeface="Shruti"/>
+        <a:font script="Khmr" typeface="MoolBoran"/>
+        <a:font script="Knda" typeface="Tunga"/>
+        <a:font script="Guru" typeface="Raavi"/>
+        <a:font script="Cans" typeface="Euphemia"/>
+        <a:font script="Cher" typeface="Plantagenet Cherokee"/>
+        <a:font script="Yiii" typeface="Microsoft Yi Baiti"/>
+        <a:font script="Tibt" typeface="Microsoft Himalaya"/>
+        <a:font script="Thaa" typeface="MV Boli"/>
+        <a:font script="Deva" typeface="Mangal"/>
+        <a:font script="Telu" typeface="Gautami"/>
+        <a:font script="Taml" typeface="Latha"/>
+        <a:font script="Syrc" typeface="Estrangelo Edessa"/>
+        <a:font script="Orya" typeface="Kalinga"/>
+        <a:font script="Mlym" typeface="Kartika"/>
+        <a:font script="Laoo" typeface="DokChampa"/>
+        <a:font script="Sinh" typeface="Iskoola Pota"/>
+        <a:font script="Mong" typeface="Mongolian Baiti"/>
+        <a:font script="Viet" typeface="Times New Roman"/>
+        <a:font script="Uigh" typeface="Microsoft Uighur"/>
+        <a:font script="Geor" typeface="Sylfaen"/>
+      </a:majorFont>
+      <a:minorFont>
+        <a:latin typeface="Arial"/>
+        <a:ea typeface=""/>
+        <a:cs typeface=""/>
+        <a:font script="Jpan" typeface="ＭＳ Ｐゴシック"/>
+        <a:font script="Hang" typeface="맑은 고딕"/>
+        <a:font script="Hans" typeface="宋体"/>
+        <a:font script="Hant" typeface="新細明體"/>
+        <a:font script="Arab" typeface="Arial"/>
+        <a:font script="Hebr" typeface="Arial"/>
+        <a:font script="Thai" typeface="Cordia New"/>
+        <a:font script="Ethi" typeface="Nyala"/>
+        <a:font script="Beng" typeface="Vrinda"/>
+        <a:font script="Gujr" typeface="Shruti"/>
+        <a:font script="Khmr" typeface="DaunPenh"/>
+        <a:font script="Knda" typeface="Tunga"/>
+        <a:font script="Guru" typeface="Raavi"/>
+        <a:font script="Cans" typeface="Euphemia"/>
+        <a:font script="Cher" typeface="Plantagenet Cherokee"/>
+        <a:font script="Yiii" typeface="Microsoft Yi Baiti"/>
+        <a:font script="Tibt" typeface="Microsoft Himalaya"/>
+        <a:font script="Thaa" typeface="MV Boli"/>
+        <a:font script="Deva" typeface="Mangal"/>
+        <a:font script="Telu" typeface="Gautami"/>
+        <a:font script="Taml" typeface="Latha"/>
+        <a:font script="Syrc" typeface="Estrangelo Edessa"/>
+        <a:font script="Orya" typeface="Kalinga"/>
+        <a:font script="Mlym" typeface="Kartika"/>
+        <a:font script="Laoo" typeface="DokChampa"/>
+        <a:font script="Sinh" typeface="Iskoola Pota"/>
+        <a:font script="Mong" typeface="Mongolian Baiti"/>
+        <a:font script="Viet" typeface="Arial"/>
+        <a:font script="Uigh" typeface="Microsoft Uighur"/>
+        <a:font script="Geor" typeface="Sylfaen"/>
+      </a:minorFont>
+    </a:fontScheme>
+    <a:fmtScheme name="Office">
+      <a:fillStyleLst>
+        <a:solidFill>
+          <a:schemeClr val="phClr"/>
+        </a:solidFill>
+        <a:gradFill rotWithShape="1">
+          <a:gsLst>
+            <a:gs pos="0">
+              <a:schemeClr val="phClr">
+                <a:tint val="50000"/>
+                <a:satMod val="300000"/>
+              </a:schemeClr>
+            </a:gs>
+            <a:gs pos="35000">
+              <a:schemeClr val="phClr">
+                <a:tint val="37000"/>
+                <a:satMod val="300000"/>
+              </a:schemeClr>
+            </a:gs>
+            <a:gs pos="100000">
+              <a:schemeClr val="phClr">
+                <a:tint val="15000"/>
+                <a:satMod val="350000"/>
+              </a:schemeClr>
+            </a:gs>
+          </a:gsLst>
+          <a:lin ang="16200000" scaled="1"/>
+        </a:gradFill>
+        <a:gradFill rotWithShape="1">
+          <a:gsLst>
+            <a:gs pos="0">
+              <a:schemeClr val="phClr">
+                <a:tint val="100000"/>
+                <a:shade val="100000"/>
+                <a:satMod val="130000"/>
+              </a:schemeClr>
+            </a:gs>
+            <a:gs pos="100000">
+              <a:schemeClr val="phClr">
+                <a:tint val="50000"/>
+                <a:shade val="100000"/>
+                <a:satMod val="350000"/>
+              </a:schemeClr>
+            </a:gs>
+          </a:gsLst>
+          <a:lin ang="16200000" scaled="0"/>
+        </a:gradFill>
+      </a:fillStyleLst>
+      <a:lnStyleLst>
+        <a:ln w="9525" cap="flat" cmpd="sng" algn="ctr">
+          <a:solidFill>
+            <a:schemeClr val="phClr">
+              <a:shade val="95000"/>
+              <a:satMod val="105000"/>
+            </a:schemeClr>
+          </a:solidFill>
+          <a:prstDash val="solid"/>
+        </a:ln>
+        <a:ln w="25400" cap="flat" cmpd="sng" algn="ctr">
+          <a:solidFill>
+            <a:schemeClr val="phClr"/>
+          </a:solidFill>
+          <a:prstDash val="solid"/>
+        </a:ln>
+        <a:ln w="38100" cap="flat" cmpd="sng" algn="ctr">
+          <a:solidFill>
+            <a:schemeClr val="phClr"/>
+          </a:solidFill>
+          <a:prstDash val="solid"/>
+        </a:ln>
+      </a:lnStyleLst>
+      <a:effectStyleLst>
+        <a:effectStyle>
+          <a:effectLst>
+            <a:outerShdw blurRad="40000" dist="20000" dir="5400000" rotWithShape="0">
+              <a:srgbClr val="000000">
+                <a:alpha val="38000"/>
+              </a:srgbClr>
+            </a:outerShdw>
+          </a:effectLst>
+        </a:effectStyle>
+        <a:effectStyle>
+          <a:effectLst>
+            <a:outerShdw blurRad="40000" dist="23000" dir="5400000" rotWithShape="0">
+              <a:srgbClr val="000000">
+                <a:alpha val="35000"/>
+              </a:srgbClr>
+            </a:outerShdw>
+          </a:effectLst>
+        </a:effectStyle>
+        <a:effectStyle>
+          <a:effectLst>
+            <a:outerShdw blurRad="40000" dist="23000" dir="5400000" rotWithShape="0">
+              <a:srgbClr val="000000">
+                <a:alpha val="35000"/>
+              </a:srgbClr>
+            </a:outerShdw>
+          </a:effectLst>
+          <a:scene3d>
+            <a:camera prst="orthographicFront">
+              <a:rot lat="0" lon="0" rev="0"/>
+            </a:camera>
+            <a:lightRig rig="threePt" dir="t">
+              <a:rot lat="0" lon="0" rev="1200000"/>
+            </a:lightRig>
+          </a:scene3d>
+          <a:sp3d>
+            <a:bevelT w="63500" h="25400"/>
+          </a:sp3d>
+        </a:effectStyle>
+      </a:effectStyleLst>
+      <a:bgFillStyleLst>
+        <a:solidFill>
+          <a:schemeClr val="phClr"/>
+        </a:solidFill>
+        <a:gradFill rotWithShape="1">
+          <a:gsLst>
+            <a:gs pos="0">
+              <a:schemeClr val="phClr">
+                <a:tint val="40000"/>
+                <a:satMod val="350000"/>
+              </a:schemeClr>
+            </a:gs>
+            <a:gs pos="40000">
+              <a:schemeClr val="phClr">
+                <a:tint val="45000"/>
+                <a:shade val="99000"/>
+                <a:satMod val="350000"/>
+              </a:schemeClr>
+            </a:gs>
+            <a:gs pos="100000">
+              <a:schemeClr val="phClr">
+                <a:shade val="20000"/>
+                <a:satMod val="255000"/>
+              </a:schemeClr>
+            </a:gs>
+          </a:gsLst>
+          <a:path path="circle">
+            <a:fillToRect l="50000" t="-80000" r="50000" b="180000"/>
+          </a:path>
+        </a:gradFill>
+        <a:gradFill rotWithShape="1">
+          <a:gsLst>
+            <a:gs pos="0">
+              <a:schemeClr val="phClr">
+                <a:tint val="80000"/>
+                <a:satMod val="300000"/>
+              </a:schemeClr>
+            </a:gs>
+            <a:gs pos="100000">
+              <a:schemeClr val="phClr">
+                <a:shade val="30000"/>
+                <a:satMod val="200000"/>
+              </a:schemeClr>
+            </a:gs>
+          </a:gsLst>
+          <a:path path="circle">
+            <a:fillToRect l="50000" t="50000" r="50000" b="50000"/>
+          </a:path>
+        </a:gradFill>
+      </a:bgFillStyleLst>
+    </a:fmtScheme>
+  </a:themeElements>
+  <a:objectDefaults/>
+  <a:extraClrSchemeLst/>
+</a:theme>
+</file>
+
+<file path=ppt/theme/theme2.xml><?xml version="1.0" encoding="utf-8"?>
+<a:theme xmlns:a="http://schemas.openxmlformats.org/drawingml/2006/main">
   <a:themeElements>
     <a:clrScheme name="Default">
       <a:dk1>
@@ -13889,284 +14427,7 @@
       </a:bgFillStyleLst>
     </a:fmtScheme>
   </a:themeElements>
-</a:theme>
-</file>
-
-<file path=ppt/theme/theme2.xml><?xml version="1.0" encoding="utf-8"?>
-<a:theme xmlns:a="http://schemas.openxmlformats.org/drawingml/2006/main" xmlns:r="http://schemas.openxmlformats.org/officeDocument/2006/relationships" name="Light Gradient">
-  <a:themeElements>
-    <a:clrScheme name="Custom 347">
-      <a:dk1>
-        <a:srgbClr val="000000"/>
-      </a:dk1>
-      <a:lt1>
-        <a:srgbClr val="FFFFFF"/>
-      </a:lt1>
-      <a:dk2>
-        <a:srgbClr val="666666"/>
-      </a:dk2>
-      <a:lt2>
-        <a:srgbClr val="CCCCCC"/>
-      </a:lt2>
-      <a:accent1>
-        <a:srgbClr val="3A81BA"/>
-      </a:accent1>
-      <a:accent2>
-        <a:srgbClr val="D89F39"/>
-      </a:accent2>
-      <a:accent3>
-        <a:srgbClr val="8BAB42"/>
-      </a:accent3>
-      <a:accent4>
-        <a:srgbClr val="57A7B5"/>
-      </a:accent4>
-      <a:accent5>
-        <a:srgbClr val="8B81D2"/>
-      </a:accent5>
-      <a:accent6>
-        <a:srgbClr val="963334"/>
-      </a:accent6>
-      <a:hlink>
-        <a:srgbClr val="1155CC"/>
-      </a:hlink>
-      <a:folHlink>
-        <a:srgbClr val="6611CC"/>
-      </a:folHlink>
-    </a:clrScheme>
-    <a:fontScheme name="Office">
-      <a:majorFont>
-        <a:latin typeface="Arial"/>
-        <a:ea typeface=""/>
-        <a:cs typeface=""/>
-        <a:font script="Jpan" typeface="ＭＳ Ｐゴシック"/>
-        <a:font script="Hang" typeface="맑은 고딕"/>
-        <a:font script="Hans" typeface="宋体"/>
-        <a:font script="Hant" typeface="新細明體"/>
-        <a:font script="Arab" typeface="Times New Roman"/>
-        <a:font script="Hebr" typeface="Times New Roman"/>
-        <a:font script="Thai" typeface="Angsana New"/>
-        <a:font script="Ethi" typeface="Nyala"/>
-        <a:font script="Beng" typeface="Vrinda"/>
-        <a:font script="Gujr" typeface="Shruti"/>
-        <a:font script="Khmr" typeface="MoolBoran"/>
-        <a:font script="Knda" typeface="Tunga"/>
-        <a:font script="Guru" typeface="Raavi"/>
-        <a:font script="Cans" typeface="Euphemia"/>
-        <a:font script="Cher" typeface="Plantagenet Cherokee"/>
-        <a:font script="Yiii" typeface="Microsoft Yi Baiti"/>
-        <a:font script="Tibt" typeface="Microsoft Himalaya"/>
-        <a:font script="Thaa" typeface="MV Boli"/>
-        <a:font script="Deva" typeface="Mangal"/>
-        <a:font script="Telu" typeface="Gautami"/>
-        <a:font script="Taml" typeface="Latha"/>
-        <a:font script="Syrc" typeface="Estrangelo Edessa"/>
-        <a:font script="Orya" typeface="Kalinga"/>
-        <a:font script="Mlym" typeface="Kartika"/>
-        <a:font script="Laoo" typeface="DokChampa"/>
-        <a:font script="Sinh" typeface="Iskoola Pota"/>
-        <a:font script="Mong" typeface="Mongolian Baiti"/>
-        <a:font script="Viet" typeface="Times New Roman"/>
-        <a:font script="Uigh" typeface="Microsoft Uighur"/>
-        <a:font script="Geor" typeface="Sylfaen"/>
-      </a:majorFont>
-      <a:minorFont>
-        <a:latin typeface="Arial"/>
-        <a:ea typeface=""/>
-        <a:cs typeface=""/>
-        <a:font script="Jpan" typeface="ＭＳ Ｐゴシック"/>
-        <a:font script="Hang" typeface="맑은 고딕"/>
-        <a:font script="Hans" typeface="宋体"/>
-        <a:font script="Hant" typeface="新細明體"/>
-        <a:font script="Arab" typeface="Arial"/>
-        <a:font script="Hebr" typeface="Arial"/>
-        <a:font script="Thai" typeface="Cordia New"/>
-        <a:font script="Ethi" typeface="Nyala"/>
-        <a:font script="Beng" typeface="Vrinda"/>
-        <a:font script="Gujr" typeface="Shruti"/>
-        <a:font script="Khmr" typeface="DaunPenh"/>
-        <a:font script="Knda" typeface="Tunga"/>
-        <a:font script="Guru" typeface="Raavi"/>
-        <a:font script="Cans" typeface="Euphemia"/>
-        <a:font script="Cher" typeface="Plantagenet Cherokee"/>
-        <a:font script="Yiii" typeface="Microsoft Yi Baiti"/>
-        <a:font script="Tibt" typeface="Microsoft Himalaya"/>
-        <a:font script="Thaa" typeface="MV Boli"/>
-        <a:font script="Deva" typeface="Mangal"/>
-        <a:font script="Telu" typeface="Gautami"/>
-        <a:font script="Taml" typeface="Latha"/>
-        <a:font script="Syrc" typeface="Estrangelo Edessa"/>
-        <a:font script="Orya" typeface="Kalinga"/>
-        <a:font script="Mlym" typeface="Kartika"/>
-        <a:font script="Laoo" typeface="DokChampa"/>
-        <a:font script="Sinh" typeface="Iskoola Pota"/>
-        <a:font script="Mong" typeface="Mongolian Baiti"/>
-        <a:font script="Viet" typeface="Arial"/>
-        <a:font script="Uigh" typeface="Microsoft Uighur"/>
-        <a:font script="Geor" typeface="Sylfaen"/>
-      </a:minorFont>
-    </a:fontScheme>
-    <a:fmtScheme name="Office">
-      <a:fillStyleLst>
-        <a:solidFill>
-          <a:schemeClr val="phClr"/>
-        </a:solidFill>
-        <a:gradFill rotWithShape="1">
-          <a:gsLst>
-            <a:gs pos="0">
-              <a:schemeClr val="phClr">
-                <a:tint val="50000"/>
-                <a:satMod val="300000"/>
-              </a:schemeClr>
-            </a:gs>
-            <a:gs pos="35000">
-              <a:schemeClr val="phClr">
-                <a:tint val="37000"/>
-                <a:satMod val="300000"/>
-              </a:schemeClr>
-            </a:gs>
-            <a:gs pos="100000">
-              <a:schemeClr val="phClr">
-                <a:tint val="15000"/>
-                <a:satMod val="350000"/>
-              </a:schemeClr>
-            </a:gs>
-          </a:gsLst>
-          <a:lin ang="16200000" scaled="1"/>
-        </a:gradFill>
-        <a:gradFill rotWithShape="1">
-          <a:gsLst>
-            <a:gs pos="0">
-              <a:schemeClr val="phClr">
-                <a:tint val="100000"/>
-                <a:shade val="100000"/>
-                <a:satMod val="130000"/>
-              </a:schemeClr>
-            </a:gs>
-            <a:gs pos="100000">
-              <a:schemeClr val="phClr">
-                <a:tint val="50000"/>
-                <a:shade val="100000"/>
-                <a:satMod val="350000"/>
-              </a:schemeClr>
-            </a:gs>
-          </a:gsLst>
-          <a:lin ang="16200000" scaled="0"/>
-        </a:gradFill>
-      </a:fillStyleLst>
-      <a:lnStyleLst>
-        <a:ln w="9525" cap="flat" cmpd="sng" algn="ctr">
-          <a:solidFill>
-            <a:schemeClr val="phClr">
-              <a:shade val="95000"/>
-              <a:satMod val="105000"/>
-            </a:schemeClr>
-          </a:solidFill>
-          <a:prstDash val="solid"/>
-        </a:ln>
-        <a:ln w="25400" cap="flat" cmpd="sng" algn="ctr">
-          <a:solidFill>
-            <a:schemeClr val="phClr"/>
-          </a:solidFill>
-          <a:prstDash val="solid"/>
-        </a:ln>
-        <a:ln w="38100" cap="flat" cmpd="sng" algn="ctr">
-          <a:solidFill>
-            <a:schemeClr val="phClr"/>
-          </a:solidFill>
-          <a:prstDash val="solid"/>
-        </a:ln>
-      </a:lnStyleLst>
-      <a:effectStyleLst>
-        <a:effectStyle>
-          <a:effectLst>
-            <a:outerShdw blurRad="40000" dist="20000" dir="5400000" rotWithShape="0">
-              <a:srgbClr val="000000">
-                <a:alpha val="38000"/>
-              </a:srgbClr>
-            </a:outerShdw>
-          </a:effectLst>
-        </a:effectStyle>
-        <a:effectStyle>
-          <a:effectLst>
-            <a:outerShdw blurRad="40000" dist="23000" dir="5400000" rotWithShape="0">
-              <a:srgbClr val="000000">
-                <a:alpha val="35000"/>
-              </a:srgbClr>
-            </a:outerShdw>
-          </a:effectLst>
-        </a:effectStyle>
-        <a:effectStyle>
-          <a:effectLst>
-            <a:outerShdw blurRad="40000" dist="23000" dir="5400000" rotWithShape="0">
-              <a:srgbClr val="000000">
-                <a:alpha val="35000"/>
-              </a:srgbClr>
-            </a:outerShdw>
-          </a:effectLst>
-          <a:scene3d>
-            <a:camera prst="orthographicFront">
-              <a:rot lat="0" lon="0" rev="0"/>
-            </a:camera>
-            <a:lightRig rig="threePt" dir="t">
-              <a:rot lat="0" lon="0" rev="1200000"/>
-            </a:lightRig>
-          </a:scene3d>
-          <a:sp3d>
-            <a:bevelT w="63500" h="25400"/>
-          </a:sp3d>
-        </a:effectStyle>
-      </a:effectStyleLst>
-      <a:bgFillStyleLst>
-        <a:solidFill>
-          <a:schemeClr val="phClr"/>
-        </a:solidFill>
-        <a:gradFill rotWithShape="1">
-          <a:gsLst>
-            <a:gs pos="0">
-              <a:schemeClr val="phClr">
-                <a:tint val="40000"/>
-                <a:satMod val="350000"/>
-              </a:schemeClr>
-            </a:gs>
-            <a:gs pos="40000">
-              <a:schemeClr val="phClr">
-                <a:tint val="45000"/>
-                <a:shade val="99000"/>
-                <a:satMod val="350000"/>
-              </a:schemeClr>
-            </a:gs>
-            <a:gs pos="100000">
-              <a:schemeClr val="phClr">
-                <a:shade val="20000"/>
-                <a:satMod val="255000"/>
-              </a:schemeClr>
-            </a:gs>
-          </a:gsLst>
-          <a:path path="circle">
-            <a:fillToRect l="50000" t="-80000" r="50000" b="180000"/>
-          </a:path>
-        </a:gradFill>
-        <a:gradFill rotWithShape="1">
-          <a:gsLst>
-            <a:gs pos="0">
-              <a:schemeClr val="phClr">
-                <a:tint val="80000"/>
-                <a:satMod val="300000"/>
-              </a:schemeClr>
-            </a:gs>
-            <a:gs pos="100000">
-              <a:schemeClr val="phClr">
-                <a:shade val="30000"/>
-                <a:satMod val="200000"/>
-              </a:schemeClr>
-            </a:gs>
-          </a:gsLst>
-          <a:path path="circle">
-            <a:fillToRect l="50000" t="50000" r="50000" b="50000"/>
-          </a:path>
-        </a:gradFill>
-      </a:bgFillStyleLst>
-    </a:fmtScheme>
-  </a:themeElements>
+  <a:objectDefaults/>
+  <a:extraClrSchemeLst/>
 </a:theme>
 </file>